--- a/assets/presentations/MSANDE228_Lecture5_Inference_in_High_Dimensional_Linear_Models.pptx
+++ b/assets/presentations/MSANDE228_Lecture5_Inference_in_High_Dimensional_Linear_Models.pptx
@@ -9155,7 +9155,7 @@
           <a:p>
             <a:fld id="{DE6BA60F-DE6F-45D4-98F5-DAB0AE3C7AA8}" type="datetimeFigureOut">
               <a:rPr lang="en-US" smtClean="0"/>
-              <a:t>1/30/2023</a:t>
+              <a:t>1/25/2024</a:t>
             </a:fld>
             <a:endParaRPr lang="en-US"/>
           </a:p>
@@ -9353,7 +9353,7 @@
           <a:p>
             <a:fld id="{DE6BA60F-DE6F-45D4-98F5-DAB0AE3C7AA8}" type="datetimeFigureOut">
               <a:rPr lang="en-US" smtClean="0"/>
-              <a:t>1/30/2023</a:t>
+              <a:t>1/25/2024</a:t>
             </a:fld>
             <a:endParaRPr lang="en-US"/>
           </a:p>
@@ -9561,7 +9561,7 @@
           <a:p>
             <a:fld id="{DE6BA60F-DE6F-45D4-98F5-DAB0AE3C7AA8}" type="datetimeFigureOut">
               <a:rPr lang="en-US" smtClean="0"/>
-              <a:t>1/30/2023</a:t>
+              <a:t>1/25/2024</a:t>
             </a:fld>
             <a:endParaRPr lang="en-US"/>
           </a:p>
@@ -9781,7 +9781,7 @@
           <a:p>
             <a:fld id="{DE6BA60F-DE6F-45D4-98F5-DAB0AE3C7AA8}" type="datetimeFigureOut">
               <a:rPr lang="en-US" smtClean="0"/>
-              <a:t>1/30/2023</a:t>
+              <a:t>1/25/2024</a:t>
             </a:fld>
             <a:endParaRPr lang="en-US"/>
           </a:p>
@@ -9979,7 +9979,7 @@
           <a:p>
             <a:fld id="{DE6BA60F-DE6F-45D4-98F5-DAB0AE3C7AA8}" type="datetimeFigureOut">
               <a:rPr lang="en-US" smtClean="0"/>
-              <a:t>1/30/2023</a:t>
+              <a:t>1/25/2024</a:t>
             </a:fld>
             <a:endParaRPr lang="en-US"/>
           </a:p>
@@ -10254,7 +10254,7 @@
           <a:p>
             <a:fld id="{DE6BA60F-DE6F-45D4-98F5-DAB0AE3C7AA8}" type="datetimeFigureOut">
               <a:rPr lang="en-US" smtClean="0"/>
-              <a:t>1/30/2023</a:t>
+              <a:t>1/25/2024</a:t>
             </a:fld>
             <a:endParaRPr lang="en-US"/>
           </a:p>
@@ -10519,7 +10519,7 @@
           <a:p>
             <a:fld id="{DE6BA60F-DE6F-45D4-98F5-DAB0AE3C7AA8}" type="datetimeFigureOut">
               <a:rPr lang="en-US" smtClean="0"/>
-              <a:t>1/30/2023</a:t>
+              <a:t>1/25/2024</a:t>
             </a:fld>
             <a:endParaRPr lang="en-US"/>
           </a:p>
@@ -10931,7 +10931,7 @@
           <a:p>
             <a:fld id="{DE6BA60F-DE6F-45D4-98F5-DAB0AE3C7AA8}" type="datetimeFigureOut">
               <a:rPr lang="en-US" smtClean="0"/>
-              <a:t>1/30/2023</a:t>
+              <a:t>1/25/2024</a:t>
             </a:fld>
             <a:endParaRPr lang="en-US"/>
           </a:p>
@@ -11072,7 +11072,7 @@
           <a:p>
             <a:fld id="{DE6BA60F-DE6F-45D4-98F5-DAB0AE3C7AA8}" type="datetimeFigureOut">
               <a:rPr lang="en-US" smtClean="0"/>
-              <a:t>1/30/2023</a:t>
+              <a:t>1/25/2024</a:t>
             </a:fld>
             <a:endParaRPr lang="en-US"/>
           </a:p>
@@ -11185,7 +11185,7 @@
           <a:p>
             <a:fld id="{DE6BA60F-DE6F-45D4-98F5-DAB0AE3C7AA8}" type="datetimeFigureOut">
               <a:rPr lang="en-US" smtClean="0"/>
-              <a:t>1/30/2023</a:t>
+              <a:t>1/25/2024</a:t>
             </a:fld>
             <a:endParaRPr lang="en-US"/>
           </a:p>
@@ -11496,7 +11496,7 @@
           <a:p>
             <a:fld id="{DE6BA60F-DE6F-45D4-98F5-DAB0AE3C7AA8}" type="datetimeFigureOut">
               <a:rPr lang="en-US" smtClean="0"/>
-              <a:t>1/30/2023</a:t>
+              <a:t>1/25/2024</a:t>
             </a:fld>
             <a:endParaRPr lang="en-US"/>
           </a:p>
@@ -11694,7 +11694,7 @@
           <a:p>
             <a:fld id="{DE6BA60F-DE6F-45D4-98F5-DAB0AE3C7AA8}" type="datetimeFigureOut">
               <a:rPr lang="en-US" smtClean="0"/>
-              <a:t>1/30/2023</a:t>
+              <a:t>1/25/2024</a:t>
             </a:fld>
             <a:endParaRPr lang="en-US"/>
           </a:p>
@@ -11982,7 +11982,7 @@
           <a:p>
             <a:fld id="{DE6BA60F-DE6F-45D4-98F5-DAB0AE3C7AA8}" type="datetimeFigureOut">
               <a:rPr lang="en-US" smtClean="0"/>
-              <a:t>1/30/2023</a:t>
+              <a:t>1/25/2024</a:t>
             </a:fld>
             <a:endParaRPr lang="en-US"/>
           </a:p>
@@ -12180,7 +12180,7 @@
           <a:p>
             <a:fld id="{DE6BA60F-DE6F-45D4-98F5-DAB0AE3C7AA8}" type="datetimeFigureOut">
               <a:rPr lang="en-US" smtClean="0"/>
-              <a:t>1/30/2023</a:t>
+              <a:t>1/25/2024</a:t>
             </a:fld>
             <a:endParaRPr lang="en-US"/>
           </a:p>
@@ -12388,7 +12388,7 @@
           <a:p>
             <a:fld id="{DE6BA60F-DE6F-45D4-98F5-DAB0AE3C7AA8}" type="datetimeFigureOut">
               <a:rPr lang="en-US" smtClean="0"/>
-              <a:t>1/30/2023</a:t>
+              <a:t>1/25/2024</a:t>
             </a:fld>
             <a:endParaRPr lang="en-US"/>
           </a:p>
@@ -12663,7 +12663,7 @@
           <a:p>
             <a:fld id="{DE6BA60F-DE6F-45D4-98F5-DAB0AE3C7AA8}" type="datetimeFigureOut">
               <a:rPr lang="en-US" smtClean="0"/>
-              <a:t>1/30/2023</a:t>
+              <a:t>1/25/2024</a:t>
             </a:fld>
             <a:endParaRPr lang="en-US"/>
           </a:p>
@@ -12928,7 +12928,7 @@
           <a:p>
             <a:fld id="{DE6BA60F-DE6F-45D4-98F5-DAB0AE3C7AA8}" type="datetimeFigureOut">
               <a:rPr lang="en-US" smtClean="0"/>
-              <a:t>1/30/2023</a:t>
+              <a:t>1/25/2024</a:t>
             </a:fld>
             <a:endParaRPr lang="en-US"/>
           </a:p>
@@ -13340,7 +13340,7 @@
           <a:p>
             <a:fld id="{DE6BA60F-DE6F-45D4-98F5-DAB0AE3C7AA8}" type="datetimeFigureOut">
               <a:rPr lang="en-US" smtClean="0"/>
-              <a:t>1/30/2023</a:t>
+              <a:t>1/25/2024</a:t>
             </a:fld>
             <a:endParaRPr lang="en-US"/>
           </a:p>
@@ -13481,7 +13481,7 @@
           <a:p>
             <a:fld id="{DE6BA60F-DE6F-45D4-98F5-DAB0AE3C7AA8}" type="datetimeFigureOut">
               <a:rPr lang="en-US" smtClean="0"/>
-              <a:t>1/30/2023</a:t>
+              <a:t>1/25/2024</a:t>
             </a:fld>
             <a:endParaRPr lang="en-US"/>
           </a:p>
@@ -13594,7 +13594,7 @@
           <a:p>
             <a:fld id="{DE6BA60F-DE6F-45D4-98F5-DAB0AE3C7AA8}" type="datetimeFigureOut">
               <a:rPr lang="en-US" smtClean="0"/>
-              <a:t>1/30/2023</a:t>
+              <a:t>1/25/2024</a:t>
             </a:fld>
             <a:endParaRPr lang="en-US"/>
           </a:p>
@@ -13905,7 +13905,7 @@
           <a:p>
             <a:fld id="{DE6BA60F-DE6F-45D4-98F5-DAB0AE3C7AA8}" type="datetimeFigureOut">
               <a:rPr lang="en-US" smtClean="0"/>
-              <a:t>1/30/2023</a:t>
+              <a:t>1/25/2024</a:t>
             </a:fld>
             <a:endParaRPr lang="en-US"/>
           </a:p>
@@ -14193,7 +14193,7 @@
           <a:p>
             <a:fld id="{DE6BA60F-DE6F-45D4-98F5-DAB0AE3C7AA8}" type="datetimeFigureOut">
               <a:rPr lang="en-US" smtClean="0"/>
-              <a:t>1/30/2023</a:t>
+              <a:t>1/25/2024</a:t>
             </a:fld>
             <a:endParaRPr lang="en-US"/>
           </a:p>
@@ -14434,7 +14434,7 @@
           <a:p>
             <a:fld id="{DE6BA60F-DE6F-45D4-98F5-DAB0AE3C7AA8}" type="datetimeFigureOut">
               <a:rPr lang="en-US" smtClean="0"/>
-              <a:t>1/30/2023</a:t>
+              <a:t>1/25/2024</a:t>
             </a:fld>
             <a:endParaRPr lang="en-US"/>
           </a:p>
@@ -15002,7 +15002,7 @@
           <a:p>
             <a:fld id="{DE6BA60F-DE6F-45D4-98F5-DAB0AE3C7AA8}" type="datetimeFigureOut">
               <a:rPr lang="en-US" smtClean="0"/>
-              <a:t>1/30/2023</a:t>
+              <a:t>1/25/2024</a:t>
             </a:fld>
             <a:endParaRPr lang="en-US"/>
           </a:p>
@@ -15547,7 +15547,7 @@
             </p:spPr>
             <p:txBody>
               <a:bodyPr vert="horz" lIns="91440" tIns="45720" rIns="91440" bIns="45720" rtlCol="0" anchor="b">
-                <a:normAutofit/>
+                <a:normAutofit fontScale="90000"/>
               </a:bodyPr>
               <a:lstStyle/>
               <a:p>
@@ -15952,6 +15952,24 @@
                     </m:oMath>
                   </m:oMathPara>
                 </a14:m>
+                <a:br>
+                  <a:rPr lang="en-US" sz="3600" kern="1200" dirty="0">
+                    <a:solidFill>
+                      <a:schemeClr val="tx1"/>
+                    </a:solidFill>
+                  </a:rPr>
+                </a:br>
+                <a:br>
+                  <a:rPr lang="en-US" sz="3600" kern="1200" dirty="0">
+                    <a:solidFill>
+                      <a:schemeClr val="tx1"/>
+                    </a:solidFill>
+                  </a:rPr>
+                </a:br>
+                <a:r>
+                  <a:rPr lang="en-US" sz="3600" dirty="0"/>
+                  <a:t>Make sure you don’t penalize the intercept (e.g. center the outcome and covariates before passing to a package if the package penalizes the intercept)</a:t>
+                </a:r>
                 <a:endParaRPr lang="en-US" sz="3600" kern="1200" dirty="0">
                   <a:solidFill>
                     <a:schemeClr val="tx1"/>
@@ -15986,7 +16004,7 @@
               <a:blipFill>
                 <a:blip r:embed="rId2"/>
                 <a:stretch>
-                  <a:fillRect l="-1908"/>
+                  <a:fillRect l="-1590" b="-4748"/>
                 </a:stretch>
               </a:blipFill>
             </p:spPr>
@@ -28371,8 +28389,8 @@
           </a:p>
         </p:txBody>
       </p:sp>
-      <mc:AlternateContent xmlns:mc="http://schemas.openxmlformats.org/markup-compatibility/2006" xmlns:a14="http://schemas.microsoft.com/office/drawing/2010/main">
-        <mc:Choice Requires="a14">
+      <mc:AlternateContent xmlns:mc="http://schemas.openxmlformats.org/markup-compatibility/2006">
+        <mc:Choice xmlns:a14="http://schemas.microsoft.com/office/drawing/2010/main" Requires="a14">
           <p:sp>
             <p:nvSpPr>
               <p:cNvPr id="3" name="Content Placeholder 2">
@@ -28466,18 +28484,6 @@
                       <m:jc m:val="centerGroup"/>
                     </m:oMathParaPr>
                     <m:oMath xmlns:m="http://schemas.openxmlformats.org/officeDocument/2006/math">
-                      <m:r>
-                        <a:rPr lang="en-US" b="0" i="1" smtClean="0">
-                          <a:latin typeface="Cambria Math" panose="02040503050406030204" pitchFamily="18" charset="0"/>
-                        </a:rPr>
-                        <m:t>𝐷</m:t>
-                      </m:r>
-                      <m:r>
-                        <a:rPr lang="en-US" b="0" i="1" smtClean="0">
-                          <a:latin typeface="Cambria Math" panose="02040503050406030204" pitchFamily="18" charset="0"/>
-                        </a:rPr>
-                        <m:t>≔</m:t>
-                      </m:r>
                       <m:sSub>
                         <m:sSubPr>
                           <m:ctrlPr>
@@ -28660,12 +28666,73 @@
                       <m:jc m:val="centerGroup"/>
                     </m:oMathParaPr>
                     <m:oMath xmlns:m="http://schemas.openxmlformats.org/officeDocument/2006/math">
+                      <m:sSub>
+                        <m:sSubPr>
+                          <m:ctrlPr>
+                            <a:rPr lang="en-US" i="1">
+                              <a:latin typeface="Cambria Math" panose="02040503050406030204" pitchFamily="18" charset="0"/>
+                            </a:rPr>
+                          </m:ctrlPr>
+                        </m:sSubPr>
+                        <m:e>
+                          <m:r>
+                            <a:rPr lang="en-US" i="1">
+                              <a:latin typeface="Cambria Math" panose="02040503050406030204" pitchFamily="18" charset="0"/>
+                            </a:rPr>
+                            <m:t>𝜕</m:t>
+                          </m:r>
+                        </m:e>
+                        <m:sub>
+                          <m:r>
+                            <a:rPr lang="en-US" i="1">
+                              <a:latin typeface="Cambria Math" panose="02040503050406030204" pitchFamily="18" charset="0"/>
+                            </a:rPr>
+                            <m:t>𝜂</m:t>
+                          </m:r>
+                        </m:sub>
+                      </m:sSub>
                       <m:r>
-                        <a:rPr lang="en-US" b="0" i="1" smtClean="0">
+                        <a:rPr lang="en-US" i="1">
                           <a:latin typeface="Cambria Math" panose="02040503050406030204" pitchFamily="18" charset="0"/>
                         </a:rPr>
-                        <m:t>𝐷</m:t>
+                        <m:t>𝛼</m:t>
                       </m:r>
+                      <m:d>
+                        <m:dPr>
+                          <m:ctrlPr>
+                            <a:rPr lang="en-US" i="1">
+                              <a:latin typeface="Cambria Math" panose="02040503050406030204" pitchFamily="18" charset="0"/>
+                            </a:rPr>
+                          </m:ctrlPr>
+                        </m:dPr>
+                        <m:e>
+                          <m:sSup>
+                            <m:sSupPr>
+                              <m:ctrlPr>
+                                <a:rPr lang="en-US" i="1">
+                                  <a:latin typeface="Cambria Math" panose="02040503050406030204" pitchFamily="18" charset="0"/>
+                                </a:rPr>
+                              </m:ctrlPr>
+                            </m:sSupPr>
+                            <m:e>
+                              <m:r>
+                                <a:rPr lang="en-US" i="1">
+                                  <a:latin typeface="Cambria Math" panose="02040503050406030204" pitchFamily="18" charset="0"/>
+                                </a:rPr>
+                                <m:t>𝜂</m:t>
+                              </m:r>
+                            </m:e>
+                            <m:sup>
+                              <m:r>
+                                <a:rPr lang="en-US" i="1">
+                                  <a:latin typeface="Cambria Math" panose="02040503050406030204" pitchFamily="18" charset="0"/>
+                                </a:rPr>
+                                <m:t>𝑜</m:t>
+                              </m:r>
+                            </m:sup>
+                          </m:sSup>
+                        </m:e>
+                      </m:d>
                       <m:r>
                         <a:rPr lang="en-US" b="0" i="1" smtClean="0">
                           <a:latin typeface="Cambria Math" panose="02040503050406030204" pitchFamily="18" charset="0"/>
@@ -28959,7 +29026,7 @@
             </p:txBody>
           </p:sp>
         </mc:Choice>
-        <mc:Fallback xmlns="">
+        <mc:Fallback>
           <p:sp>
             <p:nvSpPr>
               <p:cNvPr id="3" name="Content Placeholder 2">
@@ -30603,8 +30670,8 @@
           <a:chExt cx="0" cy="0"/>
         </a:xfrm>
       </p:grpSpPr>
-      <mc:AlternateContent xmlns:mc="http://schemas.openxmlformats.org/markup-compatibility/2006" xmlns:a14="http://schemas.microsoft.com/office/drawing/2010/main">
-        <mc:Choice Requires="a14">
+      <mc:AlternateContent xmlns:mc="http://schemas.openxmlformats.org/markup-compatibility/2006">
+        <mc:Choice xmlns:a14="http://schemas.microsoft.com/office/drawing/2010/main" Requires="a14">
           <p:sp>
             <p:nvSpPr>
               <p:cNvPr id="2" name="Title 1">
@@ -30723,18 +30790,6 @@
                       <m:jc m:val="centerGroup"/>
                     </m:oMathParaPr>
                     <m:oMath xmlns:m="http://schemas.openxmlformats.org/officeDocument/2006/math">
-                      <m:r>
-                        <a:rPr lang="en-US" sz="3600" b="0" i="1" smtClean="0">
-                          <a:latin typeface="Cambria Math" panose="02040503050406030204" pitchFamily="18" charset="0"/>
-                        </a:rPr>
-                        <m:t>𝐷</m:t>
-                      </m:r>
-                      <m:r>
-                        <a:rPr lang="en-US" sz="3600" b="0" i="1" smtClean="0">
-                          <a:latin typeface="Cambria Math" panose="02040503050406030204" pitchFamily="18" charset="0"/>
-                        </a:rPr>
-                        <m:t>≔</m:t>
-                      </m:r>
                       <m:sSub>
                         <m:sSubPr>
                           <m:ctrlPr>
@@ -31004,7 +31059,7 @@
             </p:txBody>
           </p:sp>
         </mc:Choice>
-        <mc:Fallback xmlns="">
+        <mc:Fallback>
           <p:sp>
             <p:nvSpPr>
               <p:cNvPr id="2" name="Title 1">
@@ -32225,7 +32280,7 @@
               <a:rPr lang="en-US" dirty="0">
                 <a:latin typeface="+mj-lt"/>
               </a:rPr>
-              <a:t>The double Lasso approach controls for both strong predictors of the target and strong predictors of the target; by running the two prediction problems separately</a:t>
+              <a:t>The double Lasso approach controls for both strong predictors of the target and strong predictors of the outcome; by running the two prediction problems separately</a:t>
             </a:r>
           </a:p>
           <a:p>
@@ -34093,7 +34148,7 @@
                   <a:rPr lang="en-US" dirty="0">
                     <a:latin typeface="+mj-lt"/>
                   </a:rPr>
-                  <a:t> all coordinates and pay attention to one that is interesting and look at that entries CI, then we need a joint confidence interval so that all coordinates are covered simultaneously (multiple hypotheses testing)</a:t>
+                  <a:t> all coordinates and pay attention to one that is interesting and look at that entry’s CI, then we need a joint confidence interval so that all coordinates are covered simultaneously (multiple hypotheses testing)</a:t>
                 </a:r>
               </a:p>
             </p:txBody>
@@ -34120,7 +34175,7 @@
               <a:blipFill>
                 <a:blip r:embed="rId2"/>
                 <a:stretch>
-                  <a:fillRect l="-1043" t="-2381" r="-1449"/>
+                  <a:fillRect l="-1043" t="-2381" r="-1275"/>
                 </a:stretch>
               </a:blipFill>
             </p:spPr>

--- a/assets/presentations/MSANDE228_Lecture5_Inference_in_High_Dimensional_Linear_Models.pptx
+++ b/assets/presentations/MSANDE228_Lecture5_Inference_in_High_Dimensional_Linear_Models.pptx
@@ -36120,8 +36120,8 @@
           </a:p>
         </p:txBody>
       </p:sp>
-      <mc:AlternateContent xmlns:mc="http://schemas.openxmlformats.org/markup-compatibility/2006" xmlns:a14="http://schemas.microsoft.com/office/drawing/2010/main">
-        <mc:Choice Requires="a14">
+      <mc:AlternateContent xmlns:mc="http://schemas.openxmlformats.org/markup-compatibility/2006">
+        <mc:Choice xmlns:a14="http://schemas.microsoft.com/office/drawing/2010/main" Requires="a14">
           <p:sp>
             <p:nvSpPr>
               <p:cNvPr id="3" name="Content Placeholder 2">
@@ -36992,10 +36992,13 @@
                 <a14:m>
                   <m:oMath xmlns:m="http://schemas.openxmlformats.org/officeDocument/2006/math">
                     <m:r>
-                      <a:rPr lang="en-US" b="0" i="1" smtClean="0">
+                      <m:rPr>
+                        <m:sty m:val="p"/>
+                      </m:rPr>
+                      <a:rPr lang="en-US" b="0" i="0" smtClean="0">
                         <a:latin typeface="Cambria Math" panose="02040503050406030204" pitchFamily="18" charset="0"/>
                       </a:rPr>
-                      <m:t>𝐷</m:t>
+                      <m:t>Δ</m:t>
                     </m:r>
                     <m:r>
                       <a:rPr lang="en-US" b="0" i="1" smtClean="0">
@@ -37392,10 +37395,13 @@
                                             </m:sSupPr>
                                             <m:e>
                                               <m:r>
-                                                <a:rPr lang="en-US" sz="2800" i="1">
+                                                <m:rPr>
+                                                  <m:sty m:val="p"/>
+                                                </m:rPr>
+                                                <a:rPr lang="en-US" sz="2800" b="0" i="0" smtClean="0">
                                                   <a:latin typeface="Cambria Math" panose="02040503050406030204" pitchFamily="18" charset="0"/>
                                                 </a:rPr>
-                                                <m:t>𝐷</m:t>
+                                                <m:t>Δ</m:t>
                                               </m:r>
                                             </m:e>
                                             <m:sup>
@@ -37423,10 +37429,13 @@
                                             </m:sSupPr>
                                             <m:e>
                                               <m:r>
-                                                <a:rPr lang="en-US" sz="2800" i="1">
+                                                <m:rPr>
+                                                  <m:sty m:val="p"/>
+                                                </m:rPr>
+                                                <a:rPr lang="en-US" sz="2800" b="0" i="0" smtClean="0">
                                                   <a:latin typeface="Cambria Math" panose="02040503050406030204" pitchFamily="18" charset="0"/>
                                                 </a:rPr>
-                                                <m:t>𝐷</m:t>
+                                                <m:t>Δ</m:t>
                                               </m:r>
                                             </m:e>
                                             <m:sup>
@@ -37486,7 +37495,7 @@
             </p:txBody>
           </p:sp>
         </mc:Choice>
-        <mc:Fallback xmlns="">
+        <mc:Fallback>
           <p:sp>
             <p:nvSpPr>
               <p:cNvPr id="3" name="Content Placeholder 2">
@@ -37746,8 +37755,8 @@
           <a:chExt cx="0" cy="0"/>
         </a:xfrm>
       </p:grpSpPr>
-      <mc:AlternateContent xmlns:mc="http://schemas.openxmlformats.org/markup-compatibility/2006" xmlns:a14="http://schemas.microsoft.com/office/drawing/2010/main">
-        <mc:Choice Requires="a14">
+      <mc:AlternateContent xmlns:mc="http://schemas.openxmlformats.org/markup-compatibility/2006">
+        <mc:Choice xmlns:a14="http://schemas.microsoft.com/office/drawing/2010/main" Requires="a14">
           <p:sp>
             <p:nvSpPr>
               <p:cNvPr id="2" name="Title 1">
@@ -37834,10 +37843,13 @@
                       </m:sSupPr>
                       <m:e>
                         <m:r>
-                          <a:rPr lang="en-US" sz="3600" i="1">
+                          <m:rPr>
+                            <m:sty m:val="p"/>
+                          </m:rPr>
+                          <a:rPr lang="en-US" sz="3600" b="0" i="0" smtClean="0">
                             <a:latin typeface="Cambria Math" panose="02040503050406030204" pitchFamily="18" charset="0"/>
                           </a:rPr>
-                          <m:t>𝐷</m:t>
+                          <m:t>Δ</m:t>
                         </m:r>
                       </m:e>
                       <m:sup>
@@ -37871,10 +37883,13 @@
                       </m:sSupPr>
                       <m:e>
                         <m:r>
-                          <a:rPr lang="en-US" sz="3600" i="1">
+                          <m:rPr>
+                            <m:sty m:val="p"/>
+                          </m:rPr>
+                          <a:rPr lang="en-US" sz="3600" b="0" i="0" smtClean="0">
                             <a:latin typeface="Cambria Math" panose="02040503050406030204" pitchFamily="18" charset="0"/>
                           </a:rPr>
-                          <m:t>𝐷</m:t>
+                          <m:t>Δ</m:t>
                         </m:r>
                       </m:e>
                       <m:sup>
@@ -37910,7 +37925,7 @@
                         <a:rPr lang="en-US" sz="2800" b="0" i="0" smtClean="0">
                           <a:latin typeface="Cambria Math" panose="02040503050406030204" pitchFamily="18" charset="0"/>
                         </a:rPr>
-                        <m:t>D</m:t>
+                        <m:t>Δ</m:t>
                       </m:r>
                       <m:r>
                         <a:rPr lang="en-US" sz="2800" b="0" i="1" smtClean="0">
@@ -38141,7 +38156,7 @@
             </p:txBody>
           </p:sp>
         </mc:Choice>
-        <mc:Fallback xmlns="">
+        <mc:Fallback>
           <p:sp>
             <p:nvSpPr>
               <p:cNvPr id="2" name="Title 1">

--- a/assets/presentations/MSANDE228_Lecture5_Inference_in_High_Dimensional_Linear_Models.pptx
+++ b/assets/presentations/MSANDE228_Lecture5_Inference_in_High_Dimensional_Linear_Models.pptx
@@ -9,48 +9,49 @@
     <p:sldId id="256" r:id="rId3"/>
     <p:sldId id="2385" r:id="rId4"/>
     <p:sldId id="2441" r:id="rId5"/>
-    <p:sldId id="2368" r:id="rId6"/>
-    <p:sldId id="2358" r:id="rId7"/>
-    <p:sldId id="2360" r:id="rId8"/>
-    <p:sldId id="2361" r:id="rId9"/>
-    <p:sldId id="2362" r:id="rId10"/>
-    <p:sldId id="2410" r:id="rId11"/>
-    <p:sldId id="2363" r:id="rId12"/>
-    <p:sldId id="2364" r:id="rId13"/>
-    <p:sldId id="2366" r:id="rId14"/>
-    <p:sldId id="2367" r:id="rId15"/>
-    <p:sldId id="2411" r:id="rId16"/>
-    <p:sldId id="2369" r:id="rId17"/>
-    <p:sldId id="2344" r:id="rId18"/>
-    <p:sldId id="263" r:id="rId19"/>
-    <p:sldId id="2345" r:id="rId20"/>
-    <p:sldId id="2347" r:id="rId21"/>
-    <p:sldId id="2412" r:id="rId22"/>
-    <p:sldId id="2413" r:id="rId23"/>
-    <p:sldId id="2414" r:id="rId24"/>
-    <p:sldId id="2415" r:id="rId25"/>
-    <p:sldId id="2416" r:id="rId26"/>
-    <p:sldId id="2348" r:id="rId27"/>
-    <p:sldId id="2349" r:id="rId28"/>
-    <p:sldId id="2418" r:id="rId29"/>
-    <p:sldId id="2421" r:id="rId30"/>
-    <p:sldId id="2424" r:id="rId31"/>
-    <p:sldId id="2429" r:id="rId32"/>
-    <p:sldId id="2430" r:id="rId33"/>
-    <p:sldId id="2426" r:id="rId34"/>
-    <p:sldId id="2427" r:id="rId35"/>
-    <p:sldId id="2428" r:id="rId36"/>
-    <p:sldId id="2438" r:id="rId37"/>
-    <p:sldId id="2439" r:id="rId38"/>
-    <p:sldId id="2440" r:id="rId39"/>
-    <p:sldId id="2420" r:id="rId40"/>
-    <p:sldId id="2431" r:id="rId41"/>
-    <p:sldId id="2433" r:id="rId42"/>
-    <p:sldId id="2432" r:id="rId43"/>
-    <p:sldId id="2434" r:id="rId44"/>
-    <p:sldId id="2435" r:id="rId45"/>
-    <p:sldId id="2437" r:id="rId46"/>
-    <p:sldId id="2436" r:id="rId47"/>
+    <p:sldId id="2442" r:id="rId6"/>
+    <p:sldId id="2368" r:id="rId7"/>
+    <p:sldId id="2358" r:id="rId8"/>
+    <p:sldId id="2360" r:id="rId9"/>
+    <p:sldId id="2361" r:id="rId10"/>
+    <p:sldId id="2362" r:id="rId11"/>
+    <p:sldId id="2410" r:id="rId12"/>
+    <p:sldId id="2363" r:id="rId13"/>
+    <p:sldId id="2364" r:id="rId14"/>
+    <p:sldId id="2366" r:id="rId15"/>
+    <p:sldId id="2367" r:id="rId16"/>
+    <p:sldId id="2411" r:id="rId17"/>
+    <p:sldId id="2369" r:id="rId18"/>
+    <p:sldId id="2344" r:id="rId19"/>
+    <p:sldId id="263" r:id="rId20"/>
+    <p:sldId id="2345" r:id="rId21"/>
+    <p:sldId id="2347" r:id="rId22"/>
+    <p:sldId id="2412" r:id="rId23"/>
+    <p:sldId id="2413" r:id="rId24"/>
+    <p:sldId id="2414" r:id="rId25"/>
+    <p:sldId id="2415" r:id="rId26"/>
+    <p:sldId id="2416" r:id="rId27"/>
+    <p:sldId id="2348" r:id="rId28"/>
+    <p:sldId id="2349" r:id="rId29"/>
+    <p:sldId id="2418" r:id="rId30"/>
+    <p:sldId id="2421" r:id="rId31"/>
+    <p:sldId id="2424" r:id="rId32"/>
+    <p:sldId id="2429" r:id="rId33"/>
+    <p:sldId id="2430" r:id="rId34"/>
+    <p:sldId id="2426" r:id="rId35"/>
+    <p:sldId id="2427" r:id="rId36"/>
+    <p:sldId id="2428" r:id="rId37"/>
+    <p:sldId id="2438" r:id="rId38"/>
+    <p:sldId id="2439" r:id="rId39"/>
+    <p:sldId id="2440" r:id="rId40"/>
+    <p:sldId id="2420" r:id="rId41"/>
+    <p:sldId id="2431" r:id="rId42"/>
+    <p:sldId id="2433" r:id="rId43"/>
+    <p:sldId id="2432" r:id="rId44"/>
+    <p:sldId id="2434" r:id="rId45"/>
+    <p:sldId id="2435" r:id="rId46"/>
+    <p:sldId id="2437" r:id="rId47"/>
+    <p:sldId id="2436" r:id="rId48"/>
   </p:sldIdLst>
   <p:sldSz cx="12192000" cy="6858000"/>
   <p:notesSz cx="6858000" cy="9144000"/>
@@ -1651,6 +1652,753 @@
 </dgm:colorsDef>
 </file>
 
+<file path=ppt/diagrams/colors3.xml><?xml version="1.0" encoding="utf-8"?>
+<dgm:colorsDef xmlns:dgm="http://schemas.openxmlformats.org/drawingml/2006/diagram" xmlns:a="http://schemas.openxmlformats.org/drawingml/2006/main" uniqueId="urn:microsoft.com/office/officeart/2005/8/colors/accent1_2">
+  <dgm:title val=""/>
+  <dgm:desc val=""/>
+  <dgm:catLst>
+    <dgm:cat type="accent1" pri="11200"/>
+  </dgm:catLst>
+  <dgm:styleLbl name="node0">
+    <dgm:fillClrLst meth="repeat">
+      <a:schemeClr val="accent1"/>
+    </dgm:fillClrLst>
+    <dgm:linClrLst meth="repeat">
+      <a:schemeClr val="lt1"/>
+    </dgm:linClrLst>
+    <dgm:effectClrLst/>
+    <dgm:txLinClrLst/>
+    <dgm:txFillClrLst/>
+    <dgm:txEffectClrLst/>
+  </dgm:styleLbl>
+  <dgm:styleLbl name="alignNode1">
+    <dgm:fillClrLst meth="repeat">
+      <a:schemeClr val="accent1"/>
+    </dgm:fillClrLst>
+    <dgm:linClrLst meth="repeat">
+      <a:schemeClr val="accent1"/>
+    </dgm:linClrLst>
+    <dgm:effectClrLst/>
+    <dgm:txLinClrLst/>
+    <dgm:txFillClrLst/>
+    <dgm:txEffectClrLst/>
+  </dgm:styleLbl>
+  <dgm:styleLbl name="node1">
+    <dgm:fillClrLst meth="repeat">
+      <a:schemeClr val="accent1"/>
+    </dgm:fillClrLst>
+    <dgm:linClrLst meth="repeat">
+      <a:schemeClr val="lt1"/>
+    </dgm:linClrLst>
+    <dgm:effectClrLst/>
+    <dgm:txLinClrLst/>
+    <dgm:txFillClrLst/>
+    <dgm:txEffectClrLst/>
+  </dgm:styleLbl>
+  <dgm:styleLbl name="lnNode1">
+    <dgm:fillClrLst meth="repeat">
+      <a:schemeClr val="accent1"/>
+    </dgm:fillClrLst>
+    <dgm:linClrLst meth="repeat">
+      <a:schemeClr val="lt1"/>
+    </dgm:linClrLst>
+    <dgm:effectClrLst/>
+    <dgm:txLinClrLst/>
+    <dgm:txFillClrLst/>
+    <dgm:txEffectClrLst/>
+  </dgm:styleLbl>
+  <dgm:styleLbl name="vennNode1">
+    <dgm:fillClrLst meth="repeat">
+      <a:schemeClr val="accent1">
+        <a:alpha val="50000"/>
+      </a:schemeClr>
+    </dgm:fillClrLst>
+    <dgm:linClrLst meth="repeat">
+      <a:schemeClr val="lt1"/>
+    </dgm:linClrLst>
+    <dgm:effectClrLst/>
+    <dgm:txLinClrLst/>
+    <dgm:txFillClrLst/>
+    <dgm:txEffectClrLst/>
+  </dgm:styleLbl>
+  <dgm:styleLbl name="node2">
+    <dgm:fillClrLst meth="repeat">
+      <a:schemeClr val="accent1"/>
+    </dgm:fillClrLst>
+    <dgm:linClrLst meth="repeat">
+      <a:schemeClr val="lt1"/>
+    </dgm:linClrLst>
+    <dgm:effectClrLst/>
+    <dgm:txLinClrLst/>
+    <dgm:txFillClrLst/>
+    <dgm:txEffectClrLst/>
+  </dgm:styleLbl>
+  <dgm:styleLbl name="node3">
+    <dgm:fillClrLst meth="repeat">
+      <a:schemeClr val="accent1"/>
+    </dgm:fillClrLst>
+    <dgm:linClrLst meth="repeat">
+      <a:schemeClr val="lt1"/>
+    </dgm:linClrLst>
+    <dgm:effectClrLst/>
+    <dgm:txLinClrLst/>
+    <dgm:txFillClrLst/>
+    <dgm:txEffectClrLst/>
+  </dgm:styleLbl>
+  <dgm:styleLbl name="node4">
+    <dgm:fillClrLst meth="repeat">
+      <a:schemeClr val="accent1"/>
+    </dgm:fillClrLst>
+    <dgm:linClrLst meth="repeat">
+      <a:schemeClr val="lt1"/>
+    </dgm:linClrLst>
+    <dgm:effectClrLst/>
+    <dgm:txLinClrLst/>
+    <dgm:txFillClrLst/>
+    <dgm:txEffectClrLst/>
+  </dgm:styleLbl>
+  <dgm:styleLbl name="fgImgPlace1">
+    <dgm:fillClrLst meth="repeat">
+      <a:schemeClr val="accent1">
+        <a:tint val="50000"/>
+      </a:schemeClr>
+    </dgm:fillClrLst>
+    <dgm:linClrLst meth="repeat">
+      <a:schemeClr val="lt1"/>
+    </dgm:linClrLst>
+    <dgm:effectClrLst/>
+    <dgm:txLinClrLst/>
+    <dgm:txFillClrLst meth="repeat">
+      <a:schemeClr val="lt1"/>
+    </dgm:txFillClrLst>
+    <dgm:txEffectClrLst/>
+  </dgm:styleLbl>
+  <dgm:styleLbl name="alignImgPlace1">
+    <dgm:fillClrLst meth="repeat">
+      <a:schemeClr val="accent1">
+        <a:tint val="50000"/>
+      </a:schemeClr>
+    </dgm:fillClrLst>
+    <dgm:linClrLst meth="repeat">
+      <a:schemeClr val="lt1"/>
+    </dgm:linClrLst>
+    <dgm:effectClrLst/>
+    <dgm:txLinClrLst/>
+    <dgm:txFillClrLst meth="repeat">
+      <a:schemeClr val="lt1"/>
+    </dgm:txFillClrLst>
+    <dgm:txEffectClrLst/>
+  </dgm:styleLbl>
+  <dgm:styleLbl name="bgImgPlace1">
+    <dgm:fillClrLst meth="repeat">
+      <a:schemeClr val="accent1">
+        <a:tint val="50000"/>
+      </a:schemeClr>
+    </dgm:fillClrLst>
+    <dgm:linClrLst meth="repeat">
+      <a:schemeClr val="lt1"/>
+    </dgm:linClrLst>
+    <dgm:effectClrLst/>
+    <dgm:txLinClrLst/>
+    <dgm:txFillClrLst meth="repeat">
+      <a:schemeClr val="lt1"/>
+    </dgm:txFillClrLst>
+    <dgm:txEffectClrLst/>
+  </dgm:styleLbl>
+  <dgm:styleLbl name="sibTrans2D1">
+    <dgm:fillClrLst meth="repeat">
+      <a:schemeClr val="accent1">
+        <a:tint val="60000"/>
+      </a:schemeClr>
+    </dgm:fillClrLst>
+    <dgm:linClrLst meth="repeat">
+      <a:schemeClr val="accent1">
+        <a:tint val="60000"/>
+      </a:schemeClr>
+    </dgm:linClrLst>
+    <dgm:effectClrLst/>
+    <dgm:txLinClrLst/>
+    <dgm:txFillClrLst/>
+    <dgm:txEffectClrLst/>
+  </dgm:styleLbl>
+  <dgm:styleLbl name="fgSibTrans2D1">
+    <dgm:fillClrLst meth="repeat">
+      <a:schemeClr val="accent1">
+        <a:tint val="60000"/>
+      </a:schemeClr>
+    </dgm:fillClrLst>
+    <dgm:linClrLst meth="repeat">
+      <a:schemeClr val="accent1">
+        <a:tint val="60000"/>
+      </a:schemeClr>
+    </dgm:linClrLst>
+    <dgm:effectClrLst/>
+    <dgm:txLinClrLst/>
+    <dgm:txFillClrLst/>
+    <dgm:txEffectClrLst/>
+  </dgm:styleLbl>
+  <dgm:styleLbl name="bgSibTrans2D1">
+    <dgm:fillClrLst meth="repeat">
+      <a:schemeClr val="accent1">
+        <a:tint val="60000"/>
+      </a:schemeClr>
+    </dgm:fillClrLst>
+    <dgm:linClrLst meth="repeat">
+      <a:schemeClr val="accent1">
+        <a:tint val="60000"/>
+      </a:schemeClr>
+    </dgm:linClrLst>
+    <dgm:effectClrLst/>
+    <dgm:txLinClrLst/>
+    <dgm:txFillClrLst/>
+    <dgm:txEffectClrLst/>
+  </dgm:styleLbl>
+  <dgm:styleLbl name="sibTrans1D1">
+    <dgm:fillClrLst meth="repeat">
+      <a:schemeClr val="accent1"/>
+    </dgm:fillClrLst>
+    <dgm:linClrLst meth="repeat">
+      <a:schemeClr val="accent1"/>
+    </dgm:linClrLst>
+    <dgm:effectClrLst/>
+    <dgm:txLinClrLst/>
+    <dgm:txFillClrLst meth="repeat">
+      <a:schemeClr val="tx1"/>
+    </dgm:txFillClrLst>
+    <dgm:txEffectClrLst/>
+  </dgm:styleLbl>
+  <dgm:styleLbl name="callout">
+    <dgm:fillClrLst meth="repeat">
+      <a:schemeClr val="accent1"/>
+    </dgm:fillClrLst>
+    <dgm:linClrLst meth="repeat">
+      <a:schemeClr val="accent1">
+        <a:tint val="50000"/>
+      </a:schemeClr>
+    </dgm:linClrLst>
+    <dgm:effectClrLst/>
+    <dgm:txLinClrLst/>
+    <dgm:txFillClrLst meth="repeat">
+      <a:schemeClr val="tx1"/>
+    </dgm:txFillClrLst>
+    <dgm:txEffectClrLst/>
+  </dgm:styleLbl>
+  <dgm:styleLbl name="asst0">
+    <dgm:fillClrLst meth="repeat">
+      <a:schemeClr val="accent1"/>
+    </dgm:fillClrLst>
+    <dgm:linClrLst meth="repeat">
+      <a:schemeClr val="lt1"/>
+    </dgm:linClrLst>
+    <dgm:effectClrLst/>
+    <dgm:txLinClrLst/>
+    <dgm:txFillClrLst/>
+    <dgm:txEffectClrLst/>
+  </dgm:styleLbl>
+  <dgm:styleLbl name="asst1">
+    <dgm:fillClrLst meth="repeat">
+      <a:schemeClr val="accent1"/>
+    </dgm:fillClrLst>
+    <dgm:linClrLst meth="repeat">
+      <a:schemeClr val="lt1"/>
+    </dgm:linClrLst>
+    <dgm:effectClrLst/>
+    <dgm:txLinClrLst/>
+    <dgm:txFillClrLst/>
+    <dgm:txEffectClrLst/>
+  </dgm:styleLbl>
+  <dgm:styleLbl name="asst2">
+    <dgm:fillClrLst meth="repeat">
+      <a:schemeClr val="accent1"/>
+    </dgm:fillClrLst>
+    <dgm:linClrLst meth="repeat">
+      <a:schemeClr val="lt1"/>
+    </dgm:linClrLst>
+    <dgm:effectClrLst/>
+    <dgm:txLinClrLst/>
+    <dgm:txFillClrLst/>
+    <dgm:txEffectClrLst/>
+  </dgm:styleLbl>
+  <dgm:styleLbl name="asst3">
+    <dgm:fillClrLst meth="repeat">
+      <a:schemeClr val="accent1"/>
+    </dgm:fillClrLst>
+    <dgm:linClrLst meth="repeat">
+      <a:schemeClr val="lt1"/>
+    </dgm:linClrLst>
+    <dgm:effectClrLst/>
+    <dgm:txLinClrLst/>
+    <dgm:txFillClrLst/>
+    <dgm:txEffectClrLst/>
+  </dgm:styleLbl>
+  <dgm:styleLbl name="asst4">
+    <dgm:fillClrLst meth="repeat">
+      <a:schemeClr val="accent1"/>
+    </dgm:fillClrLst>
+    <dgm:linClrLst meth="repeat">
+      <a:schemeClr val="lt1"/>
+    </dgm:linClrLst>
+    <dgm:effectClrLst/>
+    <dgm:txLinClrLst/>
+    <dgm:txFillClrLst/>
+    <dgm:txEffectClrLst/>
+  </dgm:styleLbl>
+  <dgm:styleLbl name="parChTrans2D1">
+    <dgm:fillClrLst meth="repeat">
+      <a:schemeClr val="accent1">
+        <a:tint val="60000"/>
+      </a:schemeClr>
+    </dgm:fillClrLst>
+    <dgm:linClrLst meth="repeat">
+      <a:schemeClr val="accent1">
+        <a:tint val="60000"/>
+      </a:schemeClr>
+    </dgm:linClrLst>
+    <dgm:effectClrLst/>
+    <dgm:txLinClrLst/>
+    <dgm:txFillClrLst meth="repeat">
+      <a:schemeClr val="lt1"/>
+    </dgm:txFillClrLst>
+    <dgm:txEffectClrLst/>
+  </dgm:styleLbl>
+  <dgm:styleLbl name="parChTrans2D2">
+    <dgm:fillClrLst meth="repeat">
+      <a:schemeClr val="accent1"/>
+    </dgm:fillClrLst>
+    <dgm:linClrLst meth="repeat">
+      <a:schemeClr val="accent1"/>
+    </dgm:linClrLst>
+    <dgm:effectClrLst/>
+    <dgm:txLinClrLst/>
+    <dgm:txFillClrLst meth="repeat">
+      <a:schemeClr val="lt1"/>
+    </dgm:txFillClrLst>
+    <dgm:txEffectClrLst/>
+  </dgm:styleLbl>
+  <dgm:styleLbl name="parChTrans2D3">
+    <dgm:fillClrLst meth="repeat">
+      <a:schemeClr val="accent1"/>
+    </dgm:fillClrLst>
+    <dgm:linClrLst meth="repeat">
+      <a:schemeClr val="accent1"/>
+    </dgm:linClrLst>
+    <dgm:effectClrLst/>
+    <dgm:txLinClrLst/>
+    <dgm:txFillClrLst meth="repeat">
+      <a:schemeClr val="lt1"/>
+    </dgm:txFillClrLst>
+    <dgm:txEffectClrLst/>
+  </dgm:styleLbl>
+  <dgm:styleLbl name="parChTrans2D4">
+    <dgm:fillClrLst meth="repeat">
+      <a:schemeClr val="accent1"/>
+    </dgm:fillClrLst>
+    <dgm:linClrLst meth="repeat">
+      <a:schemeClr val="accent1"/>
+    </dgm:linClrLst>
+    <dgm:effectClrLst/>
+    <dgm:txLinClrLst/>
+    <dgm:txFillClrLst meth="repeat">
+      <a:schemeClr val="lt1"/>
+    </dgm:txFillClrLst>
+    <dgm:txEffectClrLst/>
+  </dgm:styleLbl>
+  <dgm:styleLbl name="parChTrans1D1">
+    <dgm:fillClrLst meth="repeat">
+      <a:schemeClr val="accent1"/>
+    </dgm:fillClrLst>
+    <dgm:linClrLst meth="repeat">
+      <a:schemeClr val="accent1">
+        <a:shade val="60000"/>
+      </a:schemeClr>
+    </dgm:linClrLst>
+    <dgm:effectClrLst/>
+    <dgm:txLinClrLst/>
+    <dgm:txFillClrLst meth="repeat">
+      <a:schemeClr val="tx1"/>
+    </dgm:txFillClrLst>
+    <dgm:txEffectClrLst/>
+  </dgm:styleLbl>
+  <dgm:styleLbl name="parChTrans1D2">
+    <dgm:fillClrLst meth="repeat">
+      <a:schemeClr val="accent1"/>
+    </dgm:fillClrLst>
+    <dgm:linClrLst meth="repeat">
+      <a:schemeClr val="accent1">
+        <a:shade val="60000"/>
+      </a:schemeClr>
+    </dgm:linClrLst>
+    <dgm:effectClrLst/>
+    <dgm:txLinClrLst/>
+    <dgm:txFillClrLst meth="repeat">
+      <a:schemeClr val="tx1"/>
+    </dgm:txFillClrLst>
+    <dgm:txEffectClrLst/>
+  </dgm:styleLbl>
+  <dgm:styleLbl name="parChTrans1D3">
+    <dgm:fillClrLst meth="repeat">
+      <a:schemeClr val="accent1"/>
+    </dgm:fillClrLst>
+    <dgm:linClrLst meth="repeat">
+      <a:schemeClr val="accent1">
+        <a:shade val="80000"/>
+      </a:schemeClr>
+    </dgm:linClrLst>
+    <dgm:effectClrLst/>
+    <dgm:txLinClrLst/>
+    <dgm:txFillClrLst meth="repeat">
+      <a:schemeClr val="tx1"/>
+    </dgm:txFillClrLst>
+    <dgm:txEffectClrLst/>
+  </dgm:styleLbl>
+  <dgm:styleLbl name="parChTrans1D4">
+    <dgm:fillClrLst meth="repeat">
+      <a:schemeClr val="accent1"/>
+    </dgm:fillClrLst>
+    <dgm:linClrLst meth="repeat">
+      <a:schemeClr val="accent1">
+        <a:shade val="80000"/>
+      </a:schemeClr>
+    </dgm:linClrLst>
+    <dgm:effectClrLst/>
+    <dgm:txLinClrLst/>
+    <dgm:txFillClrLst meth="repeat">
+      <a:schemeClr val="tx1"/>
+    </dgm:txFillClrLst>
+    <dgm:txEffectClrLst/>
+  </dgm:styleLbl>
+  <dgm:styleLbl name="fgAcc1">
+    <dgm:fillClrLst meth="repeat">
+      <a:schemeClr val="lt1">
+        <a:alpha val="90000"/>
+      </a:schemeClr>
+    </dgm:fillClrLst>
+    <dgm:linClrLst meth="repeat">
+      <a:schemeClr val="accent1"/>
+    </dgm:linClrLst>
+    <dgm:effectClrLst/>
+    <dgm:txLinClrLst/>
+    <dgm:txFillClrLst meth="repeat">
+      <a:schemeClr val="dk1"/>
+    </dgm:txFillClrLst>
+    <dgm:txEffectClrLst/>
+  </dgm:styleLbl>
+  <dgm:styleLbl name="conFgAcc1">
+    <dgm:fillClrLst meth="repeat">
+      <a:schemeClr val="lt1">
+        <a:alpha val="90000"/>
+      </a:schemeClr>
+    </dgm:fillClrLst>
+    <dgm:linClrLst meth="repeat">
+      <a:schemeClr val="accent1"/>
+    </dgm:linClrLst>
+    <dgm:effectClrLst/>
+    <dgm:txLinClrLst/>
+    <dgm:txFillClrLst meth="repeat">
+      <a:schemeClr val="dk1"/>
+    </dgm:txFillClrLst>
+    <dgm:txEffectClrLst/>
+  </dgm:styleLbl>
+  <dgm:styleLbl name="alignAcc1">
+    <dgm:fillClrLst meth="repeat">
+      <a:schemeClr val="lt1">
+        <a:alpha val="90000"/>
+      </a:schemeClr>
+    </dgm:fillClrLst>
+    <dgm:linClrLst meth="repeat">
+      <a:schemeClr val="accent1"/>
+    </dgm:linClrLst>
+    <dgm:effectClrLst/>
+    <dgm:txLinClrLst/>
+    <dgm:txFillClrLst meth="repeat">
+      <a:schemeClr val="dk1"/>
+    </dgm:txFillClrLst>
+    <dgm:txEffectClrLst/>
+  </dgm:styleLbl>
+  <dgm:styleLbl name="trAlignAcc1">
+    <dgm:fillClrLst meth="repeat">
+      <a:schemeClr val="lt1">
+        <a:alpha val="40000"/>
+      </a:schemeClr>
+    </dgm:fillClrLst>
+    <dgm:linClrLst meth="repeat">
+      <a:schemeClr val="accent1"/>
+    </dgm:linClrLst>
+    <dgm:effectClrLst/>
+    <dgm:txLinClrLst/>
+    <dgm:txFillClrLst meth="repeat">
+      <a:schemeClr val="dk1"/>
+    </dgm:txFillClrLst>
+    <dgm:txEffectClrLst/>
+  </dgm:styleLbl>
+  <dgm:styleLbl name="bgAcc1">
+    <dgm:fillClrLst meth="repeat">
+      <a:schemeClr val="lt1">
+        <a:alpha val="90000"/>
+      </a:schemeClr>
+    </dgm:fillClrLst>
+    <dgm:linClrLst meth="repeat">
+      <a:schemeClr val="accent1"/>
+    </dgm:linClrLst>
+    <dgm:effectClrLst/>
+    <dgm:txLinClrLst/>
+    <dgm:txFillClrLst meth="repeat">
+      <a:schemeClr val="dk1"/>
+    </dgm:txFillClrLst>
+    <dgm:txEffectClrLst/>
+  </dgm:styleLbl>
+  <dgm:styleLbl name="solidFgAcc1">
+    <dgm:fillClrLst meth="repeat">
+      <a:schemeClr val="lt1"/>
+    </dgm:fillClrLst>
+    <dgm:linClrLst meth="repeat">
+      <a:schemeClr val="accent1"/>
+    </dgm:linClrLst>
+    <dgm:effectClrLst/>
+    <dgm:txLinClrLst/>
+    <dgm:txFillClrLst meth="repeat">
+      <a:schemeClr val="dk1"/>
+    </dgm:txFillClrLst>
+    <dgm:txEffectClrLst/>
+  </dgm:styleLbl>
+  <dgm:styleLbl name="solidAlignAcc1">
+    <dgm:fillClrLst meth="repeat">
+      <a:schemeClr val="lt1"/>
+    </dgm:fillClrLst>
+    <dgm:linClrLst meth="repeat">
+      <a:schemeClr val="accent1"/>
+    </dgm:linClrLst>
+    <dgm:effectClrLst/>
+    <dgm:txLinClrLst/>
+    <dgm:txFillClrLst meth="repeat">
+      <a:schemeClr val="dk1"/>
+    </dgm:txFillClrLst>
+    <dgm:txEffectClrLst/>
+  </dgm:styleLbl>
+  <dgm:styleLbl name="solidBgAcc1">
+    <dgm:fillClrLst meth="repeat">
+      <a:schemeClr val="lt1"/>
+    </dgm:fillClrLst>
+    <dgm:linClrLst meth="repeat">
+      <a:schemeClr val="accent1"/>
+    </dgm:linClrLst>
+    <dgm:effectClrLst/>
+    <dgm:txLinClrLst/>
+    <dgm:txFillClrLst meth="repeat">
+      <a:schemeClr val="dk1"/>
+    </dgm:txFillClrLst>
+    <dgm:txEffectClrLst/>
+  </dgm:styleLbl>
+  <dgm:styleLbl name="fgAccFollowNode1">
+    <dgm:fillClrLst meth="repeat">
+      <a:schemeClr val="accent1">
+        <a:alpha val="90000"/>
+        <a:tint val="40000"/>
+      </a:schemeClr>
+    </dgm:fillClrLst>
+    <dgm:linClrLst meth="repeat">
+      <a:schemeClr val="accent1">
+        <a:alpha val="90000"/>
+        <a:tint val="40000"/>
+      </a:schemeClr>
+    </dgm:linClrLst>
+    <dgm:effectClrLst/>
+    <dgm:txLinClrLst/>
+    <dgm:txFillClrLst meth="repeat">
+      <a:schemeClr val="dk1"/>
+    </dgm:txFillClrLst>
+    <dgm:txEffectClrLst/>
+  </dgm:styleLbl>
+  <dgm:styleLbl name="alignAccFollowNode1">
+    <dgm:fillClrLst meth="repeat">
+      <a:schemeClr val="accent1">
+        <a:alpha val="90000"/>
+        <a:tint val="40000"/>
+      </a:schemeClr>
+    </dgm:fillClrLst>
+    <dgm:linClrLst meth="repeat">
+      <a:schemeClr val="accent1">
+        <a:alpha val="90000"/>
+        <a:tint val="40000"/>
+      </a:schemeClr>
+    </dgm:linClrLst>
+    <dgm:effectClrLst/>
+    <dgm:txLinClrLst/>
+    <dgm:txFillClrLst meth="repeat">
+      <a:schemeClr val="dk1"/>
+    </dgm:txFillClrLst>
+    <dgm:txEffectClrLst/>
+  </dgm:styleLbl>
+  <dgm:styleLbl name="bgAccFollowNode1">
+    <dgm:fillClrLst meth="repeat">
+      <a:schemeClr val="accent1">
+        <a:alpha val="90000"/>
+        <a:tint val="40000"/>
+      </a:schemeClr>
+    </dgm:fillClrLst>
+    <dgm:linClrLst meth="repeat">
+      <a:schemeClr val="accent1">
+        <a:alpha val="90000"/>
+        <a:tint val="40000"/>
+      </a:schemeClr>
+    </dgm:linClrLst>
+    <dgm:effectClrLst/>
+    <dgm:txLinClrLst/>
+    <dgm:txFillClrLst meth="repeat">
+      <a:schemeClr val="dk1"/>
+    </dgm:txFillClrLst>
+    <dgm:txEffectClrLst/>
+  </dgm:styleLbl>
+  <dgm:styleLbl name="fgAcc0">
+    <dgm:fillClrLst meth="repeat">
+      <a:schemeClr val="lt1">
+        <a:alpha val="90000"/>
+      </a:schemeClr>
+    </dgm:fillClrLst>
+    <dgm:linClrLst meth="repeat">
+      <a:schemeClr val="accent1"/>
+    </dgm:linClrLst>
+    <dgm:effectClrLst/>
+    <dgm:txLinClrLst/>
+    <dgm:txFillClrLst meth="repeat">
+      <a:schemeClr val="dk1"/>
+    </dgm:txFillClrLst>
+    <dgm:txEffectClrLst/>
+  </dgm:styleLbl>
+  <dgm:styleLbl name="fgAcc2">
+    <dgm:fillClrLst meth="repeat">
+      <a:schemeClr val="lt1">
+        <a:alpha val="90000"/>
+      </a:schemeClr>
+    </dgm:fillClrLst>
+    <dgm:linClrLst meth="repeat">
+      <a:schemeClr val="accent1"/>
+    </dgm:linClrLst>
+    <dgm:effectClrLst/>
+    <dgm:txLinClrLst/>
+    <dgm:txFillClrLst meth="repeat">
+      <a:schemeClr val="dk1"/>
+    </dgm:txFillClrLst>
+    <dgm:txEffectClrLst/>
+  </dgm:styleLbl>
+  <dgm:styleLbl name="fgAcc3">
+    <dgm:fillClrLst meth="repeat">
+      <a:schemeClr val="lt1">
+        <a:alpha val="90000"/>
+      </a:schemeClr>
+    </dgm:fillClrLst>
+    <dgm:linClrLst meth="repeat">
+      <a:schemeClr val="accent1"/>
+    </dgm:linClrLst>
+    <dgm:effectClrLst/>
+    <dgm:txLinClrLst/>
+    <dgm:txFillClrLst meth="repeat">
+      <a:schemeClr val="dk1"/>
+    </dgm:txFillClrLst>
+    <dgm:txEffectClrLst/>
+  </dgm:styleLbl>
+  <dgm:styleLbl name="fgAcc4">
+    <dgm:fillClrLst meth="repeat">
+      <a:schemeClr val="lt1">
+        <a:alpha val="90000"/>
+      </a:schemeClr>
+    </dgm:fillClrLst>
+    <dgm:linClrLst meth="repeat">
+      <a:schemeClr val="accent1"/>
+    </dgm:linClrLst>
+    <dgm:effectClrLst/>
+    <dgm:txLinClrLst/>
+    <dgm:txFillClrLst meth="repeat">
+      <a:schemeClr val="dk1"/>
+    </dgm:txFillClrLst>
+    <dgm:txEffectClrLst/>
+  </dgm:styleLbl>
+  <dgm:styleLbl name="bgShp">
+    <dgm:fillClrLst meth="repeat">
+      <a:schemeClr val="accent1">
+        <a:tint val="40000"/>
+      </a:schemeClr>
+    </dgm:fillClrLst>
+    <dgm:linClrLst meth="repeat">
+      <a:schemeClr val="accent1"/>
+    </dgm:linClrLst>
+    <dgm:effectClrLst/>
+    <dgm:txLinClrLst/>
+    <dgm:txFillClrLst meth="repeat">
+      <a:schemeClr val="dk1"/>
+    </dgm:txFillClrLst>
+    <dgm:txEffectClrLst/>
+  </dgm:styleLbl>
+  <dgm:styleLbl name="dkBgShp">
+    <dgm:fillClrLst meth="repeat">
+      <a:schemeClr val="accent1">
+        <a:shade val="80000"/>
+      </a:schemeClr>
+    </dgm:fillClrLst>
+    <dgm:linClrLst meth="repeat">
+      <a:schemeClr val="accent1"/>
+    </dgm:linClrLst>
+    <dgm:effectClrLst/>
+    <dgm:txLinClrLst/>
+    <dgm:txFillClrLst meth="repeat">
+      <a:schemeClr val="lt1"/>
+    </dgm:txFillClrLst>
+    <dgm:txEffectClrLst/>
+  </dgm:styleLbl>
+  <dgm:styleLbl name="trBgShp">
+    <dgm:fillClrLst meth="repeat">
+      <a:schemeClr val="accent1">
+        <a:tint val="50000"/>
+        <a:alpha val="40000"/>
+      </a:schemeClr>
+    </dgm:fillClrLst>
+    <dgm:linClrLst meth="repeat">
+      <a:schemeClr val="accent1"/>
+    </dgm:linClrLst>
+    <dgm:effectClrLst/>
+    <dgm:txLinClrLst/>
+    <dgm:txFillClrLst meth="repeat">
+      <a:schemeClr val="lt1"/>
+    </dgm:txFillClrLst>
+    <dgm:txEffectClrLst/>
+  </dgm:styleLbl>
+  <dgm:styleLbl name="fgShp">
+    <dgm:fillClrLst meth="repeat">
+      <a:schemeClr val="accent1">
+        <a:tint val="60000"/>
+      </a:schemeClr>
+    </dgm:fillClrLst>
+    <dgm:linClrLst meth="repeat">
+      <a:schemeClr val="lt1"/>
+    </dgm:linClrLst>
+    <dgm:effectClrLst/>
+    <dgm:txLinClrLst/>
+    <dgm:txFillClrLst meth="repeat">
+      <a:schemeClr val="dk1"/>
+    </dgm:txFillClrLst>
+    <dgm:txEffectClrLst/>
+  </dgm:styleLbl>
+  <dgm:styleLbl name="revTx">
+    <dgm:fillClrLst meth="repeat">
+      <a:schemeClr val="lt1">
+        <a:alpha val="0"/>
+      </a:schemeClr>
+    </dgm:fillClrLst>
+    <dgm:linClrLst meth="repeat">
+      <a:schemeClr val="dk1">
+        <a:alpha val="0"/>
+      </a:schemeClr>
+    </dgm:linClrLst>
+    <dgm:effectClrLst/>
+    <dgm:txLinClrLst/>
+    <dgm:txFillClrLst meth="repeat">
+      <a:schemeClr val="tx1"/>
+    </dgm:txFillClrLst>
+    <dgm:txEffectClrLst/>
+  </dgm:styleLbl>
+</dgm:colorsDef>
+</file>
+
 <file path=ppt/diagrams/data1.xml><?xml version="1.0" encoding="utf-8"?>
 <dgm:dataModel xmlns:dgm="http://schemas.openxmlformats.org/drawingml/2006/diagram" xmlns:a="http://schemas.openxmlformats.org/drawingml/2006/main">
   <dgm:ptLst>
@@ -2352,16 +3100,16 @@
     <dgm:cxn modelId="{9F54103A-CDBC-4154-81FE-C76CA1989BB2}" type="presOf" srcId="{F3421664-0B09-46C7-9B69-B39CA10A80B9}" destId="{0CDA5D5A-7C39-4EDE-B0AD-09ECB57E154A}" srcOrd="1" destOrd="0" presId="urn:microsoft.com/office/officeart/2005/8/layout/process5"/>
     <dgm:cxn modelId="{1C30A83F-42FD-4BBB-A07B-2DBC5C2B6A4E}" type="presOf" srcId="{6AAC3737-829D-45B2-8D9E-630472872042}" destId="{F280F5B7-F085-4852-988B-BDD7AADB5331}" srcOrd="1" destOrd="0" presId="urn:microsoft.com/office/officeart/2005/8/layout/process5"/>
     <dgm:cxn modelId="{BC81BF3F-3408-4487-9DC5-E8C2EA8D9EEA}" srcId="{10837E45-CE0C-4AF6-B0AB-8A9BA599909A}" destId="{34441796-D264-41A6-BAA4-EDE813CED8B2}" srcOrd="0" destOrd="0" parTransId="{7A2CCC79-9B20-4C30-8ED1-46AEB489D05C}" sibTransId="{2FEBF32E-156F-48D1-B9D8-13CC56792E78}"/>
-    <dgm:cxn modelId="{0C2BFE61-7BE1-4126-8540-5E473A2F7077}" type="presOf" srcId="{82920B5D-7F10-4229-957F-13641689B1AD}" destId="{2998E088-7BFD-4AB6-8AC0-B592FB9E3E36}" srcOrd="1" destOrd="0" presId="urn:microsoft.com/office/officeart/2005/8/layout/process5"/>
-    <dgm:cxn modelId="{68657264-82CE-4480-AAD1-2E08036A560A}" type="presOf" srcId="{2F1AC477-98F6-49FF-94CC-01AA5A0D0C8F}" destId="{CFE6D574-6E5B-4E8C-92B7-D598193C9A7C}" srcOrd="1" destOrd="0" presId="urn:microsoft.com/office/officeart/2005/8/layout/process5"/>
     <dgm:cxn modelId="{8E55A045-2E51-4F94-A613-A9943D84C338}" srcId="{10837E45-CE0C-4AF6-B0AB-8A9BA599909A}" destId="{3349DCE8-F2E5-4927-AA13-51308E5CFBDD}" srcOrd="11" destOrd="0" parTransId="{B5E4244C-CDC8-43D6-A4F6-C4782D40593D}" sibTransId="{788639C0-C4ED-4C43-90ED-0DE0D296E363}"/>
     <dgm:cxn modelId="{F704D749-9EC7-4699-8DAA-C7D2ACA81696}" type="presOf" srcId="{2FEBF32E-156F-48D1-B9D8-13CC56792E78}" destId="{714A1E25-F9D5-4B0E-8634-F921E253E90D}" srcOrd="1" destOrd="0" presId="urn:microsoft.com/office/officeart/2005/8/layout/process5"/>
     <dgm:cxn modelId="{197FB04E-CF25-430B-92BA-3A07CA1D149A}" type="presOf" srcId="{2FDAFCC3-8CC4-490E-B58D-A83240610F36}" destId="{8068B149-DBCC-4BF4-9263-5EEF45987D35}" srcOrd="1" destOrd="0" presId="urn:microsoft.com/office/officeart/2005/8/layout/process5"/>
-    <dgm:cxn modelId="{EDBCC96E-06B6-49F3-83AA-D8BBFB0E4CF4}" type="presOf" srcId="{54699652-4E6C-4265-B86F-8322C50ACD25}" destId="{5CA4A117-A1FF-46AA-865A-227DF4444ED5}" srcOrd="1" destOrd="0" presId="urn:microsoft.com/office/officeart/2005/8/layout/process5"/>
     <dgm:cxn modelId="{048F0D4F-4963-49E3-B693-BCB353092C77}" type="presOf" srcId="{17BC5496-E23F-4887-B7F4-08E1A88B090B}" destId="{D24DBE7C-E775-4D75-B363-11A5AAEABD64}" srcOrd="0" destOrd="0" presId="urn:microsoft.com/office/officeart/2005/8/layout/process5"/>
     <dgm:cxn modelId="{1DB19A50-180C-4802-A0F4-FC1F4DADF1D0}" type="presOf" srcId="{DFE7F47A-2661-4C02-ABA6-0729DE48DF09}" destId="{CFFCBEBA-4E47-45C5-93CE-DCAB879DDAEB}" srcOrd="0" destOrd="0" presId="urn:microsoft.com/office/officeart/2005/8/layout/process5"/>
     <dgm:cxn modelId="{C2A59F51-468C-4267-B4FD-308CAE80FE99}" srcId="{10837E45-CE0C-4AF6-B0AB-8A9BA599909A}" destId="{ED670C81-F8CD-4900-B977-7CFB3F8CC36A}" srcOrd="9" destOrd="0" parTransId="{B5840004-1566-49FE-B5C3-F798BC348231}" sibTransId="{2FDAFCC3-8CC4-490E-B58D-A83240610F36}"/>
     <dgm:cxn modelId="{5DCD2955-9CFE-47C7-AF05-89783A8B877D}" srcId="{10837E45-CE0C-4AF6-B0AB-8A9BA599909A}" destId="{2AF6AACC-7976-443F-BF63-E289E37A8BE3}" srcOrd="7" destOrd="0" parTransId="{5C48098A-251A-447B-8EDB-F7F92C1E206E}" sibTransId="{4BE593F2-54C4-45DD-B672-C6965A31B58B}"/>
+    <dgm:cxn modelId="{0C2BFE61-7BE1-4126-8540-5E473A2F7077}" type="presOf" srcId="{82920B5D-7F10-4229-957F-13641689B1AD}" destId="{2998E088-7BFD-4AB6-8AC0-B592FB9E3E36}" srcOrd="1" destOrd="0" presId="urn:microsoft.com/office/officeart/2005/8/layout/process5"/>
+    <dgm:cxn modelId="{68657264-82CE-4480-AAD1-2E08036A560A}" type="presOf" srcId="{2F1AC477-98F6-49FF-94CC-01AA5A0D0C8F}" destId="{CFE6D574-6E5B-4E8C-92B7-D598193C9A7C}" srcOrd="1" destOrd="0" presId="urn:microsoft.com/office/officeart/2005/8/layout/process5"/>
+    <dgm:cxn modelId="{EDBCC96E-06B6-49F3-83AA-D8BBFB0E4CF4}" type="presOf" srcId="{54699652-4E6C-4265-B86F-8322C50ACD25}" destId="{5CA4A117-A1FF-46AA-865A-227DF4444ED5}" srcOrd="1" destOrd="0" presId="urn:microsoft.com/office/officeart/2005/8/layout/process5"/>
     <dgm:cxn modelId="{8C9C5E77-E634-41AC-A21A-04738F3B4275}" type="presOf" srcId="{6AC3E170-E94F-437E-8F93-593CF4C2985E}" destId="{29D0EE36-F422-484A-85A6-285107F92C26}" srcOrd="0" destOrd="0" presId="urn:microsoft.com/office/officeart/2005/8/layout/process5"/>
     <dgm:cxn modelId="{215E8F78-1454-4A69-856A-8ED3EB845B70}" srcId="{10837E45-CE0C-4AF6-B0AB-8A9BA599909A}" destId="{E6BCA3F0-0F05-46BF-BE80-C0544D1DA504}" srcOrd="8" destOrd="0" parTransId="{68F4EE87-CD53-4AFC-9E9B-A997F1DCCA1A}" sibTransId="{82920B5D-7F10-4229-957F-13641689B1AD}"/>
     <dgm:cxn modelId="{6B781979-6282-4185-A199-9B3854E6C63F}" type="presOf" srcId="{17BC5496-E23F-4887-B7F4-08E1A88B090B}" destId="{EAE1A7D9-C57F-46E7-85FD-55036699664A}" srcOrd="1" destOrd="0" presId="urn:microsoft.com/office/officeart/2005/8/layout/process5"/>
@@ -3138,16 +3886,802 @@
     <dgm:cxn modelId="{9F54103A-CDBC-4154-81FE-C76CA1989BB2}" type="presOf" srcId="{F3421664-0B09-46C7-9B69-B39CA10A80B9}" destId="{0CDA5D5A-7C39-4EDE-B0AD-09ECB57E154A}" srcOrd="1" destOrd="0" presId="urn:microsoft.com/office/officeart/2005/8/layout/process5"/>
     <dgm:cxn modelId="{1C30A83F-42FD-4BBB-A07B-2DBC5C2B6A4E}" type="presOf" srcId="{6AAC3737-829D-45B2-8D9E-630472872042}" destId="{F280F5B7-F085-4852-988B-BDD7AADB5331}" srcOrd="1" destOrd="0" presId="urn:microsoft.com/office/officeart/2005/8/layout/process5"/>
     <dgm:cxn modelId="{BC81BF3F-3408-4487-9DC5-E8C2EA8D9EEA}" srcId="{10837E45-CE0C-4AF6-B0AB-8A9BA599909A}" destId="{34441796-D264-41A6-BAA4-EDE813CED8B2}" srcOrd="0" destOrd="0" parTransId="{7A2CCC79-9B20-4C30-8ED1-46AEB489D05C}" sibTransId="{2FEBF32E-156F-48D1-B9D8-13CC56792E78}"/>
-    <dgm:cxn modelId="{0C2BFE61-7BE1-4126-8540-5E473A2F7077}" type="presOf" srcId="{82920B5D-7F10-4229-957F-13641689B1AD}" destId="{2998E088-7BFD-4AB6-8AC0-B592FB9E3E36}" srcOrd="1" destOrd="0" presId="urn:microsoft.com/office/officeart/2005/8/layout/process5"/>
-    <dgm:cxn modelId="{68657264-82CE-4480-AAD1-2E08036A560A}" type="presOf" srcId="{2F1AC477-98F6-49FF-94CC-01AA5A0D0C8F}" destId="{CFE6D574-6E5B-4E8C-92B7-D598193C9A7C}" srcOrd="1" destOrd="0" presId="urn:microsoft.com/office/officeart/2005/8/layout/process5"/>
     <dgm:cxn modelId="{8E55A045-2E51-4F94-A613-A9943D84C338}" srcId="{10837E45-CE0C-4AF6-B0AB-8A9BA599909A}" destId="{3349DCE8-F2E5-4927-AA13-51308E5CFBDD}" srcOrd="11" destOrd="0" parTransId="{B5E4244C-CDC8-43D6-A4F6-C4782D40593D}" sibTransId="{788639C0-C4ED-4C43-90ED-0DE0D296E363}"/>
     <dgm:cxn modelId="{F704D749-9EC7-4699-8DAA-C7D2ACA81696}" type="presOf" srcId="{2FEBF32E-156F-48D1-B9D8-13CC56792E78}" destId="{714A1E25-F9D5-4B0E-8634-F921E253E90D}" srcOrd="1" destOrd="0" presId="urn:microsoft.com/office/officeart/2005/8/layout/process5"/>
     <dgm:cxn modelId="{197FB04E-CF25-430B-92BA-3A07CA1D149A}" type="presOf" srcId="{2FDAFCC3-8CC4-490E-B58D-A83240610F36}" destId="{8068B149-DBCC-4BF4-9263-5EEF45987D35}" srcOrd="1" destOrd="0" presId="urn:microsoft.com/office/officeart/2005/8/layout/process5"/>
-    <dgm:cxn modelId="{EDBCC96E-06B6-49F3-83AA-D8BBFB0E4CF4}" type="presOf" srcId="{54699652-4E6C-4265-B86F-8322C50ACD25}" destId="{5CA4A117-A1FF-46AA-865A-227DF4444ED5}" srcOrd="1" destOrd="0" presId="urn:microsoft.com/office/officeart/2005/8/layout/process5"/>
     <dgm:cxn modelId="{048F0D4F-4963-49E3-B693-BCB353092C77}" type="presOf" srcId="{17BC5496-E23F-4887-B7F4-08E1A88B090B}" destId="{D24DBE7C-E775-4D75-B363-11A5AAEABD64}" srcOrd="0" destOrd="0" presId="urn:microsoft.com/office/officeart/2005/8/layout/process5"/>
     <dgm:cxn modelId="{1DB19A50-180C-4802-A0F4-FC1F4DADF1D0}" type="presOf" srcId="{DFE7F47A-2661-4C02-ABA6-0729DE48DF09}" destId="{CFFCBEBA-4E47-45C5-93CE-DCAB879DDAEB}" srcOrd="0" destOrd="0" presId="urn:microsoft.com/office/officeart/2005/8/layout/process5"/>
     <dgm:cxn modelId="{C2A59F51-468C-4267-B4FD-308CAE80FE99}" srcId="{10837E45-CE0C-4AF6-B0AB-8A9BA599909A}" destId="{ED670C81-F8CD-4900-B977-7CFB3F8CC36A}" srcOrd="9" destOrd="0" parTransId="{B5840004-1566-49FE-B5C3-F798BC348231}" sibTransId="{2FDAFCC3-8CC4-490E-B58D-A83240610F36}"/>
     <dgm:cxn modelId="{5DCD2955-9CFE-47C7-AF05-89783A8B877D}" srcId="{10837E45-CE0C-4AF6-B0AB-8A9BA599909A}" destId="{2AF6AACC-7976-443F-BF63-E289E37A8BE3}" srcOrd="7" destOrd="0" parTransId="{5C48098A-251A-447B-8EDB-F7F92C1E206E}" sibTransId="{4BE593F2-54C4-45DD-B672-C6965A31B58B}"/>
+    <dgm:cxn modelId="{0C2BFE61-7BE1-4126-8540-5E473A2F7077}" type="presOf" srcId="{82920B5D-7F10-4229-957F-13641689B1AD}" destId="{2998E088-7BFD-4AB6-8AC0-B592FB9E3E36}" srcOrd="1" destOrd="0" presId="urn:microsoft.com/office/officeart/2005/8/layout/process5"/>
+    <dgm:cxn modelId="{68657264-82CE-4480-AAD1-2E08036A560A}" type="presOf" srcId="{2F1AC477-98F6-49FF-94CC-01AA5A0D0C8F}" destId="{CFE6D574-6E5B-4E8C-92B7-D598193C9A7C}" srcOrd="1" destOrd="0" presId="urn:microsoft.com/office/officeart/2005/8/layout/process5"/>
+    <dgm:cxn modelId="{EDBCC96E-06B6-49F3-83AA-D8BBFB0E4CF4}" type="presOf" srcId="{54699652-4E6C-4265-B86F-8322C50ACD25}" destId="{5CA4A117-A1FF-46AA-865A-227DF4444ED5}" srcOrd="1" destOrd="0" presId="urn:microsoft.com/office/officeart/2005/8/layout/process5"/>
+    <dgm:cxn modelId="{8C9C5E77-E634-41AC-A21A-04738F3B4275}" type="presOf" srcId="{6AC3E170-E94F-437E-8F93-593CF4C2985E}" destId="{29D0EE36-F422-484A-85A6-285107F92C26}" srcOrd="0" destOrd="0" presId="urn:microsoft.com/office/officeart/2005/8/layout/process5"/>
+    <dgm:cxn modelId="{215E8F78-1454-4A69-856A-8ED3EB845B70}" srcId="{10837E45-CE0C-4AF6-B0AB-8A9BA599909A}" destId="{E6BCA3F0-0F05-46BF-BE80-C0544D1DA504}" srcOrd="8" destOrd="0" parTransId="{68F4EE87-CD53-4AFC-9E9B-A997F1DCCA1A}" sibTransId="{82920B5D-7F10-4229-957F-13641689B1AD}"/>
+    <dgm:cxn modelId="{6B781979-6282-4185-A199-9B3854E6C63F}" type="presOf" srcId="{17BC5496-E23F-4887-B7F4-08E1A88B090B}" destId="{EAE1A7D9-C57F-46E7-85FD-55036699664A}" srcOrd="1" destOrd="0" presId="urn:microsoft.com/office/officeart/2005/8/layout/process5"/>
+    <dgm:cxn modelId="{4F22FE84-C060-499B-8B2F-C5EDF302BDB8}" type="presOf" srcId="{2F1AC477-98F6-49FF-94CC-01AA5A0D0C8F}" destId="{E6321012-EB24-4963-82D0-930510E4F6A2}" srcOrd="0" destOrd="0" presId="urn:microsoft.com/office/officeart/2005/8/layout/process5"/>
+    <dgm:cxn modelId="{4A92E789-B961-4CFD-91D3-2C808647AA1E}" type="presOf" srcId="{34441796-D264-41A6-BAA4-EDE813CED8B2}" destId="{654E8768-037C-49DE-A1DB-DE887DA31B0B}" srcOrd="0" destOrd="0" presId="urn:microsoft.com/office/officeart/2005/8/layout/process5"/>
+    <dgm:cxn modelId="{0586E88B-4B29-448D-BEE3-3DCC1EB556EE}" type="presOf" srcId="{F3421664-0B09-46C7-9B69-B39CA10A80B9}" destId="{DFDBDAD3-1419-46EC-BCFA-9A850044C4CD}" srcOrd="0" destOrd="0" presId="urn:microsoft.com/office/officeart/2005/8/layout/process5"/>
+    <dgm:cxn modelId="{2174A68E-C1B2-4685-B7FE-98019AD18C8F}" type="presOf" srcId="{E6BCA3F0-0F05-46BF-BE80-C0544D1DA504}" destId="{ACC39D55-B6BE-4C5F-8FD6-A3E8D5E07B59}" srcOrd="0" destOrd="0" presId="urn:microsoft.com/office/officeart/2005/8/layout/process5"/>
+    <dgm:cxn modelId="{EC008893-14B8-4969-880C-BE44B10D64BF}" type="presOf" srcId="{37889E61-9CF6-4C8E-9584-24A5977EBD15}" destId="{ECAA4B5B-0698-4AFA-96E6-77AE1D26B1FE}" srcOrd="0" destOrd="0" presId="urn:microsoft.com/office/officeart/2005/8/layout/process5"/>
+    <dgm:cxn modelId="{21C7A695-AB1D-4966-B74C-26ADDF11AD30}" type="presOf" srcId="{1FED0922-E747-4A42-86AC-31BBF42836D8}" destId="{05D3B237-1464-40E6-90D7-8935B2A1A65B}" srcOrd="0" destOrd="0" presId="urn:microsoft.com/office/officeart/2005/8/layout/process5"/>
+    <dgm:cxn modelId="{A387D19B-5B36-4333-BB38-7CC93A831AEF}" type="presOf" srcId="{6AC3E170-E94F-437E-8F93-593CF4C2985E}" destId="{34A2F61E-EA93-4228-B403-07590EF1548F}" srcOrd="1" destOrd="0" presId="urn:microsoft.com/office/officeart/2005/8/layout/process5"/>
+    <dgm:cxn modelId="{825D2FA7-6F28-4024-AF8B-5639CFD32610}" type="presOf" srcId="{99FAC690-C9DB-4668-B91A-E97A39A3C7AD}" destId="{0699F314-5F01-47C8-9A58-F4E688FC29F9}" srcOrd="1" destOrd="0" presId="urn:microsoft.com/office/officeart/2005/8/layout/process5"/>
+    <dgm:cxn modelId="{8032CFAC-3D7F-41DC-B5CF-CCD508111CCC}" type="presOf" srcId="{4BE593F2-54C4-45DD-B672-C6965A31B58B}" destId="{67084216-040B-42FF-92E0-479353BD38C3}" srcOrd="1" destOrd="0" presId="urn:microsoft.com/office/officeart/2005/8/layout/process5"/>
+    <dgm:cxn modelId="{716B7CB0-5A5A-4ABD-A893-2F5C8B36BDA2}" type="presOf" srcId="{9635A717-162A-4432-84FA-F50E069D11AC}" destId="{741E5167-9599-498D-9E8F-4F7AED7BE6C1}" srcOrd="0" destOrd="0" presId="urn:microsoft.com/office/officeart/2005/8/layout/process5"/>
+    <dgm:cxn modelId="{DB6EE5B2-22C5-4E22-83E3-95D4C8BDF33A}" type="presOf" srcId="{2FEBF32E-156F-48D1-B9D8-13CC56792E78}" destId="{5FD5BCC1-9E24-402A-B9A4-83A57EEA6166}" srcOrd="0" destOrd="0" presId="urn:microsoft.com/office/officeart/2005/8/layout/process5"/>
+    <dgm:cxn modelId="{EBF538B7-5E9F-44C5-A2A6-130478CF4E22}" type="presOf" srcId="{10837E45-CE0C-4AF6-B0AB-8A9BA599909A}" destId="{991CCAB3-0275-4BB2-B40C-5F2AED018D7A}" srcOrd="0" destOrd="0" presId="urn:microsoft.com/office/officeart/2005/8/layout/process5"/>
+    <dgm:cxn modelId="{46CA2BB8-F0AC-4606-BDE6-FEF946BF2DF3}" type="presOf" srcId="{2AF6AACC-7976-443F-BF63-E289E37A8BE3}" destId="{D5F9F8B9-B98C-452D-AFAB-EAA03B0B6352}" srcOrd="0" destOrd="0" presId="urn:microsoft.com/office/officeart/2005/8/layout/process5"/>
+    <dgm:cxn modelId="{BFA3F3B9-1014-44DA-B507-D69D40E0D4B7}" srcId="{10837E45-CE0C-4AF6-B0AB-8A9BA599909A}" destId="{DFE7F47A-2661-4C02-ABA6-0729DE48DF09}" srcOrd="1" destOrd="0" parTransId="{74EB5B6E-638D-4F99-BDF7-3CD0147B0C4B}" sibTransId="{2F1AC477-98F6-49FF-94CC-01AA5A0D0C8F}"/>
+    <dgm:cxn modelId="{65112FCB-382C-4225-A9D5-40920623EC4B}" type="presOf" srcId="{45A3EB4B-A1B4-4C6F-988D-74884EE91184}" destId="{532AC6A3-9D32-422A-8B50-C8B5D1ED0FFD}" srcOrd="0" destOrd="0" presId="urn:microsoft.com/office/officeart/2005/8/layout/process5"/>
+    <dgm:cxn modelId="{FC04D1DD-8494-477F-8D06-20A601244BD2}" type="presOf" srcId="{6AD5B2D7-47EC-44D4-87BF-33560906A97C}" destId="{FA9C61A7-D71C-4E26-BB75-02F93EF1DA91}" srcOrd="0" destOrd="0" presId="urn:microsoft.com/office/officeart/2005/8/layout/process5"/>
+    <dgm:cxn modelId="{31DFA6DE-4EB2-4532-B61A-2C08CDFF3785}" type="presOf" srcId="{54699652-4E6C-4265-B86F-8322C50ACD25}" destId="{AFD2A3DA-9219-481C-ADBF-4CD703894DB3}" srcOrd="0" destOrd="0" presId="urn:microsoft.com/office/officeart/2005/8/layout/process5"/>
+    <dgm:cxn modelId="{58578AEB-C993-418B-BC78-96117C142244}" srcId="{10837E45-CE0C-4AF6-B0AB-8A9BA599909A}" destId="{FBEB8654-8C81-4799-994F-6DE9D2134DDA}" srcOrd="2" destOrd="0" parTransId="{FA53FD02-EA13-4A4A-AEA4-5A61FEAEB602}" sibTransId="{6AC3E170-E94F-437E-8F93-593CF4C2985E}"/>
+    <dgm:cxn modelId="{95D6F6EC-EE58-4FC1-97E9-DEEBB1DF4B4E}" type="presOf" srcId="{82920B5D-7F10-4229-957F-13641689B1AD}" destId="{B6E4B580-6648-4508-913E-48247E654693}" srcOrd="0" destOrd="0" presId="urn:microsoft.com/office/officeart/2005/8/layout/process5"/>
+    <dgm:cxn modelId="{3510B7F4-3462-4577-8655-47447313E43A}" type="presOf" srcId="{ED670C81-F8CD-4900-B977-7CFB3F8CC36A}" destId="{FED7D4CF-8D6F-4C60-AD50-09394EDB1804}" srcOrd="0" destOrd="0" presId="urn:microsoft.com/office/officeart/2005/8/layout/process5"/>
+    <dgm:cxn modelId="{8D9B5FF7-1AAA-4A52-AF33-7F7EAE957AA5}" type="presOf" srcId="{3349DCE8-F2E5-4927-AA13-51308E5CFBDD}" destId="{9EAE9A4A-6072-48C2-B70E-9837032E9AC6}" srcOrd="0" destOrd="0" presId="urn:microsoft.com/office/officeart/2005/8/layout/process5"/>
+    <dgm:cxn modelId="{D09D5BFA-8647-4524-97D8-6BF7512CB2AA}" srcId="{10837E45-CE0C-4AF6-B0AB-8A9BA599909A}" destId="{9635A717-162A-4432-84FA-F50E069D11AC}" srcOrd="10" destOrd="0" parTransId="{EF5383CD-2619-466F-8A7C-E1CA8B9549A3}" sibTransId="{54699652-4E6C-4265-B86F-8322C50ACD25}"/>
+    <dgm:cxn modelId="{7CB386FF-64EB-4968-996B-DFC0D00FB741}" srcId="{10837E45-CE0C-4AF6-B0AB-8A9BA599909A}" destId="{37889E61-9CF6-4C8E-9584-24A5977EBD15}" srcOrd="5" destOrd="0" parTransId="{2C966710-37D9-48F1-AC20-05650AB51E4C}" sibTransId="{F3421664-0B09-46C7-9B69-B39CA10A80B9}"/>
+    <dgm:cxn modelId="{E9F21892-ABF8-4E91-80BC-7C744B1EE98B}" type="presParOf" srcId="{991CCAB3-0275-4BB2-B40C-5F2AED018D7A}" destId="{654E8768-037C-49DE-A1DB-DE887DA31B0B}" srcOrd="0" destOrd="0" presId="urn:microsoft.com/office/officeart/2005/8/layout/process5"/>
+    <dgm:cxn modelId="{29D80092-8453-426D-951F-E1A108F0D857}" type="presParOf" srcId="{991CCAB3-0275-4BB2-B40C-5F2AED018D7A}" destId="{5FD5BCC1-9E24-402A-B9A4-83A57EEA6166}" srcOrd="1" destOrd="0" presId="urn:microsoft.com/office/officeart/2005/8/layout/process5"/>
+    <dgm:cxn modelId="{4D14A5B1-2457-49CB-93E9-DA917773C961}" type="presParOf" srcId="{5FD5BCC1-9E24-402A-B9A4-83A57EEA6166}" destId="{714A1E25-F9D5-4B0E-8634-F921E253E90D}" srcOrd="0" destOrd="0" presId="urn:microsoft.com/office/officeart/2005/8/layout/process5"/>
+    <dgm:cxn modelId="{1C3CE309-B99E-473B-9D3A-4DE73C42825D}" type="presParOf" srcId="{991CCAB3-0275-4BB2-B40C-5F2AED018D7A}" destId="{CFFCBEBA-4E47-45C5-93CE-DCAB879DDAEB}" srcOrd="2" destOrd="0" presId="urn:microsoft.com/office/officeart/2005/8/layout/process5"/>
+    <dgm:cxn modelId="{75EF833D-322E-4518-852B-14ED4945602A}" type="presParOf" srcId="{991CCAB3-0275-4BB2-B40C-5F2AED018D7A}" destId="{E6321012-EB24-4963-82D0-930510E4F6A2}" srcOrd="3" destOrd="0" presId="urn:microsoft.com/office/officeart/2005/8/layout/process5"/>
+    <dgm:cxn modelId="{BB6C1B69-9643-4B2D-97CD-A1209B5CD744}" type="presParOf" srcId="{E6321012-EB24-4963-82D0-930510E4F6A2}" destId="{CFE6D574-6E5B-4E8C-92B7-D598193C9A7C}" srcOrd="0" destOrd="0" presId="urn:microsoft.com/office/officeart/2005/8/layout/process5"/>
+    <dgm:cxn modelId="{D8495F9C-7301-4DFD-B2BC-12A96B6385D8}" type="presParOf" srcId="{991CCAB3-0275-4BB2-B40C-5F2AED018D7A}" destId="{215A2429-C01A-4AB5-B742-303D0E1532B6}" srcOrd="4" destOrd="0" presId="urn:microsoft.com/office/officeart/2005/8/layout/process5"/>
+    <dgm:cxn modelId="{AD77A436-BC7A-466D-816E-65EA89C19625}" type="presParOf" srcId="{991CCAB3-0275-4BB2-B40C-5F2AED018D7A}" destId="{29D0EE36-F422-484A-85A6-285107F92C26}" srcOrd="5" destOrd="0" presId="urn:microsoft.com/office/officeart/2005/8/layout/process5"/>
+    <dgm:cxn modelId="{28FB7098-6C2E-4D3C-9C2E-4CF3E5AA4E60}" type="presParOf" srcId="{29D0EE36-F422-484A-85A6-285107F92C26}" destId="{34A2F61E-EA93-4228-B403-07590EF1548F}" srcOrd="0" destOrd="0" presId="urn:microsoft.com/office/officeart/2005/8/layout/process5"/>
+    <dgm:cxn modelId="{BB203243-FB3B-4601-B88B-BDA75609CEAA}" type="presParOf" srcId="{991CCAB3-0275-4BB2-B40C-5F2AED018D7A}" destId="{532AC6A3-9D32-422A-8B50-C8B5D1ED0FFD}" srcOrd="6" destOrd="0" presId="urn:microsoft.com/office/officeart/2005/8/layout/process5"/>
+    <dgm:cxn modelId="{0B477A14-79CD-4401-A4AB-81F6925E5672}" type="presParOf" srcId="{991CCAB3-0275-4BB2-B40C-5F2AED018D7A}" destId="{5B2F4D73-29F1-4F2A-A88F-74479DE8360A}" srcOrd="7" destOrd="0" presId="urn:microsoft.com/office/officeart/2005/8/layout/process5"/>
+    <dgm:cxn modelId="{C320D0BD-DCBE-44FB-BBF0-C5031C711B7B}" type="presParOf" srcId="{5B2F4D73-29F1-4F2A-A88F-74479DE8360A}" destId="{0699F314-5F01-47C8-9A58-F4E688FC29F9}" srcOrd="0" destOrd="0" presId="urn:microsoft.com/office/officeart/2005/8/layout/process5"/>
+    <dgm:cxn modelId="{D3F7B897-CD53-4029-AA1E-075426BADAA4}" type="presParOf" srcId="{991CCAB3-0275-4BB2-B40C-5F2AED018D7A}" destId="{FA9C61A7-D71C-4E26-BB75-02F93EF1DA91}" srcOrd="8" destOrd="0" presId="urn:microsoft.com/office/officeart/2005/8/layout/process5"/>
+    <dgm:cxn modelId="{BBE85C4B-E6D3-4E22-9458-8D3CE3A4FFF2}" type="presParOf" srcId="{991CCAB3-0275-4BB2-B40C-5F2AED018D7A}" destId="{D24DBE7C-E775-4D75-B363-11A5AAEABD64}" srcOrd="9" destOrd="0" presId="urn:microsoft.com/office/officeart/2005/8/layout/process5"/>
+    <dgm:cxn modelId="{046202B6-2146-465F-8D4C-69BFD1084B90}" type="presParOf" srcId="{D24DBE7C-E775-4D75-B363-11A5AAEABD64}" destId="{EAE1A7D9-C57F-46E7-85FD-55036699664A}" srcOrd="0" destOrd="0" presId="urn:microsoft.com/office/officeart/2005/8/layout/process5"/>
+    <dgm:cxn modelId="{20970DCC-D5AA-4E54-A84A-EFB3B8CE7369}" type="presParOf" srcId="{991CCAB3-0275-4BB2-B40C-5F2AED018D7A}" destId="{ECAA4B5B-0698-4AFA-96E6-77AE1D26B1FE}" srcOrd="10" destOrd="0" presId="urn:microsoft.com/office/officeart/2005/8/layout/process5"/>
+    <dgm:cxn modelId="{5C86BCC4-3B5C-44FE-AC75-95ADCC1FD981}" type="presParOf" srcId="{991CCAB3-0275-4BB2-B40C-5F2AED018D7A}" destId="{DFDBDAD3-1419-46EC-BCFA-9A850044C4CD}" srcOrd="11" destOrd="0" presId="urn:microsoft.com/office/officeart/2005/8/layout/process5"/>
+    <dgm:cxn modelId="{E12125C6-3563-4373-82BE-B05C9C743A01}" type="presParOf" srcId="{DFDBDAD3-1419-46EC-BCFA-9A850044C4CD}" destId="{0CDA5D5A-7C39-4EDE-B0AD-09ECB57E154A}" srcOrd="0" destOrd="0" presId="urn:microsoft.com/office/officeart/2005/8/layout/process5"/>
+    <dgm:cxn modelId="{40C81719-C656-4C70-B613-6C3D47FAFCE0}" type="presParOf" srcId="{991CCAB3-0275-4BB2-B40C-5F2AED018D7A}" destId="{05D3B237-1464-40E6-90D7-8935B2A1A65B}" srcOrd="12" destOrd="0" presId="urn:microsoft.com/office/officeart/2005/8/layout/process5"/>
+    <dgm:cxn modelId="{0EB30A2F-5317-41CC-B461-4093B65B6F99}" type="presParOf" srcId="{991CCAB3-0275-4BB2-B40C-5F2AED018D7A}" destId="{6E4F5563-286F-4CC2-B844-19D5160794B6}" srcOrd="13" destOrd="0" presId="urn:microsoft.com/office/officeart/2005/8/layout/process5"/>
+    <dgm:cxn modelId="{8F8D6389-6BDE-4763-B517-62FE45552E7D}" type="presParOf" srcId="{6E4F5563-286F-4CC2-B844-19D5160794B6}" destId="{F280F5B7-F085-4852-988B-BDD7AADB5331}" srcOrd="0" destOrd="0" presId="urn:microsoft.com/office/officeart/2005/8/layout/process5"/>
+    <dgm:cxn modelId="{ADE9992A-0AAA-4B5F-AC09-18BC7704D7E9}" type="presParOf" srcId="{991CCAB3-0275-4BB2-B40C-5F2AED018D7A}" destId="{D5F9F8B9-B98C-452D-AFAB-EAA03B0B6352}" srcOrd="14" destOrd="0" presId="urn:microsoft.com/office/officeart/2005/8/layout/process5"/>
+    <dgm:cxn modelId="{18E91D1A-E045-4B1B-A31E-56B69D5D5453}" type="presParOf" srcId="{991CCAB3-0275-4BB2-B40C-5F2AED018D7A}" destId="{3E308776-9A91-45D1-825F-90292745A233}" srcOrd="15" destOrd="0" presId="urn:microsoft.com/office/officeart/2005/8/layout/process5"/>
+    <dgm:cxn modelId="{B277590A-AB07-4241-B15C-185073D9610D}" type="presParOf" srcId="{3E308776-9A91-45D1-825F-90292745A233}" destId="{67084216-040B-42FF-92E0-479353BD38C3}" srcOrd="0" destOrd="0" presId="urn:microsoft.com/office/officeart/2005/8/layout/process5"/>
+    <dgm:cxn modelId="{2962068A-9FD8-4E31-9C91-FF15BEA288DD}" type="presParOf" srcId="{991CCAB3-0275-4BB2-B40C-5F2AED018D7A}" destId="{ACC39D55-B6BE-4C5F-8FD6-A3E8D5E07B59}" srcOrd="16" destOrd="0" presId="urn:microsoft.com/office/officeart/2005/8/layout/process5"/>
+    <dgm:cxn modelId="{3AEFB321-5DB8-44E1-8FD5-83468F3B12FA}" type="presParOf" srcId="{991CCAB3-0275-4BB2-B40C-5F2AED018D7A}" destId="{B6E4B580-6648-4508-913E-48247E654693}" srcOrd="17" destOrd="0" presId="urn:microsoft.com/office/officeart/2005/8/layout/process5"/>
+    <dgm:cxn modelId="{3CE0A82B-D338-4B91-87A6-721961FE2860}" type="presParOf" srcId="{B6E4B580-6648-4508-913E-48247E654693}" destId="{2998E088-7BFD-4AB6-8AC0-B592FB9E3E36}" srcOrd="0" destOrd="0" presId="urn:microsoft.com/office/officeart/2005/8/layout/process5"/>
+    <dgm:cxn modelId="{CBAF60FF-1424-49D1-A418-481715EB8ED8}" type="presParOf" srcId="{991CCAB3-0275-4BB2-B40C-5F2AED018D7A}" destId="{FED7D4CF-8D6F-4C60-AD50-09394EDB1804}" srcOrd="18" destOrd="0" presId="urn:microsoft.com/office/officeart/2005/8/layout/process5"/>
+    <dgm:cxn modelId="{86AEE622-2612-48D8-BC11-9A4C5572018C}" type="presParOf" srcId="{991CCAB3-0275-4BB2-B40C-5F2AED018D7A}" destId="{014CB7E0-7DED-4E65-85C7-B662D8910863}" srcOrd="19" destOrd="0" presId="urn:microsoft.com/office/officeart/2005/8/layout/process5"/>
+    <dgm:cxn modelId="{C39E9FC4-D7D9-40F1-BD12-E20EC4831865}" type="presParOf" srcId="{014CB7E0-7DED-4E65-85C7-B662D8910863}" destId="{8068B149-DBCC-4BF4-9263-5EEF45987D35}" srcOrd="0" destOrd="0" presId="urn:microsoft.com/office/officeart/2005/8/layout/process5"/>
+    <dgm:cxn modelId="{E4E4F843-2785-4A5D-964E-D39A4D810B92}" type="presParOf" srcId="{991CCAB3-0275-4BB2-B40C-5F2AED018D7A}" destId="{741E5167-9599-498D-9E8F-4F7AED7BE6C1}" srcOrd="20" destOrd="0" presId="urn:microsoft.com/office/officeart/2005/8/layout/process5"/>
+    <dgm:cxn modelId="{9BEDD150-1891-4923-8642-DE0C9CEE4EA4}" type="presParOf" srcId="{991CCAB3-0275-4BB2-B40C-5F2AED018D7A}" destId="{AFD2A3DA-9219-481C-ADBF-4CD703894DB3}" srcOrd="21" destOrd="0" presId="urn:microsoft.com/office/officeart/2005/8/layout/process5"/>
+    <dgm:cxn modelId="{4B0AF6AC-BCB3-47FB-A624-AAC944794A84}" type="presParOf" srcId="{AFD2A3DA-9219-481C-ADBF-4CD703894DB3}" destId="{5CA4A117-A1FF-46AA-865A-227DF4444ED5}" srcOrd="0" destOrd="0" presId="urn:microsoft.com/office/officeart/2005/8/layout/process5"/>
+    <dgm:cxn modelId="{3AED55DD-F54E-4F7B-9910-E2D6B11FFA52}" type="presParOf" srcId="{991CCAB3-0275-4BB2-B40C-5F2AED018D7A}" destId="{9EAE9A4A-6072-48C2-B70E-9837032E9AC6}" srcOrd="22" destOrd="0" presId="urn:microsoft.com/office/officeart/2005/8/layout/process5"/>
+  </dgm:cxnLst>
+  <dgm:bg/>
+  <dgm:whole/>
+  <dgm:extLst>
+    <a:ext uri="http://schemas.microsoft.com/office/drawing/2008/diagram">
+      <dsp:dataModelExt xmlns:dsp="http://schemas.microsoft.com/office/drawing/2008/diagram" relId="rId6" minVer="http://schemas.openxmlformats.org/drawingml/2006/diagram"/>
+    </a:ext>
+  </dgm:extLst>
+</dgm:dataModel>
+</file>
+
+<file path=ppt/diagrams/data3.xml><?xml version="1.0" encoding="utf-8"?>
+<dgm:dataModel xmlns:dgm="http://schemas.openxmlformats.org/drawingml/2006/diagram" xmlns:a="http://schemas.openxmlformats.org/drawingml/2006/main">
+  <dgm:ptLst>
+    <dgm:pt modelId="{10837E45-CE0C-4AF6-B0AB-8A9BA599909A}" type="doc">
+      <dgm:prSet loTypeId="urn:microsoft.com/office/officeart/2005/8/layout/process5" loCatId="process" qsTypeId="urn:microsoft.com/office/officeart/2005/8/quickstyle/simple1" qsCatId="simple" csTypeId="urn:microsoft.com/office/officeart/2005/8/colors/accent1_2" csCatId="accent1" phldr="1"/>
+      <dgm:spPr/>
+      <dgm:t>
+        <a:bodyPr/>
+        <a:lstStyle/>
+        <a:p>
+          <a:endParaRPr lang="en-US"/>
+        </a:p>
+      </dgm:t>
+    </dgm:pt>
+    <dgm:pt modelId="{34441796-D264-41A6-BAA4-EDE813CED8B2}">
+      <dgm:prSet phldrT="[Text]"/>
+      <dgm:spPr>
+        <a:solidFill>
+          <a:schemeClr val="bg2"/>
+        </a:solidFill>
+      </dgm:spPr>
+      <dgm:t>
+        <a:bodyPr/>
+        <a:lstStyle/>
+        <a:p>
+          <a:r>
+            <a:rPr lang="en-US" dirty="0"/>
+            <a:t>Causal Inference with Experiments</a:t>
+          </a:r>
+        </a:p>
+      </dgm:t>
+    </dgm:pt>
+    <dgm:pt modelId="{7A2CCC79-9B20-4C30-8ED1-46AEB489D05C}" type="parTrans" cxnId="{BC81BF3F-3408-4487-9DC5-E8C2EA8D9EEA}">
+      <dgm:prSet/>
+      <dgm:spPr/>
+      <dgm:t>
+        <a:bodyPr/>
+        <a:lstStyle/>
+        <a:p>
+          <a:endParaRPr lang="en-US"/>
+        </a:p>
+      </dgm:t>
+    </dgm:pt>
+    <dgm:pt modelId="{2FEBF32E-156F-48D1-B9D8-13CC56792E78}" type="sibTrans" cxnId="{BC81BF3F-3408-4487-9DC5-E8C2EA8D9EEA}">
+      <dgm:prSet/>
+      <dgm:spPr/>
+      <dgm:t>
+        <a:bodyPr/>
+        <a:lstStyle/>
+        <a:p>
+          <a:endParaRPr lang="en-US"/>
+        </a:p>
+      </dgm:t>
+    </dgm:pt>
+    <dgm:pt modelId="{DFE7F47A-2661-4C02-ABA6-0729DE48DF09}">
+      <dgm:prSet phldrT="[Text]"/>
+      <dgm:spPr>
+        <a:solidFill>
+          <a:schemeClr val="bg2"/>
+        </a:solidFill>
+      </dgm:spPr>
+      <dgm:t>
+        <a:bodyPr/>
+        <a:lstStyle/>
+        <a:p>
+          <a:r>
+            <a:rPr lang="en-US" dirty="0"/>
+            <a:t>Prediction with Linear Models</a:t>
+          </a:r>
+        </a:p>
+      </dgm:t>
+    </dgm:pt>
+    <dgm:pt modelId="{74EB5B6E-638D-4F99-BDF7-3CD0147B0C4B}" type="parTrans" cxnId="{BFA3F3B9-1014-44DA-B507-D69D40E0D4B7}">
+      <dgm:prSet/>
+      <dgm:spPr/>
+      <dgm:t>
+        <a:bodyPr/>
+        <a:lstStyle/>
+        <a:p>
+          <a:endParaRPr lang="en-US"/>
+        </a:p>
+      </dgm:t>
+    </dgm:pt>
+    <dgm:pt modelId="{2F1AC477-98F6-49FF-94CC-01AA5A0D0C8F}" type="sibTrans" cxnId="{BFA3F3B9-1014-44DA-B507-D69D40E0D4B7}">
+      <dgm:prSet/>
+      <dgm:spPr/>
+      <dgm:t>
+        <a:bodyPr/>
+        <a:lstStyle/>
+        <a:p>
+          <a:endParaRPr lang="en-US"/>
+        </a:p>
+      </dgm:t>
+    </dgm:pt>
+    <dgm:pt modelId="{FBEB8654-8C81-4799-994F-6DE9D2134DDA}">
+      <dgm:prSet phldrT="[Text]"/>
+      <dgm:spPr>
+        <a:solidFill>
+          <a:schemeClr val="bg2"/>
+        </a:solidFill>
+      </dgm:spPr>
+      <dgm:t>
+        <a:bodyPr/>
+        <a:lstStyle/>
+        <a:p>
+          <a:r>
+            <a:rPr lang="en-US" dirty="0"/>
+            <a:t>Prediction with High-Dim Linear Models</a:t>
+          </a:r>
+        </a:p>
+      </dgm:t>
+    </dgm:pt>
+    <dgm:pt modelId="{FA53FD02-EA13-4A4A-AEA4-5A61FEAEB602}" type="parTrans" cxnId="{58578AEB-C993-418B-BC78-96117C142244}">
+      <dgm:prSet/>
+      <dgm:spPr/>
+      <dgm:t>
+        <a:bodyPr/>
+        <a:lstStyle/>
+        <a:p>
+          <a:endParaRPr lang="en-US"/>
+        </a:p>
+      </dgm:t>
+    </dgm:pt>
+    <dgm:pt modelId="{6AC3E170-E94F-437E-8F93-593CF4C2985E}" type="sibTrans" cxnId="{58578AEB-C993-418B-BC78-96117C142244}">
+      <dgm:prSet/>
+      <dgm:spPr/>
+      <dgm:t>
+        <a:bodyPr/>
+        <a:lstStyle/>
+        <a:p>
+          <a:endParaRPr lang="en-US"/>
+        </a:p>
+      </dgm:t>
+    </dgm:pt>
+    <dgm:pt modelId="{45A3EB4B-A1B4-4C6F-988D-74884EE91184}">
+      <dgm:prSet phldrT="[Text]"/>
+      <dgm:spPr>
+        <a:solidFill>
+          <a:schemeClr val="accent2"/>
+        </a:solidFill>
+      </dgm:spPr>
+      <dgm:t>
+        <a:bodyPr/>
+        <a:lstStyle/>
+        <a:p>
+          <a:r>
+            <a:rPr lang="en-US" dirty="0"/>
+            <a:t>Inference on Causal and Predictive Effects with High-Dim Linear Models</a:t>
+          </a:r>
+        </a:p>
+      </dgm:t>
+    </dgm:pt>
+    <dgm:pt modelId="{30CC1AD6-FE51-44FA-BF38-C5E650DFD65C}" type="parTrans" cxnId="{1A7AB226-2DBD-4273-A292-6F7F224EF5D7}">
+      <dgm:prSet/>
+      <dgm:spPr/>
+      <dgm:t>
+        <a:bodyPr/>
+        <a:lstStyle/>
+        <a:p>
+          <a:endParaRPr lang="en-US"/>
+        </a:p>
+      </dgm:t>
+    </dgm:pt>
+    <dgm:pt modelId="{99FAC690-C9DB-4668-B91A-E97A39A3C7AD}" type="sibTrans" cxnId="{1A7AB226-2DBD-4273-A292-6F7F224EF5D7}">
+      <dgm:prSet/>
+      <dgm:spPr/>
+      <dgm:t>
+        <a:bodyPr/>
+        <a:lstStyle/>
+        <a:p>
+          <a:endParaRPr lang="en-US"/>
+        </a:p>
+      </dgm:t>
+    </dgm:pt>
+    <dgm:pt modelId="{6AD5B2D7-47EC-44D4-87BF-33560906A97C}">
+      <dgm:prSet phldrT="[Text]"/>
+      <dgm:spPr>
+        <a:solidFill>
+          <a:schemeClr val="bg2"/>
+        </a:solidFill>
+      </dgm:spPr>
+      <dgm:t>
+        <a:bodyPr/>
+        <a:lstStyle/>
+        <a:p>
+          <a:r>
+            <a:rPr lang="en-US" dirty="0"/>
+            <a:t>Potential Outcomes and Conditional </a:t>
+          </a:r>
+          <a:r>
+            <a:rPr lang="en-US" dirty="0" err="1"/>
+            <a:t>Ignorability</a:t>
+          </a:r>
+          <a:endParaRPr lang="en-US" dirty="0"/>
+        </a:p>
+      </dgm:t>
+    </dgm:pt>
+    <dgm:pt modelId="{2A8450D8-F68C-408F-8A21-F196285A6794}" type="parTrans" cxnId="{1DA3D81F-9FA9-4E79-9F55-B4E94905B14F}">
+      <dgm:prSet/>
+      <dgm:spPr/>
+      <dgm:t>
+        <a:bodyPr/>
+        <a:lstStyle/>
+        <a:p>
+          <a:endParaRPr lang="en-US"/>
+        </a:p>
+      </dgm:t>
+    </dgm:pt>
+    <dgm:pt modelId="{17BC5496-E23F-4887-B7F4-08E1A88B090B}" type="sibTrans" cxnId="{1DA3D81F-9FA9-4E79-9F55-B4E94905B14F}">
+      <dgm:prSet/>
+      <dgm:spPr/>
+      <dgm:t>
+        <a:bodyPr/>
+        <a:lstStyle/>
+        <a:p>
+          <a:endParaRPr lang="en-US"/>
+        </a:p>
+      </dgm:t>
+    </dgm:pt>
+    <dgm:pt modelId="{37889E61-9CF6-4C8E-9584-24A5977EBD15}">
+      <dgm:prSet phldrT="[Text]"/>
+      <dgm:spPr>
+        <a:solidFill>
+          <a:schemeClr val="bg2"/>
+        </a:solidFill>
+      </dgm:spPr>
+      <dgm:t>
+        <a:bodyPr/>
+        <a:lstStyle/>
+        <a:p>
+          <a:r>
+            <a:rPr lang="en-US" dirty="0"/>
+            <a:t>Structural Equation Models and Conditional Exogeneity</a:t>
+          </a:r>
+        </a:p>
+      </dgm:t>
+    </dgm:pt>
+    <dgm:pt modelId="{2C966710-37D9-48F1-AC20-05650AB51E4C}" type="parTrans" cxnId="{7CB386FF-64EB-4968-996B-DFC0D00FB741}">
+      <dgm:prSet/>
+      <dgm:spPr/>
+      <dgm:t>
+        <a:bodyPr/>
+        <a:lstStyle/>
+        <a:p>
+          <a:endParaRPr lang="en-US"/>
+        </a:p>
+      </dgm:t>
+    </dgm:pt>
+    <dgm:pt modelId="{F3421664-0B09-46C7-9B69-B39CA10A80B9}" type="sibTrans" cxnId="{7CB386FF-64EB-4968-996B-DFC0D00FB741}">
+      <dgm:prSet/>
+      <dgm:spPr/>
+      <dgm:t>
+        <a:bodyPr/>
+        <a:lstStyle/>
+        <a:p>
+          <a:endParaRPr lang="en-US"/>
+        </a:p>
+      </dgm:t>
+    </dgm:pt>
+    <dgm:pt modelId="{1FED0922-E747-4A42-86AC-31BBF42836D8}">
+      <dgm:prSet phldrT="[Text]"/>
+      <dgm:spPr>
+        <a:solidFill>
+          <a:schemeClr val="bg2"/>
+        </a:solidFill>
+      </dgm:spPr>
+      <dgm:t>
+        <a:bodyPr/>
+        <a:lstStyle/>
+        <a:p>
+          <a:r>
+            <a:rPr lang="en-US" dirty="0"/>
+            <a:t>Directed Acyclic Graphs</a:t>
+          </a:r>
+        </a:p>
+      </dgm:t>
+    </dgm:pt>
+    <dgm:pt modelId="{B6A9D600-E4B7-49AF-88BC-1E4F6746786A}" type="parTrans" cxnId="{B0017124-E0D7-4CAE-B216-3A55B4F1B449}">
+      <dgm:prSet/>
+      <dgm:spPr/>
+      <dgm:t>
+        <a:bodyPr/>
+        <a:lstStyle/>
+        <a:p>
+          <a:endParaRPr lang="en-US"/>
+        </a:p>
+      </dgm:t>
+    </dgm:pt>
+    <dgm:pt modelId="{6AAC3737-829D-45B2-8D9E-630472872042}" type="sibTrans" cxnId="{B0017124-E0D7-4CAE-B216-3A55B4F1B449}">
+      <dgm:prSet/>
+      <dgm:spPr/>
+      <dgm:t>
+        <a:bodyPr/>
+        <a:lstStyle/>
+        <a:p>
+          <a:endParaRPr lang="en-US"/>
+        </a:p>
+      </dgm:t>
+    </dgm:pt>
+    <dgm:pt modelId="{2AF6AACC-7976-443F-BF63-E289E37A8BE3}">
+      <dgm:prSet phldrT="[Text]"/>
+      <dgm:spPr>
+        <a:solidFill>
+          <a:schemeClr val="bg2"/>
+        </a:solidFill>
+      </dgm:spPr>
+      <dgm:t>
+        <a:bodyPr/>
+        <a:lstStyle/>
+        <a:p>
+          <a:r>
+            <a:rPr lang="en-US" dirty="0"/>
+            <a:t>Prediction with Non-Linear Models</a:t>
+          </a:r>
+        </a:p>
+      </dgm:t>
+    </dgm:pt>
+    <dgm:pt modelId="{5C48098A-251A-447B-8EDB-F7F92C1E206E}" type="parTrans" cxnId="{5DCD2955-9CFE-47C7-AF05-89783A8B877D}">
+      <dgm:prSet/>
+      <dgm:spPr/>
+      <dgm:t>
+        <a:bodyPr/>
+        <a:lstStyle/>
+        <a:p>
+          <a:endParaRPr lang="en-US"/>
+        </a:p>
+      </dgm:t>
+    </dgm:pt>
+    <dgm:pt modelId="{4BE593F2-54C4-45DD-B672-C6965A31B58B}" type="sibTrans" cxnId="{5DCD2955-9CFE-47C7-AF05-89783A8B877D}">
+      <dgm:prSet/>
+      <dgm:spPr/>
+      <dgm:t>
+        <a:bodyPr/>
+        <a:lstStyle/>
+        <a:p>
+          <a:endParaRPr lang="en-US"/>
+        </a:p>
+      </dgm:t>
+    </dgm:pt>
+    <dgm:pt modelId="{E6BCA3F0-0F05-46BF-BE80-C0544D1DA504}">
+      <dgm:prSet phldrT="[Text]"/>
+      <dgm:spPr>
+        <a:solidFill>
+          <a:schemeClr val="bg2"/>
+        </a:solidFill>
+      </dgm:spPr>
+      <dgm:t>
+        <a:bodyPr/>
+        <a:lstStyle/>
+        <a:p>
+          <a:r>
+            <a:rPr lang="en-US" dirty="0"/>
+            <a:t>Inference on Causal Effects with Non-Linear Models</a:t>
+          </a:r>
+        </a:p>
+      </dgm:t>
+    </dgm:pt>
+    <dgm:pt modelId="{68F4EE87-CD53-4AFC-9E9B-A997F1DCCA1A}" type="parTrans" cxnId="{215E8F78-1454-4A69-856A-8ED3EB845B70}">
+      <dgm:prSet/>
+      <dgm:spPr/>
+      <dgm:t>
+        <a:bodyPr/>
+        <a:lstStyle/>
+        <a:p>
+          <a:endParaRPr lang="en-US"/>
+        </a:p>
+      </dgm:t>
+    </dgm:pt>
+    <dgm:pt modelId="{82920B5D-7F10-4229-957F-13641689B1AD}" type="sibTrans" cxnId="{215E8F78-1454-4A69-856A-8ED3EB845B70}">
+      <dgm:prSet/>
+      <dgm:spPr/>
+      <dgm:t>
+        <a:bodyPr/>
+        <a:lstStyle/>
+        <a:p>
+          <a:endParaRPr lang="en-US"/>
+        </a:p>
+      </dgm:t>
+    </dgm:pt>
+    <dgm:pt modelId="{ED670C81-F8CD-4900-B977-7CFB3F8CC36A}">
+      <dgm:prSet phldrT="[Text]"/>
+      <dgm:spPr>
+        <a:solidFill>
+          <a:schemeClr val="bg2"/>
+        </a:solidFill>
+      </dgm:spPr>
+      <dgm:t>
+        <a:bodyPr/>
+        <a:lstStyle/>
+        <a:p>
+          <a:r>
+            <a:rPr lang="en-US" dirty="0"/>
+            <a:t>Un-observed Confounding and Instruments</a:t>
+          </a:r>
+        </a:p>
+      </dgm:t>
+    </dgm:pt>
+    <dgm:pt modelId="{B5840004-1566-49FE-B5C3-F798BC348231}" type="parTrans" cxnId="{C2A59F51-468C-4267-B4FD-308CAE80FE99}">
+      <dgm:prSet/>
+      <dgm:spPr/>
+      <dgm:t>
+        <a:bodyPr/>
+        <a:lstStyle/>
+        <a:p>
+          <a:endParaRPr lang="en-US"/>
+        </a:p>
+      </dgm:t>
+    </dgm:pt>
+    <dgm:pt modelId="{2FDAFCC3-8CC4-490E-B58D-A83240610F36}" type="sibTrans" cxnId="{C2A59F51-468C-4267-B4FD-308CAE80FE99}">
+      <dgm:prSet/>
+      <dgm:spPr/>
+      <dgm:t>
+        <a:bodyPr/>
+        <a:lstStyle/>
+        <a:p>
+          <a:endParaRPr lang="en-US"/>
+        </a:p>
+      </dgm:t>
+    </dgm:pt>
+    <dgm:pt modelId="{9635A717-162A-4432-84FA-F50E069D11AC}">
+      <dgm:prSet phldrT="[Text]"/>
+      <dgm:spPr>
+        <a:solidFill>
+          <a:schemeClr val="bg2"/>
+        </a:solidFill>
+      </dgm:spPr>
+      <dgm:t>
+        <a:bodyPr/>
+        <a:lstStyle/>
+        <a:p>
+          <a:r>
+            <a:rPr lang="en-US" dirty="0"/>
+            <a:t>Identification of Causal Effects in Longitudinal Data</a:t>
+          </a:r>
+        </a:p>
+      </dgm:t>
+    </dgm:pt>
+    <dgm:pt modelId="{EF5383CD-2619-466F-8A7C-E1CA8B9549A3}" type="parTrans" cxnId="{D09D5BFA-8647-4524-97D8-6BF7512CB2AA}">
+      <dgm:prSet/>
+      <dgm:spPr/>
+      <dgm:t>
+        <a:bodyPr/>
+        <a:lstStyle/>
+        <a:p>
+          <a:endParaRPr lang="en-US"/>
+        </a:p>
+      </dgm:t>
+    </dgm:pt>
+    <dgm:pt modelId="{54699652-4E6C-4265-B86F-8322C50ACD25}" type="sibTrans" cxnId="{D09D5BFA-8647-4524-97D8-6BF7512CB2AA}">
+      <dgm:prSet/>
+      <dgm:spPr/>
+      <dgm:t>
+        <a:bodyPr/>
+        <a:lstStyle/>
+        <a:p>
+          <a:endParaRPr lang="en-US"/>
+        </a:p>
+      </dgm:t>
+    </dgm:pt>
+    <dgm:pt modelId="{3349DCE8-F2E5-4927-AA13-51308E5CFBDD}">
+      <dgm:prSet phldrT="[Text]"/>
+      <dgm:spPr>
+        <a:solidFill>
+          <a:schemeClr val="bg2"/>
+        </a:solidFill>
+      </dgm:spPr>
+      <dgm:t>
+        <a:bodyPr/>
+        <a:lstStyle/>
+        <a:p>
+          <a:r>
+            <a:rPr lang="en-US" dirty="0"/>
+            <a:t>Estimation of Heterogeneous Causal Effects</a:t>
+          </a:r>
+        </a:p>
+      </dgm:t>
+    </dgm:pt>
+    <dgm:pt modelId="{B5E4244C-CDC8-43D6-A4F6-C4782D40593D}" type="parTrans" cxnId="{8E55A045-2E51-4F94-A613-A9943D84C338}">
+      <dgm:prSet/>
+      <dgm:spPr/>
+      <dgm:t>
+        <a:bodyPr/>
+        <a:lstStyle/>
+        <a:p>
+          <a:endParaRPr lang="en-US"/>
+        </a:p>
+      </dgm:t>
+    </dgm:pt>
+    <dgm:pt modelId="{788639C0-C4ED-4C43-90ED-0DE0D296E363}" type="sibTrans" cxnId="{8E55A045-2E51-4F94-A613-A9943D84C338}">
+      <dgm:prSet/>
+      <dgm:spPr/>
+      <dgm:t>
+        <a:bodyPr/>
+        <a:lstStyle/>
+        <a:p>
+          <a:endParaRPr lang="en-US"/>
+        </a:p>
+      </dgm:t>
+    </dgm:pt>
+    <dgm:pt modelId="{991CCAB3-0275-4BB2-B40C-5F2AED018D7A}" type="pres">
+      <dgm:prSet presAssocID="{10837E45-CE0C-4AF6-B0AB-8A9BA599909A}" presName="diagram" presStyleCnt="0">
+        <dgm:presLayoutVars>
+          <dgm:dir/>
+          <dgm:resizeHandles val="exact"/>
+        </dgm:presLayoutVars>
+      </dgm:prSet>
+      <dgm:spPr/>
+    </dgm:pt>
+    <dgm:pt modelId="{654E8768-037C-49DE-A1DB-DE887DA31B0B}" type="pres">
+      <dgm:prSet presAssocID="{34441796-D264-41A6-BAA4-EDE813CED8B2}" presName="node" presStyleLbl="node1" presStyleIdx="0" presStyleCnt="12">
+        <dgm:presLayoutVars>
+          <dgm:bulletEnabled val="1"/>
+        </dgm:presLayoutVars>
+      </dgm:prSet>
+      <dgm:spPr/>
+    </dgm:pt>
+    <dgm:pt modelId="{5FD5BCC1-9E24-402A-B9A4-83A57EEA6166}" type="pres">
+      <dgm:prSet presAssocID="{2FEBF32E-156F-48D1-B9D8-13CC56792E78}" presName="sibTrans" presStyleLbl="sibTrans2D1" presStyleIdx="0" presStyleCnt="11"/>
+      <dgm:spPr/>
+    </dgm:pt>
+    <dgm:pt modelId="{714A1E25-F9D5-4B0E-8634-F921E253E90D}" type="pres">
+      <dgm:prSet presAssocID="{2FEBF32E-156F-48D1-B9D8-13CC56792E78}" presName="connectorText" presStyleLbl="sibTrans2D1" presStyleIdx="0" presStyleCnt="11"/>
+      <dgm:spPr/>
+    </dgm:pt>
+    <dgm:pt modelId="{CFFCBEBA-4E47-45C5-93CE-DCAB879DDAEB}" type="pres">
+      <dgm:prSet presAssocID="{DFE7F47A-2661-4C02-ABA6-0729DE48DF09}" presName="node" presStyleLbl="node1" presStyleIdx="1" presStyleCnt="12">
+        <dgm:presLayoutVars>
+          <dgm:bulletEnabled val="1"/>
+        </dgm:presLayoutVars>
+      </dgm:prSet>
+      <dgm:spPr/>
+    </dgm:pt>
+    <dgm:pt modelId="{E6321012-EB24-4963-82D0-930510E4F6A2}" type="pres">
+      <dgm:prSet presAssocID="{2F1AC477-98F6-49FF-94CC-01AA5A0D0C8F}" presName="sibTrans" presStyleLbl="sibTrans2D1" presStyleIdx="1" presStyleCnt="11"/>
+      <dgm:spPr/>
+    </dgm:pt>
+    <dgm:pt modelId="{CFE6D574-6E5B-4E8C-92B7-D598193C9A7C}" type="pres">
+      <dgm:prSet presAssocID="{2F1AC477-98F6-49FF-94CC-01AA5A0D0C8F}" presName="connectorText" presStyleLbl="sibTrans2D1" presStyleIdx="1" presStyleCnt="11"/>
+      <dgm:spPr/>
+    </dgm:pt>
+    <dgm:pt modelId="{215A2429-C01A-4AB5-B742-303D0E1532B6}" type="pres">
+      <dgm:prSet presAssocID="{FBEB8654-8C81-4799-994F-6DE9D2134DDA}" presName="node" presStyleLbl="node1" presStyleIdx="2" presStyleCnt="12">
+        <dgm:presLayoutVars>
+          <dgm:bulletEnabled val="1"/>
+        </dgm:presLayoutVars>
+      </dgm:prSet>
+      <dgm:spPr/>
+    </dgm:pt>
+    <dgm:pt modelId="{29D0EE36-F422-484A-85A6-285107F92C26}" type="pres">
+      <dgm:prSet presAssocID="{6AC3E170-E94F-437E-8F93-593CF4C2985E}" presName="sibTrans" presStyleLbl="sibTrans2D1" presStyleIdx="2" presStyleCnt="11"/>
+      <dgm:spPr/>
+    </dgm:pt>
+    <dgm:pt modelId="{34A2F61E-EA93-4228-B403-07590EF1548F}" type="pres">
+      <dgm:prSet presAssocID="{6AC3E170-E94F-437E-8F93-593CF4C2985E}" presName="connectorText" presStyleLbl="sibTrans2D1" presStyleIdx="2" presStyleCnt="11"/>
+      <dgm:spPr/>
+    </dgm:pt>
+    <dgm:pt modelId="{532AC6A3-9D32-422A-8B50-C8B5D1ED0FFD}" type="pres">
+      <dgm:prSet presAssocID="{45A3EB4B-A1B4-4C6F-988D-74884EE91184}" presName="node" presStyleLbl="node1" presStyleIdx="3" presStyleCnt="12">
+        <dgm:presLayoutVars>
+          <dgm:bulletEnabled val="1"/>
+        </dgm:presLayoutVars>
+      </dgm:prSet>
+      <dgm:spPr/>
+    </dgm:pt>
+    <dgm:pt modelId="{5B2F4D73-29F1-4F2A-A88F-74479DE8360A}" type="pres">
+      <dgm:prSet presAssocID="{99FAC690-C9DB-4668-B91A-E97A39A3C7AD}" presName="sibTrans" presStyleLbl="sibTrans2D1" presStyleIdx="3" presStyleCnt="11"/>
+      <dgm:spPr/>
+    </dgm:pt>
+    <dgm:pt modelId="{0699F314-5F01-47C8-9A58-F4E688FC29F9}" type="pres">
+      <dgm:prSet presAssocID="{99FAC690-C9DB-4668-B91A-E97A39A3C7AD}" presName="connectorText" presStyleLbl="sibTrans2D1" presStyleIdx="3" presStyleCnt="11"/>
+      <dgm:spPr/>
+    </dgm:pt>
+    <dgm:pt modelId="{FA9C61A7-D71C-4E26-BB75-02F93EF1DA91}" type="pres">
+      <dgm:prSet presAssocID="{6AD5B2D7-47EC-44D4-87BF-33560906A97C}" presName="node" presStyleLbl="node1" presStyleIdx="4" presStyleCnt="12">
+        <dgm:presLayoutVars>
+          <dgm:bulletEnabled val="1"/>
+        </dgm:presLayoutVars>
+      </dgm:prSet>
+      <dgm:spPr/>
+    </dgm:pt>
+    <dgm:pt modelId="{D24DBE7C-E775-4D75-B363-11A5AAEABD64}" type="pres">
+      <dgm:prSet presAssocID="{17BC5496-E23F-4887-B7F4-08E1A88B090B}" presName="sibTrans" presStyleLbl="sibTrans2D1" presStyleIdx="4" presStyleCnt="11"/>
+      <dgm:spPr/>
+    </dgm:pt>
+    <dgm:pt modelId="{EAE1A7D9-C57F-46E7-85FD-55036699664A}" type="pres">
+      <dgm:prSet presAssocID="{17BC5496-E23F-4887-B7F4-08E1A88B090B}" presName="connectorText" presStyleLbl="sibTrans2D1" presStyleIdx="4" presStyleCnt="11"/>
+      <dgm:spPr/>
+    </dgm:pt>
+    <dgm:pt modelId="{ECAA4B5B-0698-4AFA-96E6-77AE1D26B1FE}" type="pres">
+      <dgm:prSet presAssocID="{37889E61-9CF6-4C8E-9584-24A5977EBD15}" presName="node" presStyleLbl="node1" presStyleIdx="5" presStyleCnt="12">
+        <dgm:presLayoutVars>
+          <dgm:bulletEnabled val="1"/>
+        </dgm:presLayoutVars>
+      </dgm:prSet>
+      <dgm:spPr/>
+    </dgm:pt>
+    <dgm:pt modelId="{DFDBDAD3-1419-46EC-BCFA-9A850044C4CD}" type="pres">
+      <dgm:prSet presAssocID="{F3421664-0B09-46C7-9B69-B39CA10A80B9}" presName="sibTrans" presStyleLbl="sibTrans2D1" presStyleIdx="5" presStyleCnt="11"/>
+      <dgm:spPr/>
+    </dgm:pt>
+    <dgm:pt modelId="{0CDA5D5A-7C39-4EDE-B0AD-09ECB57E154A}" type="pres">
+      <dgm:prSet presAssocID="{F3421664-0B09-46C7-9B69-B39CA10A80B9}" presName="connectorText" presStyleLbl="sibTrans2D1" presStyleIdx="5" presStyleCnt="11"/>
+      <dgm:spPr/>
+    </dgm:pt>
+    <dgm:pt modelId="{05D3B237-1464-40E6-90D7-8935B2A1A65B}" type="pres">
+      <dgm:prSet presAssocID="{1FED0922-E747-4A42-86AC-31BBF42836D8}" presName="node" presStyleLbl="node1" presStyleIdx="6" presStyleCnt="12">
+        <dgm:presLayoutVars>
+          <dgm:bulletEnabled val="1"/>
+        </dgm:presLayoutVars>
+      </dgm:prSet>
+      <dgm:spPr/>
+    </dgm:pt>
+    <dgm:pt modelId="{6E4F5563-286F-4CC2-B844-19D5160794B6}" type="pres">
+      <dgm:prSet presAssocID="{6AAC3737-829D-45B2-8D9E-630472872042}" presName="sibTrans" presStyleLbl="sibTrans2D1" presStyleIdx="6" presStyleCnt="11"/>
+      <dgm:spPr/>
+    </dgm:pt>
+    <dgm:pt modelId="{F280F5B7-F085-4852-988B-BDD7AADB5331}" type="pres">
+      <dgm:prSet presAssocID="{6AAC3737-829D-45B2-8D9E-630472872042}" presName="connectorText" presStyleLbl="sibTrans2D1" presStyleIdx="6" presStyleCnt="11"/>
+      <dgm:spPr/>
+    </dgm:pt>
+    <dgm:pt modelId="{D5F9F8B9-B98C-452D-AFAB-EAA03B0B6352}" type="pres">
+      <dgm:prSet presAssocID="{2AF6AACC-7976-443F-BF63-E289E37A8BE3}" presName="node" presStyleLbl="node1" presStyleIdx="7" presStyleCnt="12">
+        <dgm:presLayoutVars>
+          <dgm:bulletEnabled val="1"/>
+        </dgm:presLayoutVars>
+      </dgm:prSet>
+      <dgm:spPr/>
+    </dgm:pt>
+    <dgm:pt modelId="{3E308776-9A91-45D1-825F-90292745A233}" type="pres">
+      <dgm:prSet presAssocID="{4BE593F2-54C4-45DD-B672-C6965A31B58B}" presName="sibTrans" presStyleLbl="sibTrans2D1" presStyleIdx="7" presStyleCnt="11"/>
+      <dgm:spPr/>
+    </dgm:pt>
+    <dgm:pt modelId="{67084216-040B-42FF-92E0-479353BD38C3}" type="pres">
+      <dgm:prSet presAssocID="{4BE593F2-54C4-45DD-B672-C6965A31B58B}" presName="connectorText" presStyleLbl="sibTrans2D1" presStyleIdx="7" presStyleCnt="11"/>
+      <dgm:spPr/>
+    </dgm:pt>
+    <dgm:pt modelId="{ACC39D55-B6BE-4C5F-8FD6-A3E8D5E07B59}" type="pres">
+      <dgm:prSet presAssocID="{E6BCA3F0-0F05-46BF-BE80-C0544D1DA504}" presName="node" presStyleLbl="node1" presStyleIdx="8" presStyleCnt="12">
+        <dgm:presLayoutVars>
+          <dgm:bulletEnabled val="1"/>
+        </dgm:presLayoutVars>
+      </dgm:prSet>
+      <dgm:spPr/>
+    </dgm:pt>
+    <dgm:pt modelId="{B6E4B580-6648-4508-913E-48247E654693}" type="pres">
+      <dgm:prSet presAssocID="{82920B5D-7F10-4229-957F-13641689B1AD}" presName="sibTrans" presStyleLbl="sibTrans2D1" presStyleIdx="8" presStyleCnt="11"/>
+      <dgm:spPr/>
+    </dgm:pt>
+    <dgm:pt modelId="{2998E088-7BFD-4AB6-8AC0-B592FB9E3E36}" type="pres">
+      <dgm:prSet presAssocID="{82920B5D-7F10-4229-957F-13641689B1AD}" presName="connectorText" presStyleLbl="sibTrans2D1" presStyleIdx="8" presStyleCnt="11"/>
+      <dgm:spPr/>
+    </dgm:pt>
+    <dgm:pt modelId="{FED7D4CF-8D6F-4C60-AD50-09394EDB1804}" type="pres">
+      <dgm:prSet presAssocID="{ED670C81-F8CD-4900-B977-7CFB3F8CC36A}" presName="node" presStyleLbl="node1" presStyleIdx="9" presStyleCnt="12">
+        <dgm:presLayoutVars>
+          <dgm:bulletEnabled val="1"/>
+        </dgm:presLayoutVars>
+      </dgm:prSet>
+      <dgm:spPr/>
+    </dgm:pt>
+    <dgm:pt modelId="{014CB7E0-7DED-4E65-85C7-B662D8910863}" type="pres">
+      <dgm:prSet presAssocID="{2FDAFCC3-8CC4-490E-B58D-A83240610F36}" presName="sibTrans" presStyleLbl="sibTrans2D1" presStyleIdx="9" presStyleCnt="11"/>
+      <dgm:spPr/>
+    </dgm:pt>
+    <dgm:pt modelId="{8068B149-DBCC-4BF4-9263-5EEF45987D35}" type="pres">
+      <dgm:prSet presAssocID="{2FDAFCC3-8CC4-490E-B58D-A83240610F36}" presName="connectorText" presStyleLbl="sibTrans2D1" presStyleIdx="9" presStyleCnt="11"/>
+      <dgm:spPr/>
+    </dgm:pt>
+    <dgm:pt modelId="{741E5167-9599-498D-9E8F-4F7AED7BE6C1}" type="pres">
+      <dgm:prSet presAssocID="{9635A717-162A-4432-84FA-F50E069D11AC}" presName="node" presStyleLbl="node1" presStyleIdx="10" presStyleCnt="12">
+        <dgm:presLayoutVars>
+          <dgm:bulletEnabled val="1"/>
+        </dgm:presLayoutVars>
+      </dgm:prSet>
+      <dgm:spPr/>
+    </dgm:pt>
+    <dgm:pt modelId="{AFD2A3DA-9219-481C-ADBF-4CD703894DB3}" type="pres">
+      <dgm:prSet presAssocID="{54699652-4E6C-4265-B86F-8322C50ACD25}" presName="sibTrans" presStyleLbl="sibTrans2D1" presStyleIdx="10" presStyleCnt="11"/>
+      <dgm:spPr/>
+    </dgm:pt>
+    <dgm:pt modelId="{5CA4A117-A1FF-46AA-865A-227DF4444ED5}" type="pres">
+      <dgm:prSet presAssocID="{54699652-4E6C-4265-B86F-8322C50ACD25}" presName="connectorText" presStyleLbl="sibTrans2D1" presStyleIdx="10" presStyleCnt="11"/>
+      <dgm:spPr/>
+    </dgm:pt>
+    <dgm:pt modelId="{9EAE9A4A-6072-48C2-B70E-9837032E9AC6}" type="pres">
+      <dgm:prSet presAssocID="{3349DCE8-F2E5-4927-AA13-51308E5CFBDD}" presName="node" presStyleLbl="node1" presStyleIdx="11" presStyleCnt="12">
+        <dgm:presLayoutVars>
+          <dgm:bulletEnabled val="1"/>
+        </dgm:presLayoutVars>
+      </dgm:prSet>
+      <dgm:spPr/>
+    </dgm:pt>
+  </dgm:ptLst>
+  <dgm:cxnLst>
+    <dgm:cxn modelId="{545C8405-3DD0-4025-AFD0-B67DD089E13E}" type="presOf" srcId="{99FAC690-C9DB-4668-B91A-E97A39A3C7AD}" destId="{5B2F4D73-29F1-4F2A-A88F-74479DE8360A}" srcOrd="0" destOrd="0" presId="urn:microsoft.com/office/officeart/2005/8/layout/process5"/>
+    <dgm:cxn modelId="{26BE560D-EEAD-4F21-B0D1-CB9F5A3B8AFF}" type="presOf" srcId="{FBEB8654-8C81-4799-994F-6DE9D2134DDA}" destId="{215A2429-C01A-4AB5-B742-303D0E1532B6}" srcOrd="0" destOrd="0" presId="urn:microsoft.com/office/officeart/2005/8/layout/process5"/>
+    <dgm:cxn modelId="{C149B00E-19E3-4B4C-90FD-D3DAACD8FAC2}" type="presOf" srcId="{4BE593F2-54C4-45DD-B672-C6965A31B58B}" destId="{3E308776-9A91-45D1-825F-90292745A233}" srcOrd="0" destOrd="0" presId="urn:microsoft.com/office/officeart/2005/8/layout/process5"/>
+    <dgm:cxn modelId="{B9EF471C-F727-415F-9163-5AA6468F1FD6}" type="presOf" srcId="{6AAC3737-829D-45B2-8D9E-630472872042}" destId="{6E4F5563-286F-4CC2-B844-19D5160794B6}" srcOrd="0" destOrd="0" presId="urn:microsoft.com/office/officeart/2005/8/layout/process5"/>
+    <dgm:cxn modelId="{1DA3D81F-9FA9-4E79-9F55-B4E94905B14F}" srcId="{10837E45-CE0C-4AF6-B0AB-8A9BA599909A}" destId="{6AD5B2D7-47EC-44D4-87BF-33560906A97C}" srcOrd="4" destOrd="0" parTransId="{2A8450D8-F68C-408F-8A21-F196285A6794}" sibTransId="{17BC5496-E23F-4887-B7F4-08E1A88B090B}"/>
+    <dgm:cxn modelId="{B0017124-E0D7-4CAE-B216-3A55B4F1B449}" srcId="{10837E45-CE0C-4AF6-B0AB-8A9BA599909A}" destId="{1FED0922-E747-4A42-86AC-31BBF42836D8}" srcOrd="6" destOrd="0" parTransId="{B6A9D600-E4B7-49AF-88BC-1E4F6746786A}" sibTransId="{6AAC3737-829D-45B2-8D9E-630472872042}"/>
+    <dgm:cxn modelId="{1A7AB226-2DBD-4273-A292-6F7F224EF5D7}" srcId="{10837E45-CE0C-4AF6-B0AB-8A9BA599909A}" destId="{45A3EB4B-A1B4-4C6F-988D-74884EE91184}" srcOrd="3" destOrd="0" parTransId="{30CC1AD6-FE51-44FA-BF38-C5E650DFD65C}" sibTransId="{99FAC690-C9DB-4668-B91A-E97A39A3C7AD}"/>
+    <dgm:cxn modelId="{4B042028-1F3B-4EA4-8462-7F7449DF832F}" type="presOf" srcId="{2FDAFCC3-8CC4-490E-B58D-A83240610F36}" destId="{014CB7E0-7DED-4E65-85C7-B662D8910863}" srcOrd="0" destOrd="0" presId="urn:microsoft.com/office/officeart/2005/8/layout/process5"/>
+    <dgm:cxn modelId="{9F54103A-CDBC-4154-81FE-C76CA1989BB2}" type="presOf" srcId="{F3421664-0B09-46C7-9B69-B39CA10A80B9}" destId="{0CDA5D5A-7C39-4EDE-B0AD-09ECB57E154A}" srcOrd="1" destOrd="0" presId="urn:microsoft.com/office/officeart/2005/8/layout/process5"/>
+    <dgm:cxn modelId="{1C30A83F-42FD-4BBB-A07B-2DBC5C2B6A4E}" type="presOf" srcId="{6AAC3737-829D-45B2-8D9E-630472872042}" destId="{F280F5B7-F085-4852-988B-BDD7AADB5331}" srcOrd="1" destOrd="0" presId="urn:microsoft.com/office/officeart/2005/8/layout/process5"/>
+    <dgm:cxn modelId="{BC81BF3F-3408-4487-9DC5-E8C2EA8D9EEA}" srcId="{10837E45-CE0C-4AF6-B0AB-8A9BA599909A}" destId="{34441796-D264-41A6-BAA4-EDE813CED8B2}" srcOrd="0" destOrd="0" parTransId="{7A2CCC79-9B20-4C30-8ED1-46AEB489D05C}" sibTransId="{2FEBF32E-156F-48D1-B9D8-13CC56792E78}"/>
+    <dgm:cxn modelId="{8E55A045-2E51-4F94-A613-A9943D84C338}" srcId="{10837E45-CE0C-4AF6-B0AB-8A9BA599909A}" destId="{3349DCE8-F2E5-4927-AA13-51308E5CFBDD}" srcOrd="11" destOrd="0" parTransId="{B5E4244C-CDC8-43D6-A4F6-C4782D40593D}" sibTransId="{788639C0-C4ED-4C43-90ED-0DE0D296E363}"/>
+    <dgm:cxn modelId="{F704D749-9EC7-4699-8DAA-C7D2ACA81696}" type="presOf" srcId="{2FEBF32E-156F-48D1-B9D8-13CC56792E78}" destId="{714A1E25-F9D5-4B0E-8634-F921E253E90D}" srcOrd="1" destOrd="0" presId="urn:microsoft.com/office/officeart/2005/8/layout/process5"/>
+    <dgm:cxn modelId="{197FB04E-CF25-430B-92BA-3A07CA1D149A}" type="presOf" srcId="{2FDAFCC3-8CC4-490E-B58D-A83240610F36}" destId="{8068B149-DBCC-4BF4-9263-5EEF45987D35}" srcOrd="1" destOrd="0" presId="urn:microsoft.com/office/officeart/2005/8/layout/process5"/>
+    <dgm:cxn modelId="{048F0D4F-4963-49E3-B693-BCB353092C77}" type="presOf" srcId="{17BC5496-E23F-4887-B7F4-08E1A88B090B}" destId="{D24DBE7C-E775-4D75-B363-11A5AAEABD64}" srcOrd="0" destOrd="0" presId="urn:microsoft.com/office/officeart/2005/8/layout/process5"/>
+    <dgm:cxn modelId="{1DB19A50-180C-4802-A0F4-FC1F4DADF1D0}" type="presOf" srcId="{DFE7F47A-2661-4C02-ABA6-0729DE48DF09}" destId="{CFFCBEBA-4E47-45C5-93CE-DCAB879DDAEB}" srcOrd="0" destOrd="0" presId="urn:microsoft.com/office/officeart/2005/8/layout/process5"/>
+    <dgm:cxn modelId="{C2A59F51-468C-4267-B4FD-308CAE80FE99}" srcId="{10837E45-CE0C-4AF6-B0AB-8A9BA599909A}" destId="{ED670C81-F8CD-4900-B977-7CFB3F8CC36A}" srcOrd="9" destOrd="0" parTransId="{B5840004-1566-49FE-B5C3-F798BC348231}" sibTransId="{2FDAFCC3-8CC4-490E-B58D-A83240610F36}"/>
+    <dgm:cxn modelId="{5DCD2955-9CFE-47C7-AF05-89783A8B877D}" srcId="{10837E45-CE0C-4AF6-B0AB-8A9BA599909A}" destId="{2AF6AACC-7976-443F-BF63-E289E37A8BE3}" srcOrd="7" destOrd="0" parTransId="{5C48098A-251A-447B-8EDB-F7F92C1E206E}" sibTransId="{4BE593F2-54C4-45DD-B672-C6965A31B58B}"/>
+    <dgm:cxn modelId="{0C2BFE61-7BE1-4126-8540-5E473A2F7077}" type="presOf" srcId="{82920B5D-7F10-4229-957F-13641689B1AD}" destId="{2998E088-7BFD-4AB6-8AC0-B592FB9E3E36}" srcOrd="1" destOrd="0" presId="urn:microsoft.com/office/officeart/2005/8/layout/process5"/>
+    <dgm:cxn modelId="{68657264-82CE-4480-AAD1-2E08036A560A}" type="presOf" srcId="{2F1AC477-98F6-49FF-94CC-01AA5A0D0C8F}" destId="{CFE6D574-6E5B-4E8C-92B7-D598193C9A7C}" srcOrd="1" destOrd="0" presId="urn:microsoft.com/office/officeart/2005/8/layout/process5"/>
+    <dgm:cxn modelId="{EDBCC96E-06B6-49F3-83AA-D8BBFB0E4CF4}" type="presOf" srcId="{54699652-4E6C-4265-B86F-8322C50ACD25}" destId="{5CA4A117-A1FF-46AA-865A-227DF4444ED5}" srcOrd="1" destOrd="0" presId="urn:microsoft.com/office/officeart/2005/8/layout/process5"/>
     <dgm:cxn modelId="{8C9C5E77-E634-41AC-A21A-04738F3B4275}" type="presOf" srcId="{6AC3E170-E94F-437E-8F93-593CF4C2985E}" destId="{29D0EE36-F422-484A-85A6-285107F92C26}" srcOrd="0" destOrd="0" presId="urn:microsoft.com/office/officeart/2005/8/layout/process5"/>
     <dgm:cxn modelId="{215E8F78-1454-4A69-856A-8ED3EB845B70}" srcId="{10837E45-CE0C-4AF6-B0AB-8A9BA599909A}" destId="{E6BCA3F0-0F05-46BF-BE80-C0544D1DA504}" srcOrd="8" destOrd="0" parTransId="{68F4EE87-CD53-4AFC-9E9B-A997F1DCCA1A}" sibTransId="{82920B5D-7F10-4229-957F-13641689B1AD}"/>
     <dgm:cxn modelId="{6B781979-6282-4185-A199-9B3854E6C63F}" type="presOf" srcId="{17BC5496-E23F-4887-B7F4-08E1A88B090B}" destId="{EAE1A7D9-C57F-46E7-85FD-55036699664A}" srcOrd="1" destOrd="0" presId="urn:microsoft.com/office/officeart/2005/8/layout/process5"/>
@@ -6598,6 +8132,1693 @@
 </dsp:drawing>
 </file>
 
+<file path=ppt/diagrams/drawing3.xml><?xml version="1.0" encoding="utf-8"?>
+<dsp:drawing xmlns:dgm="http://schemas.openxmlformats.org/drawingml/2006/diagram" xmlns:dsp="http://schemas.microsoft.com/office/drawing/2008/diagram" xmlns:a="http://schemas.openxmlformats.org/drawingml/2006/main">
+  <dsp:spTree>
+    <dsp:nvGrpSpPr>
+      <dsp:cNvPr id="0" name=""/>
+      <dsp:cNvGrpSpPr/>
+    </dsp:nvGrpSpPr>
+    <dsp:grpSpPr/>
+    <dsp:sp modelId="{654E8768-037C-49DE-A1DB-DE887DA31B0B}">
+      <dsp:nvSpPr>
+        <dsp:cNvPr id="0" name=""/>
+        <dsp:cNvSpPr/>
+      </dsp:nvSpPr>
+      <dsp:spPr>
+        <a:xfrm>
+          <a:off x="3571" y="679119"/>
+          <a:ext cx="1561703" cy="937021"/>
+        </a:xfrm>
+        <a:prstGeom prst="roundRect">
+          <a:avLst>
+            <a:gd name="adj" fmla="val 10000"/>
+          </a:avLst>
+        </a:prstGeom>
+        <a:solidFill>
+          <a:schemeClr val="bg2"/>
+        </a:solidFill>
+        <a:ln w="12700" cap="flat" cmpd="sng" algn="ctr">
+          <a:solidFill>
+            <a:schemeClr val="lt1">
+              <a:hueOff val="0"/>
+              <a:satOff val="0"/>
+              <a:lumOff val="0"/>
+              <a:alphaOff val="0"/>
+            </a:schemeClr>
+          </a:solidFill>
+          <a:prstDash val="solid"/>
+          <a:miter lim="800000"/>
+        </a:ln>
+        <a:effectLst/>
+      </dsp:spPr>
+      <dsp:style>
+        <a:lnRef idx="2">
+          <a:scrgbClr r="0" g="0" b="0"/>
+        </a:lnRef>
+        <a:fillRef idx="1">
+          <a:scrgbClr r="0" g="0" b="0"/>
+        </a:fillRef>
+        <a:effectRef idx="0">
+          <a:scrgbClr r="0" g="0" b="0"/>
+        </a:effectRef>
+        <a:fontRef idx="minor">
+          <a:schemeClr val="lt1"/>
+        </a:fontRef>
+      </dsp:style>
+      <dsp:txBody>
+        <a:bodyPr spcFirstLastPara="0" vert="horz" wrap="square" lIns="49530" tIns="49530" rIns="49530" bIns="49530" numCol="1" spcCol="1270" anchor="ctr" anchorCtr="0">
+          <a:noAutofit/>
+        </a:bodyPr>
+        <a:lstStyle/>
+        <a:p>
+          <a:pPr marL="0" lvl="0" indent="0" algn="ctr" defTabSz="577850">
+            <a:lnSpc>
+              <a:spcPct val="90000"/>
+            </a:lnSpc>
+            <a:spcBef>
+              <a:spcPct val="0"/>
+            </a:spcBef>
+            <a:spcAft>
+              <a:spcPct val="35000"/>
+            </a:spcAft>
+            <a:buNone/>
+          </a:pPr>
+          <a:r>
+            <a:rPr lang="en-US" sz="1300" kern="1200" dirty="0"/>
+            <a:t>Causal Inference with Experiments</a:t>
+          </a:r>
+        </a:p>
+      </dsp:txBody>
+      <dsp:txXfrm>
+        <a:off x="31015" y="706563"/>
+        <a:ext cx="1506815" cy="882133"/>
+      </dsp:txXfrm>
+    </dsp:sp>
+    <dsp:sp modelId="{5FD5BCC1-9E24-402A-B9A4-83A57EEA6166}">
+      <dsp:nvSpPr>
+        <dsp:cNvPr id="0" name=""/>
+        <dsp:cNvSpPr/>
+      </dsp:nvSpPr>
+      <dsp:spPr>
+        <a:xfrm>
+          <a:off x="1702704" y="953979"/>
+          <a:ext cx="331081" cy="387302"/>
+        </a:xfrm>
+        <a:prstGeom prst="rightArrow">
+          <a:avLst>
+            <a:gd name="adj1" fmla="val 60000"/>
+            <a:gd name="adj2" fmla="val 50000"/>
+          </a:avLst>
+        </a:prstGeom>
+        <a:solidFill>
+          <a:schemeClr val="accent1">
+            <a:tint val="60000"/>
+            <a:hueOff val="0"/>
+            <a:satOff val="0"/>
+            <a:lumOff val="0"/>
+            <a:alphaOff val="0"/>
+          </a:schemeClr>
+        </a:solidFill>
+        <a:ln>
+          <a:noFill/>
+        </a:ln>
+        <a:effectLst/>
+      </dsp:spPr>
+      <dsp:style>
+        <a:lnRef idx="0">
+          <a:scrgbClr r="0" g="0" b="0"/>
+        </a:lnRef>
+        <a:fillRef idx="1">
+          <a:scrgbClr r="0" g="0" b="0"/>
+        </a:fillRef>
+        <a:effectRef idx="0">
+          <a:scrgbClr r="0" g="0" b="0"/>
+        </a:effectRef>
+        <a:fontRef idx="minor">
+          <a:schemeClr val="lt1"/>
+        </a:fontRef>
+      </dsp:style>
+      <dsp:txBody>
+        <a:bodyPr spcFirstLastPara="0" vert="horz" wrap="square" lIns="0" tIns="0" rIns="0" bIns="0" numCol="1" spcCol="1270" anchor="ctr" anchorCtr="0">
+          <a:noAutofit/>
+        </a:bodyPr>
+        <a:lstStyle/>
+        <a:p>
+          <a:pPr marL="0" lvl="0" indent="0" algn="ctr" defTabSz="488950">
+            <a:lnSpc>
+              <a:spcPct val="90000"/>
+            </a:lnSpc>
+            <a:spcBef>
+              <a:spcPct val="0"/>
+            </a:spcBef>
+            <a:spcAft>
+              <a:spcPct val="35000"/>
+            </a:spcAft>
+            <a:buNone/>
+          </a:pPr>
+          <a:endParaRPr lang="en-US" sz="1100" kern="1200"/>
+        </a:p>
+      </dsp:txBody>
+      <dsp:txXfrm>
+        <a:off x="1702704" y="1031439"/>
+        <a:ext cx="231757" cy="232382"/>
+      </dsp:txXfrm>
+    </dsp:sp>
+    <dsp:sp modelId="{CFFCBEBA-4E47-45C5-93CE-DCAB879DDAEB}">
+      <dsp:nvSpPr>
+        <dsp:cNvPr id="0" name=""/>
+        <dsp:cNvSpPr/>
+      </dsp:nvSpPr>
+      <dsp:spPr>
+        <a:xfrm>
+          <a:off x="2189956" y="679119"/>
+          <a:ext cx="1561703" cy="937021"/>
+        </a:xfrm>
+        <a:prstGeom prst="roundRect">
+          <a:avLst>
+            <a:gd name="adj" fmla="val 10000"/>
+          </a:avLst>
+        </a:prstGeom>
+        <a:solidFill>
+          <a:schemeClr val="bg2"/>
+        </a:solidFill>
+        <a:ln w="12700" cap="flat" cmpd="sng" algn="ctr">
+          <a:solidFill>
+            <a:schemeClr val="lt1">
+              <a:hueOff val="0"/>
+              <a:satOff val="0"/>
+              <a:lumOff val="0"/>
+              <a:alphaOff val="0"/>
+            </a:schemeClr>
+          </a:solidFill>
+          <a:prstDash val="solid"/>
+          <a:miter lim="800000"/>
+        </a:ln>
+        <a:effectLst/>
+      </dsp:spPr>
+      <dsp:style>
+        <a:lnRef idx="2">
+          <a:scrgbClr r="0" g="0" b="0"/>
+        </a:lnRef>
+        <a:fillRef idx="1">
+          <a:scrgbClr r="0" g="0" b="0"/>
+        </a:fillRef>
+        <a:effectRef idx="0">
+          <a:scrgbClr r="0" g="0" b="0"/>
+        </a:effectRef>
+        <a:fontRef idx="minor">
+          <a:schemeClr val="lt1"/>
+        </a:fontRef>
+      </dsp:style>
+      <dsp:txBody>
+        <a:bodyPr spcFirstLastPara="0" vert="horz" wrap="square" lIns="49530" tIns="49530" rIns="49530" bIns="49530" numCol="1" spcCol="1270" anchor="ctr" anchorCtr="0">
+          <a:noAutofit/>
+        </a:bodyPr>
+        <a:lstStyle/>
+        <a:p>
+          <a:pPr marL="0" lvl="0" indent="0" algn="ctr" defTabSz="577850">
+            <a:lnSpc>
+              <a:spcPct val="90000"/>
+            </a:lnSpc>
+            <a:spcBef>
+              <a:spcPct val="0"/>
+            </a:spcBef>
+            <a:spcAft>
+              <a:spcPct val="35000"/>
+            </a:spcAft>
+            <a:buNone/>
+          </a:pPr>
+          <a:r>
+            <a:rPr lang="en-US" sz="1300" kern="1200" dirty="0"/>
+            <a:t>Prediction with Linear Models</a:t>
+          </a:r>
+        </a:p>
+      </dsp:txBody>
+      <dsp:txXfrm>
+        <a:off x="2217400" y="706563"/>
+        <a:ext cx="1506815" cy="882133"/>
+      </dsp:txXfrm>
+    </dsp:sp>
+    <dsp:sp modelId="{E6321012-EB24-4963-82D0-930510E4F6A2}">
+      <dsp:nvSpPr>
+        <dsp:cNvPr id="0" name=""/>
+        <dsp:cNvSpPr/>
+      </dsp:nvSpPr>
+      <dsp:spPr>
+        <a:xfrm>
+          <a:off x="3889089" y="953979"/>
+          <a:ext cx="331081" cy="387302"/>
+        </a:xfrm>
+        <a:prstGeom prst="rightArrow">
+          <a:avLst>
+            <a:gd name="adj1" fmla="val 60000"/>
+            <a:gd name="adj2" fmla="val 50000"/>
+          </a:avLst>
+        </a:prstGeom>
+        <a:solidFill>
+          <a:schemeClr val="accent1">
+            <a:tint val="60000"/>
+            <a:hueOff val="0"/>
+            <a:satOff val="0"/>
+            <a:lumOff val="0"/>
+            <a:alphaOff val="0"/>
+          </a:schemeClr>
+        </a:solidFill>
+        <a:ln>
+          <a:noFill/>
+        </a:ln>
+        <a:effectLst/>
+      </dsp:spPr>
+      <dsp:style>
+        <a:lnRef idx="0">
+          <a:scrgbClr r="0" g="0" b="0"/>
+        </a:lnRef>
+        <a:fillRef idx="1">
+          <a:scrgbClr r="0" g="0" b="0"/>
+        </a:fillRef>
+        <a:effectRef idx="0">
+          <a:scrgbClr r="0" g="0" b="0"/>
+        </a:effectRef>
+        <a:fontRef idx="minor">
+          <a:schemeClr val="lt1"/>
+        </a:fontRef>
+      </dsp:style>
+      <dsp:txBody>
+        <a:bodyPr spcFirstLastPara="0" vert="horz" wrap="square" lIns="0" tIns="0" rIns="0" bIns="0" numCol="1" spcCol="1270" anchor="ctr" anchorCtr="0">
+          <a:noAutofit/>
+        </a:bodyPr>
+        <a:lstStyle/>
+        <a:p>
+          <a:pPr marL="0" lvl="0" indent="0" algn="ctr" defTabSz="488950">
+            <a:lnSpc>
+              <a:spcPct val="90000"/>
+            </a:lnSpc>
+            <a:spcBef>
+              <a:spcPct val="0"/>
+            </a:spcBef>
+            <a:spcAft>
+              <a:spcPct val="35000"/>
+            </a:spcAft>
+            <a:buNone/>
+          </a:pPr>
+          <a:endParaRPr lang="en-US" sz="1100" kern="1200"/>
+        </a:p>
+      </dsp:txBody>
+      <dsp:txXfrm>
+        <a:off x="3889089" y="1031439"/>
+        <a:ext cx="231757" cy="232382"/>
+      </dsp:txXfrm>
+    </dsp:sp>
+    <dsp:sp modelId="{215A2429-C01A-4AB5-B742-303D0E1532B6}">
+      <dsp:nvSpPr>
+        <dsp:cNvPr id="0" name=""/>
+        <dsp:cNvSpPr/>
+      </dsp:nvSpPr>
+      <dsp:spPr>
+        <a:xfrm>
+          <a:off x="4376340" y="679119"/>
+          <a:ext cx="1561703" cy="937021"/>
+        </a:xfrm>
+        <a:prstGeom prst="roundRect">
+          <a:avLst>
+            <a:gd name="adj" fmla="val 10000"/>
+          </a:avLst>
+        </a:prstGeom>
+        <a:solidFill>
+          <a:schemeClr val="bg2"/>
+        </a:solidFill>
+        <a:ln w="12700" cap="flat" cmpd="sng" algn="ctr">
+          <a:solidFill>
+            <a:schemeClr val="lt1">
+              <a:hueOff val="0"/>
+              <a:satOff val="0"/>
+              <a:lumOff val="0"/>
+              <a:alphaOff val="0"/>
+            </a:schemeClr>
+          </a:solidFill>
+          <a:prstDash val="solid"/>
+          <a:miter lim="800000"/>
+        </a:ln>
+        <a:effectLst/>
+      </dsp:spPr>
+      <dsp:style>
+        <a:lnRef idx="2">
+          <a:scrgbClr r="0" g="0" b="0"/>
+        </a:lnRef>
+        <a:fillRef idx="1">
+          <a:scrgbClr r="0" g="0" b="0"/>
+        </a:fillRef>
+        <a:effectRef idx="0">
+          <a:scrgbClr r="0" g="0" b="0"/>
+        </a:effectRef>
+        <a:fontRef idx="minor">
+          <a:schemeClr val="lt1"/>
+        </a:fontRef>
+      </dsp:style>
+      <dsp:txBody>
+        <a:bodyPr spcFirstLastPara="0" vert="horz" wrap="square" lIns="49530" tIns="49530" rIns="49530" bIns="49530" numCol="1" spcCol="1270" anchor="ctr" anchorCtr="0">
+          <a:noAutofit/>
+        </a:bodyPr>
+        <a:lstStyle/>
+        <a:p>
+          <a:pPr marL="0" lvl="0" indent="0" algn="ctr" defTabSz="577850">
+            <a:lnSpc>
+              <a:spcPct val="90000"/>
+            </a:lnSpc>
+            <a:spcBef>
+              <a:spcPct val="0"/>
+            </a:spcBef>
+            <a:spcAft>
+              <a:spcPct val="35000"/>
+            </a:spcAft>
+            <a:buNone/>
+          </a:pPr>
+          <a:r>
+            <a:rPr lang="en-US" sz="1300" kern="1200" dirty="0"/>
+            <a:t>Prediction with High-Dim Linear Models</a:t>
+          </a:r>
+        </a:p>
+      </dsp:txBody>
+      <dsp:txXfrm>
+        <a:off x="4403784" y="706563"/>
+        <a:ext cx="1506815" cy="882133"/>
+      </dsp:txXfrm>
+    </dsp:sp>
+    <dsp:sp modelId="{29D0EE36-F422-484A-85A6-285107F92C26}">
+      <dsp:nvSpPr>
+        <dsp:cNvPr id="0" name=""/>
+        <dsp:cNvSpPr/>
+      </dsp:nvSpPr>
+      <dsp:spPr>
+        <a:xfrm>
+          <a:off x="6075473" y="953979"/>
+          <a:ext cx="331081" cy="387302"/>
+        </a:xfrm>
+        <a:prstGeom prst="rightArrow">
+          <a:avLst>
+            <a:gd name="adj1" fmla="val 60000"/>
+            <a:gd name="adj2" fmla="val 50000"/>
+          </a:avLst>
+        </a:prstGeom>
+        <a:solidFill>
+          <a:schemeClr val="accent1">
+            <a:tint val="60000"/>
+            <a:hueOff val="0"/>
+            <a:satOff val="0"/>
+            <a:lumOff val="0"/>
+            <a:alphaOff val="0"/>
+          </a:schemeClr>
+        </a:solidFill>
+        <a:ln>
+          <a:noFill/>
+        </a:ln>
+        <a:effectLst/>
+      </dsp:spPr>
+      <dsp:style>
+        <a:lnRef idx="0">
+          <a:scrgbClr r="0" g="0" b="0"/>
+        </a:lnRef>
+        <a:fillRef idx="1">
+          <a:scrgbClr r="0" g="0" b="0"/>
+        </a:fillRef>
+        <a:effectRef idx="0">
+          <a:scrgbClr r="0" g="0" b="0"/>
+        </a:effectRef>
+        <a:fontRef idx="minor">
+          <a:schemeClr val="lt1"/>
+        </a:fontRef>
+      </dsp:style>
+      <dsp:txBody>
+        <a:bodyPr spcFirstLastPara="0" vert="horz" wrap="square" lIns="0" tIns="0" rIns="0" bIns="0" numCol="1" spcCol="1270" anchor="ctr" anchorCtr="0">
+          <a:noAutofit/>
+        </a:bodyPr>
+        <a:lstStyle/>
+        <a:p>
+          <a:pPr marL="0" lvl="0" indent="0" algn="ctr" defTabSz="488950">
+            <a:lnSpc>
+              <a:spcPct val="90000"/>
+            </a:lnSpc>
+            <a:spcBef>
+              <a:spcPct val="0"/>
+            </a:spcBef>
+            <a:spcAft>
+              <a:spcPct val="35000"/>
+            </a:spcAft>
+            <a:buNone/>
+          </a:pPr>
+          <a:endParaRPr lang="en-US" sz="1100" kern="1200"/>
+        </a:p>
+      </dsp:txBody>
+      <dsp:txXfrm>
+        <a:off x="6075473" y="1031439"/>
+        <a:ext cx="231757" cy="232382"/>
+      </dsp:txXfrm>
+    </dsp:sp>
+    <dsp:sp modelId="{532AC6A3-9D32-422A-8B50-C8B5D1ED0FFD}">
+      <dsp:nvSpPr>
+        <dsp:cNvPr id="0" name=""/>
+        <dsp:cNvSpPr/>
+      </dsp:nvSpPr>
+      <dsp:spPr>
+        <a:xfrm>
+          <a:off x="6562724" y="679119"/>
+          <a:ext cx="1561703" cy="937021"/>
+        </a:xfrm>
+        <a:prstGeom prst="roundRect">
+          <a:avLst>
+            <a:gd name="adj" fmla="val 10000"/>
+          </a:avLst>
+        </a:prstGeom>
+        <a:solidFill>
+          <a:schemeClr val="accent2"/>
+        </a:solidFill>
+        <a:ln w="12700" cap="flat" cmpd="sng" algn="ctr">
+          <a:solidFill>
+            <a:schemeClr val="lt1">
+              <a:hueOff val="0"/>
+              <a:satOff val="0"/>
+              <a:lumOff val="0"/>
+              <a:alphaOff val="0"/>
+            </a:schemeClr>
+          </a:solidFill>
+          <a:prstDash val="solid"/>
+          <a:miter lim="800000"/>
+        </a:ln>
+        <a:effectLst/>
+      </dsp:spPr>
+      <dsp:style>
+        <a:lnRef idx="2">
+          <a:scrgbClr r="0" g="0" b="0"/>
+        </a:lnRef>
+        <a:fillRef idx="1">
+          <a:scrgbClr r="0" g="0" b="0"/>
+        </a:fillRef>
+        <a:effectRef idx="0">
+          <a:scrgbClr r="0" g="0" b="0"/>
+        </a:effectRef>
+        <a:fontRef idx="minor">
+          <a:schemeClr val="lt1"/>
+        </a:fontRef>
+      </dsp:style>
+      <dsp:txBody>
+        <a:bodyPr spcFirstLastPara="0" vert="horz" wrap="square" lIns="49530" tIns="49530" rIns="49530" bIns="49530" numCol="1" spcCol="1270" anchor="ctr" anchorCtr="0">
+          <a:noAutofit/>
+        </a:bodyPr>
+        <a:lstStyle/>
+        <a:p>
+          <a:pPr marL="0" lvl="0" indent="0" algn="ctr" defTabSz="577850">
+            <a:lnSpc>
+              <a:spcPct val="90000"/>
+            </a:lnSpc>
+            <a:spcBef>
+              <a:spcPct val="0"/>
+            </a:spcBef>
+            <a:spcAft>
+              <a:spcPct val="35000"/>
+            </a:spcAft>
+            <a:buNone/>
+          </a:pPr>
+          <a:r>
+            <a:rPr lang="en-US" sz="1300" kern="1200" dirty="0"/>
+            <a:t>Inference on Causal and Predictive Effects with High-Dim Linear Models</a:t>
+          </a:r>
+        </a:p>
+      </dsp:txBody>
+      <dsp:txXfrm>
+        <a:off x="6590168" y="706563"/>
+        <a:ext cx="1506815" cy="882133"/>
+      </dsp:txXfrm>
+    </dsp:sp>
+    <dsp:sp modelId="{5B2F4D73-29F1-4F2A-A88F-74479DE8360A}">
+      <dsp:nvSpPr>
+        <dsp:cNvPr id="0" name=""/>
+        <dsp:cNvSpPr/>
+      </dsp:nvSpPr>
+      <dsp:spPr>
+        <a:xfrm rot="5400000">
+          <a:off x="7178036" y="1725460"/>
+          <a:ext cx="331081" cy="387302"/>
+        </a:xfrm>
+        <a:prstGeom prst="rightArrow">
+          <a:avLst>
+            <a:gd name="adj1" fmla="val 60000"/>
+            <a:gd name="adj2" fmla="val 50000"/>
+          </a:avLst>
+        </a:prstGeom>
+        <a:solidFill>
+          <a:schemeClr val="accent1">
+            <a:tint val="60000"/>
+            <a:hueOff val="0"/>
+            <a:satOff val="0"/>
+            <a:lumOff val="0"/>
+            <a:alphaOff val="0"/>
+          </a:schemeClr>
+        </a:solidFill>
+        <a:ln>
+          <a:noFill/>
+        </a:ln>
+        <a:effectLst/>
+      </dsp:spPr>
+      <dsp:style>
+        <a:lnRef idx="0">
+          <a:scrgbClr r="0" g="0" b="0"/>
+        </a:lnRef>
+        <a:fillRef idx="1">
+          <a:scrgbClr r="0" g="0" b="0"/>
+        </a:fillRef>
+        <a:effectRef idx="0">
+          <a:scrgbClr r="0" g="0" b="0"/>
+        </a:effectRef>
+        <a:fontRef idx="minor">
+          <a:schemeClr val="lt1"/>
+        </a:fontRef>
+      </dsp:style>
+      <dsp:txBody>
+        <a:bodyPr spcFirstLastPara="0" vert="horz" wrap="square" lIns="0" tIns="0" rIns="0" bIns="0" numCol="1" spcCol="1270" anchor="ctr" anchorCtr="0">
+          <a:noAutofit/>
+        </a:bodyPr>
+        <a:lstStyle/>
+        <a:p>
+          <a:pPr marL="0" lvl="0" indent="0" algn="ctr" defTabSz="488950">
+            <a:lnSpc>
+              <a:spcPct val="90000"/>
+            </a:lnSpc>
+            <a:spcBef>
+              <a:spcPct val="0"/>
+            </a:spcBef>
+            <a:spcAft>
+              <a:spcPct val="35000"/>
+            </a:spcAft>
+            <a:buNone/>
+          </a:pPr>
+          <a:endParaRPr lang="en-US" sz="1100" kern="1200"/>
+        </a:p>
+      </dsp:txBody>
+      <dsp:txXfrm rot="-5400000">
+        <a:off x="7227386" y="1753570"/>
+        <a:ext cx="232382" cy="231757"/>
+      </dsp:txXfrm>
+    </dsp:sp>
+    <dsp:sp modelId="{FA9C61A7-D71C-4E26-BB75-02F93EF1DA91}">
+      <dsp:nvSpPr>
+        <dsp:cNvPr id="0" name=""/>
+        <dsp:cNvSpPr/>
+      </dsp:nvSpPr>
+      <dsp:spPr>
+        <a:xfrm>
+          <a:off x="6562724" y="2240822"/>
+          <a:ext cx="1561703" cy="937021"/>
+        </a:xfrm>
+        <a:prstGeom prst="roundRect">
+          <a:avLst>
+            <a:gd name="adj" fmla="val 10000"/>
+          </a:avLst>
+        </a:prstGeom>
+        <a:solidFill>
+          <a:schemeClr val="bg2"/>
+        </a:solidFill>
+        <a:ln w="12700" cap="flat" cmpd="sng" algn="ctr">
+          <a:solidFill>
+            <a:schemeClr val="lt1">
+              <a:hueOff val="0"/>
+              <a:satOff val="0"/>
+              <a:lumOff val="0"/>
+              <a:alphaOff val="0"/>
+            </a:schemeClr>
+          </a:solidFill>
+          <a:prstDash val="solid"/>
+          <a:miter lim="800000"/>
+        </a:ln>
+        <a:effectLst/>
+      </dsp:spPr>
+      <dsp:style>
+        <a:lnRef idx="2">
+          <a:scrgbClr r="0" g="0" b="0"/>
+        </a:lnRef>
+        <a:fillRef idx="1">
+          <a:scrgbClr r="0" g="0" b="0"/>
+        </a:fillRef>
+        <a:effectRef idx="0">
+          <a:scrgbClr r="0" g="0" b="0"/>
+        </a:effectRef>
+        <a:fontRef idx="minor">
+          <a:schemeClr val="lt1"/>
+        </a:fontRef>
+      </dsp:style>
+      <dsp:txBody>
+        <a:bodyPr spcFirstLastPara="0" vert="horz" wrap="square" lIns="49530" tIns="49530" rIns="49530" bIns="49530" numCol="1" spcCol="1270" anchor="ctr" anchorCtr="0">
+          <a:noAutofit/>
+        </a:bodyPr>
+        <a:lstStyle/>
+        <a:p>
+          <a:pPr marL="0" lvl="0" indent="0" algn="ctr" defTabSz="577850">
+            <a:lnSpc>
+              <a:spcPct val="90000"/>
+            </a:lnSpc>
+            <a:spcBef>
+              <a:spcPct val="0"/>
+            </a:spcBef>
+            <a:spcAft>
+              <a:spcPct val="35000"/>
+            </a:spcAft>
+            <a:buNone/>
+          </a:pPr>
+          <a:r>
+            <a:rPr lang="en-US" sz="1300" kern="1200" dirty="0"/>
+            <a:t>Potential Outcomes and Conditional </a:t>
+          </a:r>
+          <a:r>
+            <a:rPr lang="en-US" sz="1300" kern="1200" dirty="0" err="1"/>
+            <a:t>Ignorability</a:t>
+          </a:r>
+          <a:endParaRPr lang="en-US" sz="1300" kern="1200" dirty="0"/>
+        </a:p>
+      </dsp:txBody>
+      <dsp:txXfrm>
+        <a:off x="6590168" y="2268266"/>
+        <a:ext cx="1506815" cy="882133"/>
+      </dsp:txXfrm>
+    </dsp:sp>
+    <dsp:sp modelId="{D24DBE7C-E775-4D75-B363-11A5AAEABD64}">
+      <dsp:nvSpPr>
+        <dsp:cNvPr id="0" name=""/>
+        <dsp:cNvSpPr/>
+      </dsp:nvSpPr>
+      <dsp:spPr>
+        <a:xfrm rot="10800000">
+          <a:off x="6094214" y="2515682"/>
+          <a:ext cx="331081" cy="387302"/>
+        </a:xfrm>
+        <a:prstGeom prst="rightArrow">
+          <a:avLst>
+            <a:gd name="adj1" fmla="val 60000"/>
+            <a:gd name="adj2" fmla="val 50000"/>
+          </a:avLst>
+        </a:prstGeom>
+        <a:solidFill>
+          <a:schemeClr val="accent1">
+            <a:tint val="60000"/>
+            <a:hueOff val="0"/>
+            <a:satOff val="0"/>
+            <a:lumOff val="0"/>
+            <a:alphaOff val="0"/>
+          </a:schemeClr>
+        </a:solidFill>
+        <a:ln>
+          <a:noFill/>
+        </a:ln>
+        <a:effectLst/>
+      </dsp:spPr>
+      <dsp:style>
+        <a:lnRef idx="0">
+          <a:scrgbClr r="0" g="0" b="0"/>
+        </a:lnRef>
+        <a:fillRef idx="1">
+          <a:scrgbClr r="0" g="0" b="0"/>
+        </a:fillRef>
+        <a:effectRef idx="0">
+          <a:scrgbClr r="0" g="0" b="0"/>
+        </a:effectRef>
+        <a:fontRef idx="minor">
+          <a:schemeClr val="lt1"/>
+        </a:fontRef>
+      </dsp:style>
+      <dsp:txBody>
+        <a:bodyPr spcFirstLastPara="0" vert="horz" wrap="square" lIns="0" tIns="0" rIns="0" bIns="0" numCol="1" spcCol="1270" anchor="ctr" anchorCtr="0">
+          <a:noAutofit/>
+        </a:bodyPr>
+        <a:lstStyle/>
+        <a:p>
+          <a:pPr marL="0" lvl="0" indent="0" algn="ctr" defTabSz="488950">
+            <a:lnSpc>
+              <a:spcPct val="90000"/>
+            </a:lnSpc>
+            <a:spcBef>
+              <a:spcPct val="0"/>
+            </a:spcBef>
+            <a:spcAft>
+              <a:spcPct val="35000"/>
+            </a:spcAft>
+            <a:buNone/>
+          </a:pPr>
+          <a:endParaRPr lang="en-US" sz="1100" kern="1200"/>
+        </a:p>
+      </dsp:txBody>
+      <dsp:txXfrm rot="10800000">
+        <a:off x="6193538" y="2593142"/>
+        <a:ext cx="231757" cy="232382"/>
+      </dsp:txXfrm>
+    </dsp:sp>
+    <dsp:sp modelId="{ECAA4B5B-0698-4AFA-96E6-77AE1D26B1FE}">
+      <dsp:nvSpPr>
+        <dsp:cNvPr id="0" name=""/>
+        <dsp:cNvSpPr/>
+      </dsp:nvSpPr>
+      <dsp:spPr>
+        <a:xfrm>
+          <a:off x="4376340" y="2240822"/>
+          <a:ext cx="1561703" cy="937021"/>
+        </a:xfrm>
+        <a:prstGeom prst="roundRect">
+          <a:avLst>
+            <a:gd name="adj" fmla="val 10000"/>
+          </a:avLst>
+        </a:prstGeom>
+        <a:solidFill>
+          <a:schemeClr val="bg2"/>
+        </a:solidFill>
+        <a:ln w="12700" cap="flat" cmpd="sng" algn="ctr">
+          <a:solidFill>
+            <a:schemeClr val="lt1">
+              <a:hueOff val="0"/>
+              <a:satOff val="0"/>
+              <a:lumOff val="0"/>
+              <a:alphaOff val="0"/>
+            </a:schemeClr>
+          </a:solidFill>
+          <a:prstDash val="solid"/>
+          <a:miter lim="800000"/>
+        </a:ln>
+        <a:effectLst/>
+      </dsp:spPr>
+      <dsp:style>
+        <a:lnRef idx="2">
+          <a:scrgbClr r="0" g="0" b="0"/>
+        </a:lnRef>
+        <a:fillRef idx="1">
+          <a:scrgbClr r="0" g="0" b="0"/>
+        </a:fillRef>
+        <a:effectRef idx="0">
+          <a:scrgbClr r="0" g="0" b="0"/>
+        </a:effectRef>
+        <a:fontRef idx="minor">
+          <a:schemeClr val="lt1"/>
+        </a:fontRef>
+      </dsp:style>
+      <dsp:txBody>
+        <a:bodyPr spcFirstLastPara="0" vert="horz" wrap="square" lIns="49530" tIns="49530" rIns="49530" bIns="49530" numCol="1" spcCol="1270" anchor="ctr" anchorCtr="0">
+          <a:noAutofit/>
+        </a:bodyPr>
+        <a:lstStyle/>
+        <a:p>
+          <a:pPr marL="0" lvl="0" indent="0" algn="ctr" defTabSz="577850">
+            <a:lnSpc>
+              <a:spcPct val="90000"/>
+            </a:lnSpc>
+            <a:spcBef>
+              <a:spcPct val="0"/>
+            </a:spcBef>
+            <a:spcAft>
+              <a:spcPct val="35000"/>
+            </a:spcAft>
+            <a:buNone/>
+          </a:pPr>
+          <a:r>
+            <a:rPr lang="en-US" sz="1300" kern="1200" dirty="0"/>
+            <a:t>Structural Equation Models and Conditional Exogeneity</a:t>
+          </a:r>
+        </a:p>
+      </dsp:txBody>
+      <dsp:txXfrm>
+        <a:off x="4403784" y="2268266"/>
+        <a:ext cx="1506815" cy="882133"/>
+      </dsp:txXfrm>
+    </dsp:sp>
+    <dsp:sp modelId="{DFDBDAD3-1419-46EC-BCFA-9A850044C4CD}">
+      <dsp:nvSpPr>
+        <dsp:cNvPr id="0" name=""/>
+        <dsp:cNvSpPr/>
+      </dsp:nvSpPr>
+      <dsp:spPr>
+        <a:xfrm rot="10800000">
+          <a:off x="3907829" y="2515682"/>
+          <a:ext cx="331081" cy="387302"/>
+        </a:xfrm>
+        <a:prstGeom prst="rightArrow">
+          <a:avLst>
+            <a:gd name="adj1" fmla="val 60000"/>
+            <a:gd name="adj2" fmla="val 50000"/>
+          </a:avLst>
+        </a:prstGeom>
+        <a:solidFill>
+          <a:schemeClr val="accent1">
+            <a:tint val="60000"/>
+            <a:hueOff val="0"/>
+            <a:satOff val="0"/>
+            <a:lumOff val="0"/>
+            <a:alphaOff val="0"/>
+          </a:schemeClr>
+        </a:solidFill>
+        <a:ln>
+          <a:noFill/>
+        </a:ln>
+        <a:effectLst/>
+      </dsp:spPr>
+      <dsp:style>
+        <a:lnRef idx="0">
+          <a:scrgbClr r="0" g="0" b="0"/>
+        </a:lnRef>
+        <a:fillRef idx="1">
+          <a:scrgbClr r="0" g="0" b="0"/>
+        </a:fillRef>
+        <a:effectRef idx="0">
+          <a:scrgbClr r="0" g="0" b="0"/>
+        </a:effectRef>
+        <a:fontRef idx="minor">
+          <a:schemeClr val="lt1"/>
+        </a:fontRef>
+      </dsp:style>
+      <dsp:txBody>
+        <a:bodyPr spcFirstLastPara="0" vert="horz" wrap="square" lIns="0" tIns="0" rIns="0" bIns="0" numCol="1" spcCol="1270" anchor="ctr" anchorCtr="0">
+          <a:noAutofit/>
+        </a:bodyPr>
+        <a:lstStyle/>
+        <a:p>
+          <a:pPr marL="0" lvl="0" indent="0" algn="ctr" defTabSz="488950">
+            <a:lnSpc>
+              <a:spcPct val="90000"/>
+            </a:lnSpc>
+            <a:spcBef>
+              <a:spcPct val="0"/>
+            </a:spcBef>
+            <a:spcAft>
+              <a:spcPct val="35000"/>
+            </a:spcAft>
+            <a:buNone/>
+          </a:pPr>
+          <a:endParaRPr lang="en-US" sz="1100" kern="1200"/>
+        </a:p>
+      </dsp:txBody>
+      <dsp:txXfrm rot="10800000">
+        <a:off x="4007153" y="2593142"/>
+        <a:ext cx="231757" cy="232382"/>
+      </dsp:txXfrm>
+    </dsp:sp>
+    <dsp:sp modelId="{05D3B237-1464-40E6-90D7-8935B2A1A65B}">
+      <dsp:nvSpPr>
+        <dsp:cNvPr id="0" name=""/>
+        <dsp:cNvSpPr/>
+      </dsp:nvSpPr>
+      <dsp:spPr>
+        <a:xfrm>
+          <a:off x="2189956" y="2240822"/>
+          <a:ext cx="1561703" cy="937021"/>
+        </a:xfrm>
+        <a:prstGeom prst="roundRect">
+          <a:avLst>
+            <a:gd name="adj" fmla="val 10000"/>
+          </a:avLst>
+        </a:prstGeom>
+        <a:solidFill>
+          <a:schemeClr val="bg2"/>
+        </a:solidFill>
+        <a:ln w="12700" cap="flat" cmpd="sng" algn="ctr">
+          <a:solidFill>
+            <a:schemeClr val="lt1">
+              <a:hueOff val="0"/>
+              <a:satOff val="0"/>
+              <a:lumOff val="0"/>
+              <a:alphaOff val="0"/>
+            </a:schemeClr>
+          </a:solidFill>
+          <a:prstDash val="solid"/>
+          <a:miter lim="800000"/>
+        </a:ln>
+        <a:effectLst/>
+      </dsp:spPr>
+      <dsp:style>
+        <a:lnRef idx="2">
+          <a:scrgbClr r="0" g="0" b="0"/>
+        </a:lnRef>
+        <a:fillRef idx="1">
+          <a:scrgbClr r="0" g="0" b="0"/>
+        </a:fillRef>
+        <a:effectRef idx="0">
+          <a:scrgbClr r="0" g="0" b="0"/>
+        </a:effectRef>
+        <a:fontRef idx="minor">
+          <a:schemeClr val="lt1"/>
+        </a:fontRef>
+      </dsp:style>
+      <dsp:txBody>
+        <a:bodyPr spcFirstLastPara="0" vert="horz" wrap="square" lIns="49530" tIns="49530" rIns="49530" bIns="49530" numCol="1" spcCol="1270" anchor="ctr" anchorCtr="0">
+          <a:noAutofit/>
+        </a:bodyPr>
+        <a:lstStyle/>
+        <a:p>
+          <a:pPr marL="0" lvl="0" indent="0" algn="ctr" defTabSz="577850">
+            <a:lnSpc>
+              <a:spcPct val="90000"/>
+            </a:lnSpc>
+            <a:spcBef>
+              <a:spcPct val="0"/>
+            </a:spcBef>
+            <a:spcAft>
+              <a:spcPct val="35000"/>
+            </a:spcAft>
+            <a:buNone/>
+          </a:pPr>
+          <a:r>
+            <a:rPr lang="en-US" sz="1300" kern="1200" dirty="0"/>
+            <a:t>Directed Acyclic Graphs</a:t>
+          </a:r>
+        </a:p>
+      </dsp:txBody>
+      <dsp:txXfrm>
+        <a:off x="2217400" y="2268266"/>
+        <a:ext cx="1506815" cy="882133"/>
+      </dsp:txXfrm>
+    </dsp:sp>
+    <dsp:sp modelId="{6E4F5563-286F-4CC2-B844-19D5160794B6}">
+      <dsp:nvSpPr>
+        <dsp:cNvPr id="0" name=""/>
+        <dsp:cNvSpPr/>
+      </dsp:nvSpPr>
+      <dsp:spPr>
+        <a:xfrm rot="10800000">
+          <a:off x="1721445" y="2515682"/>
+          <a:ext cx="331081" cy="387302"/>
+        </a:xfrm>
+        <a:prstGeom prst="rightArrow">
+          <a:avLst>
+            <a:gd name="adj1" fmla="val 60000"/>
+            <a:gd name="adj2" fmla="val 50000"/>
+          </a:avLst>
+        </a:prstGeom>
+        <a:solidFill>
+          <a:schemeClr val="accent1">
+            <a:tint val="60000"/>
+            <a:hueOff val="0"/>
+            <a:satOff val="0"/>
+            <a:lumOff val="0"/>
+            <a:alphaOff val="0"/>
+          </a:schemeClr>
+        </a:solidFill>
+        <a:ln>
+          <a:noFill/>
+        </a:ln>
+        <a:effectLst/>
+      </dsp:spPr>
+      <dsp:style>
+        <a:lnRef idx="0">
+          <a:scrgbClr r="0" g="0" b="0"/>
+        </a:lnRef>
+        <a:fillRef idx="1">
+          <a:scrgbClr r="0" g="0" b="0"/>
+        </a:fillRef>
+        <a:effectRef idx="0">
+          <a:scrgbClr r="0" g="0" b="0"/>
+        </a:effectRef>
+        <a:fontRef idx="minor">
+          <a:schemeClr val="lt1"/>
+        </a:fontRef>
+      </dsp:style>
+      <dsp:txBody>
+        <a:bodyPr spcFirstLastPara="0" vert="horz" wrap="square" lIns="0" tIns="0" rIns="0" bIns="0" numCol="1" spcCol="1270" anchor="ctr" anchorCtr="0">
+          <a:noAutofit/>
+        </a:bodyPr>
+        <a:lstStyle/>
+        <a:p>
+          <a:pPr marL="0" lvl="0" indent="0" algn="ctr" defTabSz="488950">
+            <a:lnSpc>
+              <a:spcPct val="90000"/>
+            </a:lnSpc>
+            <a:spcBef>
+              <a:spcPct val="0"/>
+            </a:spcBef>
+            <a:spcAft>
+              <a:spcPct val="35000"/>
+            </a:spcAft>
+            <a:buNone/>
+          </a:pPr>
+          <a:endParaRPr lang="en-US" sz="1100" kern="1200"/>
+        </a:p>
+      </dsp:txBody>
+      <dsp:txXfrm rot="10800000">
+        <a:off x="1820769" y="2593142"/>
+        <a:ext cx="231757" cy="232382"/>
+      </dsp:txXfrm>
+    </dsp:sp>
+    <dsp:sp modelId="{D5F9F8B9-B98C-452D-AFAB-EAA03B0B6352}">
+      <dsp:nvSpPr>
+        <dsp:cNvPr id="0" name=""/>
+        <dsp:cNvSpPr/>
+      </dsp:nvSpPr>
+      <dsp:spPr>
+        <a:xfrm>
+          <a:off x="3571" y="2240822"/>
+          <a:ext cx="1561703" cy="937021"/>
+        </a:xfrm>
+        <a:prstGeom prst="roundRect">
+          <a:avLst>
+            <a:gd name="adj" fmla="val 10000"/>
+          </a:avLst>
+        </a:prstGeom>
+        <a:solidFill>
+          <a:schemeClr val="bg2"/>
+        </a:solidFill>
+        <a:ln w="12700" cap="flat" cmpd="sng" algn="ctr">
+          <a:solidFill>
+            <a:schemeClr val="lt1">
+              <a:hueOff val="0"/>
+              <a:satOff val="0"/>
+              <a:lumOff val="0"/>
+              <a:alphaOff val="0"/>
+            </a:schemeClr>
+          </a:solidFill>
+          <a:prstDash val="solid"/>
+          <a:miter lim="800000"/>
+        </a:ln>
+        <a:effectLst/>
+      </dsp:spPr>
+      <dsp:style>
+        <a:lnRef idx="2">
+          <a:scrgbClr r="0" g="0" b="0"/>
+        </a:lnRef>
+        <a:fillRef idx="1">
+          <a:scrgbClr r="0" g="0" b="0"/>
+        </a:fillRef>
+        <a:effectRef idx="0">
+          <a:scrgbClr r="0" g="0" b="0"/>
+        </a:effectRef>
+        <a:fontRef idx="minor">
+          <a:schemeClr val="lt1"/>
+        </a:fontRef>
+      </dsp:style>
+      <dsp:txBody>
+        <a:bodyPr spcFirstLastPara="0" vert="horz" wrap="square" lIns="49530" tIns="49530" rIns="49530" bIns="49530" numCol="1" spcCol="1270" anchor="ctr" anchorCtr="0">
+          <a:noAutofit/>
+        </a:bodyPr>
+        <a:lstStyle/>
+        <a:p>
+          <a:pPr marL="0" lvl="0" indent="0" algn="ctr" defTabSz="577850">
+            <a:lnSpc>
+              <a:spcPct val="90000"/>
+            </a:lnSpc>
+            <a:spcBef>
+              <a:spcPct val="0"/>
+            </a:spcBef>
+            <a:spcAft>
+              <a:spcPct val="35000"/>
+            </a:spcAft>
+            <a:buNone/>
+          </a:pPr>
+          <a:r>
+            <a:rPr lang="en-US" sz="1300" kern="1200" dirty="0"/>
+            <a:t>Prediction with Non-Linear Models</a:t>
+          </a:r>
+        </a:p>
+      </dsp:txBody>
+      <dsp:txXfrm>
+        <a:off x="31015" y="2268266"/>
+        <a:ext cx="1506815" cy="882133"/>
+      </dsp:txXfrm>
+    </dsp:sp>
+    <dsp:sp modelId="{3E308776-9A91-45D1-825F-90292745A233}">
+      <dsp:nvSpPr>
+        <dsp:cNvPr id="0" name=""/>
+        <dsp:cNvSpPr/>
+      </dsp:nvSpPr>
+      <dsp:spPr>
+        <a:xfrm rot="5400000">
+          <a:off x="618882" y="3287163"/>
+          <a:ext cx="331081" cy="387302"/>
+        </a:xfrm>
+        <a:prstGeom prst="rightArrow">
+          <a:avLst>
+            <a:gd name="adj1" fmla="val 60000"/>
+            <a:gd name="adj2" fmla="val 50000"/>
+          </a:avLst>
+        </a:prstGeom>
+        <a:solidFill>
+          <a:schemeClr val="accent1">
+            <a:tint val="60000"/>
+            <a:hueOff val="0"/>
+            <a:satOff val="0"/>
+            <a:lumOff val="0"/>
+            <a:alphaOff val="0"/>
+          </a:schemeClr>
+        </a:solidFill>
+        <a:ln>
+          <a:noFill/>
+        </a:ln>
+        <a:effectLst/>
+      </dsp:spPr>
+      <dsp:style>
+        <a:lnRef idx="0">
+          <a:scrgbClr r="0" g="0" b="0"/>
+        </a:lnRef>
+        <a:fillRef idx="1">
+          <a:scrgbClr r="0" g="0" b="0"/>
+        </a:fillRef>
+        <a:effectRef idx="0">
+          <a:scrgbClr r="0" g="0" b="0"/>
+        </a:effectRef>
+        <a:fontRef idx="minor">
+          <a:schemeClr val="lt1"/>
+        </a:fontRef>
+      </dsp:style>
+      <dsp:txBody>
+        <a:bodyPr spcFirstLastPara="0" vert="horz" wrap="square" lIns="0" tIns="0" rIns="0" bIns="0" numCol="1" spcCol="1270" anchor="ctr" anchorCtr="0">
+          <a:noAutofit/>
+        </a:bodyPr>
+        <a:lstStyle/>
+        <a:p>
+          <a:pPr marL="0" lvl="0" indent="0" algn="ctr" defTabSz="488950">
+            <a:lnSpc>
+              <a:spcPct val="90000"/>
+            </a:lnSpc>
+            <a:spcBef>
+              <a:spcPct val="0"/>
+            </a:spcBef>
+            <a:spcAft>
+              <a:spcPct val="35000"/>
+            </a:spcAft>
+            <a:buNone/>
+          </a:pPr>
+          <a:endParaRPr lang="en-US" sz="1100" kern="1200"/>
+        </a:p>
+      </dsp:txBody>
+      <dsp:txXfrm rot="-5400000">
+        <a:off x="668232" y="3315273"/>
+        <a:ext cx="232382" cy="231757"/>
+      </dsp:txXfrm>
+    </dsp:sp>
+    <dsp:sp modelId="{ACC39D55-B6BE-4C5F-8FD6-A3E8D5E07B59}">
+      <dsp:nvSpPr>
+        <dsp:cNvPr id="0" name=""/>
+        <dsp:cNvSpPr/>
+      </dsp:nvSpPr>
+      <dsp:spPr>
+        <a:xfrm>
+          <a:off x="3571" y="3802525"/>
+          <a:ext cx="1561703" cy="937021"/>
+        </a:xfrm>
+        <a:prstGeom prst="roundRect">
+          <a:avLst>
+            <a:gd name="adj" fmla="val 10000"/>
+          </a:avLst>
+        </a:prstGeom>
+        <a:solidFill>
+          <a:schemeClr val="bg2"/>
+        </a:solidFill>
+        <a:ln w="12700" cap="flat" cmpd="sng" algn="ctr">
+          <a:solidFill>
+            <a:schemeClr val="lt1">
+              <a:hueOff val="0"/>
+              <a:satOff val="0"/>
+              <a:lumOff val="0"/>
+              <a:alphaOff val="0"/>
+            </a:schemeClr>
+          </a:solidFill>
+          <a:prstDash val="solid"/>
+          <a:miter lim="800000"/>
+        </a:ln>
+        <a:effectLst/>
+      </dsp:spPr>
+      <dsp:style>
+        <a:lnRef idx="2">
+          <a:scrgbClr r="0" g="0" b="0"/>
+        </a:lnRef>
+        <a:fillRef idx="1">
+          <a:scrgbClr r="0" g="0" b="0"/>
+        </a:fillRef>
+        <a:effectRef idx="0">
+          <a:scrgbClr r="0" g="0" b="0"/>
+        </a:effectRef>
+        <a:fontRef idx="minor">
+          <a:schemeClr val="lt1"/>
+        </a:fontRef>
+      </dsp:style>
+      <dsp:txBody>
+        <a:bodyPr spcFirstLastPara="0" vert="horz" wrap="square" lIns="49530" tIns="49530" rIns="49530" bIns="49530" numCol="1" spcCol="1270" anchor="ctr" anchorCtr="0">
+          <a:noAutofit/>
+        </a:bodyPr>
+        <a:lstStyle/>
+        <a:p>
+          <a:pPr marL="0" lvl="0" indent="0" algn="ctr" defTabSz="577850">
+            <a:lnSpc>
+              <a:spcPct val="90000"/>
+            </a:lnSpc>
+            <a:spcBef>
+              <a:spcPct val="0"/>
+            </a:spcBef>
+            <a:spcAft>
+              <a:spcPct val="35000"/>
+            </a:spcAft>
+            <a:buNone/>
+          </a:pPr>
+          <a:r>
+            <a:rPr lang="en-US" sz="1300" kern="1200" dirty="0"/>
+            <a:t>Inference on Causal Effects with Non-Linear Models</a:t>
+          </a:r>
+        </a:p>
+      </dsp:txBody>
+      <dsp:txXfrm>
+        <a:off x="31015" y="3829969"/>
+        <a:ext cx="1506815" cy="882133"/>
+      </dsp:txXfrm>
+    </dsp:sp>
+    <dsp:sp modelId="{B6E4B580-6648-4508-913E-48247E654693}">
+      <dsp:nvSpPr>
+        <dsp:cNvPr id="0" name=""/>
+        <dsp:cNvSpPr/>
+      </dsp:nvSpPr>
+      <dsp:spPr>
+        <a:xfrm>
+          <a:off x="1702704" y="4077385"/>
+          <a:ext cx="331081" cy="387302"/>
+        </a:xfrm>
+        <a:prstGeom prst="rightArrow">
+          <a:avLst>
+            <a:gd name="adj1" fmla="val 60000"/>
+            <a:gd name="adj2" fmla="val 50000"/>
+          </a:avLst>
+        </a:prstGeom>
+        <a:solidFill>
+          <a:schemeClr val="accent1">
+            <a:tint val="60000"/>
+            <a:hueOff val="0"/>
+            <a:satOff val="0"/>
+            <a:lumOff val="0"/>
+            <a:alphaOff val="0"/>
+          </a:schemeClr>
+        </a:solidFill>
+        <a:ln>
+          <a:noFill/>
+        </a:ln>
+        <a:effectLst/>
+      </dsp:spPr>
+      <dsp:style>
+        <a:lnRef idx="0">
+          <a:scrgbClr r="0" g="0" b="0"/>
+        </a:lnRef>
+        <a:fillRef idx="1">
+          <a:scrgbClr r="0" g="0" b="0"/>
+        </a:fillRef>
+        <a:effectRef idx="0">
+          <a:scrgbClr r="0" g="0" b="0"/>
+        </a:effectRef>
+        <a:fontRef idx="minor">
+          <a:schemeClr val="lt1"/>
+        </a:fontRef>
+      </dsp:style>
+      <dsp:txBody>
+        <a:bodyPr spcFirstLastPara="0" vert="horz" wrap="square" lIns="0" tIns="0" rIns="0" bIns="0" numCol="1" spcCol="1270" anchor="ctr" anchorCtr="0">
+          <a:noAutofit/>
+        </a:bodyPr>
+        <a:lstStyle/>
+        <a:p>
+          <a:pPr marL="0" lvl="0" indent="0" algn="ctr" defTabSz="488950">
+            <a:lnSpc>
+              <a:spcPct val="90000"/>
+            </a:lnSpc>
+            <a:spcBef>
+              <a:spcPct val="0"/>
+            </a:spcBef>
+            <a:spcAft>
+              <a:spcPct val="35000"/>
+            </a:spcAft>
+            <a:buNone/>
+          </a:pPr>
+          <a:endParaRPr lang="en-US" sz="1100" kern="1200"/>
+        </a:p>
+      </dsp:txBody>
+      <dsp:txXfrm>
+        <a:off x="1702704" y="4154845"/>
+        <a:ext cx="231757" cy="232382"/>
+      </dsp:txXfrm>
+    </dsp:sp>
+    <dsp:sp modelId="{FED7D4CF-8D6F-4C60-AD50-09394EDB1804}">
+      <dsp:nvSpPr>
+        <dsp:cNvPr id="0" name=""/>
+        <dsp:cNvSpPr/>
+      </dsp:nvSpPr>
+      <dsp:spPr>
+        <a:xfrm>
+          <a:off x="2189956" y="3802525"/>
+          <a:ext cx="1561703" cy="937021"/>
+        </a:xfrm>
+        <a:prstGeom prst="roundRect">
+          <a:avLst>
+            <a:gd name="adj" fmla="val 10000"/>
+          </a:avLst>
+        </a:prstGeom>
+        <a:solidFill>
+          <a:schemeClr val="bg2"/>
+        </a:solidFill>
+        <a:ln w="12700" cap="flat" cmpd="sng" algn="ctr">
+          <a:solidFill>
+            <a:schemeClr val="lt1">
+              <a:hueOff val="0"/>
+              <a:satOff val="0"/>
+              <a:lumOff val="0"/>
+              <a:alphaOff val="0"/>
+            </a:schemeClr>
+          </a:solidFill>
+          <a:prstDash val="solid"/>
+          <a:miter lim="800000"/>
+        </a:ln>
+        <a:effectLst/>
+      </dsp:spPr>
+      <dsp:style>
+        <a:lnRef idx="2">
+          <a:scrgbClr r="0" g="0" b="0"/>
+        </a:lnRef>
+        <a:fillRef idx="1">
+          <a:scrgbClr r="0" g="0" b="0"/>
+        </a:fillRef>
+        <a:effectRef idx="0">
+          <a:scrgbClr r="0" g="0" b="0"/>
+        </a:effectRef>
+        <a:fontRef idx="minor">
+          <a:schemeClr val="lt1"/>
+        </a:fontRef>
+      </dsp:style>
+      <dsp:txBody>
+        <a:bodyPr spcFirstLastPara="0" vert="horz" wrap="square" lIns="49530" tIns="49530" rIns="49530" bIns="49530" numCol="1" spcCol="1270" anchor="ctr" anchorCtr="0">
+          <a:noAutofit/>
+        </a:bodyPr>
+        <a:lstStyle/>
+        <a:p>
+          <a:pPr marL="0" lvl="0" indent="0" algn="ctr" defTabSz="577850">
+            <a:lnSpc>
+              <a:spcPct val="90000"/>
+            </a:lnSpc>
+            <a:spcBef>
+              <a:spcPct val="0"/>
+            </a:spcBef>
+            <a:spcAft>
+              <a:spcPct val="35000"/>
+            </a:spcAft>
+            <a:buNone/>
+          </a:pPr>
+          <a:r>
+            <a:rPr lang="en-US" sz="1300" kern="1200" dirty="0"/>
+            <a:t>Un-observed Confounding and Instruments</a:t>
+          </a:r>
+        </a:p>
+      </dsp:txBody>
+      <dsp:txXfrm>
+        <a:off x="2217400" y="3829969"/>
+        <a:ext cx="1506815" cy="882133"/>
+      </dsp:txXfrm>
+    </dsp:sp>
+    <dsp:sp modelId="{014CB7E0-7DED-4E65-85C7-B662D8910863}">
+      <dsp:nvSpPr>
+        <dsp:cNvPr id="0" name=""/>
+        <dsp:cNvSpPr/>
+      </dsp:nvSpPr>
+      <dsp:spPr>
+        <a:xfrm>
+          <a:off x="3889089" y="4077385"/>
+          <a:ext cx="331081" cy="387302"/>
+        </a:xfrm>
+        <a:prstGeom prst="rightArrow">
+          <a:avLst>
+            <a:gd name="adj1" fmla="val 60000"/>
+            <a:gd name="adj2" fmla="val 50000"/>
+          </a:avLst>
+        </a:prstGeom>
+        <a:solidFill>
+          <a:schemeClr val="accent1">
+            <a:tint val="60000"/>
+            <a:hueOff val="0"/>
+            <a:satOff val="0"/>
+            <a:lumOff val="0"/>
+            <a:alphaOff val="0"/>
+          </a:schemeClr>
+        </a:solidFill>
+        <a:ln>
+          <a:noFill/>
+        </a:ln>
+        <a:effectLst/>
+      </dsp:spPr>
+      <dsp:style>
+        <a:lnRef idx="0">
+          <a:scrgbClr r="0" g="0" b="0"/>
+        </a:lnRef>
+        <a:fillRef idx="1">
+          <a:scrgbClr r="0" g="0" b="0"/>
+        </a:fillRef>
+        <a:effectRef idx="0">
+          <a:scrgbClr r="0" g="0" b="0"/>
+        </a:effectRef>
+        <a:fontRef idx="minor">
+          <a:schemeClr val="lt1"/>
+        </a:fontRef>
+      </dsp:style>
+      <dsp:txBody>
+        <a:bodyPr spcFirstLastPara="0" vert="horz" wrap="square" lIns="0" tIns="0" rIns="0" bIns="0" numCol="1" spcCol="1270" anchor="ctr" anchorCtr="0">
+          <a:noAutofit/>
+        </a:bodyPr>
+        <a:lstStyle/>
+        <a:p>
+          <a:pPr marL="0" lvl="0" indent="0" algn="ctr" defTabSz="488950">
+            <a:lnSpc>
+              <a:spcPct val="90000"/>
+            </a:lnSpc>
+            <a:spcBef>
+              <a:spcPct val="0"/>
+            </a:spcBef>
+            <a:spcAft>
+              <a:spcPct val="35000"/>
+            </a:spcAft>
+            <a:buNone/>
+          </a:pPr>
+          <a:endParaRPr lang="en-US" sz="1100" kern="1200"/>
+        </a:p>
+      </dsp:txBody>
+      <dsp:txXfrm>
+        <a:off x="3889089" y="4154845"/>
+        <a:ext cx="231757" cy="232382"/>
+      </dsp:txXfrm>
+    </dsp:sp>
+    <dsp:sp modelId="{741E5167-9599-498D-9E8F-4F7AED7BE6C1}">
+      <dsp:nvSpPr>
+        <dsp:cNvPr id="0" name=""/>
+        <dsp:cNvSpPr/>
+      </dsp:nvSpPr>
+      <dsp:spPr>
+        <a:xfrm>
+          <a:off x="4376340" y="3802525"/>
+          <a:ext cx="1561703" cy="937021"/>
+        </a:xfrm>
+        <a:prstGeom prst="roundRect">
+          <a:avLst>
+            <a:gd name="adj" fmla="val 10000"/>
+          </a:avLst>
+        </a:prstGeom>
+        <a:solidFill>
+          <a:schemeClr val="bg2"/>
+        </a:solidFill>
+        <a:ln w="12700" cap="flat" cmpd="sng" algn="ctr">
+          <a:solidFill>
+            <a:schemeClr val="lt1">
+              <a:hueOff val="0"/>
+              <a:satOff val="0"/>
+              <a:lumOff val="0"/>
+              <a:alphaOff val="0"/>
+            </a:schemeClr>
+          </a:solidFill>
+          <a:prstDash val="solid"/>
+          <a:miter lim="800000"/>
+        </a:ln>
+        <a:effectLst/>
+      </dsp:spPr>
+      <dsp:style>
+        <a:lnRef idx="2">
+          <a:scrgbClr r="0" g="0" b="0"/>
+        </a:lnRef>
+        <a:fillRef idx="1">
+          <a:scrgbClr r="0" g="0" b="0"/>
+        </a:fillRef>
+        <a:effectRef idx="0">
+          <a:scrgbClr r="0" g="0" b="0"/>
+        </a:effectRef>
+        <a:fontRef idx="minor">
+          <a:schemeClr val="lt1"/>
+        </a:fontRef>
+      </dsp:style>
+      <dsp:txBody>
+        <a:bodyPr spcFirstLastPara="0" vert="horz" wrap="square" lIns="49530" tIns="49530" rIns="49530" bIns="49530" numCol="1" spcCol="1270" anchor="ctr" anchorCtr="0">
+          <a:noAutofit/>
+        </a:bodyPr>
+        <a:lstStyle/>
+        <a:p>
+          <a:pPr marL="0" lvl="0" indent="0" algn="ctr" defTabSz="577850">
+            <a:lnSpc>
+              <a:spcPct val="90000"/>
+            </a:lnSpc>
+            <a:spcBef>
+              <a:spcPct val="0"/>
+            </a:spcBef>
+            <a:spcAft>
+              <a:spcPct val="35000"/>
+            </a:spcAft>
+            <a:buNone/>
+          </a:pPr>
+          <a:r>
+            <a:rPr lang="en-US" sz="1300" kern="1200" dirty="0"/>
+            <a:t>Identification of Causal Effects in Longitudinal Data</a:t>
+          </a:r>
+        </a:p>
+      </dsp:txBody>
+      <dsp:txXfrm>
+        <a:off x="4403784" y="3829969"/>
+        <a:ext cx="1506815" cy="882133"/>
+      </dsp:txXfrm>
+    </dsp:sp>
+    <dsp:sp modelId="{AFD2A3DA-9219-481C-ADBF-4CD703894DB3}">
+      <dsp:nvSpPr>
+        <dsp:cNvPr id="0" name=""/>
+        <dsp:cNvSpPr/>
+      </dsp:nvSpPr>
+      <dsp:spPr>
+        <a:xfrm>
+          <a:off x="6075473" y="4077385"/>
+          <a:ext cx="331081" cy="387302"/>
+        </a:xfrm>
+        <a:prstGeom prst="rightArrow">
+          <a:avLst>
+            <a:gd name="adj1" fmla="val 60000"/>
+            <a:gd name="adj2" fmla="val 50000"/>
+          </a:avLst>
+        </a:prstGeom>
+        <a:solidFill>
+          <a:schemeClr val="accent1">
+            <a:tint val="60000"/>
+            <a:hueOff val="0"/>
+            <a:satOff val="0"/>
+            <a:lumOff val="0"/>
+            <a:alphaOff val="0"/>
+          </a:schemeClr>
+        </a:solidFill>
+        <a:ln>
+          <a:noFill/>
+        </a:ln>
+        <a:effectLst/>
+      </dsp:spPr>
+      <dsp:style>
+        <a:lnRef idx="0">
+          <a:scrgbClr r="0" g="0" b="0"/>
+        </a:lnRef>
+        <a:fillRef idx="1">
+          <a:scrgbClr r="0" g="0" b="0"/>
+        </a:fillRef>
+        <a:effectRef idx="0">
+          <a:scrgbClr r="0" g="0" b="0"/>
+        </a:effectRef>
+        <a:fontRef idx="minor">
+          <a:schemeClr val="lt1"/>
+        </a:fontRef>
+      </dsp:style>
+      <dsp:txBody>
+        <a:bodyPr spcFirstLastPara="0" vert="horz" wrap="square" lIns="0" tIns="0" rIns="0" bIns="0" numCol="1" spcCol="1270" anchor="ctr" anchorCtr="0">
+          <a:noAutofit/>
+        </a:bodyPr>
+        <a:lstStyle/>
+        <a:p>
+          <a:pPr marL="0" lvl="0" indent="0" algn="ctr" defTabSz="488950">
+            <a:lnSpc>
+              <a:spcPct val="90000"/>
+            </a:lnSpc>
+            <a:spcBef>
+              <a:spcPct val="0"/>
+            </a:spcBef>
+            <a:spcAft>
+              <a:spcPct val="35000"/>
+            </a:spcAft>
+            <a:buNone/>
+          </a:pPr>
+          <a:endParaRPr lang="en-US" sz="1100" kern="1200"/>
+        </a:p>
+      </dsp:txBody>
+      <dsp:txXfrm>
+        <a:off x="6075473" y="4154845"/>
+        <a:ext cx="231757" cy="232382"/>
+      </dsp:txXfrm>
+    </dsp:sp>
+    <dsp:sp modelId="{9EAE9A4A-6072-48C2-B70E-9837032E9AC6}">
+      <dsp:nvSpPr>
+        <dsp:cNvPr id="0" name=""/>
+        <dsp:cNvSpPr/>
+      </dsp:nvSpPr>
+      <dsp:spPr>
+        <a:xfrm>
+          <a:off x="6562724" y="3802525"/>
+          <a:ext cx="1561703" cy="937021"/>
+        </a:xfrm>
+        <a:prstGeom prst="roundRect">
+          <a:avLst>
+            <a:gd name="adj" fmla="val 10000"/>
+          </a:avLst>
+        </a:prstGeom>
+        <a:solidFill>
+          <a:schemeClr val="bg2"/>
+        </a:solidFill>
+        <a:ln w="12700" cap="flat" cmpd="sng" algn="ctr">
+          <a:solidFill>
+            <a:schemeClr val="lt1">
+              <a:hueOff val="0"/>
+              <a:satOff val="0"/>
+              <a:lumOff val="0"/>
+              <a:alphaOff val="0"/>
+            </a:schemeClr>
+          </a:solidFill>
+          <a:prstDash val="solid"/>
+          <a:miter lim="800000"/>
+        </a:ln>
+        <a:effectLst/>
+      </dsp:spPr>
+      <dsp:style>
+        <a:lnRef idx="2">
+          <a:scrgbClr r="0" g="0" b="0"/>
+        </a:lnRef>
+        <a:fillRef idx="1">
+          <a:scrgbClr r="0" g="0" b="0"/>
+        </a:fillRef>
+        <a:effectRef idx="0">
+          <a:scrgbClr r="0" g="0" b="0"/>
+        </a:effectRef>
+        <a:fontRef idx="minor">
+          <a:schemeClr val="lt1"/>
+        </a:fontRef>
+      </dsp:style>
+      <dsp:txBody>
+        <a:bodyPr spcFirstLastPara="0" vert="horz" wrap="square" lIns="49530" tIns="49530" rIns="49530" bIns="49530" numCol="1" spcCol="1270" anchor="ctr" anchorCtr="0">
+          <a:noAutofit/>
+        </a:bodyPr>
+        <a:lstStyle/>
+        <a:p>
+          <a:pPr marL="0" lvl="0" indent="0" algn="ctr" defTabSz="577850">
+            <a:lnSpc>
+              <a:spcPct val="90000"/>
+            </a:lnSpc>
+            <a:spcBef>
+              <a:spcPct val="0"/>
+            </a:spcBef>
+            <a:spcAft>
+              <a:spcPct val="35000"/>
+            </a:spcAft>
+            <a:buNone/>
+          </a:pPr>
+          <a:r>
+            <a:rPr lang="en-US" sz="1300" kern="1200" dirty="0"/>
+            <a:t>Estimation of Heterogeneous Causal Effects</a:t>
+          </a:r>
+        </a:p>
+      </dsp:txBody>
+      <dsp:txXfrm>
+        <a:off x="6590168" y="3829969"/>
+        <a:ext cx="1506815" cy="882133"/>
+      </dsp:txXfrm>
+    </dsp:sp>
+  </dsp:spTree>
+</dsp:drawing>
+</file>
+
 <file path=ppt/diagrams/layout1.xml><?xml version="1.0" encoding="utf-8"?>
 <dgm:layoutDef xmlns:dgm="http://schemas.openxmlformats.org/drawingml/2006/diagram" xmlns:a="http://schemas.openxmlformats.org/drawingml/2006/main" uniqueId="urn:microsoft.com/office/officeart/2005/8/layout/process5">
   <dgm:title val=""/>
@@ -6770,6 +9991,177 @@
 </file>
 
 <file path=ppt/diagrams/layout2.xml><?xml version="1.0" encoding="utf-8"?>
+<dgm:layoutDef xmlns:dgm="http://schemas.openxmlformats.org/drawingml/2006/diagram" xmlns:a="http://schemas.openxmlformats.org/drawingml/2006/main" uniqueId="urn:microsoft.com/office/officeart/2005/8/layout/process5">
+  <dgm:title val=""/>
+  <dgm:desc val=""/>
+  <dgm:catLst>
+    <dgm:cat type="process" pri="17000"/>
+  </dgm:catLst>
+  <dgm:sampData>
+    <dgm:dataModel>
+      <dgm:ptLst>
+        <dgm:pt modelId="0" type="doc"/>
+        <dgm:pt modelId="1">
+          <dgm:prSet phldr="1"/>
+        </dgm:pt>
+        <dgm:pt modelId="2">
+          <dgm:prSet phldr="1"/>
+        </dgm:pt>
+        <dgm:pt modelId="3">
+          <dgm:prSet phldr="1"/>
+        </dgm:pt>
+        <dgm:pt modelId="4">
+          <dgm:prSet phldr="1"/>
+        </dgm:pt>
+        <dgm:pt modelId="5">
+          <dgm:prSet phldr="1"/>
+        </dgm:pt>
+      </dgm:ptLst>
+      <dgm:cxnLst>
+        <dgm:cxn modelId="7" srcId="0" destId="1" srcOrd="0" destOrd="0"/>
+        <dgm:cxn modelId="8" srcId="0" destId="2" srcOrd="1" destOrd="0"/>
+        <dgm:cxn modelId="9" srcId="0" destId="3" srcOrd="2" destOrd="0"/>
+        <dgm:cxn modelId="10" srcId="0" destId="4" srcOrd="3" destOrd="0"/>
+        <dgm:cxn modelId="11" srcId="0" destId="5" srcOrd="4" destOrd="0"/>
+      </dgm:cxnLst>
+      <dgm:bg/>
+      <dgm:whole/>
+    </dgm:dataModel>
+  </dgm:sampData>
+  <dgm:styleData>
+    <dgm:dataModel>
+      <dgm:ptLst>
+        <dgm:pt modelId="0" type="doc"/>
+        <dgm:pt modelId="1"/>
+        <dgm:pt modelId="2"/>
+      </dgm:ptLst>
+      <dgm:cxnLst>
+        <dgm:cxn modelId="3" srcId="0" destId="1" srcOrd="0" destOrd="0"/>
+        <dgm:cxn modelId="4" srcId="0" destId="2" srcOrd="1" destOrd="0"/>
+      </dgm:cxnLst>
+      <dgm:bg/>
+      <dgm:whole/>
+    </dgm:dataModel>
+  </dgm:styleData>
+  <dgm:clrData>
+    <dgm:dataModel>
+      <dgm:ptLst>
+        <dgm:pt modelId="0" type="doc"/>
+        <dgm:pt modelId="1"/>
+        <dgm:pt modelId="2"/>
+        <dgm:pt modelId="3"/>
+        <dgm:pt modelId="4"/>
+      </dgm:ptLst>
+      <dgm:cxnLst>
+        <dgm:cxn modelId="5" srcId="0" destId="1" srcOrd="0" destOrd="0"/>
+        <dgm:cxn modelId="6" srcId="0" destId="2" srcOrd="1" destOrd="0"/>
+        <dgm:cxn modelId="7" srcId="0" destId="3" srcOrd="2" destOrd="0"/>
+        <dgm:cxn modelId="8" srcId="0" destId="4" srcOrd="3" destOrd="0"/>
+      </dgm:cxnLst>
+      <dgm:bg/>
+      <dgm:whole/>
+    </dgm:dataModel>
+  </dgm:clrData>
+  <dgm:layoutNode name="diagram">
+    <dgm:varLst>
+      <dgm:dir/>
+      <dgm:resizeHandles val="exact"/>
+    </dgm:varLst>
+    <dgm:choose name="Name0">
+      <dgm:if name="Name1" axis="self" func="var" arg="dir" op="equ" val="norm">
+        <dgm:alg type="snake">
+          <dgm:param type="grDir" val="tL"/>
+          <dgm:param type="flowDir" val="row"/>
+          <dgm:param type="contDir" val="revDir"/>
+          <dgm:param type="bkpt" val="endCnv"/>
+        </dgm:alg>
+      </dgm:if>
+      <dgm:else name="Name2">
+        <dgm:alg type="snake">
+          <dgm:param type="grDir" val="tR"/>
+          <dgm:param type="flowDir" val="row"/>
+          <dgm:param type="contDir" val="revDir"/>
+          <dgm:param type="bkpt" val="endCnv"/>
+        </dgm:alg>
+      </dgm:else>
+    </dgm:choose>
+    <dgm:shape xmlns:r="http://schemas.openxmlformats.org/officeDocument/2006/relationships" r:blip="">
+      <dgm:adjLst/>
+    </dgm:shape>
+    <dgm:presOf/>
+    <dgm:constrLst>
+      <dgm:constr type="w" for="ch" ptType="node" refType="w"/>
+      <dgm:constr type="w" for="ch" forName="sibTrans" refType="w" refFor="ch" refPtType="node" op="equ" fact="0.4"/>
+      <dgm:constr type="sp" refType="w" refFor="ch" refForName="sibTrans" op="equ"/>
+      <dgm:constr type="primFontSz" for="ch" ptType="node" op="equ" val="65"/>
+      <dgm:constr type="primFontSz" for="des" forName="connectorText" op="equ" val="55"/>
+      <dgm:constr type="primFontSz" for="des" forName="connectorText" refType="primFontSz" refFor="ch" refPtType="node" op="lte" fact="0.8"/>
+    </dgm:constrLst>
+    <dgm:ruleLst/>
+    <dgm:forEach name="nodesForEach" axis="ch" ptType="node">
+      <dgm:layoutNode name="node">
+        <dgm:varLst>
+          <dgm:bulletEnabled val="1"/>
+        </dgm:varLst>
+        <dgm:alg type="tx"/>
+        <dgm:shape xmlns:r="http://schemas.openxmlformats.org/officeDocument/2006/relationships" type="roundRect" r:blip="">
+          <dgm:adjLst>
+            <dgm:adj idx="1" val="0.1"/>
+          </dgm:adjLst>
+        </dgm:shape>
+        <dgm:presOf axis="desOrSelf" ptType="node"/>
+        <dgm:constrLst>
+          <dgm:constr type="h" refType="w" fact="0.6"/>
+          <dgm:constr type="tMarg" refType="primFontSz" fact="0.3"/>
+          <dgm:constr type="bMarg" refType="primFontSz" fact="0.3"/>
+          <dgm:constr type="lMarg" refType="primFontSz" fact="0.3"/>
+          <dgm:constr type="rMarg" refType="primFontSz" fact="0.3"/>
+        </dgm:constrLst>
+        <dgm:ruleLst>
+          <dgm:rule type="primFontSz" val="5" fact="NaN" max="NaN"/>
+        </dgm:ruleLst>
+      </dgm:layoutNode>
+      <dgm:forEach name="sibTransForEach" axis="followSib" ptType="sibTrans" cnt="1">
+        <dgm:layoutNode name="sibTrans">
+          <dgm:alg type="conn">
+            <dgm:param type="begPts" val="auto"/>
+            <dgm:param type="endPts" val="auto"/>
+          </dgm:alg>
+          <dgm:shape xmlns:r="http://schemas.openxmlformats.org/officeDocument/2006/relationships" type="conn" r:blip="">
+            <dgm:adjLst/>
+          </dgm:shape>
+          <dgm:presOf axis="self"/>
+          <dgm:constrLst>
+            <dgm:constr type="h" refType="w" fact="0.62"/>
+            <dgm:constr type="connDist"/>
+          </dgm:constrLst>
+          <dgm:ruleLst/>
+          <dgm:layoutNode name="connectorText">
+            <dgm:alg type="tx">
+              <dgm:param type="autoTxRot" val="upr"/>
+            </dgm:alg>
+            <dgm:shape xmlns:r="http://schemas.openxmlformats.org/officeDocument/2006/relationships" type="conn" r:blip="" hideGeom="1">
+              <dgm:adjLst/>
+            </dgm:shape>
+            <dgm:presOf axis="self"/>
+            <dgm:constrLst>
+              <dgm:constr type="lMarg"/>
+              <dgm:constr type="rMarg"/>
+              <dgm:constr type="tMarg"/>
+              <dgm:constr type="bMarg"/>
+            </dgm:constrLst>
+            <dgm:ruleLst>
+              <dgm:rule type="primFontSz" val="5" fact="NaN" max="NaN"/>
+            </dgm:ruleLst>
+          </dgm:layoutNode>
+        </dgm:layoutNode>
+      </dgm:forEach>
+    </dgm:forEach>
+  </dgm:layoutNode>
+</dgm:layoutDef>
+</file>
+
+<file path=ppt/diagrams/layout3.xml><?xml version="1.0" encoding="utf-8"?>
 <dgm:layoutDef xmlns:dgm="http://schemas.openxmlformats.org/drawingml/2006/diagram" xmlns:a="http://schemas.openxmlformats.org/drawingml/2006/main" uniqueId="urn:microsoft.com/office/officeart/2005/8/layout/process5">
   <dgm:title val=""/>
   <dgm:desc val=""/>
@@ -9008,6 +12400,1040 @@
 </dgm:styleDef>
 </file>
 
+<file path=ppt/diagrams/quickStyle3.xml><?xml version="1.0" encoding="utf-8"?>
+<dgm:styleDef xmlns:dgm="http://schemas.openxmlformats.org/drawingml/2006/diagram" xmlns:a="http://schemas.openxmlformats.org/drawingml/2006/main" uniqueId="urn:microsoft.com/office/officeart/2005/8/quickstyle/simple1">
+  <dgm:title val=""/>
+  <dgm:desc val=""/>
+  <dgm:catLst>
+    <dgm:cat type="simple" pri="10100"/>
+  </dgm:catLst>
+  <dgm:scene3d>
+    <a:camera prst="orthographicFront"/>
+    <a:lightRig rig="threePt" dir="t"/>
+  </dgm:scene3d>
+  <dgm:styleLbl name="node0">
+    <dgm:scene3d>
+      <a:camera prst="orthographicFront"/>
+      <a:lightRig rig="threePt" dir="t"/>
+    </dgm:scene3d>
+    <dgm:sp3d/>
+    <dgm:txPr/>
+    <dgm:style>
+      <a:lnRef idx="2">
+        <a:scrgbClr r="0" g="0" b="0"/>
+      </a:lnRef>
+      <a:fillRef idx="1">
+        <a:scrgbClr r="0" g="0" b="0"/>
+      </a:fillRef>
+      <a:effectRef idx="0">
+        <a:scrgbClr r="0" g="0" b="0"/>
+      </a:effectRef>
+      <a:fontRef idx="minor">
+        <a:schemeClr val="lt1"/>
+      </a:fontRef>
+    </dgm:style>
+  </dgm:styleLbl>
+  <dgm:styleLbl name="lnNode1">
+    <dgm:scene3d>
+      <a:camera prst="orthographicFront"/>
+      <a:lightRig rig="threePt" dir="t"/>
+    </dgm:scene3d>
+    <dgm:sp3d/>
+    <dgm:txPr/>
+    <dgm:style>
+      <a:lnRef idx="2">
+        <a:scrgbClr r="0" g="0" b="0"/>
+      </a:lnRef>
+      <a:fillRef idx="1">
+        <a:scrgbClr r="0" g="0" b="0"/>
+      </a:fillRef>
+      <a:effectRef idx="0">
+        <a:scrgbClr r="0" g="0" b="0"/>
+      </a:effectRef>
+      <a:fontRef idx="minor">
+        <a:schemeClr val="lt1"/>
+      </a:fontRef>
+    </dgm:style>
+  </dgm:styleLbl>
+  <dgm:styleLbl name="vennNode1">
+    <dgm:scene3d>
+      <a:camera prst="orthographicFront"/>
+      <a:lightRig rig="threePt" dir="t"/>
+    </dgm:scene3d>
+    <dgm:sp3d/>
+    <dgm:txPr/>
+    <dgm:style>
+      <a:lnRef idx="2">
+        <a:scrgbClr r="0" g="0" b="0"/>
+      </a:lnRef>
+      <a:fillRef idx="1">
+        <a:scrgbClr r="0" g="0" b="0"/>
+      </a:fillRef>
+      <a:effectRef idx="0">
+        <a:scrgbClr r="0" g="0" b="0"/>
+      </a:effectRef>
+      <a:fontRef idx="minor">
+        <a:schemeClr val="tx1"/>
+      </a:fontRef>
+    </dgm:style>
+  </dgm:styleLbl>
+  <dgm:styleLbl name="alignNode1">
+    <dgm:scene3d>
+      <a:camera prst="orthographicFront"/>
+      <a:lightRig rig="threePt" dir="t"/>
+    </dgm:scene3d>
+    <dgm:sp3d/>
+    <dgm:txPr/>
+    <dgm:style>
+      <a:lnRef idx="2">
+        <a:scrgbClr r="0" g="0" b="0"/>
+      </a:lnRef>
+      <a:fillRef idx="1">
+        <a:scrgbClr r="0" g="0" b="0"/>
+      </a:fillRef>
+      <a:effectRef idx="0">
+        <a:scrgbClr r="0" g="0" b="0"/>
+      </a:effectRef>
+      <a:fontRef idx="minor">
+        <a:schemeClr val="lt1"/>
+      </a:fontRef>
+    </dgm:style>
+  </dgm:styleLbl>
+  <dgm:styleLbl name="node1">
+    <dgm:scene3d>
+      <a:camera prst="orthographicFront"/>
+      <a:lightRig rig="threePt" dir="t"/>
+    </dgm:scene3d>
+    <dgm:sp3d/>
+    <dgm:txPr/>
+    <dgm:style>
+      <a:lnRef idx="2">
+        <a:scrgbClr r="0" g="0" b="0"/>
+      </a:lnRef>
+      <a:fillRef idx="1">
+        <a:scrgbClr r="0" g="0" b="0"/>
+      </a:fillRef>
+      <a:effectRef idx="0">
+        <a:scrgbClr r="0" g="0" b="0"/>
+      </a:effectRef>
+      <a:fontRef idx="minor">
+        <a:schemeClr val="lt1"/>
+      </a:fontRef>
+    </dgm:style>
+  </dgm:styleLbl>
+  <dgm:styleLbl name="node2">
+    <dgm:scene3d>
+      <a:camera prst="orthographicFront"/>
+      <a:lightRig rig="threePt" dir="t"/>
+    </dgm:scene3d>
+    <dgm:sp3d/>
+    <dgm:txPr/>
+    <dgm:style>
+      <a:lnRef idx="2">
+        <a:scrgbClr r="0" g="0" b="0"/>
+      </a:lnRef>
+      <a:fillRef idx="1">
+        <a:scrgbClr r="0" g="0" b="0"/>
+      </a:fillRef>
+      <a:effectRef idx="0">
+        <a:scrgbClr r="0" g="0" b="0"/>
+      </a:effectRef>
+      <a:fontRef idx="minor">
+        <a:schemeClr val="lt1"/>
+      </a:fontRef>
+    </dgm:style>
+  </dgm:styleLbl>
+  <dgm:styleLbl name="node3">
+    <dgm:scene3d>
+      <a:camera prst="orthographicFront"/>
+      <a:lightRig rig="threePt" dir="t"/>
+    </dgm:scene3d>
+    <dgm:sp3d/>
+    <dgm:txPr/>
+    <dgm:style>
+      <a:lnRef idx="2">
+        <a:scrgbClr r="0" g="0" b="0"/>
+      </a:lnRef>
+      <a:fillRef idx="1">
+        <a:scrgbClr r="0" g="0" b="0"/>
+      </a:fillRef>
+      <a:effectRef idx="0">
+        <a:scrgbClr r="0" g="0" b="0"/>
+      </a:effectRef>
+      <a:fontRef idx="minor">
+        <a:schemeClr val="lt1"/>
+      </a:fontRef>
+    </dgm:style>
+  </dgm:styleLbl>
+  <dgm:styleLbl name="node4">
+    <dgm:scene3d>
+      <a:camera prst="orthographicFront"/>
+      <a:lightRig rig="threePt" dir="t"/>
+    </dgm:scene3d>
+    <dgm:sp3d/>
+    <dgm:txPr/>
+    <dgm:style>
+      <a:lnRef idx="2">
+        <a:scrgbClr r="0" g="0" b="0"/>
+      </a:lnRef>
+      <a:fillRef idx="1">
+        <a:scrgbClr r="0" g="0" b="0"/>
+      </a:fillRef>
+      <a:effectRef idx="0">
+        <a:scrgbClr r="0" g="0" b="0"/>
+      </a:effectRef>
+      <a:fontRef idx="minor">
+        <a:schemeClr val="lt1"/>
+      </a:fontRef>
+    </dgm:style>
+  </dgm:styleLbl>
+  <dgm:styleLbl name="fgImgPlace1">
+    <dgm:scene3d>
+      <a:camera prst="orthographicFront"/>
+      <a:lightRig rig="threePt" dir="t"/>
+    </dgm:scene3d>
+    <dgm:sp3d/>
+    <dgm:txPr/>
+    <dgm:style>
+      <a:lnRef idx="2">
+        <a:scrgbClr r="0" g="0" b="0"/>
+      </a:lnRef>
+      <a:fillRef idx="1">
+        <a:scrgbClr r="0" g="0" b="0"/>
+      </a:fillRef>
+      <a:effectRef idx="0">
+        <a:scrgbClr r="0" g="0" b="0"/>
+      </a:effectRef>
+      <a:fontRef idx="minor"/>
+    </dgm:style>
+  </dgm:styleLbl>
+  <dgm:styleLbl name="alignImgPlace1">
+    <dgm:scene3d>
+      <a:camera prst="orthographicFront"/>
+      <a:lightRig rig="threePt" dir="t"/>
+    </dgm:scene3d>
+    <dgm:sp3d/>
+    <dgm:txPr/>
+    <dgm:style>
+      <a:lnRef idx="2">
+        <a:scrgbClr r="0" g="0" b="0"/>
+      </a:lnRef>
+      <a:fillRef idx="1">
+        <a:scrgbClr r="0" g="0" b="0"/>
+      </a:fillRef>
+      <a:effectRef idx="0">
+        <a:scrgbClr r="0" g="0" b="0"/>
+      </a:effectRef>
+      <a:fontRef idx="minor"/>
+    </dgm:style>
+  </dgm:styleLbl>
+  <dgm:styleLbl name="bgImgPlace1">
+    <dgm:scene3d>
+      <a:camera prst="orthographicFront"/>
+      <a:lightRig rig="threePt" dir="t"/>
+    </dgm:scene3d>
+    <dgm:sp3d/>
+    <dgm:txPr/>
+    <dgm:style>
+      <a:lnRef idx="2">
+        <a:scrgbClr r="0" g="0" b="0"/>
+      </a:lnRef>
+      <a:fillRef idx="1">
+        <a:scrgbClr r="0" g="0" b="0"/>
+      </a:fillRef>
+      <a:effectRef idx="0">
+        <a:scrgbClr r="0" g="0" b="0"/>
+      </a:effectRef>
+      <a:fontRef idx="minor"/>
+    </dgm:style>
+  </dgm:styleLbl>
+  <dgm:styleLbl name="sibTrans2D1">
+    <dgm:scene3d>
+      <a:camera prst="orthographicFront"/>
+      <a:lightRig rig="threePt" dir="t"/>
+    </dgm:scene3d>
+    <dgm:sp3d/>
+    <dgm:txPr/>
+    <dgm:style>
+      <a:lnRef idx="0">
+        <a:scrgbClr r="0" g="0" b="0"/>
+      </a:lnRef>
+      <a:fillRef idx="1">
+        <a:scrgbClr r="0" g="0" b="0"/>
+      </a:fillRef>
+      <a:effectRef idx="0">
+        <a:scrgbClr r="0" g="0" b="0"/>
+      </a:effectRef>
+      <a:fontRef idx="minor">
+        <a:schemeClr val="lt1"/>
+      </a:fontRef>
+    </dgm:style>
+  </dgm:styleLbl>
+  <dgm:styleLbl name="fgSibTrans2D1">
+    <dgm:scene3d>
+      <a:camera prst="orthographicFront"/>
+      <a:lightRig rig="threePt" dir="t"/>
+    </dgm:scene3d>
+    <dgm:sp3d/>
+    <dgm:txPr/>
+    <dgm:style>
+      <a:lnRef idx="0">
+        <a:scrgbClr r="0" g="0" b="0"/>
+      </a:lnRef>
+      <a:fillRef idx="1">
+        <a:scrgbClr r="0" g="0" b="0"/>
+      </a:fillRef>
+      <a:effectRef idx="0">
+        <a:scrgbClr r="0" g="0" b="0"/>
+      </a:effectRef>
+      <a:fontRef idx="minor">
+        <a:schemeClr val="lt1"/>
+      </a:fontRef>
+    </dgm:style>
+  </dgm:styleLbl>
+  <dgm:styleLbl name="bgSibTrans2D1">
+    <dgm:scene3d>
+      <a:camera prst="orthographicFront"/>
+      <a:lightRig rig="threePt" dir="t"/>
+    </dgm:scene3d>
+    <dgm:sp3d/>
+    <dgm:txPr/>
+    <dgm:style>
+      <a:lnRef idx="0">
+        <a:scrgbClr r="0" g="0" b="0"/>
+      </a:lnRef>
+      <a:fillRef idx="1">
+        <a:scrgbClr r="0" g="0" b="0"/>
+      </a:fillRef>
+      <a:effectRef idx="0">
+        <a:scrgbClr r="0" g="0" b="0"/>
+      </a:effectRef>
+      <a:fontRef idx="minor">
+        <a:schemeClr val="lt1"/>
+      </a:fontRef>
+    </dgm:style>
+  </dgm:styleLbl>
+  <dgm:styleLbl name="sibTrans1D1">
+    <dgm:scene3d>
+      <a:camera prst="orthographicFront"/>
+      <a:lightRig rig="threePt" dir="t"/>
+    </dgm:scene3d>
+    <dgm:sp3d/>
+    <dgm:txPr/>
+    <dgm:style>
+      <a:lnRef idx="1">
+        <a:scrgbClr r="0" g="0" b="0"/>
+      </a:lnRef>
+      <a:fillRef idx="0">
+        <a:scrgbClr r="0" g="0" b="0"/>
+      </a:fillRef>
+      <a:effectRef idx="0">
+        <a:scrgbClr r="0" g="0" b="0"/>
+      </a:effectRef>
+      <a:fontRef idx="minor"/>
+    </dgm:style>
+  </dgm:styleLbl>
+  <dgm:styleLbl name="callout">
+    <dgm:scene3d>
+      <a:camera prst="orthographicFront"/>
+      <a:lightRig rig="threePt" dir="t"/>
+    </dgm:scene3d>
+    <dgm:sp3d/>
+    <dgm:txPr/>
+    <dgm:style>
+      <a:lnRef idx="2">
+        <a:scrgbClr r="0" g="0" b="0"/>
+      </a:lnRef>
+      <a:fillRef idx="1">
+        <a:scrgbClr r="0" g="0" b="0"/>
+      </a:fillRef>
+      <a:effectRef idx="0">
+        <a:scrgbClr r="0" g="0" b="0"/>
+      </a:effectRef>
+      <a:fontRef idx="minor"/>
+    </dgm:style>
+  </dgm:styleLbl>
+  <dgm:styleLbl name="asst0">
+    <dgm:scene3d>
+      <a:camera prst="orthographicFront"/>
+      <a:lightRig rig="threePt" dir="t"/>
+    </dgm:scene3d>
+    <dgm:sp3d/>
+    <dgm:txPr/>
+    <dgm:style>
+      <a:lnRef idx="2">
+        <a:scrgbClr r="0" g="0" b="0"/>
+      </a:lnRef>
+      <a:fillRef idx="1">
+        <a:scrgbClr r="0" g="0" b="0"/>
+      </a:fillRef>
+      <a:effectRef idx="0">
+        <a:scrgbClr r="0" g="0" b="0"/>
+      </a:effectRef>
+      <a:fontRef idx="minor">
+        <a:schemeClr val="lt1"/>
+      </a:fontRef>
+    </dgm:style>
+  </dgm:styleLbl>
+  <dgm:styleLbl name="asst1">
+    <dgm:scene3d>
+      <a:camera prst="orthographicFront"/>
+      <a:lightRig rig="threePt" dir="t"/>
+    </dgm:scene3d>
+    <dgm:sp3d/>
+    <dgm:txPr/>
+    <dgm:style>
+      <a:lnRef idx="2">
+        <a:scrgbClr r="0" g="0" b="0"/>
+      </a:lnRef>
+      <a:fillRef idx="1">
+        <a:scrgbClr r="0" g="0" b="0"/>
+      </a:fillRef>
+      <a:effectRef idx="0">
+        <a:scrgbClr r="0" g="0" b="0"/>
+      </a:effectRef>
+      <a:fontRef idx="minor">
+        <a:schemeClr val="lt1"/>
+      </a:fontRef>
+    </dgm:style>
+  </dgm:styleLbl>
+  <dgm:styleLbl name="asst2">
+    <dgm:scene3d>
+      <a:camera prst="orthographicFront"/>
+      <a:lightRig rig="threePt" dir="t"/>
+    </dgm:scene3d>
+    <dgm:sp3d/>
+    <dgm:txPr/>
+    <dgm:style>
+      <a:lnRef idx="2">
+        <a:scrgbClr r="0" g="0" b="0"/>
+      </a:lnRef>
+      <a:fillRef idx="1">
+        <a:scrgbClr r="0" g="0" b="0"/>
+      </a:fillRef>
+      <a:effectRef idx="0">
+        <a:scrgbClr r="0" g="0" b="0"/>
+      </a:effectRef>
+      <a:fontRef idx="minor">
+        <a:schemeClr val="lt1"/>
+      </a:fontRef>
+    </dgm:style>
+  </dgm:styleLbl>
+  <dgm:styleLbl name="asst3">
+    <dgm:scene3d>
+      <a:camera prst="orthographicFront"/>
+      <a:lightRig rig="threePt" dir="t"/>
+    </dgm:scene3d>
+    <dgm:sp3d/>
+    <dgm:txPr/>
+    <dgm:style>
+      <a:lnRef idx="2">
+        <a:scrgbClr r="0" g="0" b="0"/>
+      </a:lnRef>
+      <a:fillRef idx="1">
+        <a:scrgbClr r="0" g="0" b="0"/>
+      </a:fillRef>
+      <a:effectRef idx="0">
+        <a:scrgbClr r="0" g="0" b="0"/>
+      </a:effectRef>
+      <a:fontRef idx="minor">
+        <a:schemeClr val="lt1"/>
+      </a:fontRef>
+    </dgm:style>
+  </dgm:styleLbl>
+  <dgm:styleLbl name="asst4">
+    <dgm:scene3d>
+      <a:camera prst="orthographicFront"/>
+      <a:lightRig rig="threePt" dir="t"/>
+    </dgm:scene3d>
+    <dgm:sp3d/>
+    <dgm:txPr/>
+    <dgm:style>
+      <a:lnRef idx="2">
+        <a:scrgbClr r="0" g="0" b="0"/>
+      </a:lnRef>
+      <a:fillRef idx="1">
+        <a:scrgbClr r="0" g="0" b="0"/>
+      </a:fillRef>
+      <a:effectRef idx="0">
+        <a:scrgbClr r="0" g="0" b="0"/>
+      </a:effectRef>
+      <a:fontRef idx="minor">
+        <a:schemeClr val="lt1"/>
+      </a:fontRef>
+    </dgm:style>
+  </dgm:styleLbl>
+  <dgm:styleLbl name="parChTrans2D1">
+    <dgm:scene3d>
+      <a:camera prst="orthographicFront"/>
+      <a:lightRig rig="threePt" dir="t"/>
+    </dgm:scene3d>
+    <dgm:sp3d/>
+    <dgm:txPr/>
+    <dgm:style>
+      <a:lnRef idx="2">
+        <a:scrgbClr r="0" g="0" b="0"/>
+      </a:lnRef>
+      <a:fillRef idx="1">
+        <a:scrgbClr r="0" g="0" b="0"/>
+      </a:fillRef>
+      <a:effectRef idx="0">
+        <a:scrgbClr r="0" g="0" b="0"/>
+      </a:effectRef>
+      <a:fontRef idx="minor">
+        <a:schemeClr val="lt1"/>
+      </a:fontRef>
+    </dgm:style>
+  </dgm:styleLbl>
+  <dgm:styleLbl name="parChTrans2D2">
+    <dgm:scene3d>
+      <a:camera prst="orthographicFront"/>
+      <a:lightRig rig="threePt" dir="t"/>
+    </dgm:scene3d>
+    <dgm:sp3d/>
+    <dgm:txPr/>
+    <dgm:style>
+      <a:lnRef idx="2">
+        <a:scrgbClr r="0" g="0" b="0"/>
+      </a:lnRef>
+      <a:fillRef idx="1">
+        <a:scrgbClr r="0" g="0" b="0"/>
+      </a:fillRef>
+      <a:effectRef idx="0">
+        <a:scrgbClr r="0" g="0" b="0"/>
+      </a:effectRef>
+      <a:fontRef idx="minor">
+        <a:schemeClr val="lt1"/>
+      </a:fontRef>
+    </dgm:style>
+  </dgm:styleLbl>
+  <dgm:styleLbl name="parChTrans2D3">
+    <dgm:scene3d>
+      <a:camera prst="orthographicFront"/>
+      <a:lightRig rig="threePt" dir="t"/>
+    </dgm:scene3d>
+    <dgm:sp3d/>
+    <dgm:txPr/>
+    <dgm:style>
+      <a:lnRef idx="2">
+        <a:scrgbClr r="0" g="0" b="0"/>
+      </a:lnRef>
+      <a:fillRef idx="1">
+        <a:scrgbClr r="0" g="0" b="0"/>
+      </a:fillRef>
+      <a:effectRef idx="0">
+        <a:scrgbClr r="0" g="0" b="0"/>
+      </a:effectRef>
+      <a:fontRef idx="minor">
+        <a:schemeClr val="lt1"/>
+      </a:fontRef>
+    </dgm:style>
+  </dgm:styleLbl>
+  <dgm:styleLbl name="parChTrans2D4">
+    <dgm:scene3d>
+      <a:camera prst="orthographicFront"/>
+      <a:lightRig rig="threePt" dir="t"/>
+    </dgm:scene3d>
+    <dgm:sp3d/>
+    <dgm:txPr/>
+    <dgm:style>
+      <a:lnRef idx="2">
+        <a:scrgbClr r="0" g="0" b="0"/>
+      </a:lnRef>
+      <a:fillRef idx="1">
+        <a:scrgbClr r="0" g="0" b="0"/>
+      </a:fillRef>
+      <a:effectRef idx="0">
+        <a:scrgbClr r="0" g="0" b="0"/>
+      </a:effectRef>
+      <a:fontRef idx="minor">
+        <a:schemeClr val="lt1"/>
+      </a:fontRef>
+    </dgm:style>
+  </dgm:styleLbl>
+  <dgm:styleLbl name="parChTrans1D1">
+    <dgm:scene3d>
+      <a:camera prst="orthographicFront"/>
+      <a:lightRig rig="threePt" dir="t"/>
+    </dgm:scene3d>
+    <dgm:sp3d/>
+    <dgm:txPr/>
+    <dgm:style>
+      <a:lnRef idx="2">
+        <a:scrgbClr r="0" g="0" b="0"/>
+      </a:lnRef>
+      <a:fillRef idx="0">
+        <a:scrgbClr r="0" g="0" b="0"/>
+      </a:fillRef>
+      <a:effectRef idx="0">
+        <a:scrgbClr r="0" g="0" b="0"/>
+      </a:effectRef>
+      <a:fontRef idx="minor"/>
+    </dgm:style>
+  </dgm:styleLbl>
+  <dgm:styleLbl name="parChTrans1D2">
+    <dgm:scene3d>
+      <a:camera prst="orthographicFront"/>
+      <a:lightRig rig="threePt" dir="t"/>
+    </dgm:scene3d>
+    <dgm:sp3d/>
+    <dgm:txPr/>
+    <dgm:style>
+      <a:lnRef idx="2">
+        <a:scrgbClr r="0" g="0" b="0"/>
+      </a:lnRef>
+      <a:fillRef idx="0">
+        <a:scrgbClr r="0" g="0" b="0"/>
+      </a:fillRef>
+      <a:effectRef idx="0">
+        <a:scrgbClr r="0" g="0" b="0"/>
+      </a:effectRef>
+      <a:fontRef idx="minor"/>
+    </dgm:style>
+  </dgm:styleLbl>
+  <dgm:styleLbl name="parChTrans1D3">
+    <dgm:scene3d>
+      <a:camera prst="orthographicFront"/>
+      <a:lightRig rig="threePt" dir="t"/>
+    </dgm:scene3d>
+    <dgm:sp3d/>
+    <dgm:txPr/>
+    <dgm:style>
+      <a:lnRef idx="2">
+        <a:scrgbClr r="0" g="0" b="0"/>
+      </a:lnRef>
+      <a:fillRef idx="0">
+        <a:scrgbClr r="0" g="0" b="0"/>
+      </a:fillRef>
+      <a:effectRef idx="0">
+        <a:scrgbClr r="0" g="0" b="0"/>
+      </a:effectRef>
+      <a:fontRef idx="minor"/>
+    </dgm:style>
+  </dgm:styleLbl>
+  <dgm:styleLbl name="parChTrans1D4">
+    <dgm:scene3d>
+      <a:camera prst="orthographicFront"/>
+      <a:lightRig rig="threePt" dir="t"/>
+    </dgm:scene3d>
+    <dgm:sp3d/>
+    <dgm:txPr/>
+    <dgm:style>
+      <a:lnRef idx="2">
+        <a:scrgbClr r="0" g="0" b="0"/>
+      </a:lnRef>
+      <a:fillRef idx="0">
+        <a:scrgbClr r="0" g="0" b="0"/>
+      </a:fillRef>
+      <a:effectRef idx="0">
+        <a:scrgbClr r="0" g="0" b="0"/>
+      </a:effectRef>
+      <a:fontRef idx="minor"/>
+    </dgm:style>
+  </dgm:styleLbl>
+  <dgm:styleLbl name="fgAcc1">
+    <dgm:scene3d>
+      <a:camera prst="orthographicFront"/>
+      <a:lightRig rig="threePt" dir="t"/>
+    </dgm:scene3d>
+    <dgm:sp3d/>
+    <dgm:txPr/>
+    <dgm:style>
+      <a:lnRef idx="2">
+        <a:scrgbClr r="0" g="0" b="0"/>
+      </a:lnRef>
+      <a:fillRef idx="1">
+        <a:scrgbClr r="0" g="0" b="0"/>
+      </a:fillRef>
+      <a:effectRef idx="0">
+        <a:scrgbClr r="0" g="0" b="0"/>
+      </a:effectRef>
+      <a:fontRef idx="minor"/>
+    </dgm:style>
+  </dgm:styleLbl>
+  <dgm:styleLbl name="conFgAcc1">
+    <dgm:scene3d>
+      <a:camera prst="orthographicFront"/>
+      <a:lightRig rig="threePt" dir="t"/>
+    </dgm:scene3d>
+    <dgm:sp3d/>
+    <dgm:txPr/>
+    <dgm:style>
+      <a:lnRef idx="2">
+        <a:scrgbClr r="0" g="0" b="0"/>
+      </a:lnRef>
+      <a:fillRef idx="1">
+        <a:scrgbClr r="0" g="0" b="0"/>
+      </a:fillRef>
+      <a:effectRef idx="0">
+        <a:scrgbClr r="0" g="0" b="0"/>
+      </a:effectRef>
+      <a:fontRef idx="minor"/>
+    </dgm:style>
+  </dgm:styleLbl>
+  <dgm:styleLbl name="alignAcc1">
+    <dgm:scene3d>
+      <a:camera prst="orthographicFront"/>
+      <a:lightRig rig="threePt" dir="t"/>
+    </dgm:scene3d>
+    <dgm:sp3d/>
+    <dgm:txPr/>
+    <dgm:style>
+      <a:lnRef idx="2">
+        <a:scrgbClr r="0" g="0" b="0"/>
+      </a:lnRef>
+      <a:fillRef idx="1">
+        <a:scrgbClr r="0" g="0" b="0"/>
+      </a:fillRef>
+      <a:effectRef idx="0">
+        <a:scrgbClr r="0" g="0" b="0"/>
+      </a:effectRef>
+      <a:fontRef idx="minor"/>
+    </dgm:style>
+  </dgm:styleLbl>
+  <dgm:styleLbl name="trAlignAcc1">
+    <dgm:scene3d>
+      <a:camera prst="orthographicFront"/>
+      <a:lightRig rig="threePt" dir="t"/>
+    </dgm:scene3d>
+    <dgm:sp3d/>
+    <dgm:txPr/>
+    <dgm:style>
+      <a:lnRef idx="1">
+        <a:scrgbClr r="0" g="0" b="0"/>
+      </a:lnRef>
+      <a:fillRef idx="1">
+        <a:scrgbClr r="0" g="0" b="0"/>
+      </a:fillRef>
+      <a:effectRef idx="0">
+        <a:scrgbClr r="0" g="0" b="0"/>
+      </a:effectRef>
+      <a:fontRef idx="minor"/>
+    </dgm:style>
+  </dgm:styleLbl>
+  <dgm:styleLbl name="bgAcc1">
+    <dgm:scene3d>
+      <a:camera prst="orthographicFront"/>
+      <a:lightRig rig="threePt" dir="t"/>
+    </dgm:scene3d>
+    <dgm:sp3d/>
+    <dgm:txPr/>
+    <dgm:style>
+      <a:lnRef idx="2">
+        <a:scrgbClr r="0" g="0" b="0"/>
+      </a:lnRef>
+      <a:fillRef idx="1">
+        <a:scrgbClr r="0" g="0" b="0"/>
+      </a:fillRef>
+      <a:effectRef idx="0">
+        <a:scrgbClr r="0" g="0" b="0"/>
+      </a:effectRef>
+      <a:fontRef idx="minor"/>
+    </dgm:style>
+  </dgm:styleLbl>
+  <dgm:styleLbl name="solidFgAcc1">
+    <dgm:scene3d>
+      <a:camera prst="orthographicFront"/>
+      <a:lightRig rig="threePt" dir="t"/>
+    </dgm:scene3d>
+    <dgm:sp3d/>
+    <dgm:txPr/>
+    <dgm:style>
+      <a:lnRef idx="2">
+        <a:scrgbClr r="0" g="0" b="0"/>
+      </a:lnRef>
+      <a:fillRef idx="1">
+        <a:scrgbClr r="0" g="0" b="0"/>
+      </a:fillRef>
+      <a:effectRef idx="0">
+        <a:scrgbClr r="0" g="0" b="0"/>
+      </a:effectRef>
+      <a:fontRef idx="minor"/>
+    </dgm:style>
+  </dgm:styleLbl>
+  <dgm:styleLbl name="solidAlignAcc1">
+    <dgm:scene3d>
+      <a:camera prst="orthographicFront"/>
+      <a:lightRig rig="threePt" dir="t"/>
+    </dgm:scene3d>
+    <dgm:sp3d/>
+    <dgm:txPr/>
+    <dgm:style>
+      <a:lnRef idx="2">
+        <a:scrgbClr r="0" g="0" b="0"/>
+      </a:lnRef>
+      <a:fillRef idx="1">
+        <a:scrgbClr r="0" g="0" b="0"/>
+      </a:fillRef>
+      <a:effectRef idx="0">
+        <a:scrgbClr r="0" g="0" b="0"/>
+      </a:effectRef>
+      <a:fontRef idx="minor"/>
+    </dgm:style>
+  </dgm:styleLbl>
+  <dgm:styleLbl name="solidBgAcc1">
+    <dgm:scene3d>
+      <a:camera prst="orthographicFront"/>
+      <a:lightRig rig="threePt" dir="t"/>
+    </dgm:scene3d>
+    <dgm:sp3d/>
+    <dgm:txPr/>
+    <dgm:style>
+      <a:lnRef idx="2">
+        <a:scrgbClr r="0" g="0" b="0"/>
+      </a:lnRef>
+      <a:fillRef idx="1">
+        <a:scrgbClr r="0" g="0" b="0"/>
+      </a:fillRef>
+      <a:effectRef idx="0">
+        <a:scrgbClr r="0" g="0" b="0"/>
+      </a:effectRef>
+      <a:fontRef idx="minor"/>
+    </dgm:style>
+  </dgm:styleLbl>
+  <dgm:styleLbl name="fgAccFollowNode1">
+    <dgm:scene3d>
+      <a:camera prst="orthographicFront"/>
+      <a:lightRig rig="threePt" dir="t"/>
+    </dgm:scene3d>
+    <dgm:sp3d/>
+    <dgm:txPr/>
+    <dgm:style>
+      <a:lnRef idx="2">
+        <a:scrgbClr r="0" g="0" b="0"/>
+      </a:lnRef>
+      <a:fillRef idx="1">
+        <a:scrgbClr r="0" g="0" b="0"/>
+      </a:fillRef>
+      <a:effectRef idx="0">
+        <a:scrgbClr r="0" g="0" b="0"/>
+      </a:effectRef>
+      <a:fontRef idx="minor"/>
+    </dgm:style>
+  </dgm:styleLbl>
+  <dgm:styleLbl name="alignAccFollowNode1">
+    <dgm:scene3d>
+      <a:camera prst="orthographicFront"/>
+      <a:lightRig rig="threePt" dir="t"/>
+    </dgm:scene3d>
+    <dgm:sp3d/>
+    <dgm:txPr/>
+    <dgm:style>
+      <a:lnRef idx="2">
+        <a:scrgbClr r="0" g="0" b="0"/>
+      </a:lnRef>
+      <a:fillRef idx="1">
+        <a:scrgbClr r="0" g="0" b="0"/>
+      </a:fillRef>
+      <a:effectRef idx="0">
+        <a:scrgbClr r="0" g="0" b="0"/>
+      </a:effectRef>
+      <a:fontRef idx="minor"/>
+    </dgm:style>
+  </dgm:styleLbl>
+  <dgm:styleLbl name="bgAccFollowNode1">
+    <dgm:scene3d>
+      <a:camera prst="orthographicFront"/>
+      <a:lightRig rig="threePt" dir="t"/>
+    </dgm:scene3d>
+    <dgm:sp3d/>
+    <dgm:txPr/>
+    <dgm:style>
+      <a:lnRef idx="2">
+        <a:scrgbClr r="0" g="0" b="0"/>
+      </a:lnRef>
+      <a:fillRef idx="1">
+        <a:scrgbClr r="0" g="0" b="0"/>
+      </a:fillRef>
+      <a:effectRef idx="0">
+        <a:scrgbClr r="0" g="0" b="0"/>
+      </a:effectRef>
+      <a:fontRef idx="minor"/>
+    </dgm:style>
+  </dgm:styleLbl>
+  <dgm:styleLbl name="fgAcc0">
+    <dgm:scene3d>
+      <a:camera prst="orthographicFront"/>
+      <a:lightRig rig="threePt" dir="t"/>
+    </dgm:scene3d>
+    <dgm:sp3d/>
+    <dgm:txPr/>
+    <dgm:style>
+      <a:lnRef idx="2">
+        <a:scrgbClr r="0" g="0" b="0"/>
+      </a:lnRef>
+      <a:fillRef idx="1">
+        <a:scrgbClr r="0" g="0" b="0"/>
+      </a:fillRef>
+      <a:effectRef idx="0">
+        <a:scrgbClr r="0" g="0" b="0"/>
+      </a:effectRef>
+      <a:fontRef idx="minor"/>
+    </dgm:style>
+  </dgm:styleLbl>
+  <dgm:styleLbl name="fgAcc2">
+    <dgm:scene3d>
+      <a:camera prst="orthographicFront"/>
+      <a:lightRig rig="threePt" dir="t"/>
+    </dgm:scene3d>
+    <dgm:sp3d/>
+    <dgm:txPr/>
+    <dgm:style>
+      <a:lnRef idx="2">
+        <a:scrgbClr r="0" g="0" b="0"/>
+      </a:lnRef>
+      <a:fillRef idx="1">
+        <a:scrgbClr r="0" g="0" b="0"/>
+      </a:fillRef>
+      <a:effectRef idx="0">
+        <a:scrgbClr r="0" g="0" b="0"/>
+      </a:effectRef>
+      <a:fontRef idx="minor"/>
+    </dgm:style>
+  </dgm:styleLbl>
+  <dgm:styleLbl name="fgAcc3">
+    <dgm:scene3d>
+      <a:camera prst="orthographicFront"/>
+      <a:lightRig rig="threePt" dir="t"/>
+    </dgm:scene3d>
+    <dgm:sp3d/>
+    <dgm:txPr/>
+    <dgm:style>
+      <a:lnRef idx="2">
+        <a:scrgbClr r="0" g="0" b="0"/>
+      </a:lnRef>
+      <a:fillRef idx="1">
+        <a:scrgbClr r="0" g="0" b="0"/>
+      </a:fillRef>
+      <a:effectRef idx="0">
+        <a:scrgbClr r="0" g="0" b="0"/>
+      </a:effectRef>
+      <a:fontRef idx="minor"/>
+    </dgm:style>
+  </dgm:styleLbl>
+  <dgm:styleLbl name="fgAcc4">
+    <dgm:scene3d>
+      <a:camera prst="orthographicFront"/>
+      <a:lightRig rig="threePt" dir="t"/>
+    </dgm:scene3d>
+    <dgm:sp3d/>
+    <dgm:txPr/>
+    <dgm:style>
+      <a:lnRef idx="2">
+        <a:scrgbClr r="0" g="0" b="0"/>
+      </a:lnRef>
+      <a:fillRef idx="1">
+        <a:scrgbClr r="0" g="0" b="0"/>
+      </a:fillRef>
+      <a:effectRef idx="0">
+        <a:scrgbClr r="0" g="0" b="0"/>
+      </a:effectRef>
+      <a:fontRef idx="minor"/>
+    </dgm:style>
+  </dgm:styleLbl>
+  <dgm:styleLbl name="bgShp">
+    <dgm:scene3d>
+      <a:camera prst="orthographicFront"/>
+      <a:lightRig rig="threePt" dir="t"/>
+    </dgm:scene3d>
+    <dgm:sp3d/>
+    <dgm:txPr/>
+    <dgm:style>
+      <a:lnRef idx="0">
+        <a:scrgbClr r="0" g="0" b="0"/>
+      </a:lnRef>
+      <a:fillRef idx="1">
+        <a:scrgbClr r="0" g="0" b="0"/>
+      </a:fillRef>
+      <a:effectRef idx="0">
+        <a:scrgbClr r="0" g="0" b="0"/>
+      </a:effectRef>
+      <a:fontRef idx="minor"/>
+    </dgm:style>
+  </dgm:styleLbl>
+  <dgm:styleLbl name="dkBgShp">
+    <dgm:scene3d>
+      <a:camera prst="orthographicFront"/>
+      <a:lightRig rig="threePt" dir="t"/>
+    </dgm:scene3d>
+    <dgm:sp3d/>
+    <dgm:txPr/>
+    <dgm:style>
+      <a:lnRef idx="0">
+        <a:scrgbClr r="0" g="0" b="0"/>
+      </a:lnRef>
+      <a:fillRef idx="1">
+        <a:scrgbClr r="0" g="0" b="0"/>
+      </a:fillRef>
+      <a:effectRef idx="0">
+        <a:scrgbClr r="0" g="0" b="0"/>
+      </a:effectRef>
+      <a:fontRef idx="minor"/>
+    </dgm:style>
+  </dgm:styleLbl>
+  <dgm:styleLbl name="trBgShp">
+    <dgm:scene3d>
+      <a:camera prst="orthographicFront"/>
+      <a:lightRig rig="threePt" dir="t"/>
+    </dgm:scene3d>
+    <dgm:sp3d/>
+    <dgm:txPr/>
+    <dgm:style>
+      <a:lnRef idx="0">
+        <a:scrgbClr r="0" g="0" b="0"/>
+      </a:lnRef>
+      <a:fillRef idx="1">
+        <a:scrgbClr r="0" g="0" b="0"/>
+      </a:fillRef>
+      <a:effectRef idx="0">
+        <a:scrgbClr r="0" g="0" b="0"/>
+      </a:effectRef>
+      <a:fontRef idx="minor"/>
+    </dgm:style>
+  </dgm:styleLbl>
+  <dgm:styleLbl name="fgShp">
+    <dgm:scene3d>
+      <a:camera prst="orthographicFront"/>
+      <a:lightRig rig="threePt" dir="t"/>
+    </dgm:scene3d>
+    <dgm:sp3d/>
+    <dgm:txPr/>
+    <dgm:style>
+      <a:lnRef idx="2">
+        <a:scrgbClr r="0" g="0" b="0"/>
+      </a:lnRef>
+      <a:fillRef idx="1">
+        <a:scrgbClr r="0" g="0" b="0"/>
+      </a:fillRef>
+      <a:effectRef idx="0">
+        <a:scrgbClr r="0" g="0" b="0"/>
+      </a:effectRef>
+      <a:fontRef idx="minor"/>
+    </dgm:style>
+  </dgm:styleLbl>
+  <dgm:styleLbl name="revTx">
+    <dgm:scene3d>
+      <a:camera prst="orthographicFront"/>
+      <a:lightRig rig="threePt" dir="t"/>
+    </dgm:scene3d>
+    <dgm:sp3d/>
+    <dgm:txPr/>
+    <dgm:style>
+      <a:lnRef idx="0">
+        <a:scrgbClr r="0" g="0" b="0"/>
+      </a:lnRef>
+      <a:fillRef idx="0">
+        <a:scrgbClr r="0" g="0" b="0"/>
+      </a:fillRef>
+      <a:effectRef idx="0">
+        <a:scrgbClr r="0" g="0" b="0"/>
+      </a:effectRef>
+      <a:fontRef idx="minor"/>
+    </dgm:style>
+  </dgm:styleLbl>
+</dgm:styleDef>
+</file>
+
 <file path=ppt/slideLayouts/slideLayout1.xml><?xml version="1.0" encoding="utf-8"?>
 <p:sldLayout xmlns:a="http://schemas.openxmlformats.org/drawingml/2006/main" xmlns:r="http://schemas.openxmlformats.org/officeDocument/2006/relationships" xmlns:p="http://schemas.openxmlformats.org/presentationml/2006/main" type="title" preserve="1">
   <p:cSld name="Title Slide">
@@ -9155,7 +13581,7 @@
           <a:p>
             <a:fld id="{DE6BA60F-DE6F-45D4-98F5-DAB0AE3C7AA8}" type="datetimeFigureOut">
               <a:rPr lang="en-US" smtClean="0"/>
-              <a:t>1/30/2023</a:t>
+              <a:t>1/25/24</a:t>
             </a:fld>
             <a:endParaRPr lang="en-US"/>
           </a:p>
@@ -9353,7 +13779,7 @@
           <a:p>
             <a:fld id="{DE6BA60F-DE6F-45D4-98F5-DAB0AE3C7AA8}" type="datetimeFigureOut">
               <a:rPr lang="en-US" smtClean="0"/>
-              <a:t>1/30/2023</a:t>
+              <a:t>1/25/24</a:t>
             </a:fld>
             <a:endParaRPr lang="en-US"/>
           </a:p>
@@ -9561,7 +13987,7 @@
           <a:p>
             <a:fld id="{DE6BA60F-DE6F-45D4-98F5-DAB0AE3C7AA8}" type="datetimeFigureOut">
               <a:rPr lang="en-US" smtClean="0"/>
-              <a:t>1/30/2023</a:t>
+              <a:t>1/25/24</a:t>
             </a:fld>
             <a:endParaRPr lang="en-US"/>
           </a:p>
@@ -9781,7 +14207,7 @@
           <a:p>
             <a:fld id="{DE6BA60F-DE6F-45D4-98F5-DAB0AE3C7AA8}" type="datetimeFigureOut">
               <a:rPr lang="en-US" smtClean="0"/>
-              <a:t>1/30/2023</a:t>
+              <a:t>1/25/24</a:t>
             </a:fld>
             <a:endParaRPr lang="en-US"/>
           </a:p>
@@ -9979,7 +14405,7 @@
           <a:p>
             <a:fld id="{DE6BA60F-DE6F-45D4-98F5-DAB0AE3C7AA8}" type="datetimeFigureOut">
               <a:rPr lang="en-US" smtClean="0"/>
-              <a:t>1/30/2023</a:t>
+              <a:t>1/25/24</a:t>
             </a:fld>
             <a:endParaRPr lang="en-US"/>
           </a:p>
@@ -10254,7 +14680,7 @@
           <a:p>
             <a:fld id="{DE6BA60F-DE6F-45D4-98F5-DAB0AE3C7AA8}" type="datetimeFigureOut">
               <a:rPr lang="en-US" smtClean="0"/>
-              <a:t>1/30/2023</a:t>
+              <a:t>1/25/24</a:t>
             </a:fld>
             <a:endParaRPr lang="en-US"/>
           </a:p>
@@ -10519,7 +14945,7 @@
           <a:p>
             <a:fld id="{DE6BA60F-DE6F-45D4-98F5-DAB0AE3C7AA8}" type="datetimeFigureOut">
               <a:rPr lang="en-US" smtClean="0"/>
-              <a:t>1/30/2023</a:t>
+              <a:t>1/25/24</a:t>
             </a:fld>
             <a:endParaRPr lang="en-US"/>
           </a:p>
@@ -10931,7 +15357,7 @@
           <a:p>
             <a:fld id="{DE6BA60F-DE6F-45D4-98F5-DAB0AE3C7AA8}" type="datetimeFigureOut">
               <a:rPr lang="en-US" smtClean="0"/>
-              <a:t>1/30/2023</a:t>
+              <a:t>1/25/24</a:t>
             </a:fld>
             <a:endParaRPr lang="en-US"/>
           </a:p>
@@ -11072,7 +15498,7 @@
           <a:p>
             <a:fld id="{DE6BA60F-DE6F-45D4-98F5-DAB0AE3C7AA8}" type="datetimeFigureOut">
               <a:rPr lang="en-US" smtClean="0"/>
-              <a:t>1/30/2023</a:t>
+              <a:t>1/25/24</a:t>
             </a:fld>
             <a:endParaRPr lang="en-US"/>
           </a:p>
@@ -11185,7 +15611,7 @@
           <a:p>
             <a:fld id="{DE6BA60F-DE6F-45D4-98F5-DAB0AE3C7AA8}" type="datetimeFigureOut">
               <a:rPr lang="en-US" smtClean="0"/>
-              <a:t>1/30/2023</a:t>
+              <a:t>1/25/24</a:t>
             </a:fld>
             <a:endParaRPr lang="en-US"/>
           </a:p>
@@ -11496,7 +15922,7 @@
           <a:p>
             <a:fld id="{DE6BA60F-DE6F-45D4-98F5-DAB0AE3C7AA8}" type="datetimeFigureOut">
               <a:rPr lang="en-US" smtClean="0"/>
-              <a:t>1/30/2023</a:t>
+              <a:t>1/25/24</a:t>
             </a:fld>
             <a:endParaRPr lang="en-US"/>
           </a:p>
@@ -11694,7 +16120,7 @@
           <a:p>
             <a:fld id="{DE6BA60F-DE6F-45D4-98F5-DAB0AE3C7AA8}" type="datetimeFigureOut">
               <a:rPr lang="en-US" smtClean="0"/>
-              <a:t>1/30/2023</a:t>
+              <a:t>1/25/24</a:t>
             </a:fld>
             <a:endParaRPr lang="en-US"/>
           </a:p>
@@ -11982,7 +16408,7 @@
           <a:p>
             <a:fld id="{DE6BA60F-DE6F-45D4-98F5-DAB0AE3C7AA8}" type="datetimeFigureOut">
               <a:rPr lang="en-US" smtClean="0"/>
-              <a:t>1/30/2023</a:t>
+              <a:t>1/25/24</a:t>
             </a:fld>
             <a:endParaRPr lang="en-US"/>
           </a:p>
@@ -12180,7 +16606,7 @@
           <a:p>
             <a:fld id="{DE6BA60F-DE6F-45D4-98F5-DAB0AE3C7AA8}" type="datetimeFigureOut">
               <a:rPr lang="en-US" smtClean="0"/>
-              <a:t>1/30/2023</a:t>
+              <a:t>1/25/24</a:t>
             </a:fld>
             <a:endParaRPr lang="en-US"/>
           </a:p>
@@ -12388,7 +16814,7 @@
           <a:p>
             <a:fld id="{DE6BA60F-DE6F-45D4-98F5-DAB0AE3C7AA8}" type="datetimeFigureOut">
               <a:rPr lang="en-US" smtClean="0"/>
-              <a:t>1/30/2023</a:t>
+              <a:t>1/25/24</a:t>
             </a:fld>
             <a:endParaRPr lang="en-US"/>
           </a:p>
@@ -12663,7 +17089,7 @@
           <a:p>
             <a:fld id="{DE6BA60F-DE6F-45D4-98F5-DAB0AE3C7AA8}" type="datetimeFigureOut">
               <a:rPr lang="en-US" smtClean="0"/>
-              <a:t>1/30/2023</a:t>
+              <a:t>1/25/24</a:t>
             </a:fld>
             <a:endParaRPr lang="en-US"/>
           </a:p>
@@ -12928,7 +17354,7 @@
           <a:p>
             <a:fld id="{DE6BA60F-DE6F-45D4-98F5-DAB0AE3C7AA8}" type="datetimeFigureOut">
               <a:rPr lang="en-US" smtClean="0"/>
-              <a:t>1/30/2023</a:t>
+              <a:t>1/25/24</a:t>
             </a:fld>
             <a:endParaRPr lang="en-US"/>
           </a:p>
@@ -13340,7 +17766,7 @@
           <a:p>
             <a:fld id="{DE6BA60F-DE6F-45D4-98F5-DAB0AE3C7AA8}" type="datetimeFigureOut">
               <a:rPr lang="en-US" smtClean="0"/>
-              <a:t>1/30/2023</a:t>
+              <a:t>1/25/24</a:t>
             </a:fld>
             <a:endParaRPr lang="en-US"/>
           </a:p>
@@ -13481,7 +17907,7 @@
           <a:p>
             <a:fld id="{DE6BA60F-DE6F-45D4-98F5-DAB0AE3C7AA8}" type="datetimeFigureOut">
               <a:rPr lang="en-US" smtClean="0"/>
-              <a:t>1/30/2023</a:t>
+              <a:t>1/25/24</a:t>
             </a:fld>
             <a:endParaRPr lang="en-US"/>
           </a:p>
@@ -13594,7 +18020,7 @@
           <a:p>
             <a:fld id="{DE6BA60F-DE6F-45D4-98F5-DAB0AE3C7AA8}" type="datetimeFigureOut">
               <a:rPr lang="en-US" smtClean="0"/>
-              <a:t>1/30/2023</a:t>
+              <a:t>1/25/24</a:t>
             </a:fld>
             <a:endParaRPr lang="en-US"/>
           </a:p>
@@ -13905,7 +18331,7 @@
           <a:p>
             <a:fld id="{DE6BA60F-DE6F-45D4-98F5-DAB0AE3C7AA8}" type="datetimeFigureOut">
               <a:rPr lang="en-US" smtClean="0"/>
-              <a:t>1/30/2023</a:t>
+              <a:t>1/25/24</a:t>
             </a:fld>
             <a:endParaRPr lang="en-US"/>
           </a:p>
@@ -14193,7 +18619,7 @@
           <a:p>
             <a:fld id="{DE6BA60F-DE6F-45D4-98F5-DAB0AE3C7AA8}" type="datetimeFigureOut">
               <a:rPr lang="en-US" smtClean="0"/>
-              <a:t>1/30/2023</a:t>
+              <a:t>1/25/24</a:t>
             </a:fld>
             <a:endParaRPr lang="en-US"/>
           </a:p>
@@ -14434,7 +18860,7 @@
           <a:p>
             <a:fld id="{DE6BA60F-DE6F-45D4-98F5-DAB0AE3C7AA8}" type="datetimeFigureOut">
               <a:rPr lang="en-US" smtClean="0"/>
-              <a:t>1/30/2023</a:t>
+              <a:t>1/25/24</a:t>
             </a:fld>
             <a:endParaRPr lang="en-US"/>
           </a:p>
@@ -15002,7 +19428,7 @@
           <a:p>
             <a:fld id="{DE6BA60F-DE6F-45D4-98F5-DAB0AE3C7AA8}" type="datetimeFigureOut">
               <a:rPr lang="en-US" smtClean="0"/>
-              <a:t>1/30/2023</a:t>
+              <a:t>1/25/24</a:t>
             </a:fld>
             <a:endParaRPr lang="en-US"/>
           </a:p>
@@ -15499,6 +19925,780 @@
 <file path=ppt/slides/slide10.xml><?xml version="1.0" encoding="utf-8"?>
 <p:sld xmlns:a="http://schemas.openxmlformats.org/drawingml/2006/main" xmlns:r="http://schemas.openxmlformats.org/officeDocument/2006/relationships" xmlns:p="http://schemas.openxmlformats.org/presentationml/2006/main">
   <p:cSld>
+    <p:spTree>
+      <p:nvGrpSpPr>
+        <p:cNvPr id="1" name=""/>
+        <p:cNvGrpSpPr/>
+        <p:nvPr/>
+      </p:nvGrpSpPr>
+      <p:grpSpPr>
+        <a:xfrm>
+          <a:off x="0" y="0"/>
+          <a:ext cx="0" cy="0"/>
+          <a:chOff x="0" y="0"/>
+          <a:chExt cx="0" cy="0"/>
+        </a:xfrm>
+      </p:grpSpPr>
+      <mc:AlternateContent xmlns:mc="http://schemas.openxmlformats.org/markup-compatibility/2006" xmlns:a14="http://schemas.microsoft.com/office/drawing/2010/main">
+        <mc:Choice Requires="a14">
+          <p:sp>
+            <p:nvSpPr>
+              <p:cNvPr id="2" name="Title 1">
+                <a:extLst>
+                  <a:ext uri="{FF2B5EF4-FFF2-40B4-BE49-F238E27FC236}">
+                    <a16:creationId xmlns:a16="http://schemas.microsoft.com/office/drawing/2014/main" id="{88F507F8-5C1B-44A2-F3E0-1AD19BC32A7F}"/>
+                  </a:ext>
+                </a:extLst>
+              </p:cNvPr>
+              <p:cNvSpPr>
+                <a:spLocks noGrp="1"/>
+              </p:cNvSpPr>
+              <p:nvPr>
+                <p:ph type="title"/>
+              </p:nvPr>
+            </p:nvSpPr>
+            <p:spPr>
+              <a:xfrm>
+                <a:off x="1920891" y="1045619"/>
+                <a:ext cx="9585306" cy="4240743"/>
+              </a:xfrm>
+            </p:spPr>
+            <p:txBody>
+              <a:bodyPr vert="horz" lIns="91440" tIns="45720" rIns="91440" bIns="45720" rtlCol="0" anchor="b">
+                <a:normAutofit/>
+              </a:bodyPr>
+              <a:lstStyle/>
+              <a:p>
+                <a:pPr>
+                  <a:spcBef>
+                    <a:spcPts val="1200"/>
+                  </a:spcBef>
+                  <a:spcAft>
+                    <a:spcPts val="1200"/>
+                  </a:spcAft>
+                </a:pPr>
+                <a:r>
+                  <a:rPr lang="en-US" sz="3600" dirty="0"/>
+                  <a:t>Intuition: a covariate needs to introduce a large improvement in predictive performance to be included in the solution</a:t>
+                </a:r>
+                <a:br>
+                  <a:rPr lang="en-US" sz="3600" dirty="0"/>
+                </a:br>
+                <a14:m>
+                  <m:oMathPara xmlns:m="http://schemas.openxmlformats.org/officeDocument/2006/math">
+                    <m:oMathParaPr>
+                      <m:jc m:val="centerGroup"/>
+                    </m:oMathParaPr>
+                    <m:oMath xmlns:m="http://schemas.openxmlformats.org/officeDocument/2006/math">
+                      <m:d>
+                        <m:dPr>
+                          <m:begChr m:val="|"/>
+                          <m:endChr m:val="|"/>
+                          <m:ctrlPr>
+                            <a:rPr kumimoji="0" lang="en-US" sz="2800" b="0" i="1" u="none" strike="noStrike" kern="1200" cap="none" spc="0" normalizeH="0" baseline="0" noProof="0" smtClean="0">
+                              <a:ln>
+                                <a:noFill/>
+                              </a:ln>
+                              <a:solidFill>
+                                <a:prstClr val="black"/>
+                              </a:solidFill>
+                              <a:effectLst/>
+                              <a:uLnTx/>
+                              <a:uFillTx/>
+                              <a:latin typeface="Cambria Math" panose="02040503050406030204" pitchFamily="18" charset="0"/>
+                              <a:ea typeface="+mn-ea"/>
+                              <a:cs typeface="+mn-cs"/>
+                            </a:rPr>
+                          </m:ctrlPr>
+                        </m:dPr>
+                        <m:e>
+                          <m:sSub>
+                            <m:sSubPr>
+                              <m:ctrlPr>
+                                <a:rPr kumimoji="0" lang="en-US" sz="2800" b="0" i="1" u="none" strike="noStrike" kern="1200" cap="none" spc="0" normalizeH="0" baseline="0" noProof="0" smtClean="0">
+                                  <a:ln>
+                                    <a:noFill/>
+                                  </a:ln>
+                                  <a:solidFill>
+                                    <a:prstClr val="black"/>
+                                  </a:solidFill>
+                                  <a:effectLst/>
+                                  <a:uLnTx/>
+                                  <a:uFillTx/>
+                                  <a:latin typeface="Cambria Math" panose="02040503050406030204" pitchFamily="18" charset="0"/>
+                                  <a:ea typeface="+mn-ea"/>
+                                  <a:cs typeface="+mn-cs"/>
+                                </a:rPr>
+                              </m:ctrlPr>
+                            </m:sSubPr>
+                            <m:e>
+                              <m:r>
+                                <a:rPr kumimoji="0" lang="en-US" sz="2800" b="0" i="1" u="none" strike="noStrike" kern="1200" cap="none" spc="0" normalizeH="0" baseline="0" noProof="0" smtClean="0">
+                                  <a:ln>
+                                    <a:noFill/>
+                                  </a:ln>
+                                  <a:solidFill>
+                                    <a:prstClr val="black"/>
+                                  </a:solidFill>
+                                  <a:effectLst/>
+                                  <a:uLnTx/>
+                                  <a:uFillTx/>
+                                  <a:latin typeface="Cambria Math" panose="02040503050406030204" pitchFamily="18" charset="0"/>
+                                  <a:ea typeface="+mn-ea"/>
+                                  <a:cs typeface="+mn-cs"/>
+                                </a:rPr>
+                                <m:t>𝜕</m:t>
+                              </m:r>
+                            </m:e>
+                            <m:sub>
+                              <m:sSub>
+                                <m:sSubPr>
+                                  <m:ctrlPr>
+                                    <a:rPr kumimoji="0" lang="en-US" sz="2800" b="0" i="1" u="none" strike="noStrike" kern="1200" cap="none" spc="0" normalizeH="0" baseline="0" noProof="0" smtClean="0">
+                                      <a:ln>
+                                        <a:noFill/>
+                                      </a:ln>
+                                      <a:solidFill>
+                                        <a:prstClr val="black"/>
+                                      </a:solidFill>
+                                      <a:effectLst/>
+                                      <a:uLnTx/>
+                                      <a:uFillTx/>
+                                      <a:latin typeface="Cambria Math" panose="02040503050406030204" pitchFamily="18" charset="0"/>
+                                      <a:ea typeface="+mn-ea"/>
+                                      <a:cs typeface="+mn-cs"/>
+                                    </a:rPr>
+                                  </m:ctrlPr>
+                                </m:sSubPr>
+                                <m:e>
+                                  <m:r>
+                                    <a:rPr kumimoji="0" lang="en-US" sz="2800" b="0" i="1" u="none" strike="noStrike" kern="1200" cap="none" spc="0" normalizeH="0" baseline="0" noProof="0" smtClean="0">
+                                      <a:ln>
+                                        <a:noFill/>
+                                      </a:ln>
+                                      <a:solidFill>
+                                        <a:prstClr val="black"/>
+                                      </a:solidFill>
+                                      <a:effectLst/>
+                                      <a:uLnTx/>
+                                      <a:uFillTx/>
+                                      <a:latin typeface="Cambria Math" panose="02040503050406030204" pitchFamily="18" charset="0"/>
+                                      <a:ea typeface="+mn-ea"/>
+                                      <a:cs typeface="+mn-cs"/>
+                                    </a:rPr>
+                                    <m:t>𝑏</m:t>
+                                  </m:r>
+                                </m:e>
+                                <m:sub>
+                                  <m:r>
+                                    <a:rPr kumimoji="0" lang="en-US" sz="2800" b="0" i="1" u="none" strike="noStrike" kern="1200" cap="none" spc="0" normalizeH="0" baseline="0" noProof="0" smtClean="0">
+                                      <a:ln>
+                                        <a:noFill/>
+                                      </a:ln>
+                                      <a:solidFill>
+                                        <a:prstClr val="black"/>
+                                      </a:solidFill>
+                                      <a:effectLst/>
+                                      <a:uLnTx/>
+                                      <a:uFillTx/>
+                                      <a:latin typeface="Cambria Math" panose="02040503050406030204" pitchFamily="18" charset="0"/>
+                                      <a:ea typeface="+mn-ea"/>
+                                      <a:cs typeface="+mn-cs"/>
+                                    </a:rPr>
+                                    <m:t>𝑗</m:t>
+                                  </m:r>
+                                </m:sub>
+                              </m:sSub>
+                            </m:sub>
+                          </m:sSub>
+                          <m:sSub>
+                            <m:sSubPr>
+                              <m:ctrlPr>
+                                <a:rPr kumimoji="0" lang="en-US" sz="2800" b="0" i="1" u="none" strike="noStrike" kern="1200" cap="none" spc="0" normalizeH="0" baseline="0" noProof="0" smtClean="0">
+                                  <a:ln>
+                                    <a:noFill/>
+                                  </a:ln>
+                                  <a:solidFill>
+                                    <a:prstClr val="black"/>
+                                  </a:solidFill>
+                                  <a:effectLst/>
+                                  <a:uLnTx/>
+                                  <a:uFillTx/>
+                                  <a:latin typeface="Cambria Math" panose="02040503050406030204" pitchFamily="18" charset="0"/>
+                                  <a:ea typeface="+mn-ea"/>
+                                  <a:cs typeface="+mn-cs"/>
+                                </a:rPr>
+                              </m:ctrlPr>
+                            </m:sSubPr>
+                            <m:e>
+                              <m:r>
+                                <a:rPr kumimoji="0" lang="en-US" sz="2800" b="0" i="1" u="none" strike="noStrike" kern="1200" cap="none" spc="0" normalizeH="0" baseline="0" noProof="0" smtClean="0">
+                                  <a:ln>
+                                    <a:noFill/>
+                                  </a:ln>
+                                  <a:solidFill>
+                                    <a:prstClr val="black"/>
+                                  </a:solidFill>
+                                  <a:effectLst/>
+                                  <a:uLnTx/>
+                                  <a:uFillTx/>
+                                  <a:latin typeface="Cambria Math" panose="02040503050406030204" pitchFamily="18" charset="0"/>
+                                  <a:ea typeface="+mn-ea"/>
+                                  <a:cs typeface="+mn-cs"/>
+                                </a:rPr>
+                                <m:t>𝐸</m:t>
+                              </m:r>
+                            </m:e>
+                            <m:sub>
+                              <m:r>
+                                <a:rPr kumimoji="0" lang="en-US" sz="2800" b="0" i="1" u="none" strike="noStrike" kern="1200" cap="none" spc="0" normalizeH="0" baseline="0" noProof="0" smtClean="0">
+                                  <a:ln>
+                                    <a:noFill/>
+                                  </a:ln>
+                                  <a:solidFill>
+                                    <a:prstClr val="black"/>
+                                  </a:solidFill>
+                                  <a:effectLst/>
+                                  <a:uLnTx/>
+                                  <a:uFillTx/>
+                                  <a:latin typeface="Cambria Math" panose="02040503050406030204" pitchFamily="18" charset="0"/>
+                                  <a:ea typeface="+mn-ea"/>
+                                  <a:cs typeface="+mn-cs"/>
+                                </a:rPr>
+                                <m:t>𝑛</m:t>
+                              </m:r>
+                            </m:sub>
+                          </m:sSub>
+                          <m:d>
+                            <m:dPr>
+                              <m:begChr m:val="["/>
+                              <m:endChr m:val="]"/>
+                              <m:ctrlPr>
+                                <a:rPr kumimoji="0" lang="en-US" sz="2800" b="0" i="1" u="none" strike="noStrike" kern="1200" cap="none" spc="0" normalizeH="0" baseline="0" noProof="0" smtClean="0">
+                                  <a:ln>
+                                    <a:noFill/>
+                                  </a:ln>
+                                  <a:solidFill>
+                                    <a:prstClr val="black"/>
+                                  </a:solidFill>
+                                  <a:effectLst/>
+                                  <a:uLnTx/>
+                                  <a:uFillTx/>
+                                  <a:latin typeface="Cambria Math" panose="02040503050406030204" pitchFamily="18" charset="0"/>
+                                  <a:ea typeface="+mn-ea"/>
+                                  <a:cs typeface="+mn-cs"/>
+                                </a:rPr>
+                              </m:ctrlPr>
+                            </m:dPr>
+                            <m:e>
+                              <m:sSup>
+                                <m:sSupPr>
+                                  <m:ctrlPr>
+                                    <a:rPr kumimoji="0" lang="en-US" sz="2800" b="0" i="1" u="none" strike="noStrike" kern="1200" cap="none" spc="0" normalizeH="0" baseline="0" noProof="0" smtClean="0">
+                                      <a:ln>
+                                        <a:noFill/>
+                                      </a:ln>
+                                      <a:solidFill>
+                                        <a:prstClr val="black"/>
+                                      </a:solidFill>
+                                      <a:effectLst/>
+                                      <a:uLnTx/>
+                                      <a:uFillTx/>
+                                      <a:latin typeface="Cambria Math" panose="02040503050406030204" pitchFamily="18" charset="0"/>
+                                      <a:ea typeface="+mn-ea"/>
+                                      <a:cs typeface="+mn-cs"/>
+                                    </a:rPr>
+                                  </m:ctrlPr>
+                                </m:sSupPr>
+                                <m:e>
+                                  <m:d>
+                                    <m:dPr>
+                                      <m:ctrlPr>
+                                        <a:rPr kumimoji="0" lang="en-US" sz="2800" b="0" i="1" u="none" strike="noStrike" kern="1200" cap="none" spc="0" normalizeH="0" baseline="0" noProof="0" smtClean="0">
+                                          <a:ln>
+                                            <a:noFill/>
+                                          </a:ln>
+                                          <a:solidFill>
+                                            <a:prstClr val="black"/>
+                                          </a:solidFill>
+                                          <a:effectLst/>
+                                          <a:uLnTx/>
+                                          <a:uFillTx/>
+                                          <a:latin typeface="Cambria Math" panose="02040503050406030204" pitchFamily="18" charset="0"/>
+                                          <a:ea typeface="+mn-ea"/>
+                                          <a:cs typeface="+mn-cs"/>
+                                        </a:rPr>
+                                      </m:ctrlPr>
+                                    </m:dPr>
+                                    <m:e>
+                                      <m:r>
+                                        <a:rPr kumimoji="0" lang="en-US" sz="2800" b="0" i="1" u="none" strike="noStrike" kern="1200" cap="none" spc="0" normalizeH="0" baseline="0" noProof="0" smtClean="0">
+                                          <a:ln>
+                                            <a:noFill/>
+                                          </a:ln>
+                                          <a:solidFill>
+                                            <a:prstClr val="black"/>
+                                          </a:solidFill>
+                                          <a:effectLst/>
+                                          <a:uLnTx/>
+                                          <a:uFillTx/>
+                                          <a:latin typeface="Cambria Math" panose="02040503050406030204" pitchFamily="18" charset="0"/>
+                                          <a:ea typeface="+mn-ea"/>
+                                          <a:cs typeface="+mn-cs"/>
+                                        </a:rPr>
+                                        <m:t>𝑌</m:t>
+                                      </m:r>
+                                      <m:r>
+                                        <a:rPr kumimoji="0" lang="en-US" sz="2800" b="0" i="1" u="none" strike="noStrike" kern="1200" cap="none" spc="0" normalizeH="0" baseline="0" noProof="0" smtClean="0">
+                                          <a:ln>
+                                            <a:noFill/>
+                                          </a:ln>
+                                          <a:solidFill>
+                                            <a:prstClr val="black"/>
+                                          </a:solidFill>
+                                          <a:effectLst/>
+                                          <a:uLnTx/>
+                                          <a:uFillTx/>
+                                          <a:latin typeface="Cambria Math" panose="02040503050406030204" pitchFamily="18" charset="0"/>
+                                          <a:ea typeface="+mn-ea"/>
+                                          <a:cs typeface="+mn-cs"/>
+                                        </a:rPr>
+                                        <m:t>−</m:t>
+                                      </m:r>
+                                      <m:sSup>
+                                        <m:sSupPr>
+                                          <m:ctrlPr>
+                                            <a:rPr kumimoji="0" lang="en-US" sz="2800" b="0" i="1" u="none" strike="noStrike" kern="1200" cap="none" spc="0" normalizeH="0" baseline="0" noProof="0" smtClean="0">
+                                              <a:ln>
+                                                <a:noFill/>
+                                              </a:ln>
+                                              <a:solidFill>
+                                                <a:prstClr val="black"/>
+                                              </a:solidFill>
+                                              <a:effectLst/>
+                                              <a:uLnTx/>
+                                              <a:uFillTx/>
+                                              <a:latin typeface="Cambria Math" panose="02040503050406030204" pitchFamily="18" charset="0"/>
+                                              <a:ea typeface="+mn-ea"/>
+                                              <a:cs typeface="+mn-cs"/>
+                                            </a:rPr>
+                                          </m:ctrlPr>
+                                        </m:sSupPr>
+                                        <m:e>
+                                          <m:acc>
+                                            <m:accPr>
+                                              <m:chr m:val="̂"/>
+                                              <m:ctrlPr>
+                                                <a:rPr kumimoji="0" lang="en-US" sz="2800" b="0" i="1" u="none" strike="noStrike" kern="1200" cap="none" spc="0" normalizeH="0" baseline="0" noProof="0" smtClean="0">
+                                                  <a:ln>
+                                                    <a:noFill/>
+                                                  </a:ln>
+                                                  <a:solidFill>
+                                                    <a:prstClr val="black"/>
+                                                  </a:solidFill>
+                                                  <a:effectLst/>
+                                                  <a:uLnTx/>
+                                                  <a:uFillTx/>
+                                                  <a:latin typeface="Cambria Math" panose="02040503050406030204" pitchFamily="18" charset="0"/>
+                                                  <a:ea typeface="+mn-ea"/>
+                                                  <a:cs typeface="+mn-cs"/>
+                                                </a:rPr>
+                                              </m:ctrlPr>
+                                            </m:accPr>
+                                            <m:e>
+                                              <m:r>
+                                                <a:rPr kumimoji="0" lang="en-US" sz="2800" b="0" i="1" u="none" strike="noStrike" kern="1200" cap="none" spc="0" normalizeH="0" baseline="0" noProof="0" smtClean="0">
+                                                  <a:ln>
+                                                    <a:noFill/>
+                                                  </a:ln>
+                                                  <a:solidFill>
+                                                    <a:prstClr val="black"/>
+                                                  </a:solidFill>
+                                                  <a:effectLst/>
+                                                  <a:uLnTx/>
+                                                  <a:uFillTx/>
+                                                  <a:latin typeface="Cambria Math" panose="02040503050406030204" pitchFamily="18" charset="0"/>
+                                                  <a:ea typeface="+mn-ea"/>
+                                                  <a:cs typeface="+mn-cs"/>
+                                                </a:rPr>
+                                                <m:t>𝛽</m:t>
+                                              </m:r>
+                                            </m:e>
+                                          </m:acc>
+                                        </m:e>
+                                        <m:sup>
+                                          <m:r>
+                                            <a:rPr kumimoji="0" lang="en-US" sz="2800" b="0" i="1" u="none" strike="noStrike" kern="1200" cap="none" spc="0" normalizeH="0" baseline="0" noProof="0" smtClean="0">
+                                              <a:ln>
+                                                <a:noFill/>
+                                              </a:ln>
+                                              <a:solidFill>
+                                                <a:prstClr val="black"/>
+                                              </a:solidFill>
+                                              <a:effectLst/>
+                                              <a:uLnTx/>
+                                              <a:uFillTx/>
+                                              <a:latin typeface="Cambria Math" panose="02040503050406030204" pitchFamily="18" charset="0"/>
+                                              <a:ea typeface="+mn-ea"/>
+                                              <a:cs typeface="+mn-cs"/>
+                                            </a:rPr>
+                                            <m:t>′</m:t>
+                                          </m:r>
+                                        </m:sup>
+                                      </m:sSup>
+                                      <m:r>
+                                        <a:rPr kumimoji="0" lang="en-US" sz="2800" b="0" i="1" u="none" strike="noStrike" kern="1200" cap="none" spc="0" normalizeH="0" baseline="0" noProof="0" smtClean="0">
+                                          <a:ln>
+                                            <a:noFill/>
+                                          </a:ln>
+                                          <a:solidFill>
+                                            <a:prstClr val="black"/>
+                                          </a:solidFill>
+                                          <a:effectLst/>
+                                          <a:uLnTx/>
+                                          <a:uFillTx/>
+                                          <a:latin typeface="Cambria Math" panose="02040503050406030204" pitchFamily="18" charset="0"/>
+                                          <a:ea typeface="+mn-ea"/>
+                                          <a:cs typeface="+mn-cs"/>
+                                        </a:rPr>
+                                        <m:t>𝑋</m:t>
+                                      </m:r>
+                                    </m:e>
+                                  </m:d>
+                                </m:e>
+                                <m:sup>
+                                  <m:r>
+                                    <a:rPr kumimoji="0" lang="en-US" sz="2800" b="0" i="1" u="none" strike="noStrike" kern="1200" cap="none" spc="0" normalizeH="0" baseline="0" noProof="0" smtClean="0">
+                                      <a:ln>
+                                        <a:noFill/>
+                                      </a:ln>
+                                      <a:solidFill>
+                                        <a:prstClr val="black"/>
+                                      </a:solidFill>
+                                      <a:effectLst/>
+                                      <a:uLnTx/>
+                                      <a:uFillTx/>
+                                      <a:latin typeface="Cambria Math" panose="02040503050406030204" pitchFamily="18" charset="0"/>
+                                      <a:ea typeface="+mn-ea"/>
+                                      <a:cs typeface="+mn-cs"/>
+                                    </a:rPr>
+                                    <m:t>2</m:t>
+                                  </m:r>
+                                </m:sup>
+                              </m:sSup>
+                            </m:e>
+                          </m:d>
+                        </m:e>
+                      </m:d>
+                      <m:r>
+                        <a:rPr kumimoji="0" lang="en-US" sz="2800" b="0" i="1" u="none" strike="noStrike" kern="1200" cap="none" spc="0" normalizeH="0" baseline="0" noProof="0" smtClean="0">
+                          <a:ln>
+                            <a:noFill/>
+                          </a:ln>
+                          <a:solidFill>
+                            <a:prstClr val="black"/>
+                          </a:solidFill>
+                          <a:effectLst/>
+                          <a:uLnTx/>
+                          <a:uFillTx/>
+                          <a:latin typeface="Cambria Math" panose="02040503050406030204" pitchFamily="18" charset="0"/>
+                          <a:ea typeface="+mn-ea"/>
+                          <a:cs typeface="+mn-cs"/>
+                        </a:rPr>
+                        <m:t>≥</m:t>
+                      </m:r>
+                      <m:r>
+                        <a:rPr kumimoji="0" lang="en-US" sz="2800" b="0" i="1" u="none" strike="noStrike" kern="1200" cap="none" spc="0" normalizeH="0" baseline="0" noProof="0" smtClean="0">
+                          <a:ln>
+                            <a:noFill/>
+                          </a:ln>
+                          <a:solidFill>
+                            <a:prstClr val="black"/>
+                          </a:solidFill>
+                          <a:effectLst/>
+                          <a:uLnTx/>
+                          <a:uFillTx/>
+                          <a:latin typeface="Cambria Math" panose="02040503050406030204" pitchFamily="18" charset="0"/>
+                          <a:ea typeface="+mn-ea"/>
+                          <a:cs typeface="+mn-cs"/>
+                        </a:rPr>
+                        <m:t>𝜆</m:t>
+                      </m:r>
+                    </m:oMath>
+                  </m:oMathPara>
+                </a14:m>
+                <a:endParaRPr lang="en-US" sz="3600" kern="1200" dirty="0">
+                  <a:solidFill>
+                    <a:schemeClr val="tx1"/>
+                  </a:solidFill>
+                </a:endParaRPr>
+              </a:p>
+            </p:txBody>
+          </p:sp>
+        </mc:Choice>
+        <mc:Fallback xmlns="">
+          <p:sp>
+            <p:nvSpPr>
+              <p:cNvPr id="2" name="Title 1">
+                <a:extLst>
+                  <a:ext uri="{FF2B5EF4-FFF2-40B4-BE49-F238E27FC236}">
+                    <a16:creationId xmlns:a16="http://schemas.microsoft.com/office/drawing/2014/main" id="{88F507F8-5C1B-44A2-F3E0-1AD19BC32A7F}"/>
+                  </a:ext>
+                </a:extLst>
+              </p:cNvPr>
+              <p:cNvSpPr>
+                <a:spLocks noGrp="1" noRot="1" noChangeAspect="1" noMove="1" noResize="1" noEditPoints="1" noAdjustHandles="1" noChangeArrowheads="1" noChangeShapeType="1" noTextEdit="1"/>
+              </p:cNvSpPr>
+              <p:nvPr>
+                <p:ph type="title"/>
+              </p:nvPr>
+            </p:nvSpPr>
+            <p:spPr>
+              <a:xfrm>
+                <a:off x="1920891" y="1045619"/>
+                <a:ext cx="9585306" cy="4240743"/>
+              </a:xfrm>
+              <a:blipFill>
+                <a:blip r:embed="rId2"/>
+                <a:stretch>
+                  <a:fillRect l="-1908"/>
+                </a:stretch>
+              </a:blipFill>
+            </p:spPr>
+            <p:txBody>
+              <a:bodyPr/>
+              <a:lstStyle/>
+              <a:p>
+                <a:r>
+                  <a:rPr lang="en-US">
+                    <a:noFill/>
+                  </a:rPr>
+                  <a:t> </a:t>
+                </a:r>
+              </a:p>
+            </p:txBody>
+          </p:sp>
+        </mc:Fallback>
+      </mc:AlternateContent>
+      <p:pic>
+        <p:nvPicPr>
+          <p:cNvPr id="5" name="Graphic 4" descr="Work from home house outline">
+            <a:extLst>
+              <a:ext uri="{FF2B5EF4-FFF2-40B4-BE49-F238E27FC236}">
+                <a16:creationId xmlns:a16="http://schemas.microsoft.com/office/drawing/2014/main" id="{BDD457CB-DCA3-A6C7-9D7D-242EB4DA6CC7}"/>
+              </a:ext>
+            </a:extLst>
+          </p:cNvPr>
+          <p:cNvPicPr>
+            <a:picLocks noChangeAspect="1"/>
+          </p:cNvPicPr>
+          <p:nvPr/>
+        </p:nvPicPr>
+        <p:blipFill>
+          <a:blip r:embed="rId3">
+            <a:extLst>
+              <a:ext uri="{28A0092B-C50C-407E-A947-70E740481C1C}">
+                <a14:useLocalDpi xmlns:a14="http://schemas.microsoft.com/office/drawing/2010/main" val="0"/>
+              </a:ext>
+              <a:ext uri="{96DAC541-7B7A-43D3-8B79-37D633B846F1}">
+                <asvg:svgBlip xmlns:asvg="http://schemas.microsoft.com/office/drawing/2016/SVG/main" r:embed="rId4"/>
+              </a:ext>
+            </a:extLst>
+          </a:blip>
+          <a:stretch>
+            <a:fillRect/>
+          </a:stretch>
+        </p:blipFill>
+        <p:spPr>
+          <a:xfrm>
+            <a:off x="685803" y="4189082"/>
+            <a:ext cx="1097280" cy="1097280"/>
+          </a:xfrm>
+          <a:prstGeom prst="rect">
+            <a:avLst/>
+          </a:prstGeom>
+        </p:spPr>
+      </p:pic>
+      <p:sp>
+        <p:nvSpPr>
+          <p:cNvPr id="8" name="Right Brace 7">
+            <a:extLst>
+              <a:ext uri="{FF2B5EF4-FFF2-40B4-BE49-F238E27FC236}">
+                <a16:creationId xmlns:a16="http://schemas.microsoft.com/office/drawing/2014/main" id="{E4E759B6-D686-1CF2-6F57-F3B1D187B941}"/>
+              </a:ext>
+            </a:extLst>
+          </p:cNvPr>
+          <p:cNvSpPr/>
+          <p:nvPr/>
+        </p:nvSpPr>
+        <p:spPr>
+          <a:xfrm rot="5400000">
+            <a:off x="6210300" y="3805766"/>
+            <a:ext cx="298450" cy="3181350"/>
+          </a:xfrm>
+          <a:prstGeom prst="rightBrace">
+            <a:avLst/>
+          </a:prstGeom>
+          <a:ln w="19050"/>
+        </p:spPr>
+        <p:style>
+          <a:lnRef idx="1">
+            <a:schemeClr val="accent1"/>
+          </a:lnRef>
+          <a:fillRef idx="0">
+            <a:schemeClr val="accent1"/>
+          </a:fillRef>
+          <a:effectRef idx="0">
+            <a:schemeClr val="accent1"/>
+          </a:effectRef>
+          <a:fontRef idx="minor">
+            <a:schemeClr val="tx1"/>
+          </a:fontRef>
+        </p:style>
+        <p:txBody>
+          <a:bodyPr rtlCol="0" anchor="ctr"/>
+          <a:lstStyle/>
+          <a:p>
+            <a:pPr algn="ctr"/>
+            <a:endParaRPr lang="en-US"/>
+          </a:p>
+        </p:txBody>
+      </p:sp>
+      <p:sp>
+        <p:nvSpPr>
+          <p:cNvPr id="9" name="TextBox 8">
+            <a:extLst>
+              <a:ext uri="{FF2B5EF4-FFF2-40B4-BE49-F238E27FC236}">
+                <a16:creationId xmlns:a16="http://schemas.microsoft.com/office/drawing/2014/main" id="{2B9F0456-339C-3DEF-C07D-92804C52887A}"/>
+              </a:ext>
+            </a:extLst>
+          </p:cNvPr>
+          <p:cNvSpPr txBox="1"/>
+          <p:nvPr/>
+        </p:nvSpPr>
+        <p:spPr>
+          <a:xfrm>
+            <a:off x="4966883" y="5545666"/>
+            <a:ext cx="2983317" cy="369332"/>
+          </a:xfrm>
+          <a:prstGeom prst="rect">
+            <a:avLst/>
+          </a:prstGeom>
+          <a:noFill/>
+        </p:spPr>
+        <p:txBody>
+          <a:bodyPr wrap="none" rtlCol="0">
+            <a:spAutoFit/>
+          </a:bodyPr>
+          <a:lstStyle/>
+          <a:p>
+            <a:r>
+              <a:rPr lang="en-US" dirty="0">
+                <a:latin typeface="+mj-lt"/>
+              </a:rPr>
+              <a:t>Marginal benefit in prediction</a:t>
+            </a:r>
+          </a:p>
+        </p:txBody>
+      </p:sp>
+      <p:sp>
+        <p:nvSpPr>
+          <p:cNvPr id="11" name="Right Brace 10">
+            <a:extLst>
+              <a:ext uri="{FF2B5EF4-FFF2-40B4-BE49-F238E27FC236}">
+                <a16:creationId xmlns:a16="http://schemas.microsoft.com/office/drawing/2014/main" id="{20F3BCF6-F7D2-13E7-3F0C-BF3EE81F9778}"/>
+              </a:ext>
+            </a:extLst>
+          </p:cNvPr>
+          <p:cNvSpPr/>
+          <p:nvPr/>
+        </p:nvSpPr>
+        <p:spPr>
+          <a:xfrm rot="5400000">
+            <a:off x="8390996" y="5220228"/>
+            <a:ext cx="298450" cy="352426"/>
+          </a:xfrm>
+          <a:prstGeom prst="rightBrace">
+            <a:avLst/>
+          </a:prstGeom>
+          <a:ln w="19050"/>
+        </p:spPr>
+        <p:style>
+          <a:lnRef idx="1">
+            <a:schemeClr val="accent1"/>
+          </a:lnRef>
+          <a:fillRef idx="0">
+            <a:schemeClr val="accent1"/>
+          </a:fillRef>
+          <a:effectRef idx="0">
+            <a:schemeClr val="accent1"/>
+          </a:effectRef>
+          <a:fontRef idx="minor">
+            <a:schemeClr val="tx1"/>
+          </a:fontRef>
+        </p:style>
+        <p:txBody>
+          <a:bodyPr rtlCol="0" anchor="ctr"/>
+          <a:lstStyle/>
+          <a:p>
+            <a:pPr algn="ctr"/>
+            <a:endParaRPr lang="en-US"/>
+          </a:p>
+        </p:txBody>
+      </p:sp>
+      <p:sp>
+        <p:nvSpPr>
+          <p:cNvPr id="12" name="TextBox 11">
+            <a:extLst>
+              <a:ext uri="{FF2B5EF4-FFF2-40B4-BE49-F238E27FC236}">
+                <a16:creationId xmlns:a16="http://schemas.microsoft.com/office/drawing/2014/main" id="{2AC953F3-BF96-F62D-FF11-4F88C6C44072}"/>
+              </a:ext>
+            </a:extLst>
+          </p:cNvPr>
+          <p:cNvSpPr txBox="1"/>
+          <p:nvPr/>
+        </p:nvSpPr>
+        <p:spPr>
+          <a:xfrm>
+            <a:off x="8026992" y="5545666"/>
+            <a:ext cx="2800382" cy="369332"/>
+          </a:xfrm>
+          <a:prstGeom prst="rect">
+            <a:avLst/>
+          </a:prstGeom>
+          <a:noFill/>
+        </p:spPr>
+        <p:txBody>
+          <a:bodyPr wrap="none" rtlCol="0">
+            <a:spAutoFit/>
+          </a:bodyPr>
+          <a:lstStyle/>
+          <a:p>
+            <a:r>
+              <a:rPr lang="en-US" dirty="0">
+                <a:latin typeface="+mj-lt"/>
+              </a:rPr>
+              <a:t>Marginal increase in penalty</a:t>
+            </a:r>
+          </a:p>
+        </p:txBody>
+      </p:sp>
+    </p:spTree>
+    <p:extLst>
+      <p:ext uri="{BB962C8B-B14F-4D97-AF65-F5344CB8AC3E}">
+        <p14:creationId xmlns:p14="http://schemas.microsoft.com/office/powerpoint/2010/main" val="859619169"/>
+      </p:ext>
+    </p:extLst>
+  </p:cSld>
+  <p:clrMapOvr>
+    <a:masterClrMapping/>
+  </p:clrMapOvr>
+</p:sld>
+</file>
+
+<file path=ppt/slides/slide11.xml><?xml version="1.0" encoding="utf-8"?>
+<p:sld xmlns:a="http://schemas.openxmlformats.org/drawingml/2006/main" xmlns:r="http://schemas.openxmlformats.org/officeDocument/2006/relationships" xmlns:p="http://schemas.openxmlformats.org/presentationml/2006/main">
+  <p:cSld>
     <p:bg>
       <p:bgPr>
         <a:solidFill>
@@ -15547,7 +20747,7 @@
             </p:spPr>
             <p:txBody>
               <a:bodyPr vert="horz" lIns="91440" tIns="45720" rIns="91440" bIns="45720" rtlCol="0" anchor="b">
-                <a:normAutofit/>
+                <a:normAutofit fontScale="90000"/>
               </a:bodyPr>
               <a:lstStyle/>
               <a:p>
@@ -15952,6 +21152,24 @@
                     </m:oMath>
                   </m:oMathPara>
                 </a14:m>
+                <a:br>
+                  <a:rPr lang="en-US" sz="3600" kern="1200" dirty="0">
+                    <a:solidFill>
+                      <a:schemeClr val="tx1"/>
+                    </a:solidFill>
+                  </a:rPr>
+                </a:br>
+                <a:br>
+                  <a:rPr lang="en-US" sz="3600" kern="1200" dirty="0">
+                    <a:solidFill>
+                      <a:schemeClr val="tx1"/>
+                    </a:solidFill>
+                  </a:rPr>
+                </a:br>
+                <a:r>
+                  <a:rPr lang="en-US" sz="3600" dirty="0"/>
+                  <a:t>Make sure you don’t penalize the intercept (e.g. center the outcome and covariates before passing to a package if the package penalizes the intercept)</a:t>
+                </a:r>
                 <a:endParaRPr lang="en-US" sz="3600" kern="1200" dirty="0">
                   <a:solidFill>
                     <a:schemeClr val="tx1"/>
@@ -15986,7 +21204,7 @@
               <a:blipFill>
                 <a:blip r:embed="rId2"/>
                 <a:stretch>
-                  <a:fillRect l="-1908"/>
+                  <a:fillRect l="-1590" b="-4748"/>
                 </a:stretch>
               </a:blipFill>
             </p:spPr>
@@ -16136,7 +21354,7 @@
 </p:sld>
 </file>
 
-<file path=ppt/slides/slide11.xml><?xml version="1.0" encoding="utf-8"?>
+<file path=ppt/slides/slide12.xml><?xml version="1.0" encoding="utf-8"?>
 <p:sld xmlns:a="http://schemas.openxmlformats.org/drawingml/2006/main" xmlns:r="http://schemas.openxmlformats.org/officeDocument/2006/relationships" xmlns:p="http://schemas.openxmlformats.org/presentationml/2006/main">
   <p:cSld>
     <p:bg>
@@ -16909,7 +22127,7 @@
 </p:sld>
 </file>
 
-<file path=ppt/slides/slide12.xml><?xml version="1.0" encoding="utf-8"?>
+<file path=ppt/slides/slide13.xml><?xml version="1.0" encoding="utf-8"?>
 <p:sld xmlns:a="http://schemas.openxmlformats.org/drawingml/2006/main" xmlns:r="http://schemas.openxmlformats.org/officeDocument/2006/relationships" xmlns:p="http://schemas.openxmlformats.org/presentationml/2006/main">
   <p:cSld>
     <p:bg>
@@ -17548,7 +22766,7 @@
 </p:sld>
 </file>
 
-<file path=ppt/slides/slide13.xml><?xml version="1.0" encoding="utf-8"?>
+<file path=ppt/slides/slide14.xml><?xml version="1.0" encoding="utf-8"?>
 <p:sld xmlns:a="http://schemas.openxmlformats.org/drawingml/2006/main" xmlns:r="http://schemas.openxmlformats.org/officeDocument/2006/relationships" xmlns:p="http://schemas.openxmlformats.org/presentationml/2006/main">
   <p:cSld>
     <p:bg>
@@ -17867,7 +23085,7 @@
 </p:sld>
 </file>
 
-<file path=ppt/slides/slide14.xml><?xml version="1.0" encoding="utf-8"?>
+<file path=ppt/slides/slide15.xml><?xml version="1.0" encoding="utf-8"?>
 <p:sld xmlns:a="http://schemas.openxmlformats.org/drawingml/2006/main" xmlns:r="http://schemas.openxmlformats.org/officeDocument/2006/relationships" xmlns:p="http://schemas.openxmlformats.org/presentationml/2006/main">
   <p:cSld>
     <p:bg>
@@ -19164,7 +24382,7 @@
 </p:sld>
 </file>
 
-<file path=ppt/slides/slide15.xml><?xml version="1.0" encoding="utf-8"?>
+<file path=ppt/slides/slide16.xml><?xml version="1.0" encoding="utf-8"?>
 <p:sld xmlns:a="http://schemas.openxmlformats.org/drawingml/2006/main" xmlns:r="http://schemas.openxmlformats.org/officeDocument/2006/relationships" xmlns:p="http://schemas.openxmlformats.org/presentationml/2006/main">
   <p:cSld>
     <p:spTree>
@@ -19247,7 +24465,7 @@
 </p:sld>
 </file>
 
-<file path=ppt/slides/slide16.xml><?xml version="1.0" encoding="utf-8"?>
+<file path=ppt/slides/slide17.xml><?xml version="1.0" encoding="utf-8"?>
 <p:sld xmlns:a="http://schemas.openxmlformats.org/drawingml/2006/main" xmlns:r="http://schemas.openxmlformats.org/officeDocument/2006/relationships" xmlns:p="http://schemas.openxmlformats.org/presentationml/2006/main">
   <p:cSld>
     <p:spTree>
@@ -19611,7 +24829,7 @@
 </p:sld>
 </file>
 
-<file path=ppt/slides/slide17.xml><?xml version="1.0" encoding="utf-8"?>
+<file path=ppt/slides/slide18.xml><?xml version="1.0" encoding="utf-8"?>
 <p:sld xmlns:a="http://schemas.openxmlformats.org/drawingml/2006/main" xmlns:r="http://schemas.openxmlformats.org/officeDocument/2006/relationships" xmlns:p="http://schemas.openxmlformats.org/presentationml/2006/main">
   <p:cSld>
     <p:spTree>
@@ -19702,7 +24920,7 @@
 </p:sld>
 </file>
 
-<file path=ppt/slides/slide18.xml><?xml version="1.0" encoding="utf-8"?>
+<file path=ppt/slides/slide19.xml><?xml version="1.0" encoding="utf-8"?>
 <p:sld xmlns:a="http://schemas.openxmlformats.org/drawingml/2006/main" xmlns:r="http://schemas.openxmlformats.org/officeDocument/2006/relationships" xmlns:p="http://schemas.openxmlformats.org/presentationml/2006/main">
   <p:cSld>
     <p:spTree>
@@ -20577,7 +25795,425 @@
 </p:sld>
 </file>
 
-<file path=ppt/slides/slide19.xml><?xml version="1.0" encoding="utf-8"?>
+<file path=ppt/slides/slide2.xml><?xml version="1.0" encoding="utf-8"?>
+<p:sld xmlns:a="http://schemas.openxmlformats.org/drawingml/2006/main" xmlns:r="http://schemas.openxmlformats.org/officeDocument/2006/relationships" xmlns:p="http://schemas.openxmlformats.org/presentationml/2006/main">
+  <p:cSld>
+    <p:spTree>
+      <p:nvGrpSpPr>
+        <p:cNvPr id="1" name=""/>
+        <p:cNvGrpSpPr/>
+        <p:nvPr/>
+      </p:nvGrpSpPr>
+      <p:grpSpPr>
+        <a:xfrm>
+          <a:off x="0" y="0"/>
+          <a:ext cx="0" cy="0"/>
+          <a:chOff x="0" y="0"/>
+          <a:chExt cx="0" cy="0"/>
+        </a:xfrm>
+      </p:grpSpPr>
+      <p:graphicFrame>
+        <p:nvGraphicFramePr>
+          <p:cNvPr id="2" name="Diagram 1">
+            <a:extLst>
+              <a:ext uri="{FF2B5EF4-FFF2-40B4-BE49-F238E27FC236}">
+                <a16:creationId xmlns:a16="http://schemas.microsoft.com/office/drawing/2014/main" id="{A4510B6E-6D01-53DC-6ABA-8232ED466152}"/>
+              </a:ext>
+            </a:extLst>
+          </p:cNvPr>
+          <p:cNvGraphicFramePr/>
+          <p:nvPr/>
+        </p:nvGraphicFramePr>
+        <p:xfrm>
+          <a:off x="2032000" y="719666"/>
+          <a:ext cx="8128000" cy="5418667"/>
+        </p:xfrm>
+        <a:graphic>
+          <a:graphicData uri="http://schemas.openxmlformats.org/drawingml/2006/diagram">
+            <dgm:relIds xmlns:dgm="http://schemas.openxmlformats.org/drawingml/2006/diagram" xmlns:r="http://schemas.openxmlformats.org/officeDocument/2006/relationships" r:dm="rId2" r:lo="rId3" r:qs="rId4" r:cs="rId5"/>
+          </a:graphicData>
+        </a:graphic>
+      </p:graphicFrame>
+      <p:sp>
+        <p:nvSpPr>
+          <p:cNvPr id="3" name="Rectangle: Rounded Corners 2">
+            <a:extLst>
+              <a:ext uri="{FF2B5EF4-FFF2-40B4-BE49-F238E27FC236}">
+                <a16:creationId xmlns:a16="http://schemas.microsoft.com/office/drawing/2014/main" id="{DBCEB70C-AAEE-3028-D611-021779E731E1}"/>
+              </a:ext>
+            </a:extLst>
+          </p:cNvPr>
+          <p:cNvSpPr/>
+          <p:nvPr/>
+        </p:nvSpPr>
+        <p:spPr>
+          <a:xfrm>
+            <a:off x="4106333" y="1236130"/>
+            <a:ext cx="6244167" cy="1214969"/>
+          </a:xfrm>
+          <a:prstGeom prst="roundRect">
+            <a:avLst/>
+          </a:prstGeom>
+          <a:noFill/>
+          <a:ln>
+            <a:solidFill>
+              <a:srgbClr val="C00000"/>
+            </a:solidFill>
+          </a:ln>
+        </p:spPr>
+        <p:style>
+          <a:lnRef idx="2">
+            <a:schemeClr val="accent1">
+              <a:shade val="50000"/>
+            </a:schemeClr>
+          </a:lnRef>
+          <a:fillRef idx="1">
+            <a:schemeClr val="accent1"/>
+          </a:fillRef>
+          <a:effectRef idx="0">
+            <a:schemeClr val="accent1"/>
+          </a:effectRef>
+          <a:fontRef idx="minor">
+            <a:schemeClr val="lt1"/>
+          </a:fontRef>
+        </p:style>
+        <p:txBody>
+          <a:bodyPr rtlCol="0" anchor="ctr"/>
+          <a:lstStyle/>
+          <a:p>
+            <a:pPr algn="ctr"/>
+            <a:endParaRPr lang="en-US"/>
+          </a:p>
+        </p:txBody>
+      </p:sp>
+      <p:sp>
+        <p:nvSpPr>
+          <p:cNvPr id="4" name="TextBox 3">
+            <a:extLst>
+              <a:ext uri="{FF2B5EF4-FFF2-40B4-BE49-F238E27FC236}">
+                <a16:creationId xmlns:a16="http://schemas.microsoft.com/office/drawing/2014/main" id="{0872FBD6-AE6A-9133-4F69-84D8C54CD121}"/>
+              </a:ext>
+            </a:extLst>
+          </p:cNvPr>
+          <p:cNvSpPr txBox="1"/>
+          <p:nvPr/>
+        </p:nvSpPr>
+        <p:spPr>
+          <a:xfrm>
+            <a:off x="4969933" y="923977"/>
+            <a:ext cx="4726550" cy="408623"/>
+          </a:xfrm>
+          <a:prstGeom prst="roundRect">
+            <a:avLst/>
+          </a:prstGeom>
+          <a:solidFill>
+            <a:schemeClr val="bg1"/>
+          </a:solidFill>
+        </p:spPr>
+        <p:txBody>
+          <a:bodyPr wrap="none" rtlCol="0">
+            <a:spAutoFit/>
+          </a:bodyPr>
+          <a:lstStyle/>
+          <a:p>
+            <a:r>
+              <a:rPr lang="en-US" dirty="0">
+                <a:latin typeface="+mj-lt"/>
+              </a:rPr>
+              <a:t>Linear Predictive Models and Statistical Inference</a:t>
+            </a:r>
+          </a:p>
+        </p:txBody>
+      </p:sp>
+      <p:sp>
+        <p:nvSpPr>
+          <p:cNvPr id="5" name="Rectangle: Rounded Corners 4">
+            <a:extLst>
+              <a:ext uri="{FF2B5EF4-FFF2-40B4-BE49-F238E27FC236}">
+                <a16:creationId xmlns:a16="http://schemas.microsoft.com/office/drawing/2014/main" id="{943A5474-8A26-3674-2F68-6CB0817ECA97}"/>
+              </a:ext>
+            </a:extLst>
+          </p:cNvPr>
+          <p:cNvSpPr/>
+          <p:nvPr/>
+        </p:nvSpPr>
+        <p:spPr>
+          <a:xfrm>
+            <a:off x="4106332" y="2832100"/>
+            <a:ext cx="6244167" cy="1214968"/>
+          </a:xfrm>
+          <a:prstGeom prst="roundRect">
+            <a:avLst/>
+          </a:prstGeom>
+          <a:noFill/>
+          <a:ln>
+            <a:solidFill>
+              <a:srgbClr val="C00000"/>
+            </a:solidFill>
+          </a:ln>
+        </p:spPr>
+        <p:style>
+          <a:lnRef idx="2">
+            <a:schemeClr val="accent1">
+              <a:shade val="50000"/>
+            </a:schemeClr>
+          </a:lnRef>
+          <a:fillRef idx="1">
+            <a:schemeClr val="accent1"/>
+          </a:fillRef>
+          <a:effectRef idx="0">
+            <a:schemeClr val="accent1"/>
+          </a:effectRef>
+          <a:fontRef idx="minor">
+            <a:schemeClr val="lt1"/>
+          </a:fontRef>
+        </p:style>
+        <p:txBody>
+          <a:bodyPr rtlCol="0" anchor="ctr"/>
+          <a:lstStyle/>
+          <a:p>
+            <a:pPr algn="ctr"/>
+            <a:endParaRPr lang="en-US"/>
+          </a:p>
+        </p:txBody>
+      </p:sp>
+      <p:sp>
+        <p:nvSpPr>
+          <p:cNvPr id="8" name="TextBox 7">
+            <a:extLst>
+              <a:ext uri="{FF2B5EF4-FFF2-40B4-BE49-F238E27FC236}">
+                <a16:creationId xmlns:a16="http://schemas.microsoft.com/office/drawing/2014/main" id="{E5616602-CB05-3404-90FD-3B74FCE46A4E}"/>
+              </a:ext>
+            </a:extLst>
+          </p:cNvPr>
+          <p:cNvSpPr txBox="1"/>
+          <p:nvPr/>
+        </p:nvSpPr>
+        <p:spPr>
+          <a:xfrm>
+            <a:off x="5008332" y="2558940"/>
+            <a:ext cx="4109523" cy="408623"/>
+          </a:xfrm>
+          <a:prstGeom prst="roundRect">
+            <a:avLst/>
+          </a:prstGeom>
+          <a:solidFill>
+            <a:schemeClr val="bg1"/>
+          </a:solidFill>
+        </p:spPr>
+        <p:txBody>
+          <a:bodyPr wrap="none" rtlCol="0">
+            <a:spAutoFit/>
+          </a:bodyPr>
+          <a:lstStyle/>
+          <a:p>
+            <a:r>
+              <a:rPr lang="en-US" dirty="0">
+                <a:latin typeface="+mj-lt"/>
+              </a:rPr>
+              <a:t>Causal Identification in Observational Data</a:t>
+            </a:r>
+          </a:p>
+        </p:txBody>
+      </p:sp>
+      <p:sp>
+        <p:nvSpPr>
+          <p:cNvPr id="9" name="Rectangle: Rounded Corners 8">
+            <a:extLst>
+              <a:ext uri="{FF2B5EF4-FFF2-40B4-BE49-F238E27FC236}">
+                <a16:creationId xmlns:a16="http://schemas.microsoft.com/office/drawing/2014/main" id="{3A85F8D1-C801-04ED-CE9D-B551CE31EE96}"/>
+              </a:ext>
+            </a:extLst>
+          </p:cNvPr>
+          <p:cNvSpPr/>
+          <p:nvPr/>
+        </p:nvSpPr>
+        <p:spPr>
+          <a:xfrm>
+            <a:off x="1924346" y="2832099"/>
+            <a:ext cx="1788285" cy="2777067"/>
+          </a:xfrm>
+          <a:prstGeom prst="roundRect">
+            <a:avLst/>
+          </a:prstGeom>
+          <a:noFill/>
+          <a:ln>
+            <a:solidFill>
+              <a:srgbClr val="C00000"/>
+            </a:solidFill>
+          </a:ln>
+        </p:spPr>
+        <p:style>
+          <a:lnRef idx="2">
+            <a:schemeClr val="accent1">
+              <a:shade val="50000"/>
+            </a:schemeClr>
+          </a:lnRef>
+          <a:fillRef idx="1">
+            <a:schemeClr val="accent1"/>
+          </a:fillRef>
+          <a:effectRef idx="0">
+            <a:schemeClr val="accent1"/>
+          </a:effectRef>
+          <a:fontRef idx="minor">
+            <a:schemeClr val="lt1"/>
+          </a:fontRef>
+        </p:style>
+        <p:txBody>
+          <a:bodyPr rtlCol="0" anchor="ctr"/>
+          <a:lstStyle/>
+          <a:p>
+            <a:pPr algn="ctr"/>
+            <a:endParaRPr lang="en-US"/>
+          </a:p>
+        </p:txBody>
+      </p:sp>
+      <p:sp>
+        <p:nvSpPr>
+          <p:cNvPr id="10" name="TextBox 9">
+            <a:extLst>
+              <a:ext uri="{FF2B5EF4-FFF2-40B4-BE49-F238E27FC236}">
+                <a16:creationId xmlns:a16="http://schemas.microsoft.com/office/drawing/2014/main" id="{EAA65510-B30B-B667-097E-AD9B5A3797E9}"/>
+              </a:ext>
+            </a:extLst>
+          </p:cNvPr>
+          <p:cNvSpPr txBox="1"/>
+          <p:nvPr/>
+        </p:nvSpPr>
+        <p:spPr>
+          <a:xfrm>
+            <a:off x="42333" y="3515120"/>
+            <a:ext cx="1989667" cy="1328023"/>
+          </a:xfrm>
+          <a:prstGeom prst="roundRect">
+            <a:avLst/>
+          </a:prstGeom>
+          <a:solidFill>
+            <a:schemeClr val="bg1"/>
+          </a:solidFill>
+        </p:spPr>
+        <p:txBody>
+          <a:bodyPr wrap="square" rtlCol="0">
+            <a:spAutoFit/>
+          </a:bodyPr>
+          <a:lstStyle/>
+          <a:p>
+            <a:pPr algn="r"/>
+            <a:r>
+              <a:rPr lang="en-US" dirty="0">
+                <a:latin typeface="+mj-lt"/>
+              </a:rPr>
+              <a:t>Non-Linear Predictive Models and Statistical Inference</a:t>
+            </a:r>
+          </a:p>
+        </p:txBody>
+      </p:sp>
+      <p:sp>
+        <p:nvSpPr>
+          <p:cNvPr id="11" name="Rectangle: Rounded Corners 10">
+            <a:extLst>
+              <a:ext uri="{FF2B5EF4-FFF2-40B4-BE49-F238E27FC236}">
+                <a16:creationId xmlns:a16="http://schemas.microsoft.com/office/drawing/2014/main" id="{162BA2E2-020E-3773-B6EE-2826901489CE}"/>
+              </a:ext>
+            </a:extLst>
+          </p:cNvPr>
+          <p:cNvSpPr/>
+          <p:nvPr/>
+        </p:nvSpPr>
+        <p:spPr>
+          <a:xfrm>
+            <a:off x="4106332" y="4394198"/>
+            <a:ext cx="6244167" cy="1214968"/>
+          </a:xfrm>
+          <a:prstGeom prst="roundRect">
+            <a:avLst/>
+          </a:prstGeom>
+          <a:noFill/>
+          <a:ln>
+            <a:solidFill>
+              <a:srgbClr val="C00000"/>
+            </a:solidFill>
+          </a:ln>
+        </p:spPr>
+        <p:style>
+          <a:lnRef idx="2">
+            <a:schemeClr val="accent1">
+              <a:shade val="50000"/>
+            </a:schemeClr>
+          </a:lnRef>
+          <a:fillRef idx="1">
+            <a:schemeClr val="accent1"/>
+          </a:fillRef>
+          <a:effectRef idx="0">
+            <a:schemeClr val="accent1"/>
+          </a:effectRef>
+          <a:fontRef idx="minor">
+            <a:schemeClr val="lt1"/>
+          </a:fontRef>
+        </p:style>
+        <p:txBody>
+          <a:bodyPr rtlCol="0" anchor="ctr"/>
+          <a:lstStyle/>
+          <a:p>
+            <a:pPr algn="ctr"/>
+            <a:endParaRPr lang="en-US"/>
+          </a:p>
+        </p:txBody>
+      </p:sp>
+      <p:sp>
+        <p:nvSpPr>
+          <p:cNvPr id="12" name="TextBox 11">
+            <a:extLst>
+              <a:ext uri="{FF2B5EF4-FFF2-40B4-BE49-F238E27FC236}">
+                <a16:creationId xmlns:a16="http://schemas.microsoft.com/office/drawing/2014/main" id="{37F861B1-18ED-9DEC-88D6-1F7209F94171}"/>
+              </a:ext>
+            </a:extLst>
+          </p:cNvPr>
+          <p:cNvSpPr txBox="1"/>
+          <p:nvPr/>
+        </p:nvSpPr>
+        <p:spPr>
+          <a:xfrm>
+            <a:off x="5932793" y="5579319"/>
+            <a:ext cx="2260599" cy="408623"/>
+          </a:xfrm>
+          <a:prstGeom prst="roundRect">
+            <a:avLst/>
+          </a:prstGeom>
+          <a:solidFill>
+            <a:schemeClr val="bg1"/>
+          </a:solidFill>
+        </p:spPr>
+        <p:txBody>
+          <a:bodyPr wrap="square" rtlCol="0">
+            <a:spAutoFit/>
+          </a:bodyPr>
+          <a:lstStyle/>
+          <a:p>
+            <a:pPr algn="ctr"/>
+            <a:r>
+              <a:rPr lang="en-US" dirty="0">
+                <a:latin typeface="+mj-lt"/>
+              </a:rPr>
+              <a:t>Topics</a:t>
+            </a:r>
+          </a:p>
+        </p:txBody>
+      </p:sp>
+    </p:spTree>
+    <p:extLst>
+      <p:ext uri="{BB962C8B-B14F-4D97-AF65-F5344CB8AC3E}">
+        <p14:creationId xmlns:p14="http://schemas.microsoft.com/office/powerpoint/2010/main" val="1139361960"/>
+      </p:ext>
+    </p:extLst>
+  </p:cSld>
+  <p:clrMapOvr>
+    <a:masterClrMapping/>
+  </p:clrMapOvr>
+</p:sld>
+</file>
+
+<file path=ppt/slides/slide20.xml><?xml version="1.0" encoding="utf-8"?>
 <p:sld xmlns:a="http://schemas.openxmlformats.org/drawingml/2006/main" xmlns:r="http://schemas.openxmlformats.org/officeDocument/2006/relationships" xmlns:p="http://schemas.openxmlformats.org/presentationml/2006/main">
   <p:cSld>
     <p:spTree>
@@ -21167,425 +26803,7 @@
 </p:sld>
 </file>
 
-<file path=ppt/slides/slide2.xml><?xml version="1.0" encoding="utf-8"?>
-<p:sld xmlns:a="http://schemas.openxmlformats.org/drawingml/2006/main" xmlns:r="http://schemas.openxmlformats.org/officeDocument/2006/relationships" xmlns:p="http://schemas.openxmlformats.org/presentationml/2006/main">
-  <p:cSld>
-    <p:spTree>
-      <p:nvGrpSpPr>
-        <p:cNvPr id="1" name=""/>
-        <p:cNvGrpSpPr/>
-        <p:nvPr/>
-      </p:nvGrpSpPr>
-      <p:grpSpPr>
-        <a:xfrm>
-          <a:off x="0" y="0"/>
-          <a:ext cx="0" cy="0"/>
-          <a:chOff x="0" y="0"/>
-          <a:chExt cx="0" cy="0"/>
-        </a:xfrm>
-      </p:grpSpPr>
-      <p:graphicFrame>
-        <p:nvGraphicFramePr>
-          <p:cNvPr id="2" name="Diagram 1">
-            <a:extLst>
-              <a:ext uri="{FF2B5EF4-FFF2-40B4-BE49-F238E27FC236}">
-                <a16:creationId xmlns:a16="http://schemas.microsoft.com/office/drawing/2014/main" id="{A4510B6E-6D01-53DC-6ABA-8232ED466152}"/>
-              </a:ext>
-            </a:extLst>
-          </p:cNvPr>
-          <p:cNvGraphicFramePr/>
-          <p:nvPr/>
-        </p:nvGraphicFramePr>
-        <p:xfrm>
-          <a:off x="2032000" y="719666"/>
-          <a:ext cx="8128000" cy="5418667"/>
-        </p:xfrm>
-        <a:graphic>
-          <a:graphicData uri="http://schemas.openxmlformats.org/drawingml/2006/diagram">
-            <dgm:relIds xmlns:dgm="http://schemas.openxmlformats.org/drawingml/2006/diagram" xmlns:r="http://schemas.openxmlformats.org/officeDocument/2006/relationships" r:dm="rId2" r:lo="rId3" r:qs="rId4" r:cs="rId5"/>
-          </a:graphicData>
-        </a:graphic>
-      </p:graphicFrame>
-      <p:sp>
-        <p:nvSpPr>
-          <p:cNvPr id="3" name="Rectangle: Rounded Corners 2">
-            <a:extLst>
-              <a:ext uri="{FF2B5EF4-FFF2-40B4-BE49-F238E27FC236}">
-                <a16:creationId xmlns:a16="http://schemas.microsoft.com/office/drawing/2014/main" id="{DBCEB70C-AAEE-3028-D611-021779E731E1}"/>
-              </a:ext>
-            </a:extLst>
-          </p:cNvPr>
-          <p:cNvSpPr/>
-          <p:nvPr/>
-        </p:nvSpPr>
-        <p:spPr>
-          <a:xfrm>
-            <a:off x="4106333" y="1236130"/>
-            <a:ext cx="6244167" cy="1214969"/>
-          </a:xfrm>
-          <a:prstGeom prst="roundRect">
-            <a:avLst/>
-          </a:prstGeom>
-          <a:noFill/>
-          <a:ln>
-            <a:solidFill>
-              <a:srgbClr val="C00000"/>
-            </a:solidFill>
-          </a:ln>
-        </p:spPr>
-        <p:style>
-          <a:lnRef idx="2">
-            <a:schemeClr val="accent1">
-              <a:shade val="50000"/>
-            </a:schemeClr>
-          </a:lnRef>
-          <a:fillRef idx="1">
-            <a:schemeClr val="accent1"/>
-          </a:fillRef>
-          <a:effectRef idx="0">
-            <a:schemeClr val="accent1"/>
-          </a:effectRef>
-          <a:fontRef idx="minor">
-            <a:schemeClr val="lt1"/>
-          </a:fontRef>
-        </p:style>
-        <p:txBody>
-          <a:bodyPr rtlCol="0" anchor="ctr"/>
-          <a:lstStyle/>
-          <a:p>
-            <a:pPr algn="ctr"/>
-            <a:endParaRPr lang="en-US"/>
-          </a:p>
-        </p:txBody>
-      </p:sp>
-      <p:sp>
-        <p:nvSpPr>
-          <p:cNvPr id="4" name="TextBox 3">
-            <a:extLst>
-              <a:ext uri="{FF2B5EF4-FFF2-40B4-BE49-F238E27FC236}">
-                <a16:creationId xmlns:a16="http://schemas.microsoft.com/office/drawing/2014/main" id="{0872FBD6-AE6A-9133-4F69-84D8C54CD121}"/>
-              </a:ext>
-            </a:extLst>
-          </p:cNvPr>
-          <p:cNvSpPr txBox="1"/>
-          <p:nvPr/>
-        </p:nvSpPr>
-        <p:spPr>
-          <a:xfrm>
-            <a:off x="4969933" y="923977"/>
-            <a:ext cx="4726550" cy="408623"/>
-          </a:xfrm>
-          <a:prstGeom prst="roundRect">
-            <a:avLst/>
-          </a:prstGeom>
-          <a:solidFill>
-            <a:schemeClr val="bg1"/>
-          </a:solidFill>
-        </p:spPr>
-        <p:txBody>
-          <a:bodyPr wrap="none" rtlCol="0">
-            <a:spAutoFit/>
-          </a:bodyPr>
-          <a:lstStyle/>
-          <a:p>
-            <a:r>
-              <a:rPr lang="en-US" dirty="0">
-                <a:latin typeface="+mj-lt"/>
-              </a:rPr>
-              <a:t>Linear Predictive Models and Statistical Inference</a:t>
-            </a:r>
-          </a:p>
-        </p:txBody>
-      </p:sp>
-      <p:sp>
-        <p:nvSpPr>
-          <p:cNvPr id="5" name="Rectangle: Rounded Corners 4">
-            <a:extLst>
-              <a:ext uri="{FF2B5EF4-FFF2-40B4-BE49-F238E27FC236}">
-                <a16:creationId xmlns:a16="http://schemas.microsoft.com/office/drawing/2014/main" id="{943A5474-8A26-3674-2F68-6CB0817ECA97}"/>
-              </a:ext>
-            </a:extLst>
-          </p:cNvPr>
-          <p:cNvSpPr/>
-          <p:nvPr/>
-        </p:nvSpPr>
-        <p:spPr>
-          <a:xfrm>
-            <a:off x="4106332" y="2832100"/>
-            <a:ext cx="6244167" cy="1214968"/>
-          </a:xfrm>
-          <a:prstGeom prst="roundRect">
-            <a:avLst/>
-          </a:prstGeom>
-          <a:noFill/>
-          <a:ln>
-            <a:solidFill>
-              <a:srgbClr val="C00000"/>
-            </a:solidFill>
-          </a:ln>
-        </p:spPr>
-        <p:style>
-          <a:lnRef idx="2">
-            <a:schemeClr val="accent1">
-              <a:shade val="50000"/>
-            </a:schemeClr>
-          </a:lnRef>
-          <a:fillRef idx="1">
-            <a:schemeClr val="accent1"/>
-          </a:fillRef>
-          <a:effectRef idx="0">
-            <a:schemeClr val="accent1"/>
-          </a:effectRef>
-          <a:fontRef idx="minor">
-            <a:schemeClr val="lt1"/>
-          </a:fontRef>
-        </p:style>
-        <p:txBody>
-          <a:bodyPr rtlCol="0" anchor="ctr"/>
-          <a:lstStyle/>
-          <a:p>
-            <a:pPr algn="ctr"/>
-            <a:endParaRPr lang="en-US"/>
-          </a:p>
-        </p:txBody>
-      </p:sp>
-      <p:sp>
-        <p:nvSpPr>
-          <p:cNvPr id="8" name="TextBox 7">
-            <a:extLst>
-              <a:ext uri="{FF2B5EF4-FFF2-40B4-BE49-F238E27FC236}">
-                <a16:creationId xmlns:a16="http://schemas.microsoft.com/office/drawing/2014/main" id="{E5616602-CB05-3404-90FD-3B74FCE46A4E}"/>
-              </a:ext>
-            </a:extLst>
-          </p:cNvPr>
-          <p:cNvSpPr txBox="1"/>
-          <p:nvPr/>
-        </p:nvSpPr>
-        <p:spPr>
-          <a:xfrm>
-            <a:off x="5008332" y="2558940"/>
-            <a:ext cx="4109523" cy="408623"/>
-          </a:xfrm>
-          <a:prstGeom prst="roundRect">
-            <a:avLst/>
-          </a:prstGeom>
-          <a:solidFill>
-            <a:schemeClr val="bg1"/>
-          </a:solidFill>
-        </p:spPr>
-        <p:txBody>
-          <a:bodyPr wrap="none" rtlCol="0">
-            <a:spAutoFit/>
-          </a:bodyPr>
-          <a:lstStyle/>
-          <a:p>
-            <a:r>
-              <a:rPr lang="en-US" dirty="0">
-                <a:latin typeface="+mj-lt"/>
-              </a:rPr>
-              <a:t>Causal Identification in Observational Data</a:t>
-            </a:r>
-          </a:p>
-        </p:txBody>
-      </p:sp>
-      <p:sp>
-        <p:nvSpPr>
-          <p:cNvPr id="9" name="Rectangle: Rounded Corners 8">
-            <a:extLst>
-              <a:ext uri="{FF2B5EF4-FFF2-40B4-BE49-F238E27FC236}">
-                <a16:creationId xmlns:a16="http://schemas.microsoft.com/office/drawing/2014/main" id="{3A85F8D1-C801-04ED-CE9D-B551CE31EE96}"/>
-              </a:ext>
-            </a:extLst>
-          </p:cNvPr>
-          <p:cNvSpPr/>
-          <p:nvPr/>
-        </p:nvSpPr>
-        <p:spPr>
-          <a:xfrm>
-            <a:off x="1924346" y="2832099"/>
-            <a:ext cx="1788285" cy="2777067"/>
-          </a:xfrm>
-          <a:prstGeom prst="roundRect">
-            <a:avLst/>
-          </a:prstGeom>
-          <a:noFill/>
-          <a:ln>
-            <a:solidFill>
-              <a:srgbClr val="C00000"/>
-            </a:solidFill>
-          </a:ln>
-        </p:spPr>
-        <p:style>
-          <a:lnRef idx="2">
-            <a:schemeClr val="accent1">
-              <a:shade val="50000"/>
-            </a:schemeClr>
-          </a:lnRef>
-          <a:fillRef idx="1">
-            <a:schemeClr val="accent1"/>
-          </a:fillRef>
-          <a:effectRef idx="0">
-            <a:schemeClr val="accent1"/>
-          </a:effectRef>
-          <a:fontRef idx="minor">
-            <a:schemeClr val="lt1"/>
-          </a:fontRef>
-        </p:style>
-        <p:txBody>
-          <a:bodyPr rtlCol="0" anchor="ctr"/>
-          <a:lstStyle/>
-          <a:p>
-            <a:pPr algn="ctr"/>
-            <a:endParaRPr lang="en-US"/>
-          </a:p>
-        </p:txBody>
-      </p:sp>
-      <p:sp>
-        <p:nvSpPr>
-          <p:cNvPr id="10" name="TextBox 9">
-            <a:extLst>
-              <a:ext uri="{FF2B5EF4-FFF2-40B4-BE49-F238E27FC236}">
-                <a16:creationId xmlns:a16="http://schemas.microsoft.com/office/drawing/2014/main" id="{EAA65510-B30B-B667-097E-AD9B5A3797E9}"/>
-              </a:ext>
-            </a:extLst>
-          </p:cNvPr>
-          <p:cNvSpPr txBox="1"/>
-          <p:nvPr/>
-        </p:nvSpPr>
-        <p:spPr>
-          <a:xfrm>
-            <a:off x="42333" y="3515120"/>
-            <a:ext cx="1989667" cy="1328023"/>
-          </a:xfrm>
-          <a:prstGeom prst="roundRect">
-            <a:avLst/>
-          </a:prstGeom>
-          <a:solidFill>
-            <a:schemeClr val="bg1"/>
-          </a:solidFill>
-        </p:spPr>
-        <p:txBody>
-          <a:bodyPr wrap="square" rtlCol="0">
-            <a:spAutoFit/>
-          </a:bodyPr>
-          <a:lstStyle/>
-          <a:p>
-            <a:pPr algn="r"/>
-            <a:r>
-              <a:rPr lang="en-US" dirty="0">
-                <a:latin typeface="+mj-lt"/>
-              </a:rPr>
-              <a:t>Non-Linear Predictive Models and Statistical Inference</a:t>
-            </a:r>
-          </a:p>
-        </p:txBody>
-      </p:sp>
-      <p:sp>
-        <p:nvSpPr>
-          <p:cNvPr id="11" name="Rectangle: Rounded Corners 10">
-            <a:extLst>
-              <a:ext uri="{FF2B5EF4-FFF2-40B4-BE49-F238E27FC236}">
-                <a16:creationId xmlns:a16="http://schemas.microsoft.com/office/drawing/2014/main" id="{162BA2E2-020E-3773-B6EE-2826901489CE}"/>
-              </a:ext>
-            </a:extLst>
-          </p:cNvPr>
-          <p:cNvSpPr/>
-          <p:nvPr/>
-        </p:nvSpPr>
-        <p:spPr>
-          <a:xfrm>
-            <a:off x="4106332" y="4394198"/>
-            <a:ext cx="6244167" cy="1214968"/>
-          </a:xfrm>
-          <a:prstGeom prst="roundRect">
-            <a:avLst/>
-          </a:prstGeom>
-          <a:noFill/>
-          <a:ln>
-            <a:solidFill>
-              <a:srgbClr val="C00000"/>
-            </a:solidFill>
-          </a:ln>
-        </p:spPr>
-        <p:style>
-          <a:lnRef idx="2">
-            <a:schemeClr val="accent1">
-              <a:shade val="50000"/>
-            </a:schemeClr>
-          </a:lnRef>
-          <a:fillRef idx="1">
-            <a:schemeClr val="accent1"/>
-          </a:fillRef>
-          <a:effectRef idx="0">
-            <a:schemeClr val="accent1"/>
-          </a:effectRef>
-          <a:fontRef idx="minor">
-            <a:schemeClr val="lt1"/>
-          </a:fontRef>
-        </p:style>
-        <p:txBody>
-          <a:bodyPr rtlCol="0" anchor="ctr"/>
-          <a:lstStyle/>
-          <a:p>
-            <a:pPr algn="ctr"/>
-            <a:endParaRPr lang="en-US"/>
-          </a:p>
-        </p:txBody>
-      </p:sp>
-      <p:sp>
-        <p:nvSpPr>
-          <p:cNvPr id="12" name="TextBox 11">
-            <a:extLst>
-              <a:ext uri="{FF2B5EF4-FFF2-40B4-BE49-F238E27FC236}">
-                <a16:creationId xmlns:a16="http://schemas.microsoft.com/office/drawing/2014/main" id="{37F861B1-18ED-9DEC-88D6-1F7209F94171}"/>
-              </a:ext>
-            </a:extLst>
-          </p:cNvPr>
-          <p:cNvSpPr txBox="1"/>
-          <p:nvPr/>
-        </p:nvSpPr>
-        <p:spPr>
-          <a:xfrm>
-            <a:off x="5932793" y="5579319"/>
-            <a:ext cx="2260599" cy="408623"/>
-          </a:xfrm>
-          <a:prstGeom prst="roundRect">
-            <a:avLst/>
-          </a:prstGeom>
-          <a:solidFill>
-            <a:schemeClr val="bg1"/>
-          </a:solidFill>
-        </p:spPr>
-        <p:txBody>
-          <a:bodyPr wrap="square" rtlCol="0">
-            <a:spAutoFit/>
-          </a:bodyPr>
-          <a:lstStyle/>
-          <a:p>
-            <a:pPr algn="ctr"/>
-            <a:r>
-              <a:rPr lang="en-US" dirty="0">
-                <a:latin typeface="+mj-lt"/>
-              </a:rPr>
-              <a:t>Topics</a:t>
-            </a:r>
-          </a:p>
-        </p:txBody>
-      </p:sp>
-    </p:spTree>
-    <p:extLst>
-      <p:ext uri="{BB962C8B-B14F-4D97-AF65-F5344CB8AC3E}">
-        <p14:creationId xmlns:p14="http://schemas.microsoft.com/office/powerpoint/2010/main" val="1139361960"/>
-      </p:ext>
-    </p:extLst>
-  </p:cSld>
-  <p:clrMapOvr>
-    <a:masterClrMapping/>
-  </p:clrMapOvr>
-</p:sld>
-</file>
-
-<file path=ppt/slides/slide20.xml><?xml version="1.0" encoding="utf-8"?>
+<file path=ppt/slides/slide21.xml><?xml version="1.0" encoding="utf-8"?>
 <p:sld xmlns:a="http://schemas.openxmlformats.org/drawingml/2006/main" xmlns:r="http://schemas.openxmlformats.org/officeDocument/2006/relationships" xmlns:p="http://schemas.openxmlformats.org/presentationml/2006/main">
   <p:cSld>
     <p:spTree>
@@ -22039,7 +27257,7 @@
 </p:sld>
 </file>
 
-<file path=ppt/slides/slide21.xml><?xml version="1.0" encoding="utf-8"?>
+<file path=ppt/slides/slide22.xml><?xml version="1.0" encoding="utf-8"?>
 <p:sld xmlns:a="http://schemas.openxmlformats.org/drawingml/2006/main" xmlns:r="http://schemas.openxmlformats.org/officeDocument/2006/relationships" xmlns:p="http://schemas.openxmlformats.org/presentationml/2006/main">
   <p:cSld>
     <p:spTree>
@@ -22371,7 +27589,7 @@
 </p:sld>
 </file>
 
-<file path=ppt/slides/slide22.xml><?xml version="1.0" encoding="utf-8"?>
+<file path=ppt/slides/slide23.xml><?xml version="1.0" encoding="utf-8"?>
 <p:sld xmlns:a="http://schemas.openxmlformats.org/drawingml/2006/main" xmlns:r="http://schemas.openxmlformats.org/officeDocument/2006/relationships" xmlns:p="http://schemas.openxmlformats.org/presentationml/2006/main">
   <p:cSld>
     <p:spTree>
@@ -22454,7 +27672,7 @@
 </p:sld>
 </file>
 
-<file path=ppt/slides/slide23.xml><?xml version="1.0" encoding="utf-8"?>
+<file path=ppt/slides/slide24.xml><?xml version="1.0" encoding="utf-8"?>
 <p:sld xmlns:a="http://schemas.openxmlformats.org/drawingml/2006/main" xmlns:r="http://schemas.openxmlformats.org/officeDocument/2006/relationships" xmlns:p="http://schemas.openxmlformats.org/presentationml/2006/main">
   <p:cSld>
     <p:spTree>
@@ -22850,7 +28068,7 @@
 </p:sld>
 </file>
 
-<file path=ppt/slides/slide24.xml><?xml version="1.0" encoding="utf-8"?>
+<file path=ppt/slides/slide25.xml><?xml version="1.0" encoding="utf-8"?>
 <p:sld xmlns:a="http://schemas.openxmlformats.org/drawingml/2006/main" xmlns:r="http://schemas.openxmlformats.org/officeDocument/2006/relationships" xmlns:p="http://schemas.openxmlformats.org/presentationml/2006/main">
   <p:cSld>
     <p:spTree>
@@ -22933,7 +28151,7 @@
 </p:sld>
 </file>
 
-<file path=ppt/slides/slide25.xml><?xml version="1.0" encoding="utf-8"?>
+<file path=ppt/slides/slide26.xml><?xml version="1.0" encoding="utf-8"?>
 <p:sld xmlns:a="http://schemas.openxmlformats.org/drawingml/2006/main" xmlns:r="http://schemas.openxmlformats.org/officeDocument/2006/relationships" xmlns:p="http://schemas.openxmlformats.org/presentationml/2006/main">
   <p:cSld>
     <p:spTree>
@@ -24000,7 +29218,7 @@
 </p:sld>
 </file>
 
-<file path=ppt/slides/slide26.xml><?xml version="1.0" encoding="utf-8"?>
+<file path=ppt/slides/slide27.xml><?xml version="1.0" encoding="utf-8"?>
 <p:sld xmlns:a="http://schemas.openxmlformats.org/drawingml/2006/main" xmlns:r="http://schemas.openxmlformats.org/officeDocument/2006/relationships" xmlns:p="http://schemas.openxmlformats.org/presentationml/2006/main">
   <p:cSld>
     <p:spTree>
@@ -24989,7 +30207,7 @@
 </p:sld>
 </file>
 
-<file path=ppt/slides/slide27.xml><?xml version="1.0" encoding="utf-8"?>
+<file path=ppt/slides/slide28.xml><?xml version="1.0" encoding="utf-8"?>
 <p:sld xmlns:a="http://schemas.openxmlformats.org/drawingml/2006/main" xmlns:r="http://schemas.openxmlformats.org/officeDocument/2006/relationships" xmlns:p="http://schemas.openxmlformats.org/presentationml/2006/main">
   <p:cSld>
     <p:bg>
@@ -25598,7 +30816,7 @@
 </p:sld>
 </file>
 
-<file path=ppt/slides/slide28.xml><?xml version="1.0" encoding="utf-8"?>
+<file path=ppt/slides/slide29.xml><?xml version="1.0" encoding="utf-8"?>
 <p:sld xmlns:a="http://schemas.openxmlformats.org/drawingml/2006/main" xmlns:r="http://schemas.openxmlformats.org/officeDocument/2006/relationships" xmlns:p="http://schemas.openxmlformats.org/presentationml/2006/main">
   <p:cSld>
     <p:spTree>
@@ -25691,300 +30909,6 @@
     <p:extLst>
       <p:ext uri="{BB962C8B-B14F-4D97-AF65-F5344CB8AC3E}">
         <p14:creationId xmlns:p14="http://schemas.microsoft.com/office/powerpoint/2010/main" val="1170737900"/>
-      </p:ext>
-    </p:extLst>
-  </p:cSld>
-  <p:clrMapOvr>
-    <a:masterClrMapping/>
-  </p:clrMapOvr>
-</p:sld>
-</file>
-
-<file path=ppt/slides/slide29.xml><?xml version="1.0" encoding="utf-8"?>
-<p:sld xmlns:a="http://schemas.openxmlformats.org/drawingml/2006/main" xmlns:r="http://schemas.openxmlformats.org/officeDocument/2006/relationships" xmlns:p="http://schemas.openxmlformats.org/presentationml/2006/main">
-  <p:cSld>
-    <p:spTree>
-      <p:nvGrpSpPr>
-        <p:cNvPr id="1" name=""/>
-        <p:cNvGrpSpPr/>
-        <p:nvPr/>
-      </p:nvGrpSpPr>
-      <p:grpSpPr>
-        <a:xfrm>
-          <a:off x="0" y="0"/>
-          <a:ext cx="0" cy="0"/>
-          <a:chOff x="0" y="0"/>
-          <a:chExt cx="0" cy="0"/>
-        </a:xfrm>
-      </p:grpSpPr>
-      <p:sp>
-        <p:nvSpPr>
-          <p:cNvPr id="2" name="Title 1">
-            <a:extLst>
-              <a:ext uri="{FF2B5EF4-FFF2-40B4-BE49-F238E27FC236}">
-                <a16:creationId xmlns:a16="http://schemas.microsoft.com/office/drawing/2014/main" id="{EEE1BE18-3D84-FC77-17D9-2158804AA3F2}"/>
-              </a:ext>
-            </a:extLst>
-          </p:cNvPr>
-          <p:cNvSpPr>
-            <a:spLocks noGrp="1"/>
-          </p:cNvSpPr>
-          <p:nvPr>
-            <p:ph type="title"/>
-          </p:nvPr>
-        </p:nvSpPr>
-        <p:spPr/>
-        <p:txBody>
-          <a:bodyPr/>
-          <a:lstStyle/>
-          <a:p>
-            <a:r>
-              <a:rPr lang="en-US" dirty="0"/>
-              <a:t>Target and Nuisance Parameters</a:t>
-            </a:r>
-          </a:p>
-        </p:txBody>
-      </p:sp>
-      <mc:AlternateContent xmlns:mc="http://schemas.openxmlformats.org/markup-compatibility/2006" xmlns:a14="http://schemas.microsoft.com/office/drawing/2010/main">
-        <mc:Choice Requires="a14">
-          <p:sp>
-            <p:nvSpPr>
-              <p:cNvPr id="3" name="Content Placeholder 2">
-                <a:extLst>
-                  <a:ext uri="{FF2B5EF4-FFF2-40B4-BE49-F238E27FC236}">
-                    <a16:creationId xmlns:a16="http://schemas.microsoft.com/office/drawing/2014/main" id="{B90FD52E-FCC1-4E27-EB5E-0549D358FAEE}"/>
-                  </a:ext>
-                </a:extLst>
-              </p:cNvPr>
-              <p:cNvSpPr>
-                <a:spLocks noGrp="1"/>
-              </p:cNvSpPr>
-              <p:nvPr>
-                <p:ph idx="1"/>
-              </p:nvPr>
-            </p:nvSpPr>
-            <p:spPr/>
-            <p:txBody>
-              <a:bodyPr/>
-              <a:lstStyle/>
-              <a:p>
-                <a:r>
-                  <a:rPr lang="en-US" dirty="0"/>
-                  <a:t>In the double lasso we have a </a:t>
-                </a:r>
-                <a:r>
-                  <a:rPr lang="en-US" dirty="0">
-                    <a:solidFill>
-                      <a:srgbClr val="0070C0"/>
-                    </a:solidFill>
-                  </a:rPr>
-                  <a:t>target parameter</a:t>
-                </a:r>
-                <a:r>
-                  <a:rPr lang="en-US" dirty="0"/>
-                  <a:t> of interest </a:t>
-                </a:r>
-                <a14:m>
-                  <m:oMath xmlns:m="http://schemas.openxmlformats.org/officeDocument/2006/math">
-                    <m:r>
-                      <a:rPr lang="en-US" b="0" i="1" smtClean="0">
-                        <a:latin typeface="Cambria Math" panose="02040503050406030204" pitchFamily="18" charset="0"/>
-                      </a:rPr>
-                      <m:t>𝛼</m:t>
-                    </m:r>
-                  </m:oMath>
-                </a14:m>
-                <a:endParaRPr lang="en-US" dirty="0"/>
-              </a:p>
-              <a:p>
-                <a:endParaRPr lang="en-US" dirty="0"/>
-              </a:p>
-              <a:p>
-                <a:r>
-                  <a:rPr lang="en-US" dirty="0"/>
-                  <a:t>But we also have other parameters that we estimate </a:t>
-                </a:r>
-                <a14:m>
-                  <m:oMath xmlns:m="http://schemas.openxmlformats.org/officeDocument/2006/math">
-                    <m:sSup>
-                      <m:sSupPr>
-                        <m:ctrlPr>
-                          <a:rPr lang="en-US" b="0" i="1" smtClean="0">
-                            <a:latin typeface="Cambria Math" panose="02040503050406030204" pitchFamily="18" charset="0"/>
-                          </a:rPr>
-                        </m:ctrlPr>
-                      </m:sSupPr>
-                      <m:e>
-                        <m:r>
-                          <a:rPr lang="en-US" b="0" i="1" smtClean="0">
-                            <a:latin typeface="Cambria Math" panose="02040503050406030204" pitchFamily="18" charset="0"/>
-                          </a:rPr>
-                          <m:t>𝜂</m:t>
-                        </m:r>
-                      </m:e>
-                      <m:sup>
-                        <m:r>
-                          <a:rPr lang="en-US" b="0" i="1" smtClean="0">
-                            <a:latin typeface="Cambria Math" panose="02040503050406030204" pitchFamily="18" charset="0"/>
-                          </a:rPr>
-                          <m:t>𝑜</m:t>
-                        </m:r>
-                      </m:sup>
-                    </m:sSup>
-                    <m:r>
-                      <a:rPr lang="en-US" b="0" i="1" smtClean="0">
-                        <a:latin typeface="Cambria Math" panose="02040503050406030204" pitchFamily="18" charset="0"/>
-                      </a:rPr>
-                      <m:t>=</m:t>
-                    </m:r>
-                    <m:d>
-                      <m:dPr>
-                        <m:ctrlPr>
-                          <a:rPr lang="en-US" b="0" i="1" smtClean="0">
-                            <a:latin typeface="Cambria Math" panose="02040503050406030204" pitchFamily="18" charset="0"/>
-                          </a:rPr>
-                        </m:ctrlPr>
-                      </m:dPr>
-                      <m:e>
-                        <m:sSub>
-                          <m:sSubPr>
-                            <m:ctrlPr>
-                              <a:rPr lang="en-US" b="0" i="1" smtClean="0">
-                                <a:latin typeface="Cambria Math" panose="02040503050406030204" pitchFamily="18" charset="0"/>
-                              </a:rPr>
-                            </m:ctrlPr>
-                          </m:sSubPr>
-                          <m:e>
-                            <m:r>
-                              <a:rPr lang="en-US" b="0" i="1" smtClean="0">
-                                <a:latin typeface="Cambria Math" panose="02040503050406030204" pitchFamily="18" charset="0"/>
-                              </a:rPr>
-                              <m:t>𝛾</m:t>
-                            </m:r>
-                          </m:e>
-                          <m:sub>
-                            <m:r>
-                              <a:rPr lang="en-US" b="0" i="1" smtClean="0">
-                                <a:latin typeface="Cambria Math" panose="02040503050406030204" pitchFamily="18" charset="0"/>
-                              </a:rPr>
-                              <m:t>𝑌</m:t>
-                            </m:r>
-                          </m:sub>
-                        </m:sSub>
-                        <m:r>
-                          <a:rPr lang="en-US" b="0" i="1" smtClean="0">
-                            <a:latin typeface="Cambria Math" panose="02040503050406030204" pitchFamily="18" charset="0"/>
-                          </a:rPr>
-                          <m:t>,</m:t>
-                        </m:r>
-                        <m:sSub>
-                          <m:sSubPr>
-                            <m:ctrlPr>
-                              <a:rPr lang="en-US" b="0" i="1" smtClean="0">
-                                <a:latin typeface="Cambria Math" panose="02040503050406030204" pitchFamily="18" charset="0"/>
-                              </a:rPr>
-                            </m:ctrlPr>
-                          </m:sSubPr>
-                          <m:e>
-                            <m:r>
-                              <a:rPr lang="en-US" b="0" i="1" smtClean="0">
-                                <a:latin typeface="Cambria Math" panose="02040503050406030204" pitchFamily="18" charset="0"/>
-                              </a:rPr>
-                              <m:t>𝛾</m:t>
-                            </m:r>
-                          </m:e>
-                          <m:sub>
-                            <m:r>
-                              <a:rPr lang="en-US" b="0" i="1" smtClean="0">
-                                <a:latin typeface="Cambria Math" panose="02040503050406030204" pitchFamily="18" charset="0"/>
-                              </a:rPr>
-                              <m:t>𝐷</m:t>
-                            </m:r>
-                          </m:sub>
-                        </m:sSub>
-                      </m:e>
-                    </m:d>
-                  </m:oMath>
-                </a14:m>
-                <a:endParaRPr lang="en-US" dirty="0"/>
-              </a:p>
-              <a:p>
-                <a:endParaRPr lang="en-US" dirty="0"/>
-              </a:p>
-              <a:p>
-                <a:r>
-                  <a:rPr lang="en-US" dirty="0"/>
-                  <a:t>We don’t care about these parameters and their estimation error</a:t>
-                </a:r>
-              </a:p>
-              <a:p>
-                <a:endParaRPr lang="en-US" dirty="0"/>
-              </a:p>
-              <a:p>
-                <a:r>
-                  <a:rPr lang="en-US" dirty="0"/>
-                  <a:t>We will call any such parameter that we need to estimate but don’t care about it in its own shake a “</a:t>
-                </a:r>
-                <a:r>
-                  <a:rPr lang="en-US" dirty="0">
-                    <a:solidFill>
-                      <a:srgbClr val="C00000"/>
-                    </a:solidFill>
-                  </a:rPr>
-                  <a:t>nuisance parameter</a:t>
-                </a:r>
-                <a:r>
-                  <a:rPr lang="en-US" dirty="0"/>
-                  <a:t>”</a:t>
-                </a:r>
-              </a:p>
-            </p:txBody>
-          </p:sp>
-        </mc:Choice>
-        <mc:Fallback xmlns="">
-          <p:sp>
-            <p:nvSpPr>
-              <p:cNvPr id="3" name="Content Placeholder 2">
-                <a:extLst>
-                  <a:ext uri="{FF2B5EF4-FFF2-40B4-BE49-F238E27FC236}">
-                    <a16:creationId xmlns:a16="http://schemas.microsoft.com/office/drawing/2014/main" id="{B90FD52E-FCC1-4E27-EB5E-0549D358FAEE}"/>
-                  </a:ext>
-                </a:extLst>
-              </p:cNvPr>
-              <p:cNvSpPr>
-                <a:spLocks noGrp="1" noRot="1" noChangeAspect="1" noMove="1" noResize="1" noEditPoints="1" noAdjustHandles="1" noChangeArrowheads="1" noChangeShapeType="1" noTextEdit="1"/>
-              </p:cNvSpPr>
-              <p:nvPr>
-                <p:ph idx="1"/>
-              </p:nvPr>
-            </p:nvSpPr>
-            <p:spPr>
-              <a:blipFill>
-                <a:blip r:embed="rId2"/>
-                <a:stretch>
-                  <a:fillRect l="-1043" t="-2241"/>
-                </a:stretch>
-              </a:blipFill>
-            </p:spPr>
-            <p:txBody>
-              <a:bodyPr/>
-              <a:lstStyle/>
-              <a:p>
-                <a:r>
-                  <a:rPr lang="en-US">
-                    <a:noFill/>
-                  </a:rPr>
-                  <a:t> </a:t>
-                </a:r>
-              </a:p>
-            </p:txBody>
-          </p:sp>
-        </mc:Fallback>
-      </mc:AlternateContent>
-    </p:spTree>
-    <p:extLst>
-      <p:ext uri="{BB962C8B-B14F-4D97-AF65-F5344CB8AC3E}">
-        <p14:creationId xmlns:p14="http://schemas.microsoft.com/office/powerpoint/2010/main" val="3112982932"/>
       </p:ext>
     </p:extLst>
   </p:cSld>
@@ -26419,6 +31343,300 @@
 </file>
 
 <file path=ppt/slides/slide30.xml><?xml version="1.0" encoding="utf-8"?>
+<p:sld xmlns:a="http://schemas.openxmlformats.org/drawingml/2006/main" xmlns:r="http://schemas.openxmlformats.org/officeDocument/2006/relationships" xmlns:p="http://schemas.openxmlformats.org/presentationml/2006/main">
+  <p:cSld>
+    <p:spTree>
+      <p:nvGrpSpPr>
+        <p:cNvPr id="1" name=""/>
+        <p:cNvGrpSpPr/>
+        <p:nvPr/>
+      </p:nvGrpSpPr>
+      <p:grpSpPr>
+        <a:xfrm>
+          <a:off x="0" y="0"/>
+          <a:ext cx="0" cy="0"/>
+          <a:chOff x="0" y="0"/>
+          <a:chExt cx="0" cy="0"/>
+        </a:xfrm>
+      </p:grpSpPr>
+      <p:sp>
+        <p:nvSpPr>
+          <p:cNvPr id="2" name="Title 1">
+            <a:extLst>
+              <a:ext uri="{FF2B5EF4-FFF2-40B4-BE49-F238E27FC236}">
+                <a16:creationId xmlns:a16="http://schemas.microsoft.com/office/drawing/2014/main" id="{EEE1BE18-3D84-FC77-17D9-2158804AA3F2}"/>
+              </a:ext>
+            </a:extLst>
+          </p:cNvPr>
+          <p:cNvSpPr>
+            <a:spLocks noGrp="1"/>
+          </p:cNvSpPr>
+          <p:nvPr>
+            <p:ph type="title"/>
+          </p:nvPr>
+        </p:nvSpPr>
+        <p:spPr/>
+        <p:txBody>
+          <a:bodyPr/>
+          <a:lstStyle/>
+          <a:p>
+            <a:r>
+              <a:rPr lang="en-US" dirty="0"/>
+              <a:t>Target and Nuisance Parameters</a:t>
+            </a:r>
+          </a:p>
+        </p:txBody>
+      </p:sp>
+      <mc:AlternateContent xmlns:mc="http://schemas.openxmlformats.org/markup-compatibility/2006" xmlns:a14="http://schemas.microsoft.com/office/drawing/2010/main">
+        <mc:Choice Requires="a14">
+          <p:sp>
+            <p:nvSpPr>
+              <p:cNvPr id="3" name="Content Placeholder 2">
+                <a:extLst>
+                  <a:ext uri="{FF2B5EF4-FFF2-40B4-BE49-F238E27FC236}">
+                    <a16:creationId xmlns:a16="http://schemas.microsoft.com/office/drawing/2014/main" id="{B90FD52E-FCC1-4E27-EB5E-0549D358FAEE}"/>
+                  </a:ext>
+                </a:extLst>
+              </p:cNvPr>
+              <p:cNvSpPr>
+                <a:spLocks noGrp="1"/>
+              </p:cNvSpPr>
+              <p:nvPr>
+                <p:ph idx="1"/>
+              </p:nvPr>
+            </p:nvSpPr>
+            <p:spPr/>
+            <p:txBody>
+              <a:bodyPr/>
+              <a:lstStyle/>
+              <a:p>
+                <a:r>
+                  <a:rPr lang="en-US" dirty="0"/>
+                  <a:t>In the double lasso we have a </a:t>
+                </a:r>
+                <a:r>
+                  <a:rPr lang="en-US" dirty="0">
+                    <a:solidFill>
+                      <a:srgbClr val="0070C0"/>
+                    </a:solidFill>
+                  </a:rPr>
+                  <a:t>target parameter</a:t>
+                </a:r>
+                <a:r>
+                  <a:rPr lang="en-US" dirty="0"/>
+                  <a:t> of interest </a:t>
+                </a:r>
+                <a14:m>
+                  <m:oMath xmlns:m="http://schemas.openxmlformats.org/officeDocument/2006/math">
+                    <m:r>
+                      <a:rPr lang="en-US" b="0" i="1" smtClean="0">
+                        <a:latin typeface="Cambria Math" panose="02040503050406030204" pitchFamily="18" charset="0"/>
+                      </a:rPr>
+                      <m:t>𝛼</m:t>
+                    </m:r>
+                  </m:oMath>
+                </a14:m>
+                <a:endParaRPr lang="en-US" dirty="0"/>
+              </a:p>
+              <a:p>
+                <a:endParaRPr lang="en-US" dirty="0"/>
+              </a:p>
+              <a:p>
+                <a:r>
+                  <a:rPr lang="en-US" dirty="0"/>
+                  <a:t>But we also have other parameters that we estimate </a:t>
+                </a:r>
+                <a14:m>
+                  <m:oMath xmlns:m="http://schemas.openxmlformats.org/officeDocument/2006/math">
+                    <m:sSup>
+                      <m:sSupPr>
+                        <m:ctrlPr>
+                          <a:rPr lang="en-US" b="0" i="1" smtClean="0">
+                            <a:latin typeface="Cambria Math" panose="02040503050406030204" pitchFamily="18" charset="0"/>
+                          </a:rPr>
+                        </m:ctrlPr>
+                      </m:sSupPr>
+                      <m:e>
+                        <m:r>
+                          <a:rPr lang="en-US" b="0" i="1" smtClean="0">
+                            <a:latin typeface="Cambria Math" panose="02040503050406030204" pitchFamily="18" charset="0"/>
+                          </a:rPr>
+                          <m:t>𝜂</m:t>
+                        </m:r>
+                      </m:e>
+                      <m:sup>
+                        <m:r>
+                          <a:rPr lang="en-US" b="0" i="1" smtClean="0">
+                            <a:latin typeface="Cambria Math" panose="02040503050406030204" pitchFamily="18" charset="0"/>
+                          </a:rPr>
+                          <m:t>𝑜</m:t>
+                        </m:r>
+                      </m:sup>
+                    </m:sSup>
+                    <m:r>
+                      <a:rPr lang="en-US" b="0" i="1" smtClean="0">
+                        <a:latin typeface="Cambria Math" panose="02040503050406030204" pitchFamily="18" charset="0"/>
+                      </a:rPr>
+                      <m:t>=</m:t>
+                    </m:r>
+                    <m:d>
+                      <m:dPr>
+                        <m:ctrlPr>
+                          <a:rPr lang="en-US" b="0" i="1" smtClean="0">
+                            <a:latin typeface="Cambria Math" panose="02040503050406030204" pitchFamily="18" charset="0"/>
+                          </a:rPr>
+                        </m:ctrlPr>
+                      </m:dPr>
+                      <m:e>
+                        <m:sSub>
+                          <m:sSubPr>
+                            <m:ctrlPr>
+                              <a:rPr lang="en-US" b="0" i="1" smtClean="0">
+                                <a:latin typeface="Cambria Math" panose="02040503050406030204" pitchFamily="18" charset="0"/>
+                              </a:rPr>
+                            </m:ctrlPr>
+                          </m:sSubPr>
+                          <m:e>
+                            <m:r>
+                              <a:rPr lang="en-US" b="0" i="1" smtClean="0">
+                                <a:latin typeface="Cambria Math" panose="02040503050406030204" pitchFamily="18" charset="0"/>
+                              </a:rPr>
+                              <m:t>𝛾</m:t>
+                            </m:r>
+                          </m:e>
+                          <m:sub>
+                            <m:r>
+                              <a:rPr lang="en-US" b="0" i="1" smtClean="0">
+                                <a:latin typeface="Cambria Math" panose="02040503050406030204" pitchFamily="18" charset="0"/>
+                              </a:rPr>
+                              <m:t>𝑌</m:t>
+                            </m:r>
+                          </m:sub>
+                        </m:sSub>
+                        <m:r>
+                          <a:rPr lang="en-US" b="0" i="1" smtClean="0">
+                            <a:latin typeface="Cambria Math" panose="02040503050406030204" pitchFamily="18" charset="0"/>
+                          </a:rPr>
+                          <m:t>,</m:t>
+                        </m:r>
+                        <m:sSub>
+                          <m:sSubPr>
+                            <m:ctrlPr>
+                              <a:rPr lang="en-US" b="0" i="1" smtClean="0">
+                                <a:latin typeface="Cambria Math" panose="02040503050406030204" pitchFamily="18" charset="0"/>
+                              </a:rPr>
+                            </m:ctrlPr>
+                          </m:sSubPr>
+                          <m:e>
+                            <m:r>
+                              <a:rPr lang="en-US" b="0" i="1" smtClean="0">
+                                <a:latin typeface="Cambria Math" panose="02040503050406030204" pitchFamily="18" charset="0"/>
+                              </a:rPr>
+                              <m:t>𝛾</m:t>
+                            </m:r>
+                          </m:e>
+                          <m:sub>
+                            <m:r>
+                              <a:rPr lang="en-US" b="0" i="1" smtClean="0">
+                                <a:latin typeface="Cambria Math" panose="02040503050406030204" pitchFamily="18" charset="0"/>
+                              </a:rPr>
+                              <m:t>𝐷</m:t>
+                            </m:r>
+                          </m:sub>
+                        </m:sSub>
+                      </m:e>
+                    </m:d>
+                  </m:oMath>
+                </a14:m>
+                <a:endParaRPr lang="en-US" dirty="0"/>
+              </a:p>
+              <a:p>
+                <a:endParaRPr lang="en-US" dirty="0"/>
+              </a:p>
+              <a:p>
+                <a:r>
+                  <a:rPr lang="en-US" dirty="0"/>
+                  <a:t>We don’t care about these parameters and their estimation error</a:t>
+                </a:r>
+              </a:p>
+              <a:p>
+                <a:endParaRPr lang="en-US" dirty="0"/>
+              </a:p>
+              <a:p>
+                <a:r>
+                  <a:rPr lang="en-US" dirty="0"/>
+                  <a:t>We will call any such parameter that we need to estimate but don’t care about it in its own shake a “</a:t>
+                </a:r>
+                <a:r>
+                  <a:rPr lang="en-US" dirty="0">
+                    <a:solidFill>
+                      <a:srgbClr val="C00000"/>
+                    </a:solidFill>
+                  </a:rPr>
+                  <a:t>nuisance parameter</a:t>
+                </a:r>
+                <a:r>
+                  <a:rPr lang="en-US" dirty="0"/>
+                  <a:t>”</a:t>
+                </a:r>
+              </a:p>
+            </p:txBody>
+          </p:sp>
+        </mc:Choice>
+        <mc:Fallback xmlns="">
+          <p:sp>
+            <p:nvSpPr>
+              <p:cNvPr id="3" name="Content Placeholder 2">
+                <a:extLst>
+                  <a:ext uri="{FF2B5EF4-FFF2-40B4-BE49-F238E27FC236}">
+                    <a16:creationId xmlns:a16="http://schemas.microsoft.com/office/drawing/2014/main" id="{B90FD52E-FCC1-4E27-EB5E-0549D358FAEE}"/>
+                  </a:ext>
+                </a:extLst>
+              </p:cNvPr>
+              <p:cNvSpPr>
+                <a:spLocks noGrp="1" noRot="1" noChangeAspect="1" noMove="1" noResize="1" noEditPoints="1" noAdjustHandles="1" noChangeArrowheads="1" noChangeShapeType="1" noTextEdit="1"/>
+              </p:cNvSpPr>
+              <p:nvPr>
+                <p:ph idx="1"/>
+              </p:nvPr>
+            </p:nvSpPr>
+            <p:spPr>
+              <a:blipFill>
+                <a:blip r:embed="rId2"/>
+                <a:stretch>
+                  <a:fillRect l="-1043" t="-2241"/>
+                </a:stretch>
+              </a:blipFill>
+            </p:spPr>
+            <p:txBody>
+              <a:bodyPr/>
+              <a:lstStyle/>
+              <a:p>
+                <a:r>
+                  <a:rPr lang="en-US">
+                    <a:noFill/>
+                  </a:rPr>
+                  <a:t> </a:t>
+                </a:r>
+              </a:p>
+            </p:txBody>
+          </p:sp>
+        </mc:Fallback>
+      </mc:AlternateContent>
+    </p:spTree>
+    <p:extLst>
+      <p:ext uri="{BB962C8B-B14F-4D97-AF65-F5344CB8AC3E}">
+        <p14:creationId xmlns:p14="http://schemas.microsoft.com/office/powerpoint/2010/main" val="3112982932"/>
+      </p:ext>
+    </p:extLst>
+  </p:cSld>
+  <p:clrMapOvr>
+    <a:masterClrMapping/>
+  </p:clrMapOvr>
+</p:sld>
+</file>
+
+<file path=ppt/slides/slide31.xml><?xml version="1.0" encoding="utf-8"?>
 <p:sld xmlns:a="http://schemas.openxmlformats.org/drawingml/2006/main" xmlns:r="http://schemas.openxmlformats.org/officeDocument/2006/relationships" xmlns:p="http://schemas.openxmlformats.org/presentationml/2006/main">
   <p:cSld>
     <p:spTree>
@@ -27460,7 +32678,7 @@
 </p:sld>
 </file>
 
-<file path=ppt/slides/slide31.xml><?xml version="1.0" encoding="utf-8"?>
+<file path=ppt/slides/slide32.xml><?xml version="1.0" encoding="utf-8"?>
 <p:sld xmlns:a="http://schemas.openxmlformats.org/drawingml/2006/main" xmlns:r="http://schemas.openxmlformats.org/officeDocument/2006/relationships" xmlns:p="http://schemas.openxmlformats.org/presentationml/2006/main">
   <p:cSld>
     <p:spTree>
@@ -28326,7 +33544,7 @@
 </p:sld>
 </file>
 
-<file path=ppt/slides/slide32.xml><?xml version="1.0" encoding="utf-8"?>
+<file path=ppt/slides/slide33.xml><?xml version="1.0" encoding="utf-8"?>
 <p:sld xmlns:a="http://schemas.openxmlformats.org/drawingml/2006/main" xmlns:r="http://schemas.openxmlformats.org/officeDocument/2006/relationships" xmlns:p="http://schemas.openxmlformats.org/presentationml/2006/main">
   <p:cSld>
     <p:spTree>
@@ -29220,7 +34438,7 @@
 </p:sld>
 </file>
 
-<file path=ppt/slides/slide33.xml><?xml version="1.0" encoding="utf-8"?>
+<file path=ppt/slides/slide34.xml><?xml version="1.0" encoding="utf-8"?>
 <p:sld xmlns:a="http://schemas.openxmlformats.org/drawingml/2006/main" xmlns:r="http://schemas.openxmlformats.org/officeDocument/2006/relationships" xmlns:p="http://schemas.openxmlformats.org/presentationml/2006/main">
   <p:cSld>
     <p:spTree>
@@ -30578,7 +35796,7 @@
 </p:sld>
 </file>
 
-<file path=ppt/slides/slide34.xml><?xml version="1.0" encoding="utf-8"?>
+<file path=ppt/slides/slide35.xml><?xml version="1.0" encoding="utf-8"?>
 <p:sld xmlns:a="http://schemas.openxmlformats.org/drawingml/2006/main" xmlns:r="http://schemas.openxmlformats.org/officeDocument/2006/relationships" xmlns:p="http://schemas.openxmlformats.org/presentationml/2006/main">
   <p:cSld>
     <p:bg>
@@ -31179,7 +36397,7 @@
 </p:sld>
 </file>
 
-<file path=ppt/slides/slide35.xml><?xml version="1.0" encoding="utf-8"?>
+<file path=ppt/slides/slide36.xml><?xml version="1.0" encoding="utf-8"?>
 <p:sld xmlns:a="http://schemas.openxmlformats.org/drawingml/2006/main" xmlns:r="http://schemas.openxmlformats.org/officeDocument/2006/relationships" xmlns:p="http://schemas.openxmlformats.org/presentationml/2006/main">
   <p:cSld>
     <p:spTree>
@@ -32115,7 +37333,7 @@
 </p:sld>
 </file>
 
-<file path=ppt/slides/slide36.xml><?xml version="1.0" encoding="utf-8"?>
+<file path=ppt/slides/slide37.xml><?xml version="1.0" encoding="utf-8"?>
 <p:sld xmlns:a="http://schemas.openxmlformats.org/drawingml/2006/main" xmlns:r="http://schemas.openxmlformats.org/officeDocument/2006/relationships" xmlns:p="http://schemas.openxmlformats.org/presentationml/2006/main">
   <p:cSld>
     <p:spTree>
@@ -32225,7 +37443,7 @@
               <a:rPr lang="en-US" dirty="0">
                 <a:latin typeface="+mj-lt"/>
               </a:rPr>
-              <a:t>The double Lasso approach controls for both strong predictors of the target and strong predictors of the target; by running the two prediction problems separately</a:t>
+              <a:t>The double Lasso approach controls for both strong predictors of the target and strong predictors of the outcome; by running the two prediction problems separately</a:t>
             </a:r>
           </a:p>
           <a:p>
@@ -32474,7 +37692,7 @@
 </p:sld>
 </file>
 
-<file path=ppt/slides/slide37.xml><?xml version="1.0" encoding="utf-8"?>
+<file path=ppt/slides/slide38.xml><?xml version="1.0" encoding="utf-8"?>
 <p:sld xmlns:a="http://schemas.openxmlformats.org/drawingml/2006/main" xmlns:r="http://schemas.openxmlformats.org/officeDocument/2006/relationships" xmlns:p="http://schemas.openxmlformats.org/presentationml/2006/main">
   <p:cSld>
     <p:spTree>
@@ -32557,7 +37775,7 @@
 </p:sld>
 </file>
 
-<file path=ppt/slides/slide38.xml><?xml version="1.0" encoding="utf-8"?>
+<file path=ppt/slides/slide39.xml><?xml version="1.0" encoding="utf-8"?>
 <p:sld xmlns:a="http://schemas.openxmlformats.org/drawingml/2006/main" xmlns:r="http://schemas.openxmlformats.org/officeDocument/2006/relationships" xmlns:p="http://schemas.openxmlformats.org/presentationml/2006/main">
   <p:cSld>
     <p:spTree>
@@ -32640,7 +37858,431 @@
 </p:sld>
 </file>
 
-<file path=ppt/slides/slide39.xml><?xml version="1.0" encoding="utf-8"?>
+<file path=ppt/slides/slide4.xml><?xml version="1.0" encoding="utf-8"?>
+<p:sld xmlns:a="http://schemas.openxmlformats.org/drawingml/2006/main" xmlns:r="http://schemas.openxmlformats.org/officeDocument/2006/relationships" xmlns:p="http://schemas.openxmlformats.org/presentationml/2006/main">
+  <p:cSld>
+    <p:spTree>
+      <p:nvGrpSpPr>
+        <p:cNvPr id="1" name=""/>
+        <p:cNvGrpSpPr/>
+        <p:nvPr/>
+      </p:nvGrpSpPr>
+      <p:grpSpPr>
+        <a:xfrm>
+          <a:off x="0" y="0"/>
+          <a:ext cx="0" cy="0"/>
+          <a:chOff x="0" y="0"/>
+          <a:chExt cx="0" cy="0"/>
+        </a:xfrm>
+      </p:grpSpPr>
+      <p:graphicFrame>
+        <p:nvGraphicFramePr>
+          <p:cNvPr id="2" name="Diagram 1">
+            <a:extLst>
+              <a:ext uri="{FF2B5EF4-FFF2-40B4-BE49-F238E27FC236}">
+                <a16:creationId xmlns:a16="http://schemas.microsoft.com/office/drawing/2014/main" id="{A4510B6E-6D01-53DC-6ABA-8232ED466152}"/>
+              </a:ext>
+            </a:extLst>
+          </p:cNvPr>
+          <p:cNvGraphicFramePr/>
+          <p:nvPr>
+            <p:extLst>
+              <p:ext uri="{D42A27DB-BD31-4B8C-83A1-F6EECF244321}">
+                <p14:modId xmlns:p14="http://schemas.microsoft.com/office/powerpoint/2010/main" val="4179312603"/>
+              </p:ext>
+            </p:extLst>
+          </p:nvPr>
+        </p:nvGraphicFramePr>
+        <p:xfrm>
+          <a:off x="2032000" y="719666"/>
+          <a:ext cx="8128000" cy="5418667"/>
+        </p:xfrm>
+        <a:graphic>
+          <a:graphicData uri="http://schemas.openxmlformats.org/drawingml/2006/diagram">
+            <dgm:relIds xmlns:dgm="http://schemas.openxmlformats.org/drawingml/2006/diagram" xmlns:r="http://schemas.openxmlformats.org/officeDocument/2006/relationships" r:dm="rId2" r:lo="rId3" r:qs="rId4" r:cs="rId5"/>
+          </a:graphicData>
+        </a:graphic>
+      </p:graphicFrame>
+      <p:sp>
+        <p:nvSpPr>
+          <p:cNvPr id="3" name="Rectangle: Rounded Corners 2">
+            <a:extLst>
+              <a:ext uri="{FF2B5EF4-FFF2-40B4-BE49-F238E27FC236}">
+                <a16:creationId xmlns:a16="http://schemas.microsoft.com/office/drawing/2014/main" id="{DBCEB70C-AAEE-3028-D611-021779E731E1}"/>
+              </a:ext>
+            </a:extLst>
+          </p:cNvPr>
+          <p:cNvSpPr/>
+          <p:nvPr/>
+        </p:nvSpPr>
+        <p:spPr>
+          <a:xfrm>
+            <a:off x="4106333" y="1236130"/>
+            <a:ext cx="6244167" cy="1214969"/>
+          </a:xfrm>
+          <a:prstGeom prst="roundRect">
+            <a:avLst/>
+          </a:prstGeom>
+          <a:noFill/>
+          <a:ln>
+            <a:solidFill>
+              <a:srgbClr val="C00000"/>
+            </a:solidFill>
+          </a:ln>
+        </p:spPr>
+        <p:style>
+          <a:lnRef idx="2">
+            <a:schemeClr val="accent1">
+              <a:shade val="50000"/>
+            </a:schemeClr>
+          </a:lnRef>
+          <a:fillRef idx="1">
+            <a:schemeClr val="accent1"/>
+          </a:fillRef>
+          <a:effectRef idx="0">
+            <a:schemeClr val="accent1"/>
+          </a:effectRef>
+          <a:fontRef idx="minor">
+            <a:schemeClr val="lt1"/>
+          </a:fontRef>
+        </p:style>
+        <p:txBody>
+          <a:bodyPr rtlCol="0" anchor="ctr"/>
+          <a:lstStyle/>
+          <a:p>
+            <a:pPr algn="ctr"/>
+            <a:endParaRPr lang="en-US"/>
+          </a:p>
+        </p:txBody>
+      </p:sp>
+      <p:sp>
+        <p:nvSpPr>
+          <p:cNvPr id="4" name="TextBox 3">
+            <a:extLst>
+              <a:ext uri="{FF2B5EF4-FFF2-40B4-BE49-F238E27FC236}">
+                <a16:creationId xmlns:a16="http://schemas.microsoft.com/office/drawing/2014/main" id="{0872FBD6-AE6A-9133-4F69-84D8C54CD121}"/>
+              </a:ext>
+            </a:extLst>
+          </p:cNvPr>
+          <p:cNvSpPr txBox="1"/>
+          <p:nvPr/>
+        </p:nvSpPr>
+        <p:spPr>
+          <a:xfrm>
+            <a:off x="4969933" y="923977"/>
+            <a:ext cx="4726550" cy="408623"/>
+          </a:xfrm>
+          <a:prstGeom prst="roundRect">
+            <a:avLst/>
+          </a:prstGeom>
+          <a:solidFill>
+            <a:schemeClr val="bg1"/>
+          </a:solidFill>
+        </p:spPr>
+        <p:txBody>
+          <a:bodyPr wrap="none" rtlCol="0">
+            <a:spAutoFit/>
+          </a:bodyPr>
+          <a:lstStyle/>
+          <a:p>
+            <a:r>
+              <a:rPr lang="en-US" dirty="0">
+                <a:latin typeface="+mj-lt"/>
+              </a:rPr>
+              <a:t>Linear Predictive Models and Statistical Inference</a:t>
+            </a:r>
+          </a:p>
+        </p:txBody>
+      </p:sp>
+      <p:sp>
+        <p:nvSpPr>
+          <p:cNvPr id="5" name="Rectangle: Rounded Corners 4">
+            <a:extLst>
+              <a:ext uri="{FF2B5EF4-FFF2-40B4-BE49-F238E27FC236}">
+                <a16:creationId xmlns:a16="http://schemas.microsoft.com/office/drawing/2014/main" id="{943A5474-8A26-3674-2F68-6CB0817ECA97}"/>
+              </a:ext>
+            </a:extLst>
+          </p:cNvPr>
+          <p:cNvSpPr/>
+          <p:nvPr/>
+        </p:nvSpPr>
+        <p:spPr>
+          <a:xfrm>
+            <a:off x="4106332" y="2832100"/>
+            <a:ext cx="6244167" cy="1214968"/>
+          </a:xfrm>
+          <a:prstGeom prst="roundRect">
+            <a:avLst/>
+          </a:prstGeom>
+          <a:noFill/>
+          <a:ln>
+            <a:solidFill>
+              <a:srgbClr val="C00000"/>
+            </a:solidFill>
+          </a:ln>
+        </p:spPr>
+        <p:style>
+          <a:lnRef idx="2">
+            <a:schemeClr val="accent1">
+              <a:shade val="50000"/>
+            </a:schemeClr>
+          </a:lnRef>
+          <a:fillRef idx="1">
+            <a:schemeClr val="accent1"/>
+          </a:fillRef>
+          <a:effectRef idx="0">
+            <a:schemeClr val="accent1"/>
+          </a:effectRef>
+          <a:fontRef idx="minor">
+            <a:schemeClr val="lt1"/>
+          </a:fontRef>
+        </p:style>
+        <p:txBody>
+          <a:bodyPr rtlCol="0" anchor="ctr"/>
+          <a:lstStyle/>
+          <a:p>
+            <a:pPr algn="ctr"/>
+            <a:endParaRPr lang="en-US"/>
+          </a:p>
+        </p:txBody>
+      </p:sp>
+      <p:sp>
+        <p:nvSpPr>
+          <p:cNvPr id="8" name="TextBox 7">
+            <a:extLst>
+              <a:ext uri="{FF2B5EF4-FFF2-40B4-BE49-F238E27FC236}">
+                <a16:creationId xmlns:a16="http://schemas.microsoft.com/office/drawing/2014/main" id="{E5616602-CB05-3404-90FD-3B74FCE46A4E}"/>
+              </a:ext>
+            </a:extLst>
+          </p:cNvPr>
+          <p:cNvSpPr txBox="1"/>
+          <p:nvPr/>
+        </p:nvSpPr>
+        <p:spPr>
+          <a:xfrm>
+            <a:off x="5008332" y="2558940"/>
+            <a:ext cx="4109523" cy="408623"/>
+          </a:xfrm>
+          <a:prstGeom prst="roundRect">
+            <a:avLst/>
+          </a:prstGeom>
+          <a:solidFill>
+            <a:schemeClr val="bg1"/>
+          </a:solidFill>
+        </p:spPr>
+        <p:txBody>
+          <a:bodyPr wrap="none" rtlCol="0">
+            <a:spAutoFit/>
+          </a:bodyPr>
+          <a:lstStyle/>
+          <a:p>
+            <a:r>
+              <a:rPr lang="en-US" dirty="0">
+                <a:latin typeface="+mj-lt"/>
+              </a:rPr>
+              <a:t>Causal Identification in Observational Data</a:t>
+            </a:r>
+          </a:p>
+        </p:txBody>
+      </p:sp>
+      <p:sp>
+        <p:nvSpPr>
+          <p:cNvPr id="9" name="Rectangle: Rounded Corners 8">
+            <a:extLst>
+              <a:ext uri="{FF2B5EF4-FFF2-40B4-BE49-F238E27FC236}">
+                <a16:creationId xmlns:a16="http://schemas.microsoft.com/office/drawing/2014/main" id="{3A85F8D1-C801-04ED-CE9D-B551CE31EE96}"/>
+              </a:ext>
+            </a:extLst>
+          </p:cNvPr>
+          <p:cNvSpPr/>
+          <p:nvPr/>
+        </p:nvSpPr>
+        <p:spPr>
+          <a:xfrm>
+            <a:off x="1924346" y="2832099"/>
+            <a:ext cx="1788285" cy="2777067"/>
+          </a:xfrm>
+          <a:prstGeom prst="roundRect">
+            <a:avLst/>
+          </a:prstGeom>
+          <a:noFill/>
+          <a:ln>
+            <a:solidFill>
+              <a:srgbClr val="C00000"/>
+            </a:solidFill>
+          </a:ln>
+        </p:spPr>
+        <p:style>
+          <a:lnRef idx="2">
+            <a:schemeClr val="accent1">
+              <a:shade val="50000"/>
+            </a:schemeClr>
+          </a:lnRef>
+          <a:fillRef idx="1">
+            <a:schemeClr val="accent1"/>
+          </a:fillRef>
+          <a:effectRef idx="0">
+            <a:schemeClr val="accent1"/>
+          </a:effectRef>
+          <a:fontRef idx="minor">
+            <a:schemeClr val="lt1"/>
+          </a:fontRef>
+        </p:style>
+        <p:txBody>
+          <a:bodyPr rtlCol="0" anchor="ctr"/>
+          <a:lstStyle/>
+          <a:p>
+            <a:pPr algn="ctr"/>
+            <a:endParaRPr lang="en-US"/>
+          </a:p>
+        </p:txBody>
+      </p:sp>
+      <p:sp>
+        <p:nvSpPr>
+          <p:cNvPr id="10" name="TextBox 9">
+            <a:extLst>
+              <a:ext uri="{FF2B5EF4-FFF2-40B4-BE49-F238E27FC236}">
+                <a16:creationId xmlns:a16="http://schemas.microsoft.com/office/drawing/2014/main" id="{EAA65510-B30B-B667-097E-AD9B5A3797E9}"/>
+              </a:ext>
+            </a:extLst>
+          </p:cNvPr>
+          <p:cNvSpPr txBox="1"/>
+          <p:nvPr/>
+        </p:nvSpPr>
+        <p:spPr>
+          <a:xfrm>
+            <a:off x="42333" y="3515120"/>
+            <a:ext cx="1989667" cy="1328023"/>
+          </a:xfrm>
+          <a:prstGeom prst="roundRect">
+            <a:avLst/>
+          </a:prstGeom>
+          <a:solidFill>
+            <a:schemeClr val="bg1"/>
+          </a:solidFill>
+        </p:spPr>
+        <p:txBody>
+          <a:bodyPr wrap="square" rtlCol="0">
+            <a:spAutoFit/>
+          </a:bodyPr>
+          <a:lstStyle/>
+          <a:p>
+            <a:pPr algn="r"/>
+            <a:r>
+              <a:rPr lang="en-US" dirty="0">
+                <a:latin typeface="+mj-lt"/>
+              </a:rPr>
+              <a:t>Non-Linear Predictive Models and Statistical Inference</a:t>
+            </a:r>
+          </a:p>
+        </p:txBody>
+      </p:sp>
+      <p:sp>
+        <p:nvSpPr>
+          <p:cNvPr id="11" name="Rectangle: Rounded Corners 10">
+            <a:extLst>
+              <a:ext uri="{FF2B5EF4-FFF2-40B4-BE49-F238E27FC236}">
+                <a16:creationId xmlns:a16="http://schemas.microsoft.com/office/drawing/2014/main" id="{162BA2E2-020E-3773-B6EE-2826901489CE}"/>
+              </a:ext>
+            </a:extLst>
+          </p:cNvPr>
+          <p:cNvSpPr/>
+          <p:nvPr/>
+        </p:nvSpPr>
+        <p:spPr>
+          <a:xfrm>
+            <a:off x="4106332" y="4394198"/>
+            <a:ext cx="6244167" cy="1214968"/>
+          </a:xfrm>
+          <a:prstGeom prst="roundRect">
+            <a:avLst/>
+          </a:prstGeom>
+          <a:noFill/>
+          <a:ln>
+            <a:solidFill>
+              <a:srgbClr val="C00000"/>
+            </a:solidFill>
+          </a:ln>
+        </p:spPr>
+        <p:style>
+          <a:lnRef idx="2">
+            <a:schemeClr val="accent1">
+              <a:shade val="50000"/>
+            </a:schemeClr>
+          </a:lnRef>
+          <a:fillRef idx="1">
+            <a:schemeClr val="accent1"/>
+          </a:fillRef>
+          <a:effectRef idx="0">
+            <a:schemeClr val="accent1"/>
+          </a:effectRef>
+          <a:fontRef idx="minor">
+            <a:schemeClr val="lt1"/>
+          </a:fontRef>
+        </p:style>
+        <p:txBody>
+          <a:bodyPr rtlCol="0" anchor="ctr"/>
+          <a:lstStyle/>
+          <a:p>
+            <a:pPr algn="ctr"/>
+            <a:endParaRPr lang="en-US"/>
+          </a:p>
+        </p:txBody>
+      </p:sp>
+      <p:sp>
+        <p:nvSpPr>
+          <p:cNvPr id="12" name="TextBox 11">
+            <a:extLst>
+              <a:ext uri="{FF2B5EF4-FFF2-40B4-BE49-F238E27FC236}">
+                <a16:creationId xmlns:a16="http://schemas.microsoft.com/office/drawing/2014/main" id="{37F861B1-18ED-9DEC-88D6-1F7209F94171}"/>
+              </a:ext>
+            </a:extLst>
+          </p:cNvPr>
+          <p:cNvSpPr txBox="1"/>
+          <p:nvPr/>
+        </p:nvSpPr>
+        <p:spPr>
+          <a:xfrm>
+            <a:off x="5932793" y="5579319"/>
+            <a:ext cx="2260599" cy="408623"/>
+          </a:xfrm>
+          <a:prstGeom prst="roundRect">
+            <a:avLst/>
+          </a:prstGeom>
+          <a:solidFill>
+            <a:schemeClr val="bg1"/>
+          </a:solidFill>
+        </p:spPr>
+        <p:txBody>
+          <a:bodyPr wrap="square" rtlCol="0">
+            <a:spAutoFit/>
+          </a:bodyPr>
+          <a:lstStyle/>
+          <a:p>
+            <a:pPr algn="ctr"/>
+            <a:r>
+              <a:rPr lang="en-US" dirty="0">
+                <a:latin typeface="+mj-lt"/>
+              </a:rPr>
+              <a:t>Topics</a:t>
+            </a:r>
+          </a:p>
+        </p:txBody>
+      </p:sp>
+    </p:spTree>
+    <p:extLst>
+      <p:ext uri="{BB962C8B-B14F-4D97-AF65-F5344CB8AC3E}">
+        <p14:creationId xmlns:p14="http://schemas.microsoft.com/office/powerpoint/2010/main" val="1569608757"/>
+      </p:ext>
+    </p:extLst>
+  </p:cSld>
+  <p:clrMapOvr>
+    <a:masterClrMapping/>
+  </p:clrMapOvr>
+</p:sld>
+</file>
+
+<file path=ppt/slides/slide40.xml><?xml version="1.0" encoding="utf-8"?>
 <p:sld xmlns:a="http://schemas.openxmlformats.org/drawingml/2006/main" xmlns:r="http://schemas.openxmlformats.org/officeDocument/2006/relationships" xmlns:p="http://schemas.openxmlformats.org/presentationml/2006/main">
   <p:cSld>
     <p:spTree>
@@ -33345,90 +38987,7 @@
 </p:sld>
 </file>
 
-<file path=ppt/slides/slide4.xml><?xml version="1.0" encoding="utf-8"?>
-<p:sld xmlns:a="http://schemas.openxmlformats.org/drawingml/2006/main" xmlns:r="http://schemas.openxmlformats.org/officeDocument/2006/relationships" xmlns:p="http://schemas.openxmlformats.org/presentationml/2006/main">
-  <p:cSld>
-    <p:spTree>
-      <p:nvGrpSpPr>
-        <p:cNvPr id="1" name=""/>
-        <p:cNvGrpSpPr/>
-        <p:nvPr/>
-      </p:nvGrpSpPr>
-      <p:grpSpPr>
-        <a:xfrm>
-          <a:off x="0" y="0"/>
-          <a:ext cx="0" cy="0"/>
-          <a:chOff x="0" y="0"/>
-          <a:chExt cx="0" cy="0"/>
-        </a:xfrm>
-      </p:grpSpPr>
-      <p:sp>
-        <p:nvSpPr>
-          <p:cNvPr id="2" name="Title 1">
-            <a:extLst>
-              <a:ext uri="{FF2B5EF4-FFF2-40B4-BE49-F238E27FC236}">
-                <a16:creationId xmlns:a16="http://schemas.microsoft.com/office/drawing/2014/main" id="{A06F4B67-BC95-4940-F705-CC63CE41930D}"/>
-              </a:ext>
-            </a:extLst>
-          </p:cNvPr>
-          <p:cNvSpPr>
-            <a:spLocks noGrp="1"/>
-          </p:cNvSpPr>
-          <p:nvPr>
-            <p:ph type="title"/>
-          </p:nvPr>
-        </p:nvSpPr>
-        <p:spPr/>
-        <p:txBody>
-          <a:bodyPr/>
-          <a:lstStyle/>
-          <a:p>
-            <a:r>
-              <a:rPr lang="en-US" dirty="0"/>
-              <a:t>Recap of Previous Lecture</a:t>
-            </a:r>
-          </a:p>
-        </p:txBody>
-      </p:sp>
-      <p:sp>
-        <p:nvSpPr>
-          <p:cNvPr id="3" name="Text Placeholder 2">
-            <a:extLst>
-              <a:ext uri="{FF2B5EF4-FFF2-40B4-BE49-F238E27FC236}">
-                <a16:creationId xmlns:a16="http://schemas.microsoft.com/office/drawing/2014/main" id="{4F085A79-31AE-F630-6B02-C0A6410F28CE}"/>
-              </a:ext>
-            </a:extLst>
-          </p:cNvPr>
-          <p:cNvSpPr>
-            <a:spLocks noGrp="1"/>
-          </p:cNvSpPr>
-          <p:nvPr>
-            <p:ph type="body" idx="1"/>
-          </p:nvPr>
-        </p:nvSpPr>
-        <p:spPr/>
-        <p:txBody>
-          <a:bodyPr/>
-          <a:lstStyle/>
-          <a:p>
-            <a:endParaRPr lang="en-US"/>
-          </a:p>
-        </p:txBody>
-      </p:sp>
-    </p:spTree>
-    <p:extLst>
-      <p:ext uri="{BB962C8B-B14F-4D97-AF65-F5344CB8AC3E}">
-        <p14:creationId xmlns:p14="http://schemas.microsoft.com/office/powerpoint/2010/main" val="822506833"/>
-      </p:ext>
-    </p:extLst>
-  </p:cSld>
-  <p:clrMapOvr>
-    <a:masterClrMapping/>
-  </p:clrMapOvr>
-</p:sld>
-</file>
-
-<file path=ppt/slides/slide40.xml><?xml version="1.0" encoding="utf-8"?>
+<file path=ppt/slides/slide41.xml><?xml version="1.0" encoding="utf-8"?>
 <p:sld xmlns:a="http://schemas.openxmlformats.org/drawingml/2006/main" xmlns:r="http://schemas.openxmlformats.org/officeDocument/2006/relationships" xmlns:p="http://schemas.openxmlformats.org/presentationml/2006/main">
   <p:cSld>
     <p:spTree>
@@ -33665,7 +39224,7 @@
 </p:sld>
 </file>
 
-<file path=ppt/slides/slide41.xml><?xml version="1.0" encoding="utf-8"?>
+<file path=ppt/slides/slide42.xml><?xml version="1.0" encoding="utf-8"?>
 <p:sld xmlns:a="http://schemas.openxmlformats.org/drawingml/2006/main" xmlns:r="http://schemas.openxmlformats.org/officeDocument/2006/relationships" xmlns:p="http://schemas.openxmlformats.org/presentationml/2006/main">
   <p:cSld>
     <p:spTree>
@@ -34093,7 +39652,7 @@
                   <a:rPr lang="en-US" dirty="0">
                     <a:latin typeface="+mj-lt"/>
                   </a:rPr>
-                  <a:t> all coordinates and pay attention to one that is interesting and look at that entries CI, then we need a joint confidence interval so that all coordinates are covered simultaneously (multiple hypotheses testing)</a:t>
+                  <a:t> all coordinates and pay attention to one that is interesting and look at that entry’s CI, then we need a joint confidence interval so that all coordinates are covered simultaneously (multiple hypotheses testing)</a:t>
                 </a:r>
               </a:p>
             </p:txBody>
@@ -34120,7 +39679,7 @@
               <a:blipFill>
                 <a:blip r:embed="rId2"/>
                 <a:stretch>
-                  <a:fillRect l="-1043" t="-2381" r="-1449"/>
+                  <a:fillRect l="-1043" t="-2381" r="-1275"/>
                 </a:stretch>
               </a:blipFill>
             </p:spPr>
@@ -34280,7 +39839,7 @@
 </p:sld>
 </file>
 
-<file path=ppt/slides/slide42.xml><?xml version="1.0" encoding="utf-8"?>
+<file path=ppt/slides/slide43.xml><?xml version="1.0" encoding="utf-8"?>
 <p:sld xmlns:a="http://schemas.openxmlformats.org/drawingml/2006/main" xmlns:r="http://schemas.openxmlformats.org/officeDocument/2006/relationships" xmlns:p="http://schemas.openxmlformats.org/presentationml/2006/main">
   <p:cSld>
     <p:spTree>
@@ -34905,7 +40464,7 @@
 </p:sld>
 </file>
 
-<file path=ppt/slides/slide43.xml><?xml version="1.0" encoding="utf-8"?>
+<file path=ppt/slides/slide44.xml><?xml version="1.0" encoding="utf-8"?>
 <p:sld xmlns:a="http://schemas.openxmlformats.org/drawingml/2006/main" xmlns:r="http://schemas.openxmlformats.org/officeDocument/2006/relationships" xmlns:p="http://schemas.openxmlformats.org/presentationml/2006/main">
   <p:cSld>
     <p:spTree>
@@ -36020,7 +41579,7 @@
 </p:sld>
 </file>
 
-<file path=ppt/slides/slide44.xml><?xml version="1.0" encoding="utf-8"?>
+<file path=ppt/slides/slide45.xml><?xml version="1.0" encoding="utf-8"?>
 <p:sld xmlns:a="http://schemas.openxmlformats.org/drawingml/2006/main" xmlns:r="http://schemas.openxmlformats.org/officeDocument/2006/relationships" xmlns:p="http://schemas.openxmlformats.org/presentationml/2006/main">
   <p:cSld>
     <p:spTree>
@@ -37674,7 +43233,7 @@
 </p:sld>
 </file>
 
-<file path=ppt/slides/slide45.xml><?xml version="1.0" encoding="utf-8"?>
+<file path=ppt/slides/slide46.xml><?xml version="1.0" encoding="utf-8"?>
 <p:sld xmlns:a="http://schemas.openxmlformats.org/drawingml/2006/main" xmlns:r="http://schemas.openxmlformats.org/officeDocument/2006/relationships" xmlns:p="http://schemas.openxmlformats.org/presentationml/2006/main">
   <p:cSld>
     <p:spTree>
@@ -38185,6 +43744,89 @@
 <file path=ppt/slides/slide5.xml><?xml version="1.0" encoding="utf-8"?>
 <p:sld xmlns:a="http://schemas.openxmlformats.org/drawingml/2006/main" xmlns:r="http://schemas.openxmlformats.org/officeDocument/2006/relationships" xmlns:p="http://schemas.openxmlformats.org/presentationml/2006/main">
   <p:cSld>
+    <p:spTree>
+      <p:nvGrpSpPr>
+        <p:cNvPr id="1" name=""/>
+        <p:cNvGrpSpPr/>
+        <p:nvPr/>
+      </p:nvGrpSpPr>
+      <p:grpSpPr>
+        <a:xfrm>
+          <a:off x="0" y="0"/>
+          <a:ext cx="0" cy="0"/>
+          <a:chOff x="0" y="0"/>
+          <a:chExt cx="0" cy="0"/>
+        </a:xfrm>
+      </p:grpSpPr>
+      <p:sp>
+        <p:nvSpPr>
+          <p:cNvPr id="2" name="Title 1">
+            <a:extLst>
+              <a:ext uri="{FF2B5EF4-FFF2-40B4-BE49-F238E27FC236}">
+                <a16:creationId xmlns:a16="http://schemas.microsoft.com/office/drawing/2014/main" id="{A06F4B67-BC95-4940-F705-CC63CE41930D}"/>
+              </a:ext>
+            </a:extLst>
+          </p:cNvPr>
+          <p:cNvSpPr>
+            <a:spLocks noGrp="1"/>
+          </p:cNvSpPr>
+          <p:nvPr>
+            <p:ph type="title"/>
+          </p:nvPr>
+        </p:nvSpPr>
+        <p:spPr/>
+        <p:txBody>
+          <a:bodyPr/>
+          <a:lstStyle/>
+          <a:p>
+            <a:r>
+              <a:rPr lang="en-US" dirty="0"/>
+              <a:t>Recap of Previous Lecture</a:t>
+            </a:r>
+          </a:p>
+        </p:txBody>
+      </p:sp>
+      <p:sp>
+        <p:nvSpPr>
+          <p:cNvPr id="3" name="Text Placeholder 2">
+            <a:extLst>
+              <a:ext uri="{FF2B5EF4-FFF2-40B4-BE49-F238E27FC236}">
+                <a16:creationId xmlns:a16="http://schemas.microsoft.com/office/drawing/2014/main" id="{4F085A79-31AE-F630-6B02-C0A6410F28CE}"/>
+              </a:ext>
+            </a:extLst>
+          </p:cNvPr>
+          <p:cNvSpPr>
+            <a:spLocks noGrp="1"/>
+          </p:cNvSpPr>
+          <p:nvPr>
+            <p:ph type="body" idx="1"/>
+          </p:nvPr>
+        </p:nvSpPr>
+        <p:spPr/>
+        <p:txBody>
+          <a:bodyPr/>
+          <a:lstStyle/>
+          <a:p>
+            <a:endParaRPr lang="en-US"/>
+          </a:p>
+        </p:txBody>
+      </p:sp>
+    </p:spTree>
+    <p:extLst>
+      <p:ext uri="{BB962C8B-B14F-4D97-AF65-F5344CB8AC3E}">
+        <p14:creationId xmlns:p14="http://schemas.microsoft.com/office/powerpoint/2010/main" val="822506833"/>
+      </p:ext>
+    </p:extLst>
+  </p:cSld>
+  <p:clrMapOvr>
+    <a:masterClrMapping/>
+  </p:clrMapOvr>
+</p:sld>
+</file>
+
+<file path=ppt/slides/slide6.xml><?xml version="1.0" encoding="utf-8"?>
+<p:sld xmlns:a="http://schemas.openxmlformats.org/drawingml/2006/main" xmlns:r="http://schemas.openxmlformats.org/officeDocument/2006/relationships" xmlns:p="http://schemas.openxmlformats.org/presentationml/2006/main">
+  <p:cSld>
     <p:bg>
       <p:bgPr>
         <a:solidFill>
@@ -38506,7 +44148,7 @@
 </p:sld>
 </file>
 
-<file path=ppt/slides/slide6.xml><?xml version="1.0" encoding="utf-8"?>
+<file path=ppt/slides/slide7.xml><?xml version="1.0" encoding="utf-8"?>
 <p:sld xmlns:a="http://schemas.openxmlformats.org/drawingml/2006/main" xmlns:r="http://schemas.openxmlformats.org/officeDocument/2006/relationships" xmlns:p="http://schemas.openxmlformats.org/presentationml/2006/main">
   <p:cSld>
     <p:bg>
@@ -38713,7 +44355,7 @@
 </p:sld>
 </file>
 
-<file path=ppt/slides/slide7.xml><?xml version="1.0" encoding="utf-8"?>
+<file path=ppt/slides/slide8.xml><?xml version="1.0" encoding="utf-8"?>
 <p:sld xmlns:a="http://schemas.openxmlformats.org/drawingml/2006/main" xmlns:r="http://schemas.openxmlformats.org/officeDocument/2006/relationships" xmlns:p="http://schemas.openxmlformats.org/presentationml/2006/main">
   <p:cSld>
     <p:bg>
@@ -38920,7 +44562,7 @@
 </p:sld>
 </file>
 
-<file path=ppt/slides/slide8.xml><?xml version="1.0" encoding="utf-8"?>
+<file path=ppt/slides/slide9.xml><?xml version="1.0" encoding="utf-8"?>
 <p:sld xmlns:a="http://schemas.openxmlformats.org/drawingml/2006/main" xmlns:r="http://schemas.openxmlformats.org/officeDocument/2006/relationships" xmlns:p="http://schemas.openxmlformats.org/presentationml/2006/main">
   <p:cSld>
     <p:bg>
@@ -39695,780 +45337,6 @@
 </p:sld>
 </file>
 
-<file path=ppt/slides/slide9.xml><?xml version="1.0" encoding="utf-8"?>
-<p:sld xmlns:a="http://schemas.openxmlformats.org/drawingml/2006/main" xmlns:r="http://schemas.openxmlformats.org/officeDocument/2006/relationships" xmlns:p="http://schemas.openxmlformats.org/presentationml/2006/main">
-  <p:cSld>
-    <p:spTree>
-      <p:nvGrpSpPr>
-        <p:cNvPr id="1" name=""/>
-        <p:cNvGrpSpPr/>
-        <p:nvPr/>
-      </p:nvGrpSpPr>
-      <p:grpSpPr>
-        <a:xfrm>
-          <a:off x="0" y="0"/>
-          <a:ext cx="0" cy="0"/>
-          <a:chOff x="0" y="0"/>
-          <a:chExt cx="0" cy="0"/>
-        </a:xfrm>
-      </p:grpSpPr>
-      <mc:AlternateContent xmlns:mc="http://schemas.openxmlformats.org/markup-compatibility/2006" xmlns:a14="http://schemas.microsoft.com/office/drawing/2010/main">
-        <mc:Choice Requires="a14">
-          <p:sp>
-            <p:nvSpPr>
-              <p:cNvPr id="2" name="Title 1">
-                <a:extLst>
-                  <a:ext uri="{FF2B5EF4-FFF2-40B4-BE49-F238E27FC236}">
-                    <a16:creationId xmlns:a16="http://schemas.microsoft.com/office/drawing/2014/main" id="{88F507F8-5C1B-44A2-F3E0-1AD19BC32A7F}"/>
-                  </a:ext>
-                </a:extLst>
-              </p:cNvPr>
-              <p:cNvSpPr>
-                <a:spLocks noGrp="1"/>
-              </p:cNvSpPr>
-              <p:nvPr>
-                <p:ph type="title"/>
-              </p:nvPr>
-            </p:nvSpPr>
-            <p:spPr>
-              <a:xfrm>
-                <a:off x="1920891" y="1045619"/>
-                <a:ext cx="9585306" cy="4240743"/>
-              </a:xfrm>
-            </p:spPr>
-            <p:txBody>
-              <a:bodyPr vert="horz" lIns="91440" tIns="45720" rIns="91440" bIns="45720" rtlCol="0" anchor="b">
-                <a:normAutofit/>
-              </a:bodyPr>
-              <a:lstStyle/>
-              <a:p>
-                <a:pPr>
-                  <a:spcBef>
-                    <a:spcPts val="1200"/>
-                  </a:spcBef>
-                  <a:spcAft>
-                    <a:spcPts val="1200"/>
-                  </a:spcAft>
-                </a:pPr>
-                <a:r>
-                  <a:rPr lang="en-US" sz="3600" dirty="0"/>
-                  <a:t>Intuition: a covariate needs to introduce a large improvement in predictive performance to be included in the solution</a:t>
-                </a:r>
-                <a:br>
-                  <a:rPr lang="en-US" sz="3600" dirty="0"/>
-                </a:br>
-                <a14:m>
-                  <m:oMathPara xmlns:m="http://schemas.openxmlformats.org/officeDocument/2006/math">
-                    <m:oMathParaPr>
-                      <m:jc m:val="centerGroup"/>
-                    </m:oMathParaPr>
-                    <m:oMath xmlns:m="http://schemas.openxmlformats.org/officeDocument/2006/math">
-                      <m:d>
-                        <m:dPr>
-                          <m:begChr m:val="|"/>
-                          <m:endChr m:val="|"/>
-                          <m:ctrlPr>
-                            <a:rPr kumimoji="0" lang="en-US" sz="2800" b="0" i="1" u="none" strike="noStrike" kern="1200" cap="none" spc="0" normalizeH="0" baseline="0" noProof="0" smtClean="0">
-                              <a:ln>
-                                <a:noFill/>
-                              </a:ln>
-                              <a:solidFill>
-                                <a:prstClr val="black"/>
-                              </a:solidFill>
-                              <a:effectLst/>
-                              <a:uLnTx/>
-                              <a:uFillTx/>
-                              <a:latin typeface="Cambria Math" panose="02040503050406030204" pitchFamily="18" charset="0"/>
-                              <a:ea typeface="+mn-ea"/>
-                              <a:cs typeface="+mn-cs"/>
-                            </a:rPr>
-                          </m:ctrlPr>
-                        </m:dPr>
-                        <m:e>
-                          <m:sSub>
-                            <m:sSubPr>
-                              <m:ctrlPr>
-                                <a:rPr kumimoji="0" lang="en-US" sz="2800" b="0" i="1" u="none" strike="noStrike" kern="1200" cap="none" spc="0" normalizeH="0" baseline="0" noProof="0" smtClean="0">
-                                  <a:ln>
-                                    <a:noFill/>
-                                  </a:ln>
-                                  <a:solidFill>
-                                    <a:prstClr val="black"/>
-                                  </a:solidFill>
-                                  <a:effectLst/>
-                                  <a:uLnTx/>
-                                  <a:uFillTx/>
-                                  <a:latin typeface="Cambria Math" panose="02040503050406030204" pitchFamily="18" charset="0"/>
-                                  <a:ea typeface="+mn-ea"/>
-                                  <a:cs typeface="+mn-cs"/>
-                                </a:rPr>
-                              </m:ctrlPr>
-                            </m:sSubPr>
-                            <m:e>
-                              <m:r>
-                                <a:rPr kumimoji="0" lang="en-US" sz="2800" b="0" i="1" u="none" strike="noStrike" kern="1200" cap="none" spc="0" normalizeH="0" baseline="0" noProof="0" smtClean="0">
-                                  <a:ln>
-                                    <a:noFill/>
-                                  </a:ln>
-                                  <a:solidFill>
-                                    <a:prstClr val="black"/>
-                                  </a:solidFill>
-                                  <a:effectLst/>
-                                  <a:uLnTx/>
-                                  <a:uFillTx/>
-                                  <a:latin typeface="Cambria Math" panose="02040503050406030204" pitchFamily="18" charset="0"/>
-                                  <a:ea typeface="+mn-ea"/>
-                                  <a:cs typeface="+mn-cs"/>
-                                </a:rPr>
-                                <m:t>𝜕</m:t>
-                              </m:r>
-                            </m:e>
-                            <m:sub>
-                              <m:sSub>
-                                <m:sSubPr>
-                                  <m:ctrlPr>
-                                    <a:rPr kumimoji="0" lang="en-US" sz="2800" b="0" i="1" u="none" strike="noStrike" kern="1200" cap="none" spc="0" normalizeH="0" baseline="0" noProof="0" smtClean="0">
-                                      <a:ln>
-                                        <a:noFill/>
-                                      </a:ln>
-                                      <a:solidFill>
-                                        <a:prstClr val="black"/>
-                                      </a:solidFill>
-                                      <a:effectLst/>
-                                      <a:uLnTx/>
-                                      <a:uFillTx/>
-                                      <a:latin typeface="Cambria Math" panose="02040503050406030204" pitchFamily="18" charset="0"/>
-                                      <a:ea typeface="+mn-ea"/>
-                                      <a:cs typeface="+mn-cs"/>
-                                    </a:rPr>
-                                  </m:ctrlPr>
-                                </m:sSubPr>
-                                <m:e>
-                                  <m:r>
-                                    <a:rPr kumimoji="0" lang="en-US" sz="2800" b="0" i="1" u="none" strike="noStrike" kern="1200" cap="none" spc="0" normalizeH="0" baseline="0" noProof="0" smtClean="0">
-                                      <a:ln>
-                                        <a:noFill/>
-                                      </a:ln>
-                                      <a:solidFill>
-                                        <a:prstClr val="black"/>
-                                      </a:solidFill>
-                                      <a:effectLst/>
-                                      <a:uLnTx/>
-                                      <a:uFillTx/>
-                                      <a:latin typeface="Cambria Math" panose="02040503050406030204" pitchFamily="18" charset="0"/>
-                                      <a:ea typeface="+mn-ea"/>
-                                      <a:cs typeface="+mn-cs"/>
-                                    </a:rPr>
-                                    <m:t>𝑏</m:t>
-                                  </m:r>
-                                </m:e>
-                                <m:sub>
-                                  <m:r>
-                                    <a:rPr kumimoji="0" lang="en-US" sz="2800" b="0" i="1" u="none" strike="noStrike" kern="1200" cap="none" spc="0" normalizeH="0" baseline="0" noProof="0" smtClean="0">
-                                      <a:ln>
-                                        <a:noFill/>
-                                      </a:ln>
-                                      <a:solidFill>
-                                        <a:prstClr val="black"/>
-                                      </a:solidFill>
-                                      <a:effectLst/>
-                                      <a:uLnTx/>
-                                      <a:uFillTx/>
-                                      <a:latin typeface="Cambria Math" panose="02040503050406030204" pitchFamily="18" charset="0"/>
-                                      <a:ea typeface="+mn-ea"/>
-                                      <a:cs typeface="+mn-cs"/>
-                                    </a:rPr>
-                                    <m:t>𝑗</m:t>
-                                  </m:r>
-                                </m:sub>
-                              </m:sSub>
-                            </m:sub>
-                          </m:sSub>
-                          <m:sSub>
-                            <m:sSubPr>
-                              <m:ctrlPr>
-                                <a:rPr kumimoji="0" lang="en-US" sz="2800" b="0" i="1" u="none" strike="noStrike" kern="1200" cap="none" spc="0" normalizeH="0" baseline="0" noProof="0" smtClean="0">
-                                  <a:ln>
-                                    <a:noFill/>
-                                  </a:ln>
-                                  <a:solidFill>
-                                    <a:prstClr val="black"/>
-                                  </a:solidFill>
-                                  <a:effectLst/>
-                                  <a:uLnTx/>
-                                  <a:uFillTx/>
-                                  <a:latin typeface="Cambria Math" panose="02040503050406030204" pitchFamily="18" charset="0"/>
-                                  <a:ea typeface="+mn-ea"/>
-                                  <a:cs typeface="+mn-cs"/>
-                                </a:rPr>
-                              </m:ctrlPr>
-                            </m:sSubPr>
-                            <m:e>
-                              <m:r>
-                                <a:rPr kumimoji="0" lang="en-US" sz="2800" b="0" i="1" u="none" strike="noStrike" kern="1200" cap="none" spc="0" normalizeH="0" baseline="0" noProof="0" smtClean="0">
-                                  <a:ln>
-                                    <a:noFill/>
-                                  </a:ln>
-                                  <a:solidFill>
-                                    <a:prstClr val="black"/>
-                                  </a:solidFill>
-                                  <a:effectLst/>
-                                  <a:uLnTx/>
-                                  <a:uFillTx/>
-                                  <a:latin typeface="Cambria Math" panose="02040503050406030204" pitchFamily="18" charset="0"/>
-                                  <a:ea typeface="+mn-ea"/>
-                                  <a:cs typeface="+mn-cs"/>
-                                </a:rPr>
-                                <m:t>𝐸</m:t>
-                              </m:r>
-                            </m:e>
-                            <m:sub>
-                              <m:r>
-                                <a:rPr kumimoji="0" lang="en-US" sz="2800" b="0" i="1" u="none" strike="noStrike" kern="1200" cap="none" spc="0" normalizeH="0" baseline="0" noProof="0" smtClean="0">
-                                  <a:ln>
-                                    <a:noFill/>
-                                  </a:ln>
-                                  <a:solidFill>
-                                    <a:prstClr val="black"/>
-                                  </a:solidFill>
-                                  <a:effectLst/>
-                                  <a:uLnTx/>
-                                  <a:uFillTx/>
-                                  <a:latin typeface="Cambria Math" panose="02040503050406030204" pitchFamily="18" charset="0"/>
-                                  <a:ea typeface="+mn-ea"/>
-                                  <a:cs typeface="+mn-cs"/>
-                                </a:rPr>
-                                <m:t>𝑛</m:t>
-                              </m:r>
-                            </m:sub>
-                          </m:sSub>
-                          <m:d>
-                            <m:dPr>
-                              <m:begChr m:val="["/>
-                              <m:endChr m:val="]"/>
-                              <m:ctrlPr>
-                                <a:rPr kumimoji="0" lang="en-US" sz="2800" b="0" i="1" u="none" strike="noStrike" kern="1200" cap="none" spc="0" normalizeH="0" baseline="0" noProof="0" smtClean="0">
-                                  <a:ln>
-                                    <a:noFill/>
-                                  </a:ln>
-                                  <a:solidFill>
-                                    <a:prstClr val="black"/>
-                                  </a:solidFill>
-                                  <a:effectLst/>
-                                  <a:uLnTx/>
-                                  <a:uFillTx/>
-                                  <a:latin typeface="Cambria Math" panose="02040503050406030204" pitchFamily="18" charset="0"/>
-                                  <a:ea typeface="+mn-ea"/>
-                                  <a:cs typeface="+mn-cs"/>
-                                </a:rPr>
-                              </m:ctrlPr>
-                            </m:dPr>
-                            <m:e>
-                              <m:sSup>
-                                <m:sSupPr>
-                                  <m:ctrlPr>
-                                    <a:rPr kumimoji="0" lang="en-US" sz="2800" b="0" i="1" u="none" strike="noStrike" kern="1200" cap="none" spc="0" normalizeH="0" baseline="0" noProof="0" smtClean="0">
-                                      <a:ln>
-                                        <a:noFill/>
-                                      </a:ln>
-                                      <a:solidFill>
-                                        <a:prstClr val="black"/>
-                                      </a:solidFill>
-                                      <a:effectLst/>
-                                      <a:uLnTx/>
-                                      <a:uFillTx/>
-                                      <a:latin typeface="Cambria Math" panose="02040503050406030204" pitchFamily="18" charset="0"/>
-                                      <a:ea typeface="+mn-ea"/>
-                                      <a:cs typeface="+mn-cs"/>
-                                    </a:rPr>
-                                  </m:ctrlPr>
-                                </m:sSupPr>
-                                <m:e>
-                                  <m:d>
-                                    <m:dPr>
-                                      <m:ctrlPr>
-                                        <a:rPr kumimoji="0" lang="en-US" sz="2800" b="0" i="1" u="none" strike="noStrike" kern="1200" cap="none" spc="0" normalizeH="0" baseline="0" noProof="0" smtClean="0">
-                                          <a:ln>
-                                            <a:noFill/>
-                                          </a:ln>
-                                          <a:solidFill>
-                                            <a:prstClr val="black"/>
-                                          </a:solidFill>
-                                          <a:effectLst/>
-                                          <a:uLnTx/>
-                                          <a:uFillTx/>
-                                          <a:latin typeface="Cambria Math" panose="02040503050406030204" pitchFamily="18" charset="0"/>
-                                          <a:ea typeface="+mn-ea"/>
-                                          <a:cs typeface="+mn-cs"/>
-                                        </a:rPr>
-                                      </m:ctrlPr>
-                                    </m:dPr>
-                                    <m:e>
-                                      <m:r>
-                                        <a:rPr kumimoji="0" lang="en-US" sz="2800" b="0" i="1" u="none" strike="noStrike" kern="1200" cap="none" spc="0" normalizeH="0" baseline="0" noProof="0" smtClean="0">
-                                          <a:ln>
-                                            <a:noFill/>
-                                          </a:ln>
-                                          <a:solidFill>
-                                            <a:prstClr val="black"/>
-                                          </a:solidFill>
-                                          <a:effectLst/>
-                                          <a:uLnTx/>
-                                          <a:uFillTx/>
-                                          <a:latin typeface="Cambria Math" panose="02040503050406030204" pitchFamily="18" charset="0"/>
-                                          <a:ea typeface="+mn-ea"/>
-                                          <a:cs typeface="+mn-cs"/>
-                                        </a:rPr>
-                                        <m:t>𝑌</m:t>
-                                      </m:r>
-                                      <m:r>
-                                        <a:rPr kumimoji="0" lang="en-US" sz="2800" b="0" i="1" u="none" strike="noStrike" kern="1200" cap="none" spc="0" normalizeH="0" baseline="0" noProof="0" smtClean="0">
-                                          <a:ln>
-                                            <a:noFill/>
-                                          </a:ln>
-                                          <a:solidFill>
-                                            <a:prstClr val="black"/>
-                                          </a:solidFill>
-                                          <a:effectLst/>
-                                          <a:uLnTx/>
-                                          <a:uFillTx/>
-                                          <a:latin typeface="Cambria Math" panose="02040503050406030204" pitchFamily="18" charset="0"/>
-                                          <a:ea typeface="+mn-ea"/>
-                                          <a:cs typeface="+mn-cs"/>
-                                        </a:rPr>
-                                        <m:t>−</m:t>
-                                      </m:r>
-                                      <m:sSup>
-                                        <m:sSupPr>
-                                          <m:ctrlPr>
-                                            <a:rPr kumimoji="0" lang="en-US" sz="2800" b="0" i="1" u="none" strike="noStrike" kern="1200" cap="none" spc="0" normalizeH="0" baseline="0" noProof="0" smtClean="0">
-                                              <a:ln>
-                                                <a:noFill/>
-                                              </a:ln>
-                                              <a:solidFill>
-                                                <a:prstClr val="black"/>
-                                              </a:solidFill>
-                                              <a:effectLst/>
-                                              <a:uLnTx/>
-                                              <a:uFillTx/>
-                                              <a:latin typeface="Cambria Math" panose="02040503050406030204" pitchFamily="18" charset="0"/>
-                                              <a:ea typeface="+mn-ea"/>
-                                              <a:cs typeface="+mn-cs"/>
-                                            </a:rPr>
-                                          </m:ctrlPr>
-                                        </m:sSupPr>
-                                        <m:e>
-                                          <m:acc>
-                                            <m:accPr>
-                                              <m:chr m:val="̂"/>
-                                              <m:ctrlPr>
-                                                <a:rPr kumimoji="0" lang="en-US" sz="2800" b="0" i="1" u="none" strike="noStrike" kern="1200" cap="none" spc="0" normalizeH="0" baseline="0" noProof="0" smtClean="0">
-                                                  <a:ln>
-                                                    <a:noFill/>
-                                                  </a:ln>
-                                                  <a:solidFill>
-                                                    <a:prstClr val="black"/>
-                                                  </a:solidFill>
-                                                  <a:effectLst/>
-                                                  <a:uLnTx/>
-                                                  <a:uFillTx/>
-                                                  <a:latin typeface="Cambria Math" panose="02040503050406030204" pitchFamily="18" charset="0"/>
-                                                  <a:ea typeface="+mn-ea"/>
-                                                  <a:cs typeface="+mn-cs"/>
-                                                </a:rPr>
-                                              </m:ctrlPr>
-                                            </m:accPr>
-                                            <m:e>
-                                              <m:r>
-                                                <a:rPr kumimoji="0" lang="en-US" sz="2800" b="0" i="1" u="none" strike="noStrike" kern="1200" cap="none" spc="0" normalizeH="0" baseline="0" noProof="0" smtClean="0">
-                                                  <a:ln>
-                                                    <a:noFill/>
-                                                  </a:ln>
-                                                  <a:solidFill>
-                                                    <a:prstClr val="black"/>
-                                                  </a:solidFill>
-                                                  <a:effectLst/>
-                                                  <a:uLnTx/>
-                                                  <a:uFillTx/>
-                                                  <a:latin typeface="Cambria Math" panose="02040503050406030204" pitchFamily="18" charset="0"/>
-                                                  <a:ea typeface="+mn-ea"/>
-                                                  <a:cs typeface="+mn-cs"/>
-                                                </a:rPr>
-                                                <m:t>𝛽</m:t>
-                                              </m:r>
-                                            </m:e>
-                                          </m:acc>
-                                        </m:e>
-                                        <m:sup>
-                                          <m:r>
-                                            <a:rPr kumimoji="0" lang="en-US" sz="2800" b="0" i="1" u="none" strike="noStrike" kern="1200" cap="none" spc="0" normalizeH="0" baseline="0" noProof="0" smtClean="0">
-                                              <a:ln>
-                                                <a:noFill/>
-                                              </a:ln>
-                                              <a:solidFill>
-                                                <a:prstClr val="black"/>
-                                              </a:solidFill>
-                                              <a:effectLst/>
-                                              <a:uLnTx/>
-                                              <a:uFillTx/>
-                                              <a:latin typeface="Cambria Math" panose="02040503050406030204" pitchFamily="18" charset="0"/>
-                                              <a:ea typeface="+mn-ea"/>
-                                              <a:cs typeface="+mn-cs"/>
-                                            </a:rPr>
-                                            <m:t>′</m:t>
-                                          </m:r>
-                                        </m:sup>
-                                      </m:sSup>
-                                      <m:r>
-                                        <a:rPr kumimoji="0" lang="en-US" sz="2800" b="0" i="1" u="none" strike="noStrike" kern="1200" cap="none" spc="0" normalizeH="0" baseline="0" noProof="0" smtClean="0">
-                                          <a:ln>
-                                            <a:noFill/>
-                                          </a:ln>
-                                          <a:solidFill>
-                                            <a:prstClr val="black"/>
-                                          </a:solidFill>
-                                          <a:effectLst/>
-                                          <a:uLnTx/>
-                                          <a:uFillTx/>
-                                          <a:latin typeface="Cambria Math" panose="02040503050406030204" pitchFamily="18" charset="0"/>
-                                          <a:ea typeface="+mn-ea"/>
-                                          <a:cs typeface="+mn-cs"/>
-                                        </a:rPr>
-                                        <m:t>𝑋</m:t>
-                                      </m:r>
-                                    </m:e>
-                                  </m:d>
-                                </m:e>
-                                <m:sup>
-                                  <m:r>
-                                    <a:rPr kumimoji="0" lang="en-US" sz="2800" b="0" i="1" u="none" strike="noStrike" kern="1200" cap="none" spc="0" normalizeH="0" baseline="0" noProof="0" smtClean="0">
-                                      <a:ln>
-                                        <a:noFill/>
-                                      </a:ln>
-                                      <a:solidFill>
-                                        <a:prstClr val="black"/>
-                                      </a:solidFill>
-                                      <a:effectLst/>
-                                      <a:uLnTx/>
-                                      <a:uFillTx/>
-                                      <a:latin typeface="Cambria Math" panose="02040503050406030204" pitchFamily="18" charset="0"/>
-                                      <a:ea typeface="+mn-ea"/>
-                                      <a:cs typeface="+mn-cs"/>
-                                    </a:rPr>
-                                    <m:t>2</m:t>
-                                  </m:r>
-                                </m:sup>
-                              </m:sSup>
-                            </m:e>
-                          </m:d>
-                        </m:e>
-                      </m:d>
-                      <m:r>
-                        <a:rPr kumimoji="0" lang="en-US" sz="2800" b="0" i="1" u="none" strike="noStrike" kern="1200" cap="none" spc="0" normalizeH="0" baseline="0" noProof="0" smtClean="0">
-                          <a:ln>
-                            <a:noFill/>
-                          </a:ln>
-                          <a:solidFill>
-                            <a:prstClr val="black"/>
-                          </a:solidFill>
-                          <a:effectLst/>
-                          <a:uLnTx/>
-                          <a:uFillTx/>
-                          <a:latin typeface="Cambria Math" panose="02040503050406030204" pitchFamily="18" charset="0"/>
-                          <a:ea typeface="+mn-ea"/>
-                          <a:cs typeface="+mn-cs"/>
-                        </a:rPr>
-                        <m:t>≥</m:t>
-                      </m:r>
-                      <m:r>
-                        <a:rPr kumimoji="0" lang="en-US" sz="2800" b="0" i="1" u="none" strike="noStrike" kern="1200" cap="none" spc="0" normalizeH="0" baseline="0" noProof="0" smtClean="0">
-                          <a:ln>
-                            <a:noFill/>
-                          </a:ln>
-                          <a:solidFill>
-                            <a:prstClr val="black"/>
-                          </a:solidFill>
-                          <a:effectLst/>
-                          <a:uLnTx/>
-                          <a:uFillTx/>
-                          <a:latin typeface="Cambria Math" panose="02040503050406030204" pitchFamily="18" charset="0"/>
-                          <a:ea typeface="+mn-ea"/>
-                          <a:cs typeface="+mn-cs"/>
-                        </a:rPr>
-                        <m:t>𝜆</m:t>
-                      </m:r>
-                    </m:oMath>
-                  </m:oMathPara>
-                </a14:m>
-                <a:endParaRPr lang="en-US" sz="3600" kern="1200" dirty="0">
-                  <a:solidFill>
-                    <a:schemeClr val="tx1"/>
-                  </a:solidFill>
-                </a:endParaRPr>
-              </a:p>
-            </p:txBody>
-          </p:sp>
-        </mc:Choice>
-        <mc:Fallback xmlns="">
-          <p:sp>
-            <p:nvSpPr>
-              <p:cNvPr id="2" name="Title 1">
-                <a:extLst>
-                  <a:ext uri="{FF2B5EF4-FFF2-40B4-BE49-F238E27FC236}">
-                    <a16:creationId xmlns:a16="http://schemas.microsoft.com/office/drawing/2014/main" id="{88F507F8-5C1B-44A2-F3E0-1AD19BC32A7F}"/>
-                  </a:ext>
-                </a:extLst>
-              </p:cNvPr>
-              <p:cNvSpPr>
-                <a:spLocks noGrp="1" noRot="1" noChangeAspect="1" noMove="1" noResize="1" noEditPoints="1" noAdjustHandles="1" noChangeArrowheads="1" noChangeShapeType="1" noTextEdit="1"/>
-              </p:cNvSpPr>
-              <p:nvPr>
-                <p:ph type="title"/>
-              </p:nvPr>
-            </p:nvSpPr>
-            <p:spPr>
-              <a:xfrm>
-                <a:off x="1920891" y="1045619"/>
-                <a:ext cx="9585306" cy="4240743"/>
-              </a:xfrm>
-              <a:blipFill>
-                <a:blip r:embed="rId2"/>
-                <a:stretch>
-                  <a:fillRect l="-1908"/>
-                </a:stretch>
-              </a:blipFill>
-            </p:spPr>
-            <p:txBody>
-              <a:bodyPr/>
-              <a:lstStyle/>
-              <a:p>
-                <a:r>
-                  <a:rPr lang="en-US">
-                    <a:noFill/>
-                  </a:rPr>
-                  <a:t> </a:t>
-                </a:r>
-              </a:p>
-            </p:txBody>
-          </p:sp>
-        </mc:Fallback>
-      </mc:AlternateContent>
-      <p:pic>
-        <p:nvPicPr>
-          <p:cNvPr id="5" name="Graphic 4" descr="Work from home house outline">
-            <a:extLst>
-              <a:ext uri="{FF2B5EF4-FFF2-40B4-BE49-F238E27FC236}">
-                <a16:creationId xmlns:a16="http://schemas.microsoft.com/office/drawing/2014/main" id="{BDD457CB-DCA3-A6C7-9D7D-242EB4DA6CC7}"/>
-              </a:ext>
-            </a:extLst>
-          </p:cNvPr>
-          <p:cNvPicPr>
-            <a:picLocks noChangeAspect="1"/>
-          </p:cNvPicPr>
-          <p:nvPr/>
-        </p:nvPicPr>
-        <p:blipFill>
-          <a:blip r:embed="rId3">
-            <a:extLst>
-              <a:ext uri="{28A0092B-C50C-407E-A947-70E740481C1C}">
-                <a14:useLocalDpi xmlns:a14="http://schemas.microsoft.com/office/drawing/2010/main" val="0"/>
-              </a:ext>
-              <a:ext uri="{96DAC541-7B7A-43D3-8B79-37D633B846F1}">
-                <asvg:svgBlip xmlns:asvg="http://schemas.microsoft.com/office/drawing/2016/SVG/main" r:embed="rId4"/>
-              </a:ext>
-            </a:extLst>
-          </a:blip>
-          <a:stretch>
-            <a:fillRect/>
-          </a:stretch>
-        </p:blipFill>
-        <p:spPr>
-          <a:xfrm>
-            <a:off x="685803" y="4189082"/>
-            <a:ext cx="1097280" cy="1097280"/>
-          </a:xfrm>
-          <a:prstGeom prst="rect">
-            <a:avLst/>
-          </a:prstGeom>
-        </p:spPr>
-      </p:pic>
-      <p:sp>
-        <p:nvSpPr>
-          <p:cNvPr id="8" name="Right Brace 7">
-            <a:extLst>
-              <a:ext uri="{FF2B5EF4-FFF2-40B4-BE49-F238E27FC236}">
-                <a16:creationId xmlns:a16="http://schemas.microsoft.com/office/drawing/2014/main" id="{E4E759B6-D686-1CF2-6F57-F3B1D187B941}"/>
-              </a:ext>
-            </a:extLst>
-          </p:cNvPr>
-          <p:cNvSpPr/>
-          <p:nvPr/>
-        </p:nvSpPr>
-        <p:spPr>
-          <a:xfrm rot="5400000">
-            <a:off x="6210300" y="3805766"/>
-            <a:ext cx="298450" cy="3181350"/>
-          </a:xfrm>
-          <a:prstGeom prst="rightBrace">
-            <a:avLst/>
-          </a:prstGeom>
-          <a:ln w="19050"/>
-        </p:spPr>
-        <p:style>
-          <a:lnRef idx="1">
-            <a:schemeClr val="accent1"/>
-          </a:lnRef>
-          <a:fillRef idx="0">
-            <a:schemeClr val="accent1"/>
-          </a:fillRef>
-          <a:effectRef idx="0">
-            <a:schemeClr val="accent1"/>
-          </a:effectRef>
-          <a:fontRef idx="minor">
-            <a:schemeClr val="tx1"/>
-          </a:fontRef>
-        </p:style>
-        <p:txBody>
-          <a:bodyPr rtlCol="0" anchor="ctr"/>
-          <a:lstStyle/>
-          <a:p>
-            <a:pPr algn="ctr"/>
-            <a:endParaRPr lang="en-US"/>
-          </a:p>
-        </p:txBody>
-      </p:sp>
-      <p:sp>
-        <p:nvSpPr>
-          <p:cNvPr id="9" name="TextBox 8">
-            <a:extLst>
-              <a:ext uri="{FF2B5EF4-FFF2-40B4-BE49-F238E27FC236}">
-                <a16:creationId xmlns:a16="http://schemas.microsoft.com/office/drawing/2014/main" id="{2B9F0456-339C-3DEF-C07D-92804C52887A}"/>
-              </a:ext>
-            </a:extLst>
-          </p:cNvPr>
-          <p:cNvSpPr txBox="1"/>
-          <p:nvPr/>
-        </p:nvSpPr>
-        <p:spPr>
-          <a:xfrm>
-            <a:off x="4966883" y="5545666"/>
-            <a:ext cx="2983317" cy="369332"/>
-          </a:xfrm>
-          <a:prstGeom prst="rect">
-            <a:avLst/>
-          </a:prstGeom>
-          <a:noFill/>
-        </p:spPr>
-        <p:txBody>
-          <a:bodyPr wrap="none" rtlCol="0">
-            <a:spAutoFit/>
-          </a:bodyPr>
-          <a:lstStyle/>
-          <a:p>
-            <a:r>
-              <a:rPr lang="en-US" dirty="0">
-                <a:latin typeface="+mj-lt"/>
-              </a:rPr>
-              <a:t>Marginal benefit in prediction</a:t>
-            </a:r>
-          </a:p>
-        </p:txBody>
-      </p:sp>
-      <p:sp>
-        <p:nvSpPr>
-          <p:cNvPr id="11" name="Right Brace 10">
-            <a:extLst>
-              <a:ext uri="{FF2B5EF4-FFF2-40B4-BE49-F238E27FC236}">
-                <a16:creationId xmlns:a16="http://schemas.microsoft.com/office/drawing/2014/main" id="{20F3BCF6-F7D2-13E7-3F0C-BF3EE81F9778}"/>
-              </a:ext>
-            </a:extLst>
-          </p:cNvPr>
-          <p:cNvSpPr/>
-          <p:nvPr/>
-        </p:nvSpPr>
-        <p:spPr>
-          <a:xfrm rot="5400000">
-            <a:off x="8390996" y="5220228"/>
-            <a:ext cx="298450" cy="352426"/>
-          </a:xfrm>
-          <a:prstGeom prst="rightBrace">
-            <a:avLst/>
-          </a:prstGeom>
-          <a:ln w="19050"/>
-        </p:spPr>
-        <p:style>
-          <a:lnRef idx="1">
-            <a:schemeClr val="accent1"/>
-          </a:lnRef>
-          <a:fillRef idx="0">
-            <a:schemeClr val="accent1"/>
-          </a:fillRef>
-          <a:effectRef idx="0">
-            <a:schemeClr val="accent1"/>
-          </a:effectRef>
-          <a:fontRef idx="minor">
-            <a:schemeClr val="tx1"/>
-          </a:fontRef>
-        </p:style>
-        <p:txBody>
-          <a:bodyPr rtlCol="0" anchor="ctr"/>
-          <a:lstStyle/>
-          <a:p>
-            <a:pPr algn="ctr"/>
-            <a:endParaRPr lang="en-US"/>
-          </a:p>
-        </p:txBody>
-      </p:sp>
-      <p:sp>
-        <p:nvSpPr>
-          <p:cNvPr id="12" name="TextBox 11">
-            <a:extLst>
-              <a:ext uri="{FF2B5EF4-FFF2-40B4-BE49-F238E27FC236}">
-                <a16:creationId xmlns:a16="http://schemas.microsoft.com/office/drawing/2014/main" id="{2AC953F3-BF96-F62D-FF11-4F88C6C44072}"/>
-              </a:ext>
-            </a:extLst>
-          </p:cNvPr>
-          <p:cNvSpPr txBox="1"/>
-          <p:nvPr/>
-        </p:nvSpPr>
-        <p:spPr>
-          <a:xfrm>
-            <a:off x="8026992" y="5545666"/>
-            <a:ext cx="2800382" cy="369332"/>
-          </a:xfrm>
-          <a:prstGeom prst="rect">
-            <a:avLst/>
-          </a:prstGeom>
-          <a:noFill/>
-        </p:spPr>
-        <p:txBody>
-          <a:bodyPr wrap="none" rtlCol="0">
-            <a:spAutoFit/>
-          </a:bodyPr>
-          <a:lstStyle/>
-          <a:p>
-            <a:r>
-              <a:rPr lang="en-US" dirty="0">
-                <a:latin typeface="+mj-lt"/>
-              </a:rPr>
-              <a:t>Marginal increase in penalty</a:t>
-            </a:r>
-          </a:p>
-        </p:txBody>
-      </p:sp>
-    </p:spTree>
-    <p:extLst>
-      <p:ext uri="{BB962C8B-B14F-4D97-AF65-F5344CB8AC3E}">
-        <p14:creationId xmlns:p14="http://schemas.microsoft.com/office/powerpoint/2010/main" val="859619169"/>
-      </p:ext>
-    </p:extLst>
-  </p:cSld>
-  <p:clrMapOvr>
-    <a:masterClrMapping/>
-  </p:clrMapOvr>
-</p:sld>
-</file>
-
 <file path=ppt/theme/theme1.xml><?xml version="1.0" encoding="utf-8"?>
 <a:theme xmlns:a="http://schemas.openxmlformats.org/drawingml/2006/main" name="Office Theme">
   <a:themeElements>
